--- a/99.ppt/[Ch4-5. 비동기 서비스 부하 테스트.pptx
+++ b/99.ppt/[Ch4-5. 비동기 서비스 부하 테스트.pptx
@@ -5,7 +5,7 @@
     <p:sldMasterId id="2147483665" r:id="rId1"/>
   </p:sldMasterIdLst>
   <p:notesMasterIdLst>
-    <p:notesMasterId r:id="rId16"/>
+    <p:notesMasterId r:id="rId19"/>
   </p:notesMasterIdLst>
   <p:sldIdLst>
     <p:sldId id="256" r:id="rId2"/>
@@ -22,6 +22,9 @@
     <p:sldId id="279" r:id="rId13"/>
     <p:sldId id="280" r:id="rId14"/>
     <p:sldId id="281" r:id="rId15"/>
+    <p:sldId id="283" r:id="rId16"/>
+    <p:sldId id="285" r:id="rId17"/>
+    <p:sldId id="284" r:id="rId18"/>
   </p:sldIdLst>
   <p:sldSz cx="9144000" cy="5143500" type="screen16x9"/>
   <p:notesSz cx="6858000" cy="9144000"/>
@@ -221,7 +224,7 @@
           <a:p>
             <a:fld id="{9B770909-2C76-4DF9-BB76-4EE283593418}" type="datetimeFigureOut">
               <a:rPr lang="ko-KR" altLang="en-US" smtClean="0"/>
-              <a:t>2023-08-10</a:t>
+              <a:t>2023-08-21</a:t>
             </a:fld>
             <a:endParaRPr lang="ko-KR" altLang="en-US"/>
           </a:p>
@@ -983,6 +986,258 @@
     <p:extLst>
       <p:ext uri="{BB962C8B-B14F-4D97-AF65-F5344CB8AC3E}">
         <p14:creationId xmlns:p14="http://schemas.microsoft.com/office/powerpoint/2010/main" val="1856516268"/>
+      </p:ext>
+    </p:extLst>
+  </p:cSld>
+  <p:clrMapOvr>
+    <a:masterClrMapping/>
+  </p:clrMapOvr>
+</p:notes>
+</file>
+
+<file path=ppt/notesSlides/notesSlide15.xml><?xml version="1.0" encoding="utf-8"?>
+<p:notes xmlns:a="http://schemas.openxmlformats.org/drawingml/2006/main" xmlns:r="http://schemas.openxmlformats.org/officeDocument/2006/relationships" xmlns:p="http://schemas.openxmlformats.org/presentationml/2006/main">
+  <p:cSld>
+    <p:spTree>
+      <p:nvGrpSpPr>
+        <p:cNvPr id="1" name=""/>
+        <p:cNvGrpSpPr/>
+        <p:nvPr/>
+      </p:nvGrpSpPr>
+      <p:grpSpPr>
+        <a:xfrm>
+          <a:off x="0" y="0"/>
+          <a:ext cx="0" cy="0"/>
+          <a:chOff x="0" y="0"/>
+          <a:chExt cx="0" cy="0"/>
+        </a:xfrm>
+      </p:grpSpPr>
+      <p:sp>
+        <p:nvSpPr>
+          <p:cNvPr id="2" name="슬라이드 이미지 개체 틀 1"/>
+          <p:cNvSpPr>
+            <a:spLocks noGrp="1" noRot="1" noChangeAspect="1"/>
+          </p:cNvSpPr>
+          <p:nvPr>
+            <p:ph type="sldImg"/>
+          </p:nvPr>
+        </p:nvSpPr>
+        <p:spPr/>
+      </p:sp>
+      <p:sp>
+        <p:nvSpPr>
+          <p:cNvPr id="3" name="슬라이드 노트 개체 틀 2"/>
+          <p:cNvSpPr>
+            <a:spLocks noGrp="1"/>
+          </p:cNvSpPr>
+          <p:nvPr>
+            <p:ph type="body" idx="1"/>
+          </p:nvPr>
+        </p:nvSpPr>
+        <p:spPr/>
+        <p:txBody>
+          <a:bodyPr/>
+          <a:lstStyle/>
+          <a:p>
+            <a:endParaRPr lang="en-US" altLang="ko-KR" dirty="0"/>
+          </a:p>
+        </p:txBody>
+      </p:sp>
+      <p:sp>
+        <p:nvSpPr>
+          <p:cNvPr id="4" name="슬라이드 번호 개체 틀 3"/>
+          <p:cNvSpPr>
+            <a:spLocks noGrp="1"/>
+          </p:cNvSpPr>
+          <p:nvPr>
+            <p:ph type="sldNum" sz="quarter" idx="5"/>
+          </p:nvPr>
+        </p:nvSpPr>
+        <p:spPr/>
+        <p:txBody>
+          <a:bodyPr/>
+          <a:lstStyle/>
+          <a:p>
+            <a:fld id="{4F243B46-72FF-4656-838A-691B9EB329E3}" type="slidenum">
+              <a:rPr lang="ko-KR" altLang="en-US" smtClean="0"/>
+              <a:t>15</a:t>
+            </a:fld>
+            <a:endParaRPr lang="ko-KR" altLang="en-US"/>
+          </a:p>
+        </p:txBody>
+      </p:sp>
+    </p:spTree>
+    <p:extLst>
+      <p:ext uri="{BB962C8B-B14F-4D97-AF65-F5344CB8AC3E}">
+        <p14:creationId xmlns:p14="http://schemas.microsoft.com/office/powerpoint/2010/main" val="2409539036"/>
+      </p:ext>
+    </p:extLst>
+  </p:cSld>
+  <p:clrMapOvr>
+    <a:masterClrMapping/>
+  </p:clrMapOvr>
+</p:notes>
+</file>
+
+<file path=ppt/notesSlides/notesSlide16.xml><?xml version="1.0" encoding="utf-8"?>
+<p:notes xmlns:a="http://schemas.openxmlformats.org/drawingml/2006/main" xmlns:r="http://schemas.openxmlformats.org/officeDocument/2006/relationships" xmlns:p="http://schemas.openxmlformats.org/presentationml/2006/main">
+  <p:cSld>
+    <p:spTree>
+      <p:nvGrpSpPr>
+        <p:cNvPr id="1" name=""/>
+        <p:cNvGrpSpPr/>
+        <p:nvPr/>
+      </p:nvGrpSpPr>
+      <p:grpSpPr>
+        <a:xfrm>
+          <a:off x="0" y="0"/>
+          <a:ext cx="0" cy="0"/>
+          <a:chOff x="0" y="0"/>
+          <a:chExt cx="0" cy="0"/>
+        </a:xfrm>
+      </p:grpSpPr>
+      <p:sp>
+        <p:nvSpPr>
+          <p:cNvPr id="2" name="슬라이드 이미지 개체 틀 1"/>
+          <p:cNvSpPr>
+            <a:spLocks noGrp="1" noRot="1" noChangeAspect="1"/>
+          </p:cNvSpPr>
+          <p:nvPr>
+            <p:ph type="sldImg"/>
+          </p:nvPr>
+        </p:nvSpPr>
+        <p:spPr/>
+      </p:sp>
+      <p:sp>
+        <p:nvSpPr>
+          <p:cNvPr id="3" name="슬라이드 노트 개체 틀 2"/>
+          <p:cNvSpPr>
+            <a:spLocks noGrp="1"/>
+          </p:cNvSpPr>
+          <p:nvPr>
+            <p:ph type="body" idx="1"/>
+          </p:nvPr>
+        </p:nvSpPr>
+        <p:spPr/>
+        <p:txBody>
+          <a:bodyPr/>
+          <a:lstStyle/>
+          <a:p>
+            <a:endParaRPr lang="en-US" altLang="ko-KR" dirty="0"/>
+          </a:p>
+        </p:txBody>
+      </p:sp>
+      <p:sp>
+        <p:nvSpPr>
+          <p:cNvPr id="4" name="슬라이드 번호 개체 틀 3"/>
+          <p:cNvSpPr>
+            <a:spLocks noGrp="1"/>
+          </p:cNvSpPr>
+          <p:nvPr>
+            <p:ph type="sldNum" sz="quarter" idx="5"/>
+          </p:nvPr>
+        </p:nvSpPr>
+        <p:spPr/>
+        <p:txBody>
+          <a:bodyPr/>
+          <a:lstStyle/>
+          <a:p>
+            <a:fld id="{4F243B46-72FF-4656-838A-691B9EB329E3}" type="slidenum">
+              <a:rPr lang="ko-KR" altLang="en-US" smtClean="0"/>
+              <a:t>16</a:t>
+            </a:fld>
+            <a:endParaRPr lang="ko-KR" altLang="en-US"/>
+          </a:p>
+        </p:txBody>
+      </p:sp>
+    </p:spTree>
+    <p:extLst>
+      <p:ext uri="{BB962C8B-B14F-4D97-AF65-F5344CB8AC3E}">
+        <p14:creationId xmlns:p14="http://schemas.microsoft.com/office/powerpoint/2010/main" val="3921288963"/>
+      </p:ext>
+    </p:extLst>
+  </p:cSld>
+  <p:clrMapOvr>
+    <a:masterClrMapping/>
+  </p:clrMapOvr>
+</p:notes>
+</file>
+
+<file path=ppt/notesSlides/notesSlide17.xml><?xml version="1.0" encoding="utf-8"?>
+<p:notes xmlns:a="http://schemas.openxmlformats.org/drawingml/2006/main" xmlns:r="http://schemas.openxmlformats.org/officeDocument/2006/relationships" xmlns:p="http://schemas.openxmlformats.org/presentationml/2006/main">
+  <p:cSld>
+    <p:spTree>
+      <p:nvGrpSpPr>
+        <p:cNvPr id="1" name=""/>
+        <p:cNvGrpSpPr/>
+        <p:nvPr/>
+      </p:nvGrpSpPr>
+      <p:grpSpPr>
+        <a:xfrm>
+          <a:off x="0" y="0"/>
+          <a:ext cx="0" cy="0"/>
+          <a:chOff x="0" y="0"/>
+          <a:chExt cx="0" cy="0"/>
+        </a:xfrm>
+      </p:grpSpPr>
+      <p:sp>
+        <p:nvSpPr>
+          <p:cNvPr id="2" name="슬라이드 이미지 개체 틀 1"/>
+          <p:cNvSpPr>
+            <a:spLocks noGrp="1" noRot="1" noChangeAspect="1"/>
+          </p:cNvSpPr>
+          <p:nvPr>
+            <p:ph type="sldImg"/>
+          </p:nvPr>
+        </p:nvSpPr>
+        <p:spPr/>
+      </p:sp>
+      <p:sp>
+        <p:nvSpPr>
+          <p:cNvPr id="3" name="슬라이드 노트 개체 틀 2"/>
+          <p:cNvSpPr>
+            <a:spLocks noGrp="1"/>
+          </p:cNvSpPr>
+          <p:nvPr>
+            <p:ph type="body" idx="1"/>
+          </p:nvPr>
+        </p:nvSpPr>
+        <p:spPr/>
+        <p:txBody>
+          <a:bodyPr/>
+          <a:lstStyle/>
+          <a:p>
+            <a:endParaRPr lang="en-US" altLang="ko-KR" dirty="0"/>
+          </a:p>
+        </p:txBody>
+      </p:sp>
+      <p:sp>
+        <p:nvSpPr>
+          <p:cNvPr id="4" name="슬라이드 번호 개체 틀 3"/>
+          <p:cNvSpPr>
+            <a:spLocks noGrp="1"/>
+          </p:cNvSpPr>
+          <p:nvPr>
+            <p:ph type="sldNum" sz="quarter" idx="5"/>
+          </p:nvPr>
+        </p:nvSpPr>
+        <p:spPr/>
+        <p:txBody>
+          <a:bodyPr/>
+          <a:lstStyle/>
+          <a:p>
+            <a:fld id="{4F243B46-72FF-4656-838A-691B9EB329E3}" type="slidenum">
+              <a:rPr lang="ko-KR" altLang="en-US" smtClean="0"/>
+              <a:t>17</a:t>
+            </a:fld>
+            <a:endParaRPr lang="ko-KR" altLang="en-US"/>
+          </a:p>
+        </p:txBody>
+      </p:sp>
+    </p:spTree>
+    <p:extLst>
+      <p:ext uri="{BB962C8B-B14F-4D97-AF65-F5344CB8AC3E}">
+        <p14:creationId xmlns:p14="http://schemas.microsoft.com/office/powerpoint/2010/main" val="229242913"/>
       </p:ext>
     </p:extLst>
   </p:cSld>
@@ -4656,6 +4911,1186 @@
 </p:sld>
 </file>
 
+<file path=ppt/slides/slide15.xml><?xml version="1.0" encoding="utf-8"?>
+<p:sld xmlns:a="http://schemas.openxmlformats.org/drawingml/2006/main" xmlns:r="http://schemas.openxmlformats.org/officeDocument/2006/relationships" xmlns:p="http://schemas.openxmlformats.org/presentationml/2006/main">
+  <p:cSld>
+    <p:spTree>
+      <p:nvGrpSpPr>
+        <p:cNvPr id="1" name=""/>
+        <p:cNvGrpSpPr/>
+        <p:nvPr/>
+      </p:nvGrpSpPr>
+      <p:grpSpPr>
+        <a:xfrm>
+          <a:off x="0" y="0"/>
+          <a:ext cx="0" cy="0"/>
+          <a:chOff x="0" y="0"/>
+          <a:chExt cx="0" cy="0"/>
+        </a:xfrm>
+      </p:grpSpPr>
+      <p:sp>
+        <p:nvSpPr>
+          <p:cNvPr id="2" name="제목 1">
+            <a:extLst>
+              <a:ext uri="{FF2B5EF4-FFF2-40B4-BE49-F238E27FC236}">
+                <a16:creationId xmlns:a16="http://schemas.microsoft.com/office/drawing/2014/main" id="{D21C1AA9-5E52-3A11-B3B3-447787E29D09}"/>
+              </a:ext>
+            </a:extLst>
+          </p:cNvPr>
+          <p:cNvSpPr>
+            <a:spLocks noGrp="1"/>
+          </p:cNvSpPr>
+          <p:nvPr>
+            <p:ph type="title"/>
+          </p:nvPr>
+        </p:nvSpPr>
+        <p:spPr/>
+        <p:txBody>
+          <a:bodyPr/>
+          <a:lstStyle/>
+          <a:p>
+            <a:r>
+              <a:rPr lang="ko-KR" altLang="en-US" dirty="0"/>
+              <a:t>시나리오</a:t>
+            </a:r>
+          </a:p>
+        </p:txBody>
+      </p:sp>
+      <p:sp>
+        <p:nvSpPr>
+          <p:cNvPr id="4" name="내용 개체 틀 3">
+            <a:extLst>
+              <a:ext uri="{FF2B5EF4-FFF2-40B4-BE49-F238E27FC236}">
+                <a16:creationId xmlns:a16="http://schemas.microsoft.com/office/drawing/2014/main" id="{42F6317C-F28B-ECBE-0810-17736FC7D8AB}"/>
+              </a:ext>
+            </a:extLst>
+          </p:cNvPr>
+          <p:cNvSpPr>
+            <a:spLocks noGrp="1"/>
+          </p:cNvSpPr>
+          <p:nvPr>
+            <p:ph idx="1"/>
+          </p:nvPr>
+        </p:nvSpPr>
+        <p:spPr/>
+        <p:txBody>
+          <a:bodyPr>
+            <a:normAutofit/>
+          </a:bodyPr>
+          <a:lstStyle/>
+          <a:p>
+            <a:pPr marL="0" indent="0">
+              <a:buNone/>
+            </a:pPr>
+            <a:r>
+              <a:rPr lang="ko-KR" altLang="en-US" dirty="0"/>
+              <a:t>시나리오</a:t>
+            </a:r>
+            <a:endParaRPr lang="en-US" altLang="ko-KR" dirty="0"/>
+          </a:p>
+          <a:p>
+            <a:pPr lvl="1"/>
+            <a:r>
+              <a:rPr lang="ko-KR" altLang="en-US" dirty="0"/>
+              <a:t>단건조회</a:t>
+            </a:r>
+            <a:endParaRPr lang="en-US" altLang="ko-KR" dirty="0"/>
+          </a:p>
+          <a:p>
+            <a:pPr lvl="2"/>
+            <a:r>
+              <a:rPr lang="en-US" altLang="ko-KR" dirty="0"/>
+              <a:t>/article/</a:t>
+            </a:r>
+            <a:r>
+              <a:rPr lang="en-US" altLang="ko-KR" dirty="0">
+                <a:solidFill>
+                  <a:srgbClr val="FF0000"/>
+                </a:solidFill>
+              </a:rPr>
+              <a:t>{</a:t>
+            </a:r>
+            <a:r>
+              <a:rPr lang="en-US" altLang="ko-KR" dirty="0" err="1">
+                <a:solidFill>
+                  <a:srgbClr val="FF0000"/>
+                </a:solidFill>
+              </a:rPr>
+              <a:t>articleId</a:t>
+            </a:r>
+            <a:r>
+              <a:rPr lang="en-US" altLang="ko-KR" dirty="0">
+                <a:solidFill>
+                  <a:srgbClr val="FF0000"/>
+                </a:solidFill>
+              </a:rPr>
+              <a:t>}</a:t>
+            </a:r>
+          </a:p>
+          <a:p>
+            <a:pPr lvl="1"/>
+            <a:r>
+              <a:rPr lang="ko-KR" altLang="en-US" dirty="0"/>
+              <a:t>테스트 조건</a:t>
+            </a:r>
+            <a:endParaRPr lang="en-US" altLang="ko-KR" dirty="0"/>
+          </a:p>
+          <a:p>
+            <a:pPr lvl="2"/>
+            <a:r>
+              <a:rPr lang="en-US" altLang="ko-KR" dirty="0"/>
+              <a:t>users : 200 users</a:t>
+            </a:r>
+          </a:p>
+          <a:p>
+            <a:pPr lvl="2"/>
+            <a:r>
+              <a:rPr lang="en-US" altLang="ko-KR" dirty="0"/>
+              <a:t>spawn rate : 10 users / sec</a:t>
+            </a:r>
+          </a:p>
+          <a:p>
+            <a:pPr lvl="2"/>
+            <a:r>
+              <a:rPr lang="en-US" altLang="ko-KR" dirty="0"/>
+              <a:t>run time : 2m</a:t>
+            </a:r>
+          </a:p>
+          <a:p>
+            <a:pPr lvl="2"/>
+            <a:r>
+              <a:rPr lang="en-US" altLang="ko-KR" dirty="0"/>
+              <a:t>in </a:t>
+            </a:r>
+            <a:r>
+              <a:rPr lang="en-US" altLang="ko-KR" b="1" dirty="0">
+                <a:solidFill>
+                  <a:srgbClr val="FF0000"/>
+                </a:solidFill>
+              </a:rPr>
+              <a:t>Docker Container</a:t>
+            </a:r>
+          </a:p>
+        </p:txBody>
+      </p:sp>
+      <p:sp>
+        <p:nvSpPr>
+          <p:cNvPr id="7" name="Google Shape;209;p30">
+            <a:extLst>
+              <a:ext uri="{FF2B5EF4-FFF2-40B4-BE49-F238E27FC236}">
+                <a16:creationId xmlns:a16="http://schemas.microsoft.com/office/drawing/2014/main" id="{35F3E219-4EBB-8DE8-0966-E4317399395E}"/>
+              </a:ext>
+            </a:extLst>
+          </p:cNvPr>
+          <p:cNvSpPr/>
+          <p:nvPr/>
+        </p:nvSpPr>
+        <p:spPr>
+          <a:xfrm>
+            <a:off x="7811013" y="528014"/>
+            <a:ext cx="952500" cy="298200"/>
+          </a:xfrm>
+          <a:prstGeom prst="rect">
+            <a:avLst/>
+          </a:prstGeom>
+          <a:noFill/>
+          <a:ln>
+            <a:noFill/>
+          </a:ln>
+        </p:spPr>
+        <p:txBody>
+          <a:bodyPr spcFirstLastPara="1" wrap="square" lIns="19050" tIns="19050" rIns="19050" bIns="19050" anchor="t" anchorCtr="0">
+            <a:noAutofit/>
+          </a:bodyPr>
+          <a:lstStyle/>
+          <a:p>
+            <a:pPr marL="63500" marR="0" lvl="1" indent="0" algn="l" rtl="0">
+              <a:lnSpc>
+                <a:spcPct val="90000"/>
+              </a:lnSpc>
+              <a:spcBef>
+                <a:spcPts val="0"/>
+              </a:spcBef>
+              <a:spcAft>
+                <a:spcPts val="0"/>
+              </a:spcAft>
+              <a:buNone/>
+            </a:pPr>
+            <a:r>
+              <a:rPr lang="en-US" altLang="ko" sz="1200" b="1" i="0" u="none" strike="noStrike" cap="none" dirty="0">
+                <a:solidFill>
+                  <a:schemeClr val="bg1"/>
+                </a:solidFill>
+                <a:latin typeface="Arial"/>
+                <a:ea typeface="Arial"/>
+                <a:cs typeface="Arial"/>
+                <a:sym typeface="Arial"/>
+              </a:rPr>
+              <a:t>2</a:t>
+            </a:r>
+            <a:r>
+              <a:rPr lang="ko" sz="1200" b="1" i="0" u="none" strike="noStrike" cap="none" dirty="0">
+                <a:solidFill>
+                  <a:schemeClr val="bg1"/>
+                </a:solidFill>
+                <a:latin typeface="Arial"/>
+                <a:ea typeface="Arial"/>
+                <a:cs typeface="Arial"/>
+                <a:sym typeface="Arial"/>
+              </a:rPr>
+              <a:t>.</a:t>
+            </a:r>
+            <a:endParaRPr sz="500" dirty="0">
+              <a:solidFill>
+                <a:schemeClr val="bg1"/>
+              </a:solidFill>
+            </a:endParaRPr>
+          </a:p>
+        </p:txBody>
+      </p:sp>
+      <p:sp>
+        <p:nvSpPr>
+          <p:cNvPr id="8" name="Google Shape;210;p30">
+            <a:extLst>
+              <a:ext uri="{FF2B5EF4-FFF2-40B4-BE49-F238E27FC236}">
+                <a16:creationId xmlns:a16="http://schemas.microsoft.com/office/drawing/2014/main" id="{8CB63A74-B5C7-DCAA-53F5-96E44004D694}"/>
+              </a:ext>
+            </a:extLst>
+          </p:cNvPr>
+          <p:cNvSpPr/>
+          <p:nvPr/>
+        </p:nvSpPr>
+        <p:spPr>
+          <a:xfrm>
+            <a:off x="7811013" y="825047"/>
+            <a:ext cx="952500" cy="293400"/>
+          </a:xfrm>
+          <a:prstGeom prst="rect">
+            <a:avLst/>
+          </a:prstGeom>
+          <a:noFill/>
+          <a:ln>
+            <a:noFill/>
+          </a:ln>
+        </p:spPr>
+        <p:txBody>
+          <a:bodyPr spcFirstLastPara="1" wrap="square" lIns="19050" tIns="19050" rIns="19050" bIns="19050" anchor="t" anchorCtr="0">
+            <a:noAutofit/>
+          </a:bodyPr>
+          <a:lstStyle/>
+          <a:p>
+            <a:pPr marL="63500" marR="0" lvl="1" indent="0" algn="l" rtl="0">
+              <a:spcBef>
+                <a:spcPts val="200"/>
+              </a:spcBef>
+              <a:spcAft>
+                <a:spcPts val="0"/>
+              </a:spcAft>
+              <a:buClr>
+                <a:srgbClr val="000000"/>
+              </a:buClr>
+              <a:buFont typeface="Arial"/>
+              <a:buNone/>
+            </a:pPr>
+            <a:r>
+              <a:rPr lang="en-US" altLang="ko-KR" sz="800" dirty="0">
+                <a:solidFill>
+                  <a:schemeClr val="bg1"/>
+                </a:solidFill>
+              </a:rPr>
+              <a:t>Spring MVC / </a:t>
+            </a:r>
+            <a:r>
+              <a:rPr lang="en-US" altLang="ko-KR" sz="800" dirty="0" err="1">
+                <a:solidFill>
+                  <a:schemeClr val="bg1"/>
+                </a:solidFill>
+              </a:rPr>
+              <a:t>Webflux</a:t>
+            </a:r>
+            <a:r>
+              <a:rPr lang="en-US" altLang="ko-KR" sz="800" dirty="0">
+                <a:solidFill>
+                  <a:schemeClr val="bg1"/>
+                </a:solidFill>
+              </a:rPr>
+              <a:t> </a:t>
+            </a:r>
+            <a:r>
+              <a:rPr lang="ko-KR" altLang="en-US" sz="800" dirty="0">
+                <a:solidFill>
+                  <a:schemeClr val="bg1"/>
+                </a:solidFill>
+              </a:rPr>
+              <a:t>성능 비교 </a:t>
+            </a:r>
+            <a:r>
+              <a:rPr lang="en-US" altLang="ko-KR" sz="800" dirty="0">
+                <a:solidFill>
+                  <a:schemeClr val="bg1"/>
+                </a:solidFill>
+              </a:rPr>
+              <a:t>#1</a:t>
+            </a:r>
+            <a:endParaRPr lang="ko-KR" altLang="en-US" sz="800" dirty="0">
+              <a:solidFill>
+                <a:schemeClr val="bg1"/>
+              </a:solidFill>
+            </a:endParaRPr>
+          </a:p>
+        </p:txBody>
+      </p:sp>
+    </p:spTree>
+    <p:extLst>
+      <p:ext uri="{BB962C8B-B14F-4D97-AF65-F5344CB8AC3E}">
+        <p14:creationId xmlns:p14="http://schemas.microsoft.com/office/powerpoint/2010/main" val="1321021265"/>
+      </p:ext>
+    </p:extLst>
+  </p:cSld>
+  <p:clrMapOvr>
+    <a:masterClrMapping/>
+  </p:clrMapOvr>
+</p:sld>
+</file>
+
+<file path=ppt/slides/slide16.xml><?xml version="1.0" encoding="utf-8"?>
+<p:sld xmlns:a="http://schemas.openxmlformats.org/drawingml/2006/main" xmlns:r="http://schemas.openxmlformats.org/officeDocument/2006/relationships" xmlns:p="http://schemas.openxmlformats.org/presentationml/2006/main">
+  <p:cSld>
+    <p:spTree>
+      <p:nvGrpSpPr>
+        <p:cNvPr id="1" name=""/>
+        <p:cNvGrpSpPr/>
+        <p:nvPr/>
+      </p:nvGrpSpPr>
+      <p:grpSpPr>
+        <a:xfrm>
+          <a:off x="0" y="0"/>
+          <a:ext cx="0" cy="0"/>
+          <a:chOff x="0" y="0"/>
+          <a:chExt cx="0" cy="0"/>
+        </a:xfrm>
+      </p:grpSpPr>
+      <p:sp>
+        <p:nvSpPr>
+          <p:cNvPr id="2" name="제목 1">
+            <a:extLst>
+              <a:ext uri="{FF2B5EF4-FFF2-40B4-BE49-F238E27FC236}">
+                <a16:creationId xmlns:a16="http://schemas.microsoft.com/office/drawing/2014/main" id="{D21C1AA9-5E52-3A11-B3B3-447787E29D09}"/>
+              </a:ext>
+            </a:extLst>
+          </p:cNvPr>
+          <p:cNvSpPr>
+            <a:spLocks noGrp="1"/>
+          </p:cNvSpPr>
+          <p:nvPr>
+            <p:ph type="title"/>
+          </p:nvPr>
+        </p:nvSpPr>
+        <p:spPr/>
+        <p:txBody>
+          <a:bodyPr/>
+          <a:lstStyle/>
+          <a:p>
+            <a:r>
+              <a:rPr lang="en-US" altLang="ko-KR" dirty="0"/>
+              <a:t>Locust</a:t>
+            </a:r>
+            <a:endParaRPr lang="ko-KR" altLang="en-US" dirty="0"/>
+          </a:p>
+        </p:txBody>
+      </p:sp>
+      <p:sp>
+        <p:nvSpPr>
+          <p:cNvPr id="4" name="내용 개체 틀 3">
+            <a:extLst>
+              <a:ext uri="{FF2B5EF4-FFF2-40B4-BE49-F238E27FC236}">
+                <a16:creationId xmlns:a16="http://schemas.microsoft.com/office/drawing/2014/main" id="{42F6317C-F28B-ECBE-0810-17736FC7D8AB}"/>
+              </a:ext>
+            </a:extLst>
+          </p:cNvPr>
+          <p:cNvSpPr>
+            <a:spLocks noGrp="1"/>
+          </p:cNvSpPr>
+          <p:nvPr>
+            <p:ph idx="1"/>
+          </p:nvPr>
+        </p:nvSpPr>
+        <p:spPr/>
+        <p:txBody>
+          <a:bodyPr>
+            <a:normAutofit/>
+          </a:bodyPr>
+          <a:lstStyle/>
+          <a:p>
+            <a:pPr marL="0" indent="0">
+              <a:buNone/>
+            </a:pPr>
+            <a:r>
+              <a:rPr lang="en-US" altLang="ko-KR" dirty="0"/>
+              <a:t>Apache JMeter</a:t>
+            </a:r>
+          </a:p>
+          <a:p>
+            <a:pPr lvl="1"/>
+            <a:r>
+              <a:rPr lang="en-US" altLang="ko-KR" dirty="0">
+                <a:hlinkClick r:id="rId3"/>
+              </a:rPr>
+              <a:t>https://jmeter.apache.org</a:t>
+            </a:r>
+            <a:endParaRPr lang="en-US" altLang="ko-KR" dirty="0"/>
+          </a:p>
+          <a:p>
+            <a:pPr marL="342900" lvl="1" indent="0">
+              <a:buNone/>
+            </a:pPr>
+            <a:endParaRPr lang="en-US" altLang="ko-KR" dirty="0"/>
+          </a:p>
+        </p:txBody>
+      </p:sp>
+      <p:sp>
+        <p:nvSpPr>
+          <p:cNvPr id="7" name="Google Shape;209;p30">
+            <a:extLst>
+              <a:ext uri="{FF2B5EF4-FFF2-40B4-BE49-F238E27FC236}">
+                <a16:creationId xmlns:a16="http://schemas.microsoft.com/office/drawing/2014/main" id="{35F3E219-4EBB-8DE8-0966-E4317399395E}"/>
+              </a:ext>
+            </a:extLst>
+          </p:cNvPr>
+          <p:cNvSpPr/>
+          <p:nvPr/>
+        </p:nvSpPr>
+        <p:spPr>
+          <a:xfrm>
+            <a:off x="7811013" y="528014"/>
+            <a:ext cx="952500" cy="298200"/>
+          </a:xfrm>
+          <a:prstGeom prst="rect">
+            <a:avLst/>
+          </a:prstGeom>
+          <a:noFill/>
+          <a:ln>
+            <a:noFill/>
+          </a:ln>
+        </p:spPr>
+        <p:txBody>
+          <a:bodyPr spcFirstLastPara="1" wrap="square" lIns="19050" tIns="19050" rIns="19050" bIns="19050" anchor="t" anchorCtr="0">
+            <a:noAutofit/>
+          </a:bodyPr>
+          <a:lstStyle/>
+          <a:p>
+            <a:pPr marL="63500" marR="0" lvl="1" indent="0" algn="l" rtl="0">
+              <a:lnSpc>
+                <a:spcPct val="90000"/>
+              </a:lnSpc>
+              <a:spcBef>
+                <a:spcPts val="0"/>
+              </a:spcBef>
+              <a:spcAft>
+                <a:spcPts val="0"/>
+              </a:spcAft>
+              <a:buNone/>
+            </a:pPr>
+            <a:r>
+              <a:rPr lang="en-US" altLang="ko" sz="1200" b="1" i="0" u="none" strike="noStrike" cap="none" dirty="0">
+                <a:solidFill>
+                  <a:schemeClr val="bg1"/>
+                </a:solidFill>
+                <a:latin typeface="Arial"/>
+                <a:ea typeface="Arial"/>
+                <a:cs typeface="Arial"/>
+                <a:sym typeface="Arial"/>
+              </a:rPr>
+              <a:t>1</a:t>
+            </a:r>
+            <a:r>
+              <a:rPr lang="ko" sz="1200" b="1" i="0" u="none" strike="noStrike" cap="none" dirty="0">
+                <a:solidFill>
+                  <a:schemeClr val="bg1"/>
+                </a:solidFill>
+                <a:latin typeface="Arial"/>
+                <a:ea typeface="Arial"/>
+                <a:cs typeface="Arial"/>
+                <a:sym typeface="Arial"/>
+              </a:rPr>
+              <a:t>.</a:t>
+            </a:r>
+            <a:endParaRPr sz="500" dirty="0">
+              <a:solidFill>
+                <a:schemeClr val="bg1"/>
+              </a:solidFill>
+            </a:endParaRPr>
+          </a:p>
+        </p:txBody>
+      </p:sp>
+      <p:sp>
+        <p:nvSpPr>
+          <p:cNvPr id="8" name="Google Shape;210;p30">
+            <a:extLst>
+              <a:ext uri="{FF2B5EF4-FFF2-40B4-BE49-F238E27FC236}">
+                <a16:creationId xmlns:a16="http://schemas.microsoft.com/office/drawing/2014/main" id="{8CB63A74-B5C7-DCAA-53F5-96E44004D694}"/>
+              </a:ext>
+            </a:extLst>
+          </p:cNvPr>
+          <p:cNvSpPr/>
+          <p:nvPr/>
+        </p:nvSpPr>
+        <p:spPr>
+          <a:xfrm>
+            <a:off x="7811013" y="825047"/>
+            <a:ext cx="952500" cy="293400"/>
+          </a:xfrm>
+          <a:prstGeom prst="rect">
+            <a:avLst/>
+          </a:prstGeom>
+          <a:noFill/>
+          <a:ln>
+            <a:noFill/>
+          </a:ln>
+        </p:spPr>
+        <p:txBody>
+          <a:bodyPr spcFirstLastPara="1" wrap="square" lIns="19050" tIns="19050" rIns="19050" bIns="19050" anchor="t" anchorCtr="0">
+            <a:noAutofit/>
+          </a:bodyPr>
+          <a:lstStyle/>
+          <a:p>
+            <a:pPr marL="63500" marR="0" lvl="1" indent="0" algn="l" rtl="0">
+              <a:spcBef>
+                <a:spcPts val="200"/>
+              </a:spcBef>
+              <a:spcAft>
+                <a:spcPts val="0"/>
+              </a:spcAft>
+              <a:buClr>
+                <a:srgbClr val="000000"/>
+              </a:buClr>
+              <a:buFont typeface="Arial"/>
+              <a:buNone/>
+            </a:pPr>
+            <a:r>
+              <a:rPr lang="en-US" altLang="ko-KR" sz="800" dirty="0">
+                <a:solidFill>
+                  <a:schemeClr val="bg1"/>
+                </a:solidFill>
+              </a:rPr>
+              <a:t>Locust </a:t>
+            </a:r>
+            <a:r>
+              <a:rPr lang="ko-KR" altLang="en-US" sz="800" dirty="0">
+                <a:solidFill>
+                  <a:schemeClr val="bg1"/>
+                </a:solidFill>
+              </a:rPr>
+              <a:t>셋업</a:t>
+            </a:r>
+            <a:endParaRPr sz="800" dirty="0">
+              <a:solidFill>
+                <a:schemeClr val="bg1"/>
+              </a:solidFill>
+            </a:endParaRPr>
+          </a:p>
+        </p:txBody>
+      </p:sp>
+      <p:pic>
+        <p:nvPicPr>
+          <p:cNvPr id="6" name="그림 5">
+            <a:extLst>
+              <a:ext uri="{FF2B5EF4-FFF2-40B4-BE49-F238E27FC236}">
+                <a16:creationId xmlns:a16="http://schemas.microsoft.com/office/drawing/2014/main" id="{DE51EC80-1ED0-8BF1-1692-1766ED987B2B}"/>
+              </a:ext>
+            </a:extLst>
+          </p:cNvPr>
+          <p:cNvPicPr>
+            <a:picLocks noChangeAspect="1"/>
+          </p:cNvPicPr>
+          <p:nvPr/>
+        </p:nvPicPr>
+        <p:blipFill>
+          <a:blip r:embed="rId4"/>
+          <a:stretch>
+            <a:fillRect/>
+          </a:stretch>
+        </p:blipFill>
+        <p:spPr>
+          <a:xfrm>
+            <a:off x="1232899" y="2188280"/>
+            <a:ext cx="4098260" cy="2811382"/>
+          </a:xfrm>
+          <a:prstGeom prst="rect">
+            <a:avLst/>
+          </a:prstGeom>
+        </p:spPr>
+      </p:pic>
+    </p:spTree>
+    <p:extLst>
+      <p:ext uri="{BB962C8B-B14F-4D97-AF65-F5344CB8AC3E}">
+        <p14:creationId xmlns:p14="http://schemas.microsoft.com/office/powerpoint/2010/main" val="1312326805"/>
+      </p:ext>
+    </p:extLst>
+  </p:cSld>
+  <p:clrMapOvr>
+    <a:masterClrMapping/>
+  </p:clrMapOvr>
+</p:sld>
+</file>
+
+<file path=ppt/slides/slide17.xml><?xml version="1.0" encoding="utf-8"?>
+<p:sld xmlns:a="http://schemas.openxmlformats.org/drawingml/2006/main" xmlns:r="http://schemas.openxmlformats.org/officeDocument/2006/relationships" xmlns:p="http://schemas.openxmlformats.org/presentationml/2006/main">
+  <p:cSld>
+    <p:spTree>
+      <p:nvGrpSpPr>
+        <p:cNvPr id="1" name=""/>
+        <p:cNvGrpSpPr/>
+        <p:nvPr/>
+      </p:nvGrpSpPr>
+      <p:grpSpPr>
+        <a:xfrm>
+          <a:off x="0" y="0"/>
+          <a:ext cx="0" cy="0"/>
+          <a:chOff x="0" y="0"/>
+          <a:chExt cx="0" cy="0"/>
+        </a:xfrm>
+      </p:grpSpPr>
+      <p:sp>
+        <p:nvSpPr>
+          <p:cNvPr id="2" name="제목 1">
+            <a:extLst>
+              <a:ext uri="{FF2B5EF4-FFF2-40B4-BE49-F238E27FC236}">
+                <a16:creationId xmlns:a16="http://schemas.microsoft.com/office/drawing/2014/main" id="{D21C1AA9-5E52-3A11-B3B3-447787E29D09}"/>
+              </a:ext>
+            </a:extLst>
+          </p:cNvPr>
+          <p:cNvSpPr>
+            <a:spLocks noGrp="1"/>
+          </p:cNvSpPr>
+          <p:nvPr>
+            <p:ph type="title"/>
+          </p:nvPr>
+        </p:nvSpPr>
+        <p:spPr/>
+        <p:txBody>
+          <a:bodyPr/>
+          <a:lstStyle/>
+          <a:p>
+            <a:r>
+              <a:rPr lang="ko-KR" altLang="en-US" dirty="0"/>
+              <a:t>테스트 결과</a:t>
+            </a:r>
+          </a:p>
+        </p:txBody>
+      </p:sp>
+      <p:sp>
+        <p:nvSpPr>
+          <p:cNvPr id="7" name="Google Shape;209;p30">
+            <a:extLst>
+              <a:ext uri="{FF2B5EF4-FFF2-40B4-BE49-F238E27FC236}">
+                <a16:creationId xmlns:a16="http://schemas.microsoft.com/office/drawing/2014/main" id="{35F3E219-4EBB-8DE8-0966-E4317399395E}"/>
+              </a:ext>
+            </a:extLst>
+          </p:cNvPr>
+          <p:cNvSpPr/>
+          <p:nvPr/>
+        </p:nvSpPr>
+        <p:spPr>
+          <a:xfrm>
+            <a:off x="7811013" y="528014"/>
+            <a:ext cx="952500" cy="298200"/>
+          </a:xfrm>
+          <a:prstGeom prst="rect">
+            <a:avLst/>
+          </a:prstGeom>
+          <a:noFill/>
+          <a:ln>
+            <a:noFill/>
+          </a:ln>
+        </p:spPr>
+        <p:txBody>
+          <a:bodyPr spcFirstLastPara="1" wrap="square" lIns="19050" tIns="19050" rIns="19050" bIns="19050" anchor="t" anchorCtr="0">
+            <a:noAutofit/>
+          </a:bodyPr>
+          <a:lstStyle/>
+          <a:p>
+            <a:pPr marL="63500" marR="0" lvl="1" indent="0" algn="l" rtl="0">
+              <a:lnSpc>
+                <a:spcPct val="90000"/>
+              </a:lnSpc>
+              <a:spcBef>
+                <a:spcPts val="0"/>
+              </a:spcBef>
+              <a:spcAft>
+                <a:spcPts val="0"/>
+              </a:spcAft>
+              <a:buNone/>
+            </a:pPr>
+            <a:r>
+              <a:rPr lang="en-US" altLang="ko" sz="1200" b="1" i="0" u="none" strike="noStrike" cap="none" dirty="0">
+                <a:solidFill>
+                  <a:schemeClr val="bg1"/>
+                </a:solidFill>
+                <a:latin typeface="Arial"/>
+                <a:ea typeface="Arial"/>
+                <a:cs typeface="Arial"/>
+                <a:sym typeface="Arial"/>
+              </a:rPr>
+              <a:t>3</a:t>
+            </a:r>
+            <a:r>
+              <a:rPr lang="ko" sz="1200" b="1" i="0" u="none" strike="noStrike" cap="none" dirty="0">
+                <a:solidFill>
+                  <a:schemeClr val="bg1"/>
+                </a:solidFill>
+                <a:latin typeface="Arial"/>
+                <a:ea typeface="Arial"/>
+                <a:cs typeface="Arial"/>
+                <a:sym typeface="Arial"/>
+              </a:rPr>
+              <a:t>.</a:t>
+            </a:r>
+            <a:endParaRPr sz="500" dirty="0">
+              <a:solidFill>
+                <a:schemeClr val="bg1"/>
+              </a:solidFill>
+            </a:endParaRPr>
+          </a:p>
+        </p:txBody>
+      </p:sp>
+      <p:sp>
+        <p:nvSpPr>
+          <p:cNvPr id="8" name="Google Shape;210;p30">
+            <a:extLst>
+              <a:ext uri="{FF2B5EF4-FFF2-40B4-BE49-F238E27FC236}">
+                <a16:creationId xmlns:a16="http://schemas.microsoft.com/office/drawing/2014/main" id="{8CB63A74-B5C7-DCAA-53F5-96E44004D694}"/>
+              </a:ext>
+            </a:extLst>
+          </p:cNvPr>
+          <p:cNvSpPr/>
+          <p:nvPr/>
+        </p:nvSpPr>
+        <p:spPr>
+          <a:xfrm>
+            <a:off x="7811013" y="825047"/>
+            <a:ext cx="952500" cy="293400"/>
+          </a:xfrm>
+          <a:prstGeom prst="rect">
+            <a:avLst/>
+          </a:prstGeom>
+          <a:noFill/>
+          <a:ln>
+            <a:noFill/>
+          </a:ln>
+        </p:spPr>
+        <p:txBody>
+          <a:bodyPr spcFirstLastPara="1" wrap="square" lIns="19050" tIns="19050" rIns="19050" bIns="19050" anchor="t" anchorCtr="0">
+            <a:noAutofit/>
+          </a:bodyPr>
+          <a:lstStyle/>
+          <a:p>
+            <a:pPr marL="63500" marR="0" lvl="1" indent="0" algn="l" rtl="0">
+              <a:spcBef>
+                <a:spcPts val="200"/>
+              </a:spcBef>
+              <a:spcAft>
+                <a:spcPts val="0"/>
+              </a:spcAft>
+              <a:buClr>
+                <a:srgbClr val="000000"/>
+              </a:buClr>
+              <a:buFont typeface="Arial"/>
+              <a:buNone/>
+            </a:pPr>
+            <a:r>
+              <a:rPr lang="en-US" altLang="ko-KR" sz="800" dirty="0">
+                <a:solidFill>
+                  <a:schemeClr val="bg1"/>
+                </a:solidFill>
+              </a:rPr>
+              <a:t>Spring MVC / </a:t>
+            </a:r>
+            <a:r>
+              <a:rPr lang="en-US" altLang="ko-KR" sz="800" dirty="0" err="1">
+                <a:solidFill>
+                  <a:schemeClr val="bg1"/>
+                </a:solidFill>
+              </a:rPr>
+              <a:t>Webflux</a:t>
+            </a:r>
+            <a:r>
+              <a:rPr lang="en-US" altLang="ko-KR" sz="800" dirty="0">
+                <a:solidFill>
+                  <a:schemeClr val="bg1"/>
+                </a:solidFill>
+              </a:rPr>
+              <a:t> </a:t>
+            </a:r>
+            <a:r>
+              <a:rPr lang="ko-KR" altLang="en-US" sz="800" dirty="0">
+                <a:solidFill>
+                  <a:schemeClr val="bg1"/>
+                </a:solidFill>
+              </a:rPr>
+              <a:t>성능 비교 </a:t>
+            </a:r>
+            <a:r>
+              <a:rPr lang="en-US" altLang="ko-KR" sz="800" dirty="0">
+                <a:solidFill>
+                  <a:schemeClr val="bg1"/>
+                </a:solidFill>
+              </a:rPr>
+              <a:t>#2</a:t>
+            </a:r>
+            <a:endParaRPr lang="ko-KR" altLang="en-US" sz="800" dirty="0">
+              <a:solidFill>
+                <a:schemeClr val="bg1"/>
+              </a:solidFill>
+            </a:endParaRPr>
+          </a:p>
+        </p:txBody>
+      </p:sp>
+      <p:pic>
+        <p:nvPicPr>
+          <p:cNvPr id="4" name="그림 3">
+            <a:extLst>
+              <a:ext uri="{FF2B5EF4-FFF2-40B4-BE49-F238E27FC236}">
+                <a16:creationId xmlns:a16="http://schemas.microsoft.com/office/drawing/2014/main" id="{B23684A4-ECBE-4459-18DC-CD5B67AC51EB}"/>
+              </a:ext>
+            </a:extLst>
+          </p:cNvPr>
+          <p:cNvPicPr>
+            <a:picLocks noChangeAspect="1"/>
+          </p:cNvPicPr>
+          <p:nvPr/>
+        </p:nvPicPr>
+        <p:blipFill>
+          <a:blip r:embed="rId3"/>
+          <a:stretch>
+            <a:fillRect/>
+          </a:stretch>
+        </p:blipFill>
+        <p:spPr>
+          <a:xfrm>
+            <a:off x="707028" y="1304818"/>
+            <a:ext cx="7076139" cy="3799887"/>
+          </a:xfrm>
+          <a:prstGeom prst="rect">
+            <a:avLst/>
+          </a:prstGeom>
+        </p:spPr>
+      </p:pic>
+      <p:sp>
+        <p:nvSpPr>
+          <p:cNvPr id="9" name="직사각형 8">
+            <a:extLst>
+              <a:ext uri="{FF2B5EF4-FFF2-40B4-BE49-F238E27FC236}">
+                <a16:creationId xmlns:a16="http://schemas.microsoft.com/office/drawing/2014/main" id="{0C647E0A-A57E-0374-7E22-BC8221067795}"/>
+              </a:ext>
+            </a:extLst>
+          </p:cNvPr>
+          <p:cNvSpPr/>
+          <p:nvPr/>
+        </p:nvSpPr>
+        <p:spPr>
+          <a:xfrm>
+            <a:off x="628650" y="1202076"/>
+            <a:ext cx="1641939" cy="3799887"/>
+          </a:xfrm>
+          <a:prstGeom prst="rect">
+            <a:avLst/>
+          </a:prstGeom>
+          <a:noFill/>
+          <a:ln w="28575">
+            <a:solidFill>
+              <a:srgbClr val="FF0000"/>
+            </a:solidFill>
+            <a:prstDash val="sysDot"/>
+          </a:ln>
+        </p:spPr>
+        <p:style>
+          <a:lnRef idx="2">
+            <a:schemeClr val="accent1">
+              <a:shade val="15000"/>
+            </a:schemeClr>
+          </a:lnRef>
+          <a:fillRef idx="1">
+            <a:schemeClr val="accent1"/>
+          </a:fillRef>
+          <a:effectRef idx="0">
+            <a:schemeClr val="accent1"/>
+          </a:effectRef>
+          <a:fontRef idx="minor">
+            <a:schemeClr val="lt1"/>
+          </a:fontRef>
+        </p:style>
+        <p:txBody>
+          <a:bodyPr rtlCol="0" anchor="ctr"/>
+          <a:lstStyle/>
+          <a:p>
+            <a:pPr algn="ctr"/>
+            <a:endParaRPr lang="ko-KR" altLang="en-US"/>
+          </a:p>
+        </p:txBody>
+      </p:sp>
+      <p:sp>
+        <p:nvSpPr>
+          <p:cNvPr id="10" name="직사각형 9">
+            <a:extLst>
+              <a:ext uri="{FF2B5EF4-FFF2-40B4-BE49-F238E27FC236}">
+                <a16:creationId xmlns:a16="http://schemas.microsoft.com/office/drawing/2014/main" id="{1E02BD93-3D0C-6D9D-6A97-A5F1CDF638F8}"/>
+              </a:ext>
+            </a:extLst>
+          </p:cNvPr>
+          <p:cNvSpPr/>
+          <p:nvPr/>
+        </p:nvSpPr>
+        <p:spPr>
+          <a:xfrm>
+            <a:off x="2918070" y="1200364"/>
+            <a:ext cx="2280654" cy="3799887"/>
+          </a:xfrm>
+          <a:prstGeom prst="rect">
+            <a:avLst/>
+          </a:prstGeom>
+          <a:noFill/>
+          <a:ln w="28575">
+            <a:solidFill>
+              <a:srgbClr val="FF0000"/>
+            </a:solidFill>
+            <a:prstDash val="sysDot"/>
+          </a:ln>
+        </p:spPr>
+        <p:style>
+          <a:lnRef idx="2">
+            <a:schemeClr val="accent1">
+              <a:shade val="15000"/>
+            </a:schemeClr>
+          </a:lnRef>
+          <a:fillRef idx="1">
+            <a:schemeClr val="accent1"/>
+          </a:fillRef>
+          <a:effectRef idx="0">
+            <a:schemeClr val="accent1"/>
+          </a:effectRef>
+          <a:fontRef idx="minor">
+            <a:schemeClr val="lt1"/>
+          </a:fontRef>
+        </p:style>
+        <p:txBody>
+          <a:bodyPr rtlCol="0" anchor="ctr"/>
+          <a:lstStyle/>
+          <a:p>
+            <a:pPr algn="ctr"/>
+            <a:endParaRPr lang="ko-KR" altLang="en-US"/>
+          </a:p>
+        </p:txBody>
+      </p:sp>
+      <p:sp>
+        <p:nvSpPr>
+          <p:cNvPr id="11" name="직사각형 10">
+            <a:extLst>
+              <a:ext uri="{FF2B5EF4-FFF2-40B4-BE49-F238E27FC236}">
+                <a16:creationId xmlns:a16="http://schemas.microsoft.com/office/drawing/2014/main" id="{8E74944B-01E8-92FF-9D33-BA6FC1B33FB8}"/>
+              </a:ext>
+            </a:extLst>
+          </p:cNvPr>
+          <p:cNvSpPr/>
+          <p:nvPr/>
+        </p:nvSpPr>
+        <p:spPr>
+          <a:xfrm>
+            <a:off x="5453359" y="1198653"/>
+            <a:ext cx="2180340" cy="3799887"/>
+          </a:xfrm>
+          <a:prstGeom prst="rect">
+            <a:avLst/>
+          </a:prstGeom>
+          <a:noFill/>
+          <a:ln w="28575">
+            <a:solidFill>
+              <a:srgbClr val="FF0000"/>
+            </a:solidFill>
+            <a:prstDash val="sysDot"/>
+          </a:ln>
+        </p:spPr>
+        <p:style>
+          <a:lnRef idx="2">
+            <a:schemeClr val="accent1">
+              <a:shade val="15000"/>
+            </a:schemeClr>
+          </a:lnRef>
+          <a:fillRef idx="1">
+            <a:schemeClr val="accent1"/>
+          </a:fillRef>
+          <a:effectRef idx="0">
+            <a:schemeClr val="accent1"/>
+          </a:effectRef>
+          <a:fontRef idx="minor">
+            <a:schemeClr val="lt1"/>
+          </a:fontRef>
+        </p:style>
+        <p:txBody>
+          <a:bodyPr rtlCol="0" anchor="ctr"/>
+          <a:lstStyle/>
+          <a:p>
+            <a:pPr algn="ctr"/>
+            <a:endParaRPr lang="ko-KR" altLang="en-US"/>
+          </a:p>
+        </p:txBody>
+      </p:sp>
+      <p:sp>
+        <p:nvSpPr>
+          <p:cNvPr id="12" name="TextBox 11">
+            <a:extLst>
+              <a:ext uri="{FF2B5EF4-FFF2-40B4-BE49-F238E27FC236}">
+                <a16:creationId xmlns:a16="http://schemas.microsoft.com/office/drawing/2014/main" id="{4EF833CA-4E20-B301-4C57-EE15410A837A}"/>
+              </a:ext>
+            </a:extLst>
+          </p:cNvPr>
+          <p:cNvSpPr txBox="1"/>
+          <p:nvPr/>
+        </p:nvSpPr>
+        <p:spPr>
+          <a:xfrm>
+            <a:off x="1678048" y="4432409"/>
+            <a:ext cx="476412" cy="261610"/>
+          </a:xfrm>
+          <a:prstGeom prst="rect">
+            <a:avLst/>
+          </a:prstGeom>
+          <a:noFill/>
+        </p:spPr>
+        <p:txBody>
+          <a:bodyPr wrap="none" rtlCol="0">
+            <a:spAutoFit/>
+          </a:bodyPr>
+          <a:lstStyle/>
+          <a:p>
+            <a:pPr algn="r"/>
+            <a:r>
+              <a:rPr lang="en-US" altLang="ko-KR" sz="1100" dirty="0" err="1">
+                <a:latin typeface="Spoqa Han Sans Neo Bold" panose="020B0800000000000000" pitchFamily="50" charset="-127"/>
+                <a:ea typeface="Spoqa Han Sans Neo Bold" panose="020B0800000000000000" pitchFamily="50" charset="-127"/>
+              </a:rPr>
+              <a:t>mvc</a:t>
+            </a:r>
+            <a:endParaRPr lang="ko-KR" altLang="en-US" sz="1100" dirty="0">
+              <a:latin typeface="Spoqa Han Sans Neo Bold" panose="020B0800000000000000" pitchFamily="50" charset="-127"/>
+              <a:ea typeface="Spoqa Han Sans Neo Bold" panose="020B0800000000000000" pitchFamily="50" charset="-127"/>
+            </a:endParaRPr>
+          </a:p>
+        </p:txBody>
+      </p:sp>
+      <p:sp>
+        <p:nvSpPr>
+          <p:cNvPr id="14" name="TextBox 13">
+            <a:extLst>
+              <a:ext uri="{FF2B5EF4-FFF2-40B4-BE49-F238E27FC236}">
+                <a16:creationId xmlns:a16="http://schemas.microsoft.com/office/drawing/2014/main" id="{9905D032-E6F8-615D-C564-931558AA6427}"/>
+              </a:ext>
+            </a:extLst>
+          </p:cNvPr>
+          <p:cNvSpPr txBox="1"/>
+          <p:nvPr/>
+        </p:nvSpPr>
+        <p:spPr>
+          <a:xfrm>
+            <a:off x="3718128" y="4431665"/>
+            <a:ext cx="1382110" cy="261610"/>
+          </a:xfrm>
+          <a:prstGeom prst="rect">
+            <a:avLst/>
+          </a:prstGeom>
+          <a:noFill/>
+        </p:spPr>
+        <p:txBody>
+          <a:bodyPr wrap="none" rtlCol="0">
+            <a:spAutoFit/>
+          </a:bodyPr>
+          <a:lstStyle/>
+          <a:p>
+            <a:pPr algn="r"/>
+            <a:r>
+              <a:rPr lang="en-US" altLang="ko-KR" sz="1100" dirty="0" err="1">
+                <a:latin typeface="Spoqa Han Sans Neo Bold" panose="020B0800000000000000" pitchFamily="50" charset="-127"/>
+                <a:ea typeface="Spoqa Han Sans Neo Bold" panose="020B0800000000000000" pitchFamily="50" charset="-127"/>
+              </a:rPr>
+              <a:t>webflux</a:t>
+            </a:r>
+            <a:r>
+              <a:rPr lang="en-US" altLang="ko-KR" sz="1100" dirty="0">
+                <a:latin typeface="Spoqa Han Sans Neo Bold" panose="020B0800000000000000" pitchFamily="50" charset="-127"/>
+                <a:ea typeface="Spoqa Han Sans Neo Bold" panose="020B0800000000000000" pitchFamily="50" charset="-127"/>
+              </a:rPr>
+              <a:t> - reactor</a:t>
+            </a:r>
+            <a:endParaRPr lang="ko-KR" altLang="en-US" sz="1100" dirty="0">
+              <a:latin typeface="Spoqa Han Sans Neo Bold" panose="020B0800000000000000" pitchFamily="50" charset="-127"/>
+              <a:ea typeface="Spoqa Han Sans Neo Bold" panose="020B0800000000000000" pitchFamily="50" charset="-127"/>
+            </a:endParaRPr>
+          </a:p>
+        </p:txBody>
+      </p:sp>
+      <p:sp>
+        <p:nvSpPr>
+          <p:cNvPr id="15" name="TextBox 14">
+            <a:extLst>
+              <a:ext uri="{FF2B5EF4-FFF2-40B4-BE49-F238E27FC236}">
+                <a16:creationId xmlns:a16="http://schemas.microsoft.com/office/drawing/2014/main" id="{52E45F16-6966-0D18-E61A-4D51FF59086D}"/>
+              </a:ext>
+            </a:extLst>
+          </p:cNvPr>
+          <p:cNvSpPr txBox="1"/>
+          <p:nvPr/>
+        </p:nvSpPr>
+        <p:spPr>
+          <a:xfrm>
+            <a:off x="6089686" y="4431665"/>
+            <a:ext cx="1544013" cy="261610"/>
+          </a:xfrm>
+          <a:prstGeom prst="rect">
+            <a:avLst/>
+          </a:prstGeom>
+          <a:noFill/>
+        </p:spPr>
+        <p:txBody>
+          <a:bodyPr wrap="none" rtlCol="0">
+            <a:spAutoFit/>
+          </a:bodyPr>
+          <a:lstStyle/>
+          <a:p>
+            <a:pPr algn="r"/>
+            <a:r>
+              <a:rPr lang="en-US" altLang="ko-KR" sz="1100" dirty="0" err="1">
+                <a:latin typeface="Spoqa Han Sans Neo Bold" panose="020B0800000000000000" pitchFamily="50" charset="-127"/>
+                <a:ea typeface="Spoqa Han Sans Neo Bold" panose="020B0800000000000000" pitchFamily="50" charset="-127"/>
+              </a:rPr>
+              <a:t>webflux</a:t>
+            </a:r>
+            <a:r>
+              <a:rPr lang="en-US" altLang="ko-KR" sz="1100" dirty="0">
+                <a:latin typeface="Spoqa Han Sans Neo Bold" panose="020B0800000000000000" pitchFamily="50" charset="-127"/>
+                <a:ea typeface="Spoqa Han Sans Neo Bold" panose="020B0800000000000000" pitchFamily="50" charset="-127"/>
+              </a:rPr>
+              <a:t> - coroutine</a:t>
+            </a:r>
+            <a:endParaRPr lang="ko-KR" altLang="en-US" sz="1100" dirty="0">
+              <a:latin typeface="Spoqa Han Sans Neo Bold" panose="020B0800000000000000" pitchFamily="50" charset="-127"/>
+              <a:ea typeface="Spoqa Han Sans Neo Bold" panose="020B0800000000000000" pitchFamily="50" charset="-127"/>
+            </a:endParaRPr>
+          </a:p>
+        </p:txBody>
+      </p:sp>
+    </p:spTree>
+    <p:extLst>
+      <p:ext uri="{BB962C8B-B14F-4D97-AF65-F5344CB8AC3E}">
+        <p14:creationId xmlns:p14="http://schemas.microsoft.com/office/powerpoint/2010/main" val="781210756"/>
+      </p:ext>
+    </p:extLst>
+  </p:cSld>
+  <p:clrMapOvr>
+    <a:masterClrMapping/>
+  </p:clrMapOvr>
+</p:sld>
+</file>
+
 <file path=ppt/slides/slide2.xml><?xml version="1.0" encoding="utf-8"?>
 <p:sld xmlns:a="http://schemas.openxmlformats.org/drawingml/2006/main" xmlns:r="http://schemas.openxmlformats.org/officeDocument/2006/relationships" xmlns:p="http://schemas.openxmlformats.org/presentationml/2006/main">
   <p:cSld>
@@ -5781,7 +7216,7 @@
             <a:pPr lvl="2"/>
             <a:r>
               <a:rPr lang="en-US" altLang="ko-KR" dirty="0"/>
-              <a:t>users : 300 users</a:t>
+              <a:t>users : 200 users</a:t>
             </a:r>
           </a:p>
           <a:p>
@@ -6359,7 +7794,7 @@
             <a:pPr lvl="2"/>
             <a:r>
               <a:rPr lang="en-US" altLang="ko-KR" dirty="0"/>
-              <a:t>users : 500 users</a:t>
+              <a:t>users : 200 ~ 500</a:t>
             </a:r>
           </a:p>
           <a:p>

--- a/99.ppt/[Ch4-5. 비동기 서비스 부하 테스트.pptx
+++ b/99.ppt/[Ch4-5. 비동기 서비스 부하 테스트.pptx
@@ -5,7 +5,7 @@
     <p:sldMasterId id="2147483665" r:id="rId1"/>
   </p:sldMasterIdLst>
   <p:notesMasterIdLst>
-    <p:notesMasterId r:id="rId19"/>
+    <p:notesMasterId r:id="rId22"/>
   </p:notesMasterIdLst>
   <p:sldIdLst>
     <p:sldId id="256" r:id="rId2"/>
@@ -17,14 +17,17 @@
     <p:sldId id="275" r:id="rId8"/>
     <p:sldId id="276" r:id="rId9"/>
     <p:sldId id="277" r:id="rId10"/>
-    <p:sldId id="273" r:id="rId11"/>
-    <p:sldId id="278" r:id="rId12"/>
-    <p:sldId id="279" r:id="rId13"/>
-    <p:sldId id="280" r:id="rId14"/>
-    <p:sldId id="281" r:id="rId15"/>
-    <p:sldId id="283" r:id="rId16"/>
-    <p:sldId id="285" r:id="rId17"/>
-    <p:sldId id="284" r:id="rId18"/>
+    <p:sldId id="286" r:id="rId11"/>
+    <p:sldId id="287" r:id="rId12"/>
+    <p:sldId id="273" r:id="rId13"/>
+    <p:sldId id="288" r:id="rId14"/>
+    <p:sldId id="289" r:id="rId15"/>
+    <p:sldId id="290" r:id="rId16"/>
+    <p:sldId id="291" r:id="rId17"/>
+    <p:sldId id="292" r:id="rId18"/>
+    <p:sldId id="293" r:id="rId19"/>
+    <p:sldId id="284" r:id="rId20"/>
+    <p:sldId id="294" r:id="rId21"/>
   </p:sldIdLst>
   <p:sldSz cx="9144000" cy="5143500" type="screen16x9"/>
   <p:notesSz cx="6858000" cy="9144000"/>
@@ -224,7 +227,7 @@
           <a:p>
             <a:fld id="{9B770909-2C76-4DF9-BB76-4EE283593418}" type="datetimeFigureOut">
               <a:rPr lang="ko-KR" altLang="en-US" smtClean="0"/>
-              <a:t>2023-08-21</a:t>
+              <a:t>2023-09-04</a:t>
             </a:fld>
             <a:endParaRPr lang="ko-KR" altLang="en-US"/>
           </a:p>
@@ -535,6 +538,91 @@
           <a:bodyPr/>
           <a:lstStyle/>
           <a:p>
+            <a:r>
+              <a:rPr lang="ko-KR" altLang="en-US" dirty="0"/>
+              <a:t>지금부터는 저희가 만들었던 </a:t>
+            </a:r>
+            <a:r>
+              <a:rPr lang="en-US" altLang="ko-KR" dirty="0"/>
+              <a:t>MVC, Reactor </a:t>
+            </a:r>
+            <a:r>
+              <a:rPr lang="en-US" altLang="ko-KR" dirty="0" err="1"/>
+              <a:t>Webflux</a:t>
+            </a:r>
+            <a:r>
+              <a:rPr lang="en-US" altLang="ko-KR" dirty="0"/>
+              <a:t>, Coroutine </a:t>
+            </a:r>
+            <a:r>
+              <a:rPr lang="en-US" altLang="ko-KR" dirty="0" err="1"/>
+              <a:t>Webflux</a:t>
+            </a:r>
+            <a:r>
+              <a:rPr lang="en-US" altLang="ko-KR" dirty="0"/>
+              <a:t> </a:t>
+            </a:r>
+            <a:r>
+              <a:rPr lang="ko-KR" altLang="en-US" dirty="0"/>
+              <a:t>어플리케이션들의 성능테스트를 통해</a:t>
+            </a:r>
+            <a:r>
+              <a:rPr lang="en-US" altLang="ko-KR" dirty="0"/>
+              <a:t>, </a:t>
+            </a:r>
+            <a:r>
+              <a:rPr lang="en-US" altLang="ko-KR" dirty="0" err="1"/>
+              <a:t>Webflux</a:t>
+            </a:r>
+            <a:r>
+              <a:rPr lang="en-US" altLang="ko-KR" dirty="0"/>
+              <a:t> </a:t>
+            </a:r>
+            <a:r>
+              <a:rPr lang="ko-KR" altLang="en-US" dirty="0"/>
+              <a:t>가 정말로 </a:t>
+            </a:r>
+            <a:r>
+              <a:rPr lang="en-US" altLang="ko-KR" dirty="0"/>
+              <a:t>MVC</a:t>
+            </a:r>
+            <a:r>
+              <a:rPr lang="ko-KR" altLang="en-US" dirty="0"/>
+              <a:t>보다 </a:t>
+            </a:r>
+            <a:r>
+              <a:rPr lang="ko-KR" altLang="en-US" dirty="0" err="1"/>
+              <a:t>빠른지</a:t>
+            </a:r>
+            <a:r>
+              <a:rPr lang="ko-KR" altLang="en-US" dirty="0"/>
+              <a:t> 직접 확인해 보겠습니다</a:t>
+            </a:r>
+            <a:r>
+              <a:rPr lang="en-US" altLang="ko-KR" dirty="0"/>
+              <a:t>.</a:t>
+            </a:r>
+          </a:p>
+          <a:p>
+            <a:endParaRPr lang="en-US" altLang="ko-KR" dirty="0"/>
+          </a:p>
+          <a:p>
+            <a:r>
+              <a:rPr lang="ko-KR" altLang="en-US" dirty="0"/>
+              <a:t>우선 테스트 도구부터 </a:t>
+            </a:r>
+            <a:r>
+              <a:rPr lang="ko-KR" altLang="en-US" dirty="0" err="1"/>
+              <a:t>셋업해</a:t>
+            </a:r>
+            <a:r>
+              <a:rPr lang="ko-KR" altLang="en-US" dirty="0"/>
+              <a:t> 보겠습니다</a:t>
+            </a:r>
+            <a:r>
+              <a:rPr lang="en-US" altLang="ko-KR" dirty="0"/>
+              <a:t>.</a:t>
+            </a:r>
             <a:endParaRPr lang="ko-KR" altLang="en-US" dirty="0"/>
           </a:p>
         </p:txBody>
@@ -619,7 +707,7 @@
           <a:bodyPr/>
           <a:lstStyle/>
           <a:p>
-            <a:endParaRPr lang="ko-KR" altLang="en-US" dirty="0"/>
+            <a:endParaRPr lang="en-US" altLang="ko-KR" dirty="0"/>
           </a:p>
         </p:txBody>
       </p:sp>
@@ -649,7 +737,7 @@
     </p:spTree>
     <p:extLst>
       <p:ext uri="{BB962C8B-B14F-4D97-AF65-F5344CB8AC3E}">
-        <p14:creationId xmlns:p14="http://schemas.microsoft.com/office/powerpoint/2010/main" val="2191809055"/>
+        <p14:creationId xmlns:p14="http://schemas.microsoft.com/office/powerpoint/2010/main" val="2530757001"/>
       </p:ext>
     </p:extLst>
   </p:cSld>
@@ -733,7 +821,7 @@
     </p:spTree>
     <p:extLst>
       <p:ext uri="{BB962C8B-B14F-4D97-AF65-F5344CB8AC3E}">
-        <p14:creationId xmlns:p14="http://schemas.microsoft.com/office/powerpoint/2010/main" val="916288050"/>
+        <p14:creationId xmlns:p14="http://schemas.microsoft.com/office/powerpoint/2010/main" val="2149705292"/>
       </p:ext>
     </p:extLst>
   </p:cSld>
@@ -787,7 +875,77 @@
           <a:bodyPr/>
           <a:lstStyle/>
           <a:p>
+            <a:r>
+              <a:rPr lang="ko-KR" altLang="en-US" dirty="0"/>
+              <a:t>이전 시간에 저희는 </a:t>
+            </a:r>
+            <a:r>
+              <a:rPr lang="en-US" altLang="ko-KR" dirty="0"/>
+              <a:t>MVC </a:t>
+            </a:r>
+            <a:r>
+              <a:rPr lang="ko-KR" altLang="en-US" dirty="0"/>
+              <a:t>와 </a:t>
+            </a:r>
+            <a:r>
+              <a:rPr lang="en-US" altLang="ko-KR" dirty="0" err="1"/>
+              <a:t>Webflux</a:t>
+            </a:r>
+            <a:r>
+              <a:rPr lang="en-US" altLang="ko-KR" dirty="0"/>
+              <a:t> </a:t>
+            </a:r>
+            <a:r>
+              <a:rPr lang="ko-KR" altLang="en-US" dirty="0"/>
+              <a:t>간 차이가 </a:t>
+            </a:r>
+            <a:r>
+              <a:rPr lang="en-US" altLang="ko-KR" dirty="0"/>
+              <a:t>DB </a:t>
+            </a:r>
+            <a:r>
+              <a:rPr lang="ko-KR" altLang="en-US" dirty="0"/>
+              <a:t>호출시에는 유의미하지 않다는 것을 확인했습니다</a:t>
+            </a:r>
+            <a:r>
+              <a:rPr lang="en-US" altLang="ko-KR" dirty="0"/>
+              <a:t>.</a:t>
+            </a:r>
+          </a:p>
+          <a:p>
             <a:endParaRPr lang="en-US" altLang="ko-KR" dirty="0"/>
+          </a:p>
+          <a:p>
+            <a:r>
+              <a:rPr lang="ko-KR" altLang="en-US" dirty="0"/>
+              <a:t>하지만</a:t>
+            </a:r>
+            <a:r>
+              <a:rPr lang="en-US" altLang="ko-KR" dirty="0"/>
+              <a:t>, </a:t>
+            </a:r>
+            <a:r>
+              <a:rPr lang="ko-KR" altLang="en-US" dirty="0"/>
+              <a:t>정말 그럴까요 </a:t>
+            </a:r>
+            <a:r>
+              <a:rPr lang="en-US" altLang="ko-KR" dirty="0"/>
+              <a:t>?</a:t>
+            </a:r>
+          </a:p>
+          <a:p>
+            <a:endParaRPr lang="en-US" altLang="ko-KR" dirty="0"/>
+          </a:p>
+          <a:p>
+            <a:r>
+              <a:rPr lang="ko-KR" altLang="en-US" dirty="0"/>
+              <a:t>조금만 스스로를 의심해 보도록 하겠습니다</a:t>
+            </a:r>
+            <a:r>
+              <a:rPr lang="en-US" altLang="ko-KR"/>
+              <a:t>.</a:t>
+            </a:r>
+            <a:endParaRPr lang="ko-KR" altLang="en-US" dirty="0"/>
           </a:p>
         </p:txBody>
       </p:sp>
@@ -817,7 +975,7 @@
     </p:spTree>
     <p:extLst>
       <p:ext uri="{BB962C8B-B14F-4D97-AF65-F5344CB8AC3E}">
-        <p14:creationId xmlns:p14="http://schemas.microsoft.com/office/powerpoint/2010/main" val="4066255941"/>
+        <p14:creationId xmlns:p14="http://schemas.microsoft.com/office/powerpoint/2010/main" val="2191809055"/>
       </p:ext>
     </p:extLst>
   </p:cSld>
@@ -901,7 +1059,7 @@
     </p:spTree>
     <p:extLst>
       <p:ext uri="{BB962C8B-B14F-4D97-AF65-F5344CB8AC3E}">
-        <p14:creationId xmlns:p14="http://schemas.microsoft.com/office/powerpoint/2010/main" val="308352197"/>
+        <p14:creationId xmlns:p14="http://schemas.microsoft.com/office/powerpoint/2010/main" val="99893026"/>
       </p:ext>
     </p:extLst>
   </p:cSld>
@@ -985,7 +1143,7 @@
     </p:spTree>
     <p:extLst>
       <p:ext uri="{BB962C8B-B14F-4D97-AF65-F5344CB8AC3E}">
-        <p14:creationId xmlns:p14="http://schemas.microsoft.com/office/powerpoint/2010/main" val="1856516268"/>
+        <p14:creationId xmlns:p14="http://schemas.microsoft.com/office/powerpoint/2010/main" val="846571155"/>
       </p:ext>
     </p:extLst>
   </p:cSld>
@@ -1069,7 +1227,7 @@
     </p:spTree>
     <p:extLst>
       <p:ext uri="{BB962C8B-B14F-4D97-AF65-F5344CB8AC3E}">
-        <p14:creationId xmlns:p14="http://schemas.microsoft.com/office/powerpoint/2010/main" val="2409539036"/>
+        <p14:creationId xmlns:p14="http://schemas.microsoft.com/office/powerpoint/2010/main" val="565294012"/>
       </p:ext>
     </p:extLst>
   </p:cSld>
@@ -1153,7 +1311,7 @@
     </p:spTree>
     <p:extLst>
       <p:ext uri="{BB962C8B-B14F-4D97-AF65-F5344CB8AC3E}">
-        <p14:creationId xmlns:p14="http://schemas.microsoft.com/office/powerpoint/2010/main" val="3921288963"/>
+        <p14:creationId xmlns:p14="http://schemas.microsoft.com/office/powerpoint/2010/main" val="2825804840"/>
       </p:ext>
     </p:extLst>
   </p:cSld>
@@ -1229,6 +1387,174 @@
             <a:fld id="{4F243B46-72FF-4656-838A-691B9EB329E3}" type="slidenum">
               <a:rPr lang="ko-KR" altLang="en-US" smtClean="0"/>
               <a:t>17</a:t>
+            </a:fld>
+            <a:endParaRPr lang="ko-KR" altLang="en-US"/>
+          </a:p>
+        </p:txBody>
+      </p:sp>
+    </p:spTree>
+    <p:extLst>
+      <p:ext uri="{BB962C8B-B14F-4D97-AF65-F5344CB8AC3E}">
+        <p14:creationId xmlns:p14="http://schemas.microsoft.com/office/powerpoint/2010/main" val="104125096"/>
+      </p:ext>
+    </p:extLst>
+  </p:cSld>
+  <p:clrMapOvr>
+    <a:masterClrMapping/>
+  </p:clrMapOvr>
+</p:notes>
+</file>
+
+<file path=ppt/notesSlides/notesSlide18.xml><?xml version="1.0" encoding="utf-8"?>
+<p:notes xmlns:a="http://schemas.openxmlformats.org/drawingml/2006/main" xmlns:r="http://schemas.openxmlformats.org/officeDocument/2006/relationships" xmlns:p="http://schemas.openxmlformats.org/presentationml/2006/main">
+  <p:cSld>
+    <p:spTree>
+      <p:nvGrpSpPr>
+        <p:cNvPr id="1" name=""/>
+        <p:cNvGrpSpPr/>
+        <p:nvPr/>
+      </p:nvGrpSpPr>
+      <p:grpSpPr>
+        <a:xfrm>
+          <a:off x="0" y="0"/>
+          <a:ext cx="0" cy="0"/>
+          <a:chOff x="0" y="0"/>
+          <a:chExt cx="0" cy="0"/>
+        </a:xfrm>
+      </p:grpSpPr>
+      <p:sp>
+        <p:nvSpPr>
+          <p:cNvPr id="2" name="슬라이드 이미지 개체 틀 1"/>
+          <p:cNvSpPr>
+            <a:spLocks noGrp="1" noRot="1" noChangeAspect="1"/>
+          </p:cNvSpPr>
+          <p:nvPr>
+            <p:ph type="sldImg"/>
+          </p:nvPr>
+        </p:nvSpPr>
+        <p:spPr/>
+      </p:sp>
+      <p:sp>
+        <p:nvSpPr>
+          <p:cNvPr id="3" name="슬라이드 노트 개체 틀 2"/>
+          <p:cNvSpPr>
+            <a:spLocks noGrp="1"/>
+          </p:cNvSpPr>
+          <p:nvPr>
+            <p:ph type="body" idx="1"/>
+          </p:nvPr>
+        </p:nvSpPr>
+        <p:spPr/>
+        <p:txBody>
+          <a:bodyPr/>
+          <a:lstStyle/>
+          <a:p>
+            <a:endParaRPr lang="en-US" altLang="ko-KR" dirty="0"/>
+          </a:p>
+        </p:txBody>
+      </p:sp>
+      <p:sp>
+        <p:nvSpPr>
+          <p:cNvPr id="4" name="슬라이드 번호 개체 틀 3"/>
+          <p:cNvSpPr>
+            <a:spLocks noGrp="1"/>
+          </p:cNvSpPr>
+          <p:nvPr>
+            <p:ph type="sldNum" sz="quarter" idx="5"/>
+          </p:nvPr>
+        </p:nvSpPr>
+        <p:spPr/>
+        <p:txBody>
+          <a:bodyPr/>
+          <a:lstStyle/>
+          <a:p>
+            <a:fld id="{4F243B46-72FF-4656-838A-691B9EB329E3}" type="slidenum">
+              <a:rPr lang="ko-KR" altLang="en-US" smtClean="0"/>
+              <a:t>18</a:t>
+            </a:fld>
+            <a:endParaRPr lang="ko-KR" altLang="en-US"/>
+          </a:p>
+        </p:txBody>
+      </p:sp>
+    </p:spTree>
+    <p:extLst>
+      <p:ext uri="{BB962C8B-B14F-4D97-AF65-F5344CB8AC3E}">
+        <p14:creationId xmlns:p14="http://schemas.microsoft.com/office/powerpoint/2010/main" val="3244399353"/>
+      </p:ext>
+    </p:extLst>
+  </p:cSld>
+  <p:clrMapOvr>
+    <a:masterClrMapping/>
+  </p:clrMapOvr>
+</p:notes>
+</file>
+
+<file path=ppt/notesSlides/notesSlide19.xml><?xml version="1.0" encoding="utf-8"?>
+<p:notes xmlns:a="http://schemas.openxmlformats.org/drawingml/2006/main" xmlns:r="http://schemas.openxmlformats.org/officeDocument/2006/relationships" xmlns:p="http://schemas.openxmlformats.org/presentationml/2006/main">
+  <p:cSld>
+    <p:spTree>
+      <p:nvGrpSpPr>
+        <p:cNvPr id="1" name=""/>
+        <p:cNvGrpSpPr/>
+        <p:nvPr/>
+      </p:nvGrpSpPr>
+      <p:grpSpPr>
+        <a:xfrm>
+          <a:off x="0" y="0"/>
+          <a:ext cx="0" cy="0"/>
+          <a:chOff x="0" y="0"/>
+          <a:chExt cx="0" cy="0"/>
+        </a:xfrm>
+      </p:grpSpPr>
+      <p:sp>
+        <p:nvSpPr>
+          <p:cNvPr id="2" name="슬라이드 이미지 개체 틀 1"/>
+          <p:cNvSpPr>
+            <a:spLocks noGrp="1" noRot="1" noChangeAspect="1"/>
+          </p:cNvSpPr>
+          <p:nvPr>
+            <p:ph type="sldImg"/>
+          </p:nvPr>
+        </p:nvSpPr>
+        <p:spPr/>
+      </p:sp>
+      <p:sp>
+        <p:nvSpPr>
+          <p:cNvPr id="3" name="슬라이드 노트 개체 틀 2"/>
+          <p:cNvSpPr>
+            <a:spLocks noGrp="1"/>
+          </p:cNvSpPr>
+          <p:nvPr>
+            <p:ph type="body" idx="1"/>
+          </p:nvPr>
+        </p:nvSpPr>
+        <p:spPr/>
+        <p:txBody>
+          <a:bodyPr/>
+          <a:lstStyle/>
+          <a:p>
+            <a:endParaRPr lang="en-US" altLang="ko-KR" dirty="0"/>
+          </a:p>
+        </p:txBody>
+      </p:sp>
+      <p:sp>
+        <p:nvSpPr>
+          <p:cNvPr id="4" name="슬라이드 번호 개체 틀 3"/>
+          <p:cNvSpPr>
+            <a:spLocks noGrp="1"/>
+          </p:cNvSpPr>
+          <p:nvPr>
+            <p:ph type="sldNum" sz="quarter" idx="5"/>
+          </p:nvPr>
+        </p:nvSpPr>
+        <p:spPr/>
+        <p:txBody>
+          <a:bodyPr/>
+          <a:lstStyle/>
+          <a:p>
+            <a:fld id="{4F243B46-72FF-4656-838A-691B9EB329E3}" type="slidenum">
+              <a:rPr lang="ko-KR" altLang="en-US" smtClean="0"/>
+              <a:t>19</a:t>
             </a:fld>
             <a:endParaRPr lang="ko-KR" altLang="en-US"/>
           </a:p>
@@ -1291,6 +1617,216 @@
           <a:bodyPr/>
           <a:lstStyle/>
           <a:p>
+            <a:r>
+              <a:rPr lang="ko-KR" altLang="en-US" dirty="0"/>
+              <a:t>어플리케이션 성능은</a:t>
+            </a:r>
+            <a:r>
+              <a:rPr lang="en-US" altLang="ko-KR" dirty="0"/>
+              <a:t>,</a:t>
+            </a:r>
+            <a:r>
+              <a:rPr lang="ko-KR" altLang="en-US" dirty="0"/>
+              <a:t> 초당 처리성능을 나타내는</a:t>
+            </a:r>
+            <a:r>
+              <a:rPr lang="en-US" altLang="ko-KR" dirty="0"/>
+              <a:t> TPS, Transaction per seconds </a:t>
+            </a:r>
+            <a:r>
+              <a:rPr lang="ko-KR" altLang="en-US" dirty="0"/>
+              <a:t>또는 </a:t>
+            </a:r>
+            <a:r>
+              <a:rPr lang="en-US" altLang="ko-KR" dirty="0"/>
+              <a:t>RPS, Request per seconds </a:t>
+            </a:r>
+            <a:r>
+              <a:rPr lang="ko-KR" altLang="en-US" dirty="0"/>
+              <a:t>로 확인할 예정이고요</a:t>
+            </a:r>
+            <a:r>
+              <a:rPr lang="en-US" altLang="ko-KR" dirty="0"/>
+              <a:t>.</a:t>
+            </a:r>
+          </a:p>
+          <a:p>
+            <a:endParaRPr lang="en-US" altLang="ko-KR" dirty="0"/>
+          </a:p>
+          <a:p>
+            <a:endParaRPr lang="en-US" altLang="ko-KR" dirty="0"/>
+          </a:p>
+          <a:p>
+            <a:r>
+              <a:rPr lang="ko-KR" altLang="en-US" dirty="0"/>
+              <a:t>부하를 정확하게 측정하기 위해서는</a:t>
+            </a:r>
+            <a:r>
+              <a:rPr lang="en-US" altLang="ko-KR" dirty="0"/>
+              <a:t>, </a:t>
+            </a:r>
+            <a:r>
+              <a:rPr lang="ko-KR" altLang="en-US" dirty="0"/>
+              <a:t>부하 발생기와 측정하고자 하는 서버환경을 분리해야 합니다</a:t>
+            </a:r>
+            <a:r>
+              <a:rPr lang="en-US" altLang="ko-KR" dirty="0"/>
+              <a:t>.</a:t>
+            </a:r>
+          </a:p>
+          <a:p>
+            <a:endParaRPr lang="en-US" altLang="ko-KR" dirty="0"/>
+          </a:p>
+          <a:p>
+            <a:r>
+              <a:rPr lang="ko-KR" altLang="en-US" dirty="0"/>
+              <a:t>부하 발생기가 </a:t>
+            </a:r>
+            <a:r>
+              <a:rPr lang="en-US" altLang="ko-KR" dirty="0" err="1"/>
+              <a:t>cpu</a:t>
+            </a:r>
+            <a:r>
+              <a:rPr lang="ko-KR" altLang="en-US" dirty="0"/>
+              <a:t>를 꽤 잡아먹기 때문에</a:t>
+            </a:r>
+            <a:r>
+              <a:rPr lang="en-US" altLang="ko-KR" dirty="0"/>
+              <a:t>,</a:t>
+            </a:r>
+            <a:r>
+              <a:rPr lang="ko-KR" altLang="en-US" dirty="0"/>
+              <a:t> 서버 처리 성능에 간섭을 일으킬 수 </a:t>
+            </a:r>
+            <a:r>
+              <a:rPr lang="ko-KR" altLang="en-US" dirty="0" err="1"/>
+              <a:t>있어서인데요</a:t>
+            </a:r>
+            <a:r>
+              <a:rPr lang="en-US" altLang="ko-KR" dirty="0"/>
+              <a:t>.</a:t>
+            </a:r>
+          </a:p>
+          <a:p>
+            <a:endParaRPr lang="en-US" altLang="ko-KR" dirty="0"/>
+          </a:p>
+          <a:p>
+            <a:r>
+              <a:rPr lang="ko-KR" altLang="en-US" dirty="0"/>
+              <a:t>하지만</a:t>
+            </a:r>
+            <a:r>
+              <a:rPr lang="en-US" altLang="ko-KR" dirty="0"/>
+              <a:t>, </a:t>
+            </a:r>
+            <a:r>
+              <a:rPr lang="ko-KR" altLang="en-US" dirty="0"/>
+              <a:t>저희는 경향성 정도만 </a:t>
+            </a:r>
+            <a:r>
+              <a:rPr lang="ko-KR" altLang="en-US" dirty="0" err="1"/>
+              <a:t>확인할꺼라</a:t>
+            </a:r>
+            <a:r>
+              <a:rPr lang="en-US" altLang="ko-KR" dirty="0"/>
+              <a:t>, </a:t>
+            </a:r>
+            <a:r>
+              <a:rPr lang="ko-KR" altLang="en-US" dirty="0"/>
+              <a:t>로컬 </a:t>
+            </a:r>
+            <a:r>
+              <a:rPr lang="en-US" altLang="ko-KR" dirty="0"/>
+              <a:t>PC </a:t>
+            </a:r>
+            <a:r>
+              <a:rPr lang="ko-KR" altLang="en-US" dirty="0"/>
+              <a:t>에서 부하 테스트 도구와 서버를 같이 띄워 테스트 할 예정이고요</a:t>
+            </a:r>
+            <a:r>
+              <a:rPr lang="en-US" altLang="ko-KR" dirty="0"/>
+              <a:t>.</a:t>
+            </a:r>
+          </a:p>
+          <a:p>
+            <a:endParaRPr lang="en-US" altLang="ko-KR" dirty="0"/>
+          </a:p>
+          <a:p>
+            <a:r>
+              <a:rPr lang="ko-KR" altLang="en-US" dirty="0"/>
+              <a:t>때문에</a:t>
+            </a:r>
+            <a:r>
+              <a:rPr lang="en-US" altLang="ko-KR" dirty="0"/>
+              <a:t>, </a:t>
+            </a:r>
+            <a:r>
+              <a:rPr lang="ko-KR" altLang="en-US" dirty="0"/>
+              <a:t>부하 테스트 도구는 좀 가벼운 도구를 선택하겠습니다</a:t>
+            </a:r>
+            <a:r>
+              <a:rPr lang="en-US" altLang="ko-KR" dirty="0"/>
+              <a:t>.</a:t>
+            </a:r>
+          </a:p>
+          <a:p>
+            <a:endParaRPr lang="en-US" altLang="ko-KR" dirty="0"/>
+          </a:p>
+          <a:p>
+            <a:endParaRPr lang="en-US" altLang="ko-KR" dirty="0"/>
+          </a:p>
+          <a:p>
+            <a:r>
+              <a:rPr lang="ko-KR" altLang="en-US" dirty="0"/>
+              <a:t>이런 목적으로는 </a:t>
+            </a:r>
+            <a:r>
+              <a:rPr lang="en-US" altLang="ko-KR" dirty="0" err="1"/>
+              <a:t>Jmeter</a:t>
+            </a:r>
+            <a:r>
+              <a:rPr lang="en-US" altLang="ko-KR" dirty="0"/>
+              <a:t> </a:t>
+            </a:r>
+            <a:r>
+              <a:rPr lang="ko-KR" altLang="en-US" dirty="0"/>
+              <a:t>를 </a:t>
+            </a:r>
+            <a:r>
+              <a:rPr lang="ko-KR" altLang="en-US" dirty="0" err="1"/>
+              <a:t>선택하는게</a:t>
+            </a:r>
+            <a:r>
+              <a:rPr lang="ko-KR" altLang="en-US" dirty="0"/>
+              <a:t> 보통인데요</a:t>
+            </a:r>
+            <a:r>
+              <a:rPr lang="en-US" altLang="ko-KR" dirty="0"/>
+              <a:t>.</a:t>
+            </a:r>
+          </a:p>
+          <a:p>
+            <a:endParaRPr lang="en-US" altLang="ko-KR" dirty="0"/>
+          </a:p>
+          <a:p>
+            <a:r>
+              <a:rPr lang="ko-KR" altLang="en-US" dirty="0"/>
+              <a:t>저희는 요즘 많이들 갈아타고 계시는 </a:t>
+            </a:r>
+            <a:r>
+              <a:rPr lang="en-US" altLang="ko-KR" dirty="0"/>
+              <a:t>Locust </a:t>
+            </a:r>
+            <a:r>
+              <a:rPr lang="ko-KR" altLang="en-US" dirty="0"/>
+              <a:t>란 오픈소스를 한 번 사용해 보도록 하겠습니다</a:t>
+            </a:r>
+            <a:r>
+              <a:rPr lang="en-US" altLang="ko-KR" dirty="0"/>
+              <a:t>.</a:t>
+            </a:r>
+          </a:p>
+          <a:p>
             <a:endParaRPr lang="en-US" altLang="ko-KR" dirty="0"/>
           </a:p>
         </p:txBody>
@@ -1322,6 +1858,90 @@
     <p:extLst>
       <p:ext uri="{BB962C8B-B14F-4D97-AF65-F5344CB8AC3E}">
         <p14:creationId xmlns:p14="http://schemas.microsoft.com/office/powerpoint/2010/main" val="3409483807"/>
+      </p:ext>
+    </p:extLst>
+  </p:cSld>
+  <p:clrMapOvr>
+    <a:masterClrMapping/>
+  </p:clrMapOvr>
+</p:notes>
+</file>
+
+<file path=ppt/notesSlides/notesSlide20.xml><?xml version="1.0" encoding="utf-8"?>
+<p:notes xmlns:a="http://schemas.openxmlformats.org/drawingml/2006/main" xmlns:r="http://schemas.openxmlformats.org/officeDocument/2006/relationships" xmlns:p="http://schemas.openxmlformats.org/presentationml/2006/main">
+  <p:cSld>
+    <p:spTree>
+      <p:nvGrpSpPr>
+        <p:cNvPr id="1" name=""/>
+        <p:cNvGrpSpPr/>
+        <p:nvPr/>
+      </p:nvGrpSpPr>
+      <p:grpSpPr>
+        <a:xfrm>
+          <a:off x="0" y="0"/>
+          <a:ext cx="0" cy="0"/>
+          <a:chOff x="0" y="0"/>
+          <a:chExt cx="0" cy="0"/>
+        </a:xfrm>
+      </p:grpSpPr>
+      <p:sp>
+        <p:nvSpPr>
+          <p:cNvPr id="2" name="슬라이드 이미지 개체 틀 1"/>
+          <p:cNvSpPr>
+            <a:spLocks noGrp="1" noRot="1" noChangeAspect="1"/>
+          </p:cNvSpPr>
+          <p:nvPr>
+            <p:ph type="sldImg"/>
+          </p:nvPr>
+        </p:nvSpPr>
+        <p:spPr/>
+      </p:sp>
+      <p:sp>
+        <p:nvSpPr>
+          <p:cNvPr id="3" name="슬라이드 노트 개체 틀 2"/>
+          <p:cNvSpPr>
+            <a:spLocks noGrp="1"/>
+          </p:cNvSpPr>
+          <p:nvPr>
+            <p:ph type="body" idx="1"/>
+          </p:nvPr>
+        </p:nvSpPr>
+        <p:spPr/>
+        <p:txBody>
+          <a:bodyPr/>
+          <a:lstStyle/>
+          <a:p>
+            <a:endParaRPr lang="en-US" altLang="ko-KR" dirty="0"/>
+          </a:p>
+        </p:txBody>
+      </p:sp>
+      <p:sp>
+        <p:nvSpPr>
+          <p:cNvPr id="4" name="슬라이드 번호 개체 틀 3"/>
+          <p:cNvSpPr>
+            <a:spLocks noGrp="1"/>
+          </p:cNvSpPr>
+          <p:nvPr>
+            <p:ph type="sldNum" sz="quarter" idx="5"/>
+          </p:nvPr>
+        </p:nvSpPr>
+        <p:spPr/>
+        <p:txBody>
+          <a:bodyPr/>
+          <a:lstStyle/>
+          <a:p>
+            <a:fld id="{4F243B46-72FF-4656-838A-691B9EB329E3}" type="slidenum">
+              <a:rPr lang="ko-KR" altLang="en-US" smtClean="0"/>
+              <a:t>20</a:t>
+            </a:fld>
+            <a:endParaRPr lang="ko-KR" altLang="en-US"/>
+          </a:p>
+        </p:txBody>
+      </p:sp>
+    </p:spTree>
+    <p:extLst>
+      <p:ext uri="{BB962C8B-B14F-4D97-AF65-F5344CB8AC3E}">
+        <p14:creationId xmlns:p14="http://schemas.microsoft.com/office/powerpoint/2010/main" val="1684242866"/>
       </p:ext>
     </p:extLst>
   </p:cSld>
@@ -1374,6 +1994,163 @@
         <p:txBody>
           <a:bodyPr/>
           <a:lstStyle/>
+          <a:p>
+            <a:pPr marL="0" marR="0" lvl="0" indent="0" algn="l" defTabSz="685800" rtl="0" eaLnBrk="1" fontAlgn="auto" latinLnBrk="1" hangingPunct="1">
+              <a:lnSpc>
+                <a:spcPct val="100000"/>
+              </a:lnSpc>
+              <a:spcBef>
+                <a:spcPts val="0"/>
+              </a:spcBef>
+              <a:spcAft>
+                <a:spcPts val="0"/>
+              </a:spcAft>
+              <a:buClrTx/>
+              <a:buSzTx/>
+              <a:buFontTx/>
+              <a:buNone/>
+              <a:tabLst/>
+              <a:defRPr/>
+            </a:pPr>
+            <a:r>
+              <a:rPr lang="ko-KR" altLang="en-US" dirty="0" err="1"/>
+              <a:t>로커스트는</a:t>
+            </a:r>
+            <a:r>
+              <a:rPr lang="ko-KR" altLang="en-US" dirty="0"/>
+              <a:t> 설치가 간편하고</a:t>
+            </a:r>
+            <a:r>
+              <a:rPr lang="en-US" altLang="ko-KR" dirty="0"/>
+              <a:t>, </a:t>
+            </a:r>
+            <a:r>
+              <a:rPr lang="ko-KR" altLang="en-US" dirty="0"/>
+              <a:t>테스팅 스크립트 작성이 쉽고</a:t>
+            </a:r>
+            <a:r>
+              <a:rPr lang="en-US" altLang="ko-KR" dirty="0"/>
+              <a:t>, </a:t>
+            </a:r>
+            <a:r>
+              <a:rPr lang="ko-KR" altLang="en-US" dirty="0"/>
+              <a:t>통계결과를 예쁘게 확인할 수 있는 </a:t>
+            </a:r>
+            <a:r>
+              <a:rPr lang="en-US" altLang="ko-KR" dirty="0"/>
+              <a:t>web UI</a:t>
+            </a:r>
+            <a:r>
+              <a:rPr lang="ko-KR" altLang="en-US" dirty="0"/>
+              <a:t>를 제공합니다</a:t>
+            </a:r>
+            <a:r>
+              <a:rPr lang="en-US" altLang="ko-KR" dirty="0"/>
+              <a:t>.</a:t>
+            </a:r>
+          </a:p>
+          <a:p>
+            <a:pPr marL="0" marR="0" lvl="0" indent="0" algn="l" defTabSz="685800" rtl="0" eaLnBrk="1" fontAlgn="auto" latinLnBrk="1" hangingPunct="1">
+              <a:lnSpc>
+                <a:spcPct val="100000"/>
+              </a:lnSpc>
+              <a:spcBef>
+                <a:spcPts val="0"/>
+              </a:spcBef>
+              <a:spcAft>
+                <a:spcPts val="0"/>
+              </a:spcAft>
+              <a:buClrTx/>
+              <a:buSzTx/>
+              <a:buFontTx/>
+              <a:buNone/>
+              <a:tabLst/>
+              <a:defRPr/>
+            </a:pPr>
+            <a:endParaRPr lang="en-US" altLang="ko-KR" dirty="0"/>
+          </a:p>
+          <a:p>
+            <a:pPr marL="0" marR="0" lvl="0" indent="0" algn="l" defTabSz="685800" rtl="0" eaLnBrk="1" fontAlgn="auto" latinLnBrk="1" hangingPunct="1">
+              <a:lnSpc>
+                <a:spcPct val="100000"/>
+              </a:lnSpc>
+              <a:spcBef>
+                <a:spcPts val="0"/>
+              </a:spcBef>
+              <a:spcAft>
+                <a:spcPts val="0"/>
+              </a:spcAft>
+              <a:buClrTx/>
+              <a:buSzTx/>
+              <a:buFontTx/>
+              <a:buNone/>
+              <a:tabLst/>
+              <a:defRPr/>
+            </a:pPr>
+            <a:r>
+              <a:rPr lang="ko-KR" altLang="en-US" dirty="0"/>
+              <a:t>게다가 </a:t>
+            </a:r>
+            <a:r>
+              <a:rPr lang="en-US" altLang="ko-KR" dirty="0"/>
+              <a:t>worker cluster </a:t>
+            </a:r>
+            <a:r>
+              <a:rPr lang="ko-KR" altLang="en-US" dirty="0"/>
+              <a:t>를 통한 대규모 분산 부하테스트 환경도 손쉽게 구성할 수 있습니다</a:t>
+            </a:r>
+            <a:r>
+              <a:rPr lang="en-US" altLang="ko-KR" dirty="0"/>
+              <a:t>.</a:t>
+            </a:r>
+          </a:p>
+          <a:p>
+            <a:pPr marL="0" marR="0" lvl="0" indent="0" algn="l" defTabSz="685800" rtl="0" eaLnBrk="1" fontAlgn="auto" latinLnBrk="1" hangingPunct="1">
+              <a:lnSpc>
+                <a:spcPct val="100000"/>
+              </a:lnSpc>
+              <a:spcBef>
+                <a:spcPts val="0"/>
+              </a:spcBef>
+              <a:spcAft>
+                <a:spcPts val="0"/>
+              </a:spcAft>
+              <a:buClrTx/>
+              <a:buSzTx/>
+              <a:buFontTx/>
+              <a:buNone/>
+              <a:tabLst/>
+              <a:defRPr/>
+            </a:pPr>
+            <a:endParaRPr lang="en-US" altLang="ko-KR" dirty="0"/>
+          </a:p>
+          <a:p>
+            <a:pPr marL="0" marR="0" lvl="0" indent="0" algn="l" defTabSz="685800" rtl="0" eaLnBrk="1" fontAlgn="auto" latinLnBrk="1" hangingPunct="1">
+              <a:lnSpc>
+                <a:spcPct val="100000"/>
+              </a:lnSpc>
+              <a:spcBef>
+                <a:spcPts val="0"/>
+              </a:spcBef>
+              <a:spcAft>
+                <a:spcPts val="0"/>
+              </a:spcAft>
+              <a:buClrTx/>
+              <a:buSzTx/>
+              <a:buFontTx/>
+              <a:buNone/>
+              <a:tabLst/>
+              <a:defRPr/>
+            </a:pPr>
+            <a:r>
+              <a:rPr lang="ko-KR" altLang="en-US" dirty="0"/>
+              <a:t>이런 장점 때문에 요즘 많이들 사용하시는데요</a:t>
+            </a:r>
+            <a:r>
+              <a:rPr lang="en-US" altLang="ko-KR" dirty="0"/>
+              <a:t>.</a:t>
+            </a:r>
+          </a:p>
           <a:p>
             <a:endParaRPr lang="en-US" altLang="ko-KR" dirty="0"/>
           </a:p>
@@ -1459,7 +2236,416 @@
           <a:bodyPr/>
           <a:lstStyle/>
           <a:p>
+            <a:r>
+              <a:rPr lang="ko-KR" altLang="en-US" dirty="0" err="1"/>
+              <a:t>로커스트는</a:t>
+            </a:r>
+            <a:r>
+              <a:rPr lang="ko-KR" altLang="en-US" dirty="0"/>
+              <a:t> </a:t>
+            </a:r>
+            <a:r>
+              <a:rPr lang="en-US" altLang="ko-KR" dirty="0"/>
+              <a:t>python </a:t>
+            </a:r>
+            <a:r>
+              <a:rPr lang="ko-KR" altLang="en-US" dirty="0"/>
+              <a:t>기반의 부하 테스터입니다</a:t>
+            </a:r>
+            <a:r>
+              <a:rPr lang="en-US" altLang="ko-KR" dirty="0"/>
+              <a:t>..</a:t>
+            </a:r>
+          </a:p>
+          <a:p>
             <a:endParaRPr lang="en-US" altLang="ko-KR" dirty="0"/>
+          </a:p>
+          <a:p>
+            <a:r>
+              <a:rPr lang="ko-KR" altLang="en-US" dirty="0"/>
+              <a:t>편의성이 좋은 건 알겠는데</a:t>
+            </a:r>
+            <a:r>
+              <a:rPr lang="en-US" altLang="ko-KR" dirty="0"/>
+              <a:t>, python </a:t>
+            </a:r>
+            <a:r>
+              <a:rPr lang="ko-KR" altLang="en-US" dirty="0"/>
+              <a:t>기반이라는 말에 잠깐 멈칫 하신 분도 </a:t>
+            </a:r>
+            <a:r>
+              <a:rPr lang="ko-KR" altLang="en-US" dirty="0" err="1"/>
+              <a:t>계실겁니다</a:t>
+            </a:r>
+            <a:r>
+              <a:rPr lang="en-US" altLang="ko-KR" dirty="0"/>
+              <a:t>.</a:t>
+            </a:r>
+          </a:p>
+          <a:p>
+            <a:endParaRPr lang="en-US" altLang="ko-KR" dirty="0"/>
+          </a:p>
+          <a:p>
+            <a:r>
+              <a:rPr lang="en-US" altLang="ko-KR" dirty="0"/>
+              <a:t>Python</a:t>
+            </a:r>
+            <a:r>
+              <a:rPr lang="ko-KR" altLang="en-US" dirty="0"/>
+              <a:t>은 메모리를 효율적으로 관리하기 위해</a:t>
+            </a:r>
+            <a:r>
+              <a:rPr lang="en-US" altLang="ko-KR" dirty="0"/>
+              <a:t>, GIL, Global Interpreter Lock </a:t>
+            </a:r>
+            <a:r>
+              <a:rPr lang="ko-KR" altLang="en-US" dirty="0"/>
+              <a:t>이란 메커니즘으로 동작합니다</a:t>
+            </a:r>
+            <a:r>
+              <a:rPr lang="en-US" altLang="ko-KR" dirty="0"/>
+              <a:t>. </a:t>
+            </a:r>
+            <a:r>
+              <a:rPr lang="ko-KR" altLang="en-US" dirty="0"/>
+              <a:t>즉</a:t>
+            </a:r>
+            <a:r>
+              <a:rPr lang="en-US" altLang="ko-KR" dirty="0"/>
+              <a:t>, </a:t>
+            </a:r>
+            <a:r>
+              <a:rPr lang="ko-KR" altLang="en-US" dirty="0"/>
+              <a:t>싱글 쓰레드 동작만을 강제하는데요</a:t>
+            </a:r>
+            <a:r>
+              <a:rPr lang="en-US" altLang="ko-KR" dirty="0"/>
+              <a:t>.</a:t>
+            </a:r>
+          </a:p>
+          <a:p>
+            <a:endParaRPr lang="en-US" altLang="ko-KR" dirty="0"/>
+          </a:p>
+          <a:p>
+            <a:r>
+              <a:rPr lang="ko-KR" altLang="en-US" dirty="0"/>
+              <a:t>조금만 더 자세히 말씀드리면</a:t>
+            </a:r>
+            <a:r>
+              <a:rPr lang="en-US" altLang="ko-KR" dirty="0"/>
+              <a:t>,</a:t>
+            </a:r>
+          </a:p>
+          <a:p>
+            <a:endParaRPr lang="en-US" altLang="ko-KR" dirty="0"/>
+          </a:p>
+          <a:p>
+            <a:r>
+              <a:rPr lang="en-US" altLang="ko-KR" dirty="0"/>
+              <a:t>Python</a:t>
+            </a:r>
+            <a:r>
+              <a:rPr lang="ko-KR" altLang="en-US" dirty="0"/>
+              <a:t>은 변수를 참조할 때마다 </a:t>
+            </a:r>
+            <a:r>
+              <a:rPr lang="en-US" altLang="ko-KR" dirty="0"/>
+              <a:t>+1, </a:t>
+            </a:r>
+            <a:r>
+              <a:rPr lang="ko-KR" altLang="en-US" dirty="0"/>
+              <a:t>참조가 끝날 때마다 </a:t>
+            </a:r>
+            <a:r>
+              <a:rPr lang="en-US" altLang="ko-KR" dirty="0"/>
+              <a:t>-1 </a:t>
+            </a:r>
+            <a:r>
+              <a:rPr lang="ko-KR" altLang="en-US" dirty="0"/>
+              <a:t>을 </a:t>
+            </a:r>
+            <a:r>
+              <a:rPr lang="ko-KR" altLang="en-US" dirty="0" err="1"/>
+              <a:t>카운팅하다가</a:t>
+            </a:r>
+            <a:r>
+              <a:rPr lang="en-US" altLang="ko-KR" dirty="0"/>
+              <a:t>, 0</a:t>
+            </a:r>
+            <a:r>
+              <a:rPr lang="ko-KR" altLang="en-US" dirty="0"/>
+              <a:t>이 되면 변수를 메모리에서 정리하는 방식으로 </a:t>
+            </a:r>
+            <a:r>
+              <a:rPr lang="en-US" altLang="ko-KR" dirty="0"/>
+              <a:t>Garbage collection </a:t>
+            </a:r>
+            <a:r>
+              <a:rPr lang="ko-KR" altLang="en-US" dirty="0"/>
+              <a:t>을 수행합니다</a:t>
+            </a:r>
+            <a:r>
+              <a:rPr lang="en-US" altLang="ko-KR" dirty="0"/>
+              <a:t>.</a:t>
+            </a:r>
+          </a:p>
+          <a:p>
+            <a:endParaRPr lang="en-US" altLang="ko-KR" dirty="0"/>
+          </a:p>
+          <a:p>
+            <a:r>
+              <a:rPr lang="ko-KR" altLang="en-US" dirty="0"/>
+              <a:t>그런데</a:t>
+            </a:r>
+            <a:r>
+              <a:rPr lang="en-US" altLang="ko-KR" dirty="0"/>
+              <a:t>, thread </a:t>
+            </a:r>
+            <a:r>
+              <a:rPr lang="ko-KR" altLang="en-US" dirty="0"/>
+              <a:t>가 여러 개면</a:t>
+            </a:r>
+            <a:r>
+              <a:rPr lang="en-US" altLang="ko-KR" dirty="0"/>
+              <a:t>, </a:t>
+            </a:r>
+            <a:r>
+              <a:rPr lang="ko-KR" altLang="en-US" dirty="0"/>
+              <a:t>변수의 참조를 갱신하기 위해 </a:t>
+            </a:r>
+            <a:r>
+              <a:rPr lang="en-US" altLang="ko-KR" dirty="0"/>
+              <a:t>lock </a:t>
+            </a:r>
+            <a:r>
+              <a:rPr lang="ko-KR" altLang="en-US" dirty="0"/>
+              <a:t>을 걸어줘야 하기 때문에</a:t>
+            </a:r>
+            <a:r>
+              <a:rPr lang="en-US" altLang="ko-KR" dirty="0"/>
+              <a:t>, </a:t>
+            </a:r>
+            <a:r>
+              <a:rPr lang="ko-KR" altLang="en-US" dirty="0"/>
+              <a:t>안 그래도 느린 </a:t>
+            </a:r>
+            <a:r>
+              <a:rPr lang="en-US" altLang="ko-KR" dirty="0"/>
+              <a:t>python </a:t>
+            </a:r>
+            <a:r>
+              <a:rPr lang="ko-KR" altLang="en-US" dirty="0"/>
+              <a:t>이 더 느리게 동작하게 되거든요</a:t>
+            </a:r>
+            <a:r>
+              <a:rPr lang="en-US" altLang="ko-KR" dirty="0"/>
+              <a:t>.</a:t>
+            </a:r>
+          </a:p>
+          <a:p>
+            <a:endParaRPr lang="en-US" altLang="ko-KR" dirty="0"/>
+          </a:p>
+          <a:p>
+            <a:r>
+              <a:rPr lang="ko-KR" altLang="en-US" dirty="0"/>
+              <a:t>그래서 </a:t>
+            </a:r>
+            <a:r>
+              <a:rPr lang="en-US" altLang="ko-KR" dirty="0"/>
+              <a:t>python </a:t>
+            </a:r>
+            <a:r>
+              <a:rPr lang="ko-KR" altLang="en-US" dirty="0"/>
+              <a:t>은 효과적인 메모리 관리를 위해 의도적으로 병렬성을 버렸습니다</a:t>
+            </a:r>
+            <a:r>
+              <a:rPr lang="en-US" altLang="ko-KR" dirty="0"/>
+              <a:t>. </a:t>
+            </a:r>
+            <a:r>
+              <a:rPr lang="ko-KR" altLang="en-US" dirty="0"/>
+              <a:t>즉 </a:t>
+            </a:r>
+            <a:r>
+              <a:rPr lang="en-US" altLang="ko-KR" dirty="0"/>
+              <a:t>python </a:t>
+            </a:r>
+            <a:r>
+              <a:rPr lang="ko-KR" altLang="en-US" dirty="0"/>
+              <a:t>은 동시 처리가 되지 않습니다</a:t>
+            </a:r>
+            <a:r>
+              <a:rPr lang="en-US" altLang="ko-KR" dirty="0"/>
+              <a:t>.</a:t>
+            </a:r>
+          </a:p>
+          <a:p>
+            <a:endParaRPr lang="en-US" altLang="ko-KR" dirty="0"/>
+          </a:p>
+          <a:p>
+            <a:endParaRPr lang="en-US" altLang="ko-KR" dirty="0"/>
+          </a:p>
+          <a:p>
+            <a:r>
+              <a:rPr lang="ko-KR" altLang="en-US" dirty="0"/>
+              <a:t>하지만</a:t>
+            </a:r>
+            <a:r>
+              <a:rPr lang="en-US" altLang="ko-KR" dirty="0"/>
+              <a:t>, </a:t>
+            </a:r>
+            <a:r>
+              <a:rPr lang="ko-KR" altLang="en-US" dirty="0"/>
+              <a:t>부하 테스터는 동시에 여러 요청을 대상 서버로 날라야 하기 때문에 반드시 병렬 처리가 되어야 합니다</a:t>
+            </a:r>
+            <a:r>
+              <a:rPr lang="en-US" altLang="ko-KR" dirty="0"/>
+              <a:t>….</a:t>
+            </a:r>
+          </a:p>
+          <a:p>
+            <a:endParaRPr lang="en-US" altLang="ko-KR" dirty="0"/>
+          </a:p>
+          <a:p>
+            <a:endParaRPr lang="en-US" altLang="ko-KR" dirty="0"/>
+          </a:p>
+          <a:p>
+            <a:r>
+              <a:rPr lang="ko-KR" altLang="en-US" dirty="0"/>
+              <a:t>이런 모순을 해결하기 위해</a:t>
+            </a:r>
+            <a:r>
+              <a:rPr lang="en-US" altLang="ko-KR" dirty="0"/>
+              <a:t>, </a:t>
+            </a:r>
+            <a:r>
+              <a:rPr lang="ko-KR" altLang="en-US" dirty="0" err="1"/>
+              <a:t>로커스트는</a:t>
+            </a:r>
+            <a:r>
+              <a:rPr lang="ko-KR" altLang="en-US" dirty="0"/>
+              <a:t> </a:t>
+            </a:r>
+            <a:r>
+              <a:rPr lang="ko-KR" altLang="en-US" dirty="0" err="1"/>
+              <a:t>게벤트</a:t>
+            </a:r>
+            <a:r>
+              <a:rPr lang="en-US" altLang="ko-KR" dirty="0"/>
+              <a:t>(</a:t>
+            </a:r>
+            <a:r>
+              <a:rPr lang="en-US" altLang="ko-KR" dirty="0" err="1"/>
+              <a:t>gevent</a:t>
+            </a:r>
+            <a:r>
+              <a:rPr lang="en-US" altLang="ko-KR" dirty="0"/>
+              <a:t>) </a:t>
+            </a:r>
+            <a:r>
+              <a:rPr lang="ko-KR" altLang="en-US" dirty="0"/>
+              <a:t>라는 </a:t>
+            </a:r>
+            <a:r>
+              <a:rPr lang="en-US" altLang="ko-KR" dirty="0"/>
+              <a:t>coroutine </a:t>
+            </a:r>
+            <a:r>
+              <a:rPr lang="ko-KR" altLang="en-US" dirty="0"/>
+              <a:t>라이브러리 기반으로 동작합니다</a:t>
+            </a:r>
+            <a:r>
+              <a:rPr lang="en-US" altLang="ko-KR" dirty="0"/>
+              <a:t>.</a:t>
+            </a:r>
+          </a:p>
+          <a:p>
+            <a:endParaRPr lang="en-US" altLang="ko-KR" dirty="0"/>
+          </a:p>
+          <a:p>
+            <a:endParaRPr lang="en-US" altLang="ko-KR" dirty="0"/>
+          </a:p>
+          <a:p>
+            <a:r>
+              <a:rPr lang="ko-KR" altLang="en-US" dirty="0"/>
+              <a:t>즉</a:t>
+            </a:r>
+            <a:r>
+              <a:rPr lang="en-US" altLang="ko-KR" dirty="0"/>
+              <a:t>, </a:t>
+            </a:r>
+            <a:r>
+              <a:rPr lang="ko-KR" altLang="en-US" dirty="0" err="1"/>
+              <a:t>로커스트는</a:t>
+            </a:r>
+            <a:r>
+              <a:rPr lang="ko-KR" altLang="en-US" dirty="0"/>
+              <a:t> 비동기 </a:t>
+            </a:r>
+            <a:r>
+              <a:rPr lang="en-US" altLang="ko-KR" dirty="0"/>
+              <a:t>NIO </a:t>
+            </a:r>
+            <a:r>
+              <a:rPr lang="ko-KR" altLang="en-US" dirty="0"/>
+              <a:t>방식으로 작동하는 </a:t>
+            </a:r>
+            <a:r>
+              <a:rPr lang="ko-KR" altLang="en-US" dirty="0" err="1"/>
+              <a:t>부하테스터라</a:t>
+            </a:r>
+            <a:r>
+              <a:rPr lang="en-US" altLang="ko-KR" dirty="0"/>
+              <a:t>, Python </a:t>
+            </a:r>
+            <a:r>
+              <a:rPr lang="ko-KR" altLang="en-US" dirty="0"/>
+              <a:t>임에도 불구하고 빠르게 작동 가능합니다</a:t>
+            </a:r>
+            <a:r>
+              <a:rPr lang="en-US" altLang="ko-KR" dirty="0"/>
+              <a:t>.</a:t>
+            </a:r>
+          </a:p>
+          <a:p>
+            <a:endParaRPr lang="en-US" altLang="ko-KR" dirty="0"/>
+          </a:p>
+          <a:p>
+            <a:endParaRPr lang="en-US" altLang="ko-KR" dirty="0"/>
+          </a:p>
+          <a:p>
+            <a:r>
+              <a:rPr lang="ko-KR" altLang="en-US" dirty="0"/>
+              <a:t>그럼 지금부터 </a:t>
+            </a:r>
+            <a:r>
+              <a:rPr lang="ko-KR" altLang="en-US" dirty="0" err="1"/>
+              <a:t>로커스터</a:t>
+            </a:r>
+            <a:r>
+              <a:rPr lang="ko-KR" altLang="en-US" dirty="0"/>
+              <a:t> </a:t>
+            </a:r>
+            <a:r>
+              <a:rPr lang="ko-KR" altLang="en-US" dirty="0" err="1"/>
+              <a:t>부하테스터를</a:t>
+            </a:r>
+            <a:r>
+              <a:rPr lang="ko-KR" altLang="en-US" dirty="0"/>
+              <a:t> </a:t>
+            </a:r>
+            <a:r>
+              <a:rPr lang="ko-KR" altLang="en-US" dirty="0" err="1"/>
+              <a:t>셋업해</a:t>
+            </a:r>
+            <a:r>
+              <a:rPr lang="ko-KR" altLang="en-US" dirty="0"/>
+              <a:t> 보도록 하겠습니다</a:t>
+            </a:r>
+            <a:r>
+              <a:rPr lang="en-US" altLang="ko-KR" dirty="0"/>
+              <a:t>.</a:t>
+            </a:r>
           </a:p>
         </p:txBody>
       </p:sp>
@@ -1543,6 +2729,34 @@
           <a:bodyPr/>
           <a:lstStyle/>
           <a:p>
+            <a:r>
+              <a:rPr lang="ko-KR" altLang="en-US" dirty="0"/>
+              <a:t>지금부터 </a:t>
+            </a:r>
+            <a:r>
+              <a:rPr lang="en-US" altLang="ko-KR" dirty="0"/>
+              <a:t>MVC </a:t>
+            </a:r>
+            <a:r>
+              <a:rPr lang="ko-KR" altLang="en-US" dirty="0"/>
+              <a:t>와 </a:t>
+            </a:r>
+            <a:r>
+              <a:rPr lang="en-US" altLang="ko-KR" dirty="0" err="1"/>
+              <a:t>Webflux</a:t>
+            </a:r>
+            <a:r>
+              <a:rPr lang="en-US" altLang="ko-KR" dirty="0"/>
+              <a:t> </a:t>
+            </a:r>
+            <a:r>
+              <a:rPr lang="ko-KR" altLang="en-US" dirty="0"/>
+              <a:t>어플리케이션 간 성능을 비교해 보겠습니다</a:t>
+            </a:r>
+            <a:r>
+              <a:rPr lang="en-US" altLang="ko-KR" dirty="0"/>
+              <a:t>.</a:t>
+            </a:r>
             <a:endParaRPr lang="ko-KR" altLang="en-US" dirty="0"/>
           </a:p>
         </p:txBody>
@@ -3579,7 +4793,7 @@
           <p:cNvPr id="2" name="제목 1">
             <a:extLst>
               <a:ext uri="{FF2B5EF4-FFF2-40B4-BE49-F238E27FC236}">
-                <a16:creationId xmlns:a16="http://schemas.microsoft.com/office/drawing/2014/main" id="{9896B29B-A1AE-E0C6-8543-753E63140B1C}"/>
+                <a16:creationId xmlns:a16="http://schemas.microsoft.com/office/drawing/2014/main" id="{D21C1AA9-5E52-3A11-B3B3-447787E29D09}"/>
               </a:ext>
             </a:extLst>
           </p:cNvPr>
@@ -3587,7 +4801,35 @@
             <a:spLocks noGrp="1"/>
           </p:cNvSpPr>
           <p:nvPr>
-            <p:ph type="ctrTitle"/>
+            <p:ph type="title"/>
+          </p:nvPr>
+        </p:nvSpPr>
+        <p:spPr/>
+        <p:txBody>
+          <a:bodyPr/>
+          <a:lstStyle/>
+          <a:p>
+            <a:r>
+              <a:rPr lang="ko-KR" altLang="en-US" dirty="0"/>
+              <a:t>시나리오</a:t>
+            </a:r>
+          </a:p>
+        </p:txBody>
+      </p:sp>
+      <p:sp>
+        <p:nvSpPr>
+          <p:cNvPr id="4" name="내용 개체 틀 3">
+            <a:extLst>
+              <a:ext uri="{FF2B5EF4-FFF2-40B4-BE49-F238E27FC236}">
+                <a16:creationId xmlns:a16="http://schemas.microsoft.com/office/drawing/2014/main" id="{42F6317C-F28B-ECBE-0810-17736FC7D8AB}"/>
+              </a:ext>
+            </a:extLst>
+          </p:cNvPr>
+          <p:cNvSpPr>
+            <a:spLocks noGrp="1"/>
+          </p:cNvSpPr>
+          <p:nvPr>
+            <p:ph idx="1"/>
           </p:nvPr>
         </p:nvSpPr>
         <p:spPr/>
@@ -3597,83 +4839,237 @@
           </a:bodyPr>
           <a:lstStyle/>
           <a:p>
-            <a:r>
-              <a:rPr lang="ko-KR" altLang="en-US" b="1" dirty="0"/>
-              <a:t>비동기 서비스 부하 테스트</a:t>
-            </a:r>
-          </a:p>
-        </p:txBody>
-      </p:sp>
-      <p:sp>
-        <p:nvSpPr>
-          <p:cNvPr id="4" name="부제목 3">
+            <a:pPr marL="0" indent="0">
+              <a:buNone/>
+            </a:pPr>
+            <a:r>
+              <a:rPr lang="ko-KR" altLang="en-US" dirty="0"/>
+              <a:t>시나리오</a:t>
+            </a:r>
+            <a:endParaRPr lang="en-US" altLang="ko-KR" dirty="0"/>
+          </a:p>
+          <a:p>
+            <a:pPr lvl="1"/>
+            <a:r>
+              <a:rPr lang="ko-KR" altLang="en-US" dirty="0"/>
+              <a:t>지연조회</a:t>
+            </a:r>
+            <a:endParaRPr lang="en-US" altLang="ko-KR" dirty="0"/>
+          </a:p>
+          <a:p>
+            <a:pPr lvl="2"/>
+            <a:r>
+              <a:rPr lang="en-US" altLang="ko-KR" dirty="0"/>
+              <a:t>/stress/delay</a:t>
+            </a:r>
+            <a:endParaRPr lang="en-US" altLang="ko-KR" dirty="0">
+              <a:solidFill>
+                <a:srgbClr val="FF0000"/>
+              </a:solidFill>
+            </a:endParaRPr>
+          </a:p>
+          <a:p>
+            <a:pPr lvl="1"/>
+            <a:r>
+              <a:rPr lang="ko-KR" altLang="en-US" dirty="0"/>
+              <a:t>테스트 조건</a:t>
+            </a:r>
+            <a:endParaRPr lang="en-US" altLang="ko-KR" dirty="0"/>
+          </a:p>
+          <a:p>
+            <a:pPr lvl="2"/>
+            <a:r>
+              <a:rPr lang="en-US" altLang="ko-KR" dirty="0"/>
+              <a:t>users : 10000</a:t>
+            </a:r>
+          </a:p>
+          <a:p>
+            <a:pPr lvl="2"/>
+            <a:r>
+              <a:rPr lang="en-US" altLang="ko-KR" dirty="0"/>
+              <a:t>spawn rate : 400 users / sec</a:t>
+            </a:r>
+          </a:p>
+          <a:p>
+            <a:pPr lvl="2"/>
+            <a:r>
+              <a:rPr lang="en-US" altLang="ko-KR" dirty="0"/>
+              <a:t>run time : 1m</a:t>
+            </a:r>
+          </a:p>
+        </p:txBody>
+      </p:sp>
+      <p:sp>
+        <p:nvSpPr>
+          <p:cNvPr id="7" name="Google Shape;209;p30">
             <a:extLst>
               <a:ext uri="{FF2B5EF4-FFF2-40B4-BE49-F238E27FC236}">
-                <a16:creationId xmlns:a16="http://schemas.microsoft.com/office/drawing/2014/main" id="{7219E4B9-47F6-C7CA-B046-1256225C3574}"/>
+                <a16:creationId xmlns:a16="http://schemas.microsoft.com/office/drawing/2014/main" id="{35F3E219-4EBB-8DE8-0966-E4317399395E}"/>
               </a:ext>
             </a:extLst>
           </p:cNvPr>
-          <p:cNvSpPr>
-            <a:spLocks noGrp="1"/>
-          </p:cNvSpPr>
-          <p:nvPr>
-            <p:ph type="subTitle" idx="1"/>
-          </p:nvPr>
-        </p:nvSpPr>
-        <p:spPr/>
-        <p:txBody>
-          <a:bodyPr>
-            <a:normAutofit/>
+          <p:cNvSpPr/>
+          <p:nvPr/>
+        </p:nvSpPr>
+        <p:spPr>
+          <a:xfrm>
+            <a:off x="7811013" y="528014"/>
+            <a:ext cx="952500" cy="298200"/>
+          </a:xfrm>
+          <a:prstGeom prst="rect">
+            <a:avLst/>
+          </a:prstGeom>
+          <a:noFill/>
+          <a:ln>
+            <a:noFill/>
+          </a:ln>
+        </p:spPr>
+        <p:txBody>
+          <a:bodyPr spcFirstLastPara="1" wrap="square" lIns="19050" tIns="19050" rIns="19050" bIns="19050" anchor="t" anchorCtr="0">
+            <a:noAutofit/>
           </a:bodyPr>
           <a:lstStyle/>
           <a:p>
-            <a:pPr marL="0" indent="0" algn="r">
+            <a:pPr marL="63500" marR="0" lvl="1" indent="0" algn="l" rtl="0">
+              <a:lnSpc>
+                <a:spcPct val="90000"/>
+              </a:lnSpc>
+              <a:spcBef>
+                <a:spcPts val="0"/>
+              </a:spcBef>
+              <a:spcAft>
+                <a:spcPts val="0"/>
+              </a:spcAft>
               <a:buNone/>
             </a:pPr>
             <a:r>
-              <a:rPr lang="en-US" altLang="ko" b="1" dirty="0">
-                <a:solidFill>
-                  <a:srgbClr val="ED234B"/>
-                </a:solidFill>
-              </a:rPr>
-              <a:t>3</a:t>
-            </a:r>
-            <a:r>
-              <a:rPr lang="ko" altLang="ko-KR" b="1" dirty="0">
-                <a:solidFill>
-                  <a:srgbClr val="ED234B"/>
+              <a:rPr lang="en-US" altLang="ko" sz="1200" b="1" i="0" u="none" strike="noStrike" cap="none" dirty="0">
+                <a:solidFill>
+                  <a:schemeClr val="bg1"/>
+                </a:solidFill>
+                <a:latin typeface="Arial"/>
+                <a:ea typeface="Arial"/>
+                <a:cs typeface="Arial"/>
+                <a:sym typeface="Arial"/>
+              </a:rPr>
+              <a:t>2</a:t>
+            </a:r>
+            <a:r>
+              <a:rPr lang="ko" sz="1200" b="1" i="0" u="none" strike="noStrike" cap="none" dirty="0">
+                <a:solidFill>
+                  <a:schemeClr val="bg1"/>
+                </a:solidFill>
+                <a:latin typeface="Arial"/>
+                <a:ea typeface="Arial"/>
+                <a:cs typeface="Arial"/>
+                <a:sym typeface="Arial"/>
+              </a:rPr>
+              <a:t>.</a:t>
+            </a:r>
+            <a:endParaRPr sz="500" dirty="0">
+              <a:solidFill>
+                <a:schemeClr val="bg1"/>
+              </a:solidFill>
+            </a:endParaRPr>
+          </a:p>
+        </p:txBody>
+      </p:sp>
+      <p:sp>
+        <p:nvSpPr>
+          <p:cNvPr id="8" name="Google Shape;210;p30">
+            <a:extLst>
+              <a:ext uri="{FF2B5EF4-FFF2-40B4-BE49-F238E27FC236}">
+                <a16:creationId xmlns:a16="http://schemas.microsoft.com/office/drawing/2014/main" id="{8CB63A74-B5C7-DCAA-53F5-96E44004D694}"/>
+              </a:ext>
+            </a:extLst>
+          </p:cNvPr>
+          <p:cNvSpPr/>
+          <p:nvPr/>
+        </p:nvSpPr>
+        <p:spPr>
+          <a:xfrm>
+            <a:off x="7811013" y="825047"/>
+            <a:ext cx="952500" cy="293400"/>
+          </a:xfrm>
+          <a:prstGeom prst="rect">
+            <a:avLst/>
+          </a:prstGeom>
+          <a:noFill/>
+          <a:ln>
+            <a:noFill/>
+          </a:ln>
+        </p:spPr>
+        <p:txBody>
+          <a:bodyPr spcFirstLastPara="1" wrap="square" lIns="19050" tIns="19050" rIns="19050" bIns="19050" anchor="t" anchorCtr="0">
+            <a:noAutofit/>
+          </a:bodyPr>
+          <a:lstStyle/>
+          <a:p>
+            <a:pPr marL="63500" marR="0" lvl="1" indent="0" algn="l" rtl="0">
+              <a:spcBef>
+                <a:spcPts val="200"/>
+              </a:spcBef>
+              <a:spcAft>
+                <a:spcPts val="0"/>
+              </a:spcAft>
+              <a:buClr>
+                <a:srgbClr val="000000"/>
+              </a:buClr>
+              <a:buFont typeface="Arial"/>
+              <a:buNone/>
+            </a:pPr>
+            <a:r>
+              <a:rPr lang="en-US" altLang="ko-KR" sz="800" dirty="0">
+                <a:solidFill>
+                  <a:schemeClr val="bg1"/>
+                </a:solidFill>
+              </a:rPr>
+              <a:t>Spring MVC / </a:t>
+            </a:r>
+            <a:r>
+              <a:rPr lang="en-US" altLang="ko-KR" sz="800" dirty="0" err="1">
+                <a:solidFill>
+                  <a:schemeClr val="bg1"/>
+                </a:solidFill>
+              </a:rPr>
+              <a:t>Webflux</a:t>
+            </a:r>
+            <a:r>
+              <a:rPr lang="en-US" altLang="ko-KR" sz="800" dirty="0">
+                <a:solidFill>
+                  <a:schemeClr val="bg1"/>
                 </a:solidFill>
               </a:rPr>
               <a:t> </a:t>
             </a:r>
             <a:r>
-              <a:rPr lang="en-US" altLang="ko-KR" dirty="0"/>
-              <a:t>Spring MVC / </a:t>
-            </a:r>
-            <a:r>
-              <a:rPr lang="en-US" altLang="ko-KR" dirty="0" err="1"/>
-              <a:t>Webflux</a:t>
-            </a:r>
-            <a:r>
-              <a:rPr lang="en-US" altLang="ko-KR" dirty="0"/>
-              <a:t> </a:t>
-            </a:r>
-            <a:r>
-              <a:rPr lang="ko-KR" altLang="en-US" dirty="0"/>
+              <a:rPr lang="ko-KR" altLang="en-US" sz="800" dirty="0">
+                <a:solidFill>
+                  <a:schemeClr val="bg1"/>
+                </a:solidFill>
+              </a:rPr>
               <a:t>성능 비교 </a:t>
             </a:r>
             <a:r>
-              <a:rPr lang="en-US" altLang="ko-KR" dirty="0"/>
-              <a:t>#2</a:t>
-            </a:r>
-            <a:endParaRPr lang="ko-KR" altLang="en-US" dirty="0"/>
+              <a:rPr lang="en-US" altLang="ko-KR" sz="800" dirty="0">
+                <a:solidFill>
+                  <a:schemeClr val="bg1"/>
+                </a:solidFill>
+              </a:rPr>
+              <a:t>#1</a:t>
+            </a:r>
+            <a:endParaRPr lang="ko-KR" altLang="en-US" sz="800" dirty="0">
+              <a:solidFill>
+                <a:schemeClr val="bg1"/>
+              </a:solidFill>
+            </a:endParaRPr>
           </a:p>
         </p:txBody>
       </p:sp>
     </p:spTree>
     <p:extLst>
       <p:ext uri="{BB962C8B-B14F-4D97-AF65-F5344CB8AC3E}">
-        <p14:creationId xmlns:p14="http://schemas.microsoft.com/office/powerpoint/2010/main" val="3247216844"/>
+        <p14:creationId xmlns:p14="http://schemas.microsoft.com/office/powerpoint/2010/main" val="4078033523"/>
       </p:ext>
     </p:extLst>
   </p:cSld>
@@ -3723,98 +5119,7 @@
           <a:p>
             <a:r>
               <a:rPr lang="ko-KR" altLang="en-US" dirty="0"/>
-              <a:t>시나리오</a:t>
-            </a:r>
-          </a:p>
-        </p:txBody>
-      </p:sp>
-      <p:sp>
-        <p:nvSpPr>
-          <p:cNvPr id="4" name="내용 개체 틀 3">
-            <a:extLst>
-              <a:ext uri="{FF2B5EF4-FFF2-40B4-BE49-F238E27FC236}">
-                <a16:creationId xmlns:a16="http://schemas.microsoft.com/office/drawing/2014/main" id="{42F6317C-F28B-ECBE-0810-17736FC7D8AB}"/>
-              </a:ext>
-            </a:extLst>
-          </p:cNvPr>
-          <p:cNvSpPr>
-            <a:spLocks noGrp="1"/>
-          </p:cNvSpPr>
-          <p:nvPr>
-            <p:ph idx="1"/>
-          </p:nvPr>
-        </p:nvSpPr>
-        <p:spPr/>
-        <p:txBody>
-          <a:bodyPr>
-            <a:normAutofit/>
-          </a:bodyPr>
-          <a:lstStyle/>
-          <a:p>
-            <a:pPr marL="0" indent="0">
-              <a:buNone/>
-            </a:pPr>
-            <a:r>
-              <a:rPr lang="ko-KR" altLang="en-US" dirty="0"/>
-              <a:t>시나리오</a:t>
-            </a:r>
-            <a:endParaRPr lang="en-US" altLang="ko-KR" dirty="0"/>
-          </a:p>
-          <a:p>
-            <a:pPr lvl="1"/>
-            <a:r>
-              <a:rPr lang="ko-KR" altLang="en-US" dirty="0"/>
-              <a:t>지연조회 </a:t>
-            </a:r>
-            <a:r>
-              <a:rPr lang="en-US" altLang="ko-KR" dirty="0"/>
-              <a:t>to Blocking </a:t>
-            </a:r>
-            <a:r>
-              <a:rPr lang="ko-KR" altLang="en-US" dirty="0"/>
-              <a:t>서버</a:t>
-            </a:r>
-            <a:endParaRPr lang="en-US" altLang="ko-KR" dirty="0"/>
-          </a:p>
-          <a:p>
-            <a:pPr lvl="2"/>
-            <a:r>
-              <a:rPr lang="en-US" altLang="ko-KR" dirty="0"/>
-              <a:t>/stress/delay</a:t>
-            </a:r>
-            <a:endParaRPr lang="en-US" altLang="ko-KR" dirty="0">
-              <a:solidFill>
-                <a:srgbClr val="FF0000"/>
-              </a:solidFill>
-            </a:endParaRPr>
-          </a:p>
-          <a:p>
-            <a:pPr lvl="1"/>
-            <a:r>
-              <a:rPr lang="ko-KR" altLang="en-US" dirty="0"/>
-              <a:t>테스트 조건</a:t>
-            </a:r>
-            <a:endParaRPr lang="en-US" altLang="ko-KR" dirty="0"/>
-          </a:p>
-          <a:p>
-            <a:pPr lvl="2"/>
-            <a:r>
-              <a:rPr lang="en-US" altLang="ko-KR" dirty="0"/>
-              <a:t>users : 500 users</a:t>
-            </a:r>
-          </a:p>
-          <a:p>
-            <a:pPr lvl="2"/>
-            <a:r>
-              <a:rPr lang="en-US" altLang="ko-KR" dirty="0"/>
-              <a:t>spawn rate : 20 users / sec</a:t>
-            </a:r>
-          </a:p>
-          <a:p>
-            <a:pPr lvl="2"/>
-            <a:r>
-              <a:rPr lang="en-US" altLang="ko-KR" dirty="0"/>
-              <a:t>run time : 2m</a:t>
+              <a:t>테스트 결과</a:t>
             </a:r>
           </a:p>
         </p:txBody>
@@ -3872,7 +5177,7 @@
                 <a:cs typeface="Arial"/>
                 <a:sym typeface="Arial"/>
               </a:rPr>
-              <a:t>3</a:t>
+              <a:t>2</a:t>
             </a:r>
             <a:r>
               <a:rPr lang="ko" sz="1200" b="1" i="0" u="none" strike="noStrike" cap="none" dirty="0">
@@ -3976,7 +5281,7 @@
                   <a:schemeClr val="bg1"/>
                 </a:solidFill>
               </a:rPr>
-              <a:t>#2</a:t>
+              <a:t>#1</a:t>
             </a:r>
             <a:endParaRPr lang="ko-KR" altLang="en-US" sz="800" dirty="0">
               <a:solidFill>
@@ -3986,10 +5291,40 @@
           </a:p>
         </p:txBody>
       </p:sp>
+      <p:pic>
+        <p:nvPicPr>
+          <p:cNvPr id="9" name="그림 8">
+            <a:extLst>
+              <a:ext uri="{FF2B5EF4-FFF2-40B4-BE49-F238E27FC236}">
+                <a16:creationId xmlns:a16="http://schemas.microsoft.com/office/drawing/2014/main" id="{506A8BB2-76D4-5E37-E5BA-79DC42E9E2DE}"/>
+              </a:ext>
+            </a:extLst>
+          </p:cNvPr>
+          <p:cNvPicPr>
+            <a:picLocks noChangeAspect="1"/>
+          </p:cNvPicPr>
+          <p:nvPr/>
+        </p:nvPicPr>
+        <p:blipFill>
+          <a:blip r:embed="rId3"/>
+          <a:stretch>
+            <a:fillRect/>
+          </a:stretch>
+        </p:blipFill>
+        <p:spPr>
+          <a:xfrm>
+            <a:off x="723103" y="1189422"/>
+            <a:ext cx="6231060" cy="3885066"/>
+          </a:xfrm>
+          <a:prstGeom prst="rect">
+            <a:avLst/>
+          </a:prstGeom>
+        </p:spPr>
+      </p:pic>
     </p:spTree>
     <p:extLst>
       <p:ext uri="{BB962C8B-B14F-4D97-AF65-F5344CB8AC3E}">
-        <p14:creationId xmlns:p14="http://schemas.microsoft.com/office/powerpoint/2010/main" val="3274170251"/>
+        <p14:creationId xmlns:p14="http://schemas.microsoft.com/office/powerpoint/2010/main" val="85180098"/>
       </p:ext>
     </p:extLst>
   </p:cSld>
@@ -4021,7 +5356,7 @@
           <p:cNvPr id="2" name="제목 1">
             <a:extLst>
               <a:ext uri="{FF2B5EF4-FFF2-40B4-BE49-F238E27FC236}">
-                <a16:creationId xmlns:a16="http://schemas.microsoft.com/office/drawing/2014/main" id="{D21C1AA9-5E52-3A11-B3B3-447787E29D09}"/>
+                <a16:creationId xmlns:a16="http://schemas.microsoft.com/office/drawing/2014/main" id="{9896B29B-A1AE-E0C6-8543-753E63140B1C}"/>
               </a:ext>
             </a:extLst>
           </p:cNvPr>
@@ -4029,265 +5364,93 @@
             <a:spLocks noGrp="1"/>
           </p:cNvSpPr>
           <p:nvPr>
-            <p:ph type="title"/>
+            <p:ph type="ctrTitle"/>
           </p:nvPr>
         </p:nvSpPr>
         <p:spPr/>
         <p:txBody>
-          <a:bodyPr/>
-          <a:lstStyle/>
-          <a:p>
-            <a:r>
-              <a:rPr lang="ko-KR" altLang="en-US" dirty="0"/>
-              <a:t>테스트 결과</a:t>
-            </a:r>
-          </a:p>
-        </p:txBody>
-      </p:sp>
-      <p:sp>
-        <p:nvSpPr>
-          <p:cNvPr id="7" name="Google Shape;209;p30">
+          <a:bodyPr>
+            <a:normAutofit/>
+          </a:bodyPr>
+          <a:lstStyle/>
+          <a:p>
+            <a:r>
+              <a:rPr lang="ko-KR" altLang="en-US" b="1" dirty="0"/>
+              <a:t>비동기 서비스 부하 테스트</a:t>
+            </a:r>
+          </a:p>
+        </p:txBody>
+      </p:sp>
+      <p:sp>
+        <p:nvSpPr>
+          <p:cNvPr id="4" name="부제목 3">
             <a:extLst>
               <a:ext uri="{FF2B5EF4-FFF2-40B4-BE49-F238E27FC236}">
-                <a16:creationId xmlns:a16="http://schemas.microsoft.com/office/drawing/2014/main" id="{35F3E219-4EBB-8DE8-0966-E4317399395E}"/>
+                <a16:creationId xmlns:a16="http://schemas.microsoft.com/office/drawing/2014/main" id="{7219E4B9-47F6-C7CA-B046-1256225C3574}"/>
               </a:ext>
             </a:extLst>
           </p:cNvPr>
-          <p:cNvSpPr/>
-          <p:nvPr/>
-        </p:nvSpPr>
-        <p:spPr>
-          <a:xfrm>
-            <a:off x="7811013" y="528014"/>
-            <a:ext cx="952500" cy="298200"/>
-          </a:xfrm>
-          <a:prstGeom prst="rect">
-            <a:avLst/>
-          </a:prstGeom>
-          <a:noFill/>
-          <a:ln>
-            <a:noFill/>
-          </a:ln>
-        </p:spPr>
-        <p:txBody>
-          <a:bodyPr spcFirstLastPara="1" wrap="square" lIns="19050" tIns="19050" rIns="19050" bIns="19050" anchor="t" anchorCtr="0">
-            <a:noAutofit/>
+          <p:cNvSpPr>
+            <a:spLocks noGrp="1"/>
+          </p:cNvSpPr>
+          <p:nvPr>
+            <p:ph type="subTitle" idx="1"/>
+          </p:nvPr>
+        </p:nvSpPr>
+        <p:spPr/>
+        <p:txBody>
+          <a:bodyPr>
+            <a:normAutofit/>
           </a:bodyPr>
           <a:lstStyle/>
           <a:p>
-            <a:pPr marL="63500" marR="0" lvl="1" indent="0" algn="l" rtl="0">
-              <a:lnSpc>
-                <a:spcPct val="90000"/>
-              </a:lnSpc>
-              <a:spcBef>
-                <a:spcPts val="0"/>
-              </a:spcBef>
-              <a:spcAft>
-                <a:spcPts val="0"/>
-              </a:spcAft>
+            <a:pPr marL="0" indent="0" algn="r">
               <a:buNone/>
             </a:pPr>
             <a:r>
-              <a:rPr lang="en-US" altLang="ko" sz="1200" b="1" dirty="0">
-                <a:solidFill>
-                  <a:schemeClr val="bg1"/>
-                </a:solidFill>
-                <a:latin typeface="Arial"/>
-                <a:ea typeface="Arial"/>
-                <a:cs typeface="Arial"/>
-                <a:sym typeface="Arial"/>
+              <a:rPr lang="en-US" altLang="ko" b="1" dirty="0">
+                <a:solidFill>
+                  <a:srgbClr val="ED234B"/>
+                </a:solidFill>
               </a:rPr>
               <a:t>3</a:t>
             </a:r>
             <a:r>
-              <a:rPr lang="ko" sz="1200" b="1" i="0" u="none" strike="noStrike" cap="none" dirty="0">
-                <a:solidFill>
-                  <a:schemeClr val="bg1"/>
-                </a:solidFill>
-                <a:latin typeface="Arial"/>
-                <a:ea typeface="Arial"/>
-                <a:cs typeface="Arial"/>
-                <a:sym typeface="Arial"/>
-              </a:rPr>
-              <a:t>.</a:t>
-            </a:r>
-            <a:endParaRPr sz="500" dirty="0">
-              <a:solidFill>
-                <a:schemeClr val="bg1"/>
-              </a:solidFill>
-            </a:endParaRPr>
-          </a:p>
-        </p:txBody>
-      </p:sp>
-      <p:sp>
-        <p:nvSpPr>
-          <p:cNvPr id="8" name="Google Shape;210;p30">
-            <a:extLst>
-              <a:ext uri="{FF2B5EF4-FFF2-40B4-BE49-F238E27FC236}">
-                <a16:creationId xmlns:a16="http://schemas.microsoft.com/office/drawing/2014/main" id="{8CB63A74-B5C7-DCAA-53F5-96E44004D694}"/>
-              </a:ext>
-            </a:extLst>
-          </p:cNvPr>
-          <p:cNvSpPr/>
-          <p:nvPr/>
-        </p:nvSpPr>
-        <p:spPr>
-          <a:xfrm>
-            <a:off x="7811013" y="825047"/>
-            <a:ext cx="952500" cy="293400"/>
-          </a:xfrm>
-          <a:prstGeom prst="rect">
-            <a:avLst/>
-          </a:prstGeom>
-          <a:noFill/>
-          <a:ln>
-            <a:noFill/>
-          </a:ln>
-        </p:spPr>
-        <p:txBody>
-          <a:bodyPr spcFirstLastPara="1" wrap="square" lIns="19050" tIns="19050" rIns="19050" bIns="19050" anchor="t" anchorCtr="0">
-            <a:noAutofit/>
-          </a:bodyPr>
-          <a:lstStyle/>
-          <a:p>
-            <a:pPr marL="63500" marR="0" lvl="1" indent="0" algn="l" rtl="0">
-              <a:spcBef>
-                <a:spcPts val="200"/>
-              </a:spcBef>
-              <a:spcAft>
-                <a:spcPts val="0"/>
-              </a:spcAft>
-              <a:buClr>
-                <a:srgbClr val="000000"/>
-              </a:buClr>
-              <a:buFont typeface="Arial"/>
-              <a:buNone/>
-            </a:pPr>
-            <a:r>
-              <a:rPr lang="en-US" altLang="ko-KR" sz="800" dirty="0">
-                <a:solidFill>
-                  <a:schemeClr val="bg1"/>
-                </a:solidFill>
-              </a:rPr>
+              <a:rPr lang="ko" altLang="ko-KR" b="1" dirty="0">
+                <a:solidFill>
+                  <a:srgbClr val="ED234B"/>
+                </a:solidFill>
+              </a:rPr>
+              <a:t> </a:t>
+            </a:r>
+            <a:r>
+              <a:rPr lang="en-US" altLang="ko-KR" dirty="0"/>
               <a:t>Spring MVC / </a:t>
             </a:r>
             <a:r>
-              <a:rPr lang="en-US" altLang="ko-KR" sz="800" dirty="0" err="1">
-                <a:solidFill>
-                  <a:schemeClr val="bg1"/>
-                </a:solidFill>
-              </a:rPr>
+              <a:rPr lang="en-US" altLang="ko-KR" dirty="0" err="1"/>
               <a:t>Webflux</a:t>
             </a:r>
             <a:r>
-              <a:rPr lang="en-US" altLang="ko-KR" sz="800" dirty="0">
-                <a:solidFill>
-                  <a:schemeClr val="bg1"/>
-                </a:solidFill>
-              </a:rPr>
+              <a:rPr lang="en-US" altLang="ko-KR" dirty="0"/>
               <a:t> </a:t>
             </a:r>
             <a:r>
-              <a:rPr lang="ko-KR" altLang="en-US" sz="800" dirty="0">
-                <a:solidFill>
-                  <a:schemeClr val="bg1"/>
-                </a:solidFill>
-              </a:rPr>
+              <a:rPr lang="ko-KR" altLang="en-US" dirty="0"/>
               <a:t>성능 비교 </a:t>
             </a:r>
             <a:r>
-              <a:rPr lang="en-US" altLang="ko-KR" sz="800" dirty="0">
-                <a:solidFill>
-                  <a:schemeClr val="bg1"/>
-                </a:solidFill>
-              </a:rPr>
+              <a:rPr lang="en-US" altLang="ko-KR" dirty="0"/>
               <a:t>#2</a:t>
             </a:r>
-            <a:endParaRPr lang="ko-KR" altLang="en-US" sz="800" dirty="0">
-              <a:solidFill>
-                <a:schemeClr val="bg1"/>
-              </a:solidFill>
-            </a:endParaRPr>
-          </a:p>
-        </p:txBody>
-      </p:sp>
-      <p:pic>
-        <p:nvPicPr>
-          <p:cNvPr id="4" name="그림 3">
-            <a:extLst>
-              <a:ext uri="{FF2B5EF4-FFF2-40B4-BE49-F238E27FC236}">
-                <a16:creationId xmlns:a16="http://schemas.microsoft.com/office/drawing/2014/main" id="{3F73D75B-4443-75C0-D450-B97D7378C6B7}"/>
-              </a:ext>
-            </a:extLst>
-          </p:cNvPr>
-          <p:cNvPicPr>
-            <a:picLocks noChangeAspect="1"/>
-          </p:cNvPicPr>
-          <p:nvPr/>
-        </p:nvPicPr>
-        <p:blipFill>
-          <a:blip r:embed="rId3"/>
-          <a:stretch>
-            <a:fillRect/>
-          </a:stretch>
-        </p:blipFill>
-        <p:spPr>
-          <a:xfrm>
-            <a:off x="733050" y="1249741"/>
-            <a:ext cx="6067799" cy="3783272"/>
-          </a:xfrm>
-          <a:prstGeom prst="rect">
-            <a:avLst/>
-          </a:prstGeom>
-        </p:spPr>
-      </p:pic>
-      <p:cxnSp>
-        <p:nvCxnSpPr>
-          <p:cNvPr id="5" name="직선 연결선 4">
-            <a:extLst>
-              <a:ext uri="{FF2B5EF4-FFF2-40B4-BE49-F238E27FC236}">
-                <a16:creationId xmlns:a16="http://schemas.microsoft.com/office/drawing/2014/main" id="{DC67A62F-6CA8-CE47-32C6-5BAAF4F1EDDE}"/>
-              </a:ext>
-            </a:extLst>
-          </p:cNvPr>
-          <p:cNvCxnSpPr>
-            <a:cxnSpLocks/>
-          </p:cNvCxnSpPr>
-          <p:nvPr/>
-        </p:nvCxnSpPr>
-        <p:spPr>
-          <a:xfrm>
-            <a:off x="3819525" y="1118447"/>
-            <a:ext cx="0" cy="4025053"/>
-          </a:xfrm>
-          <a:prstGeom prst="line">
-            <a:avLst/>
-          </a:prstGeom>
-          <a:ln w="28575">
-            <a:solidFill>
-              <a:srgbClr val="FF0000"/>
-            </a:solidFill>
-          </a:ln>
-        </p:spPr>
-        <p:style>
-          <a:lnRef idx="1">
-            <a:schemeClr val="accent1"/>
-          </a:lnRef>
-          <a:fillRef idx="0">
-            <a:schemeClr val="accent1"/>
-          </a:fillRef>
-          <a:effectRef idx="0">
-            <a:schemeClr val="accent1"/>
-          </a:effectRef>
-          <a:fontRef idx="minor">
-            <a:schemeClr val="tx1"/>
-          </a:fontRef>
-        </p:style>
-      </p:cxnSp>
+            <a:endParaRPr lang="ko-KR" altLang="en-US" dirty="0"/>
+          </a:p>
+        </p:txBody>
+      </p:sp>
     </p:spTree>
     <p:extLst>
       <p:ext uri="{BB962C8B-B14F-4D97-AF65-F5344CB8AC3E}">
-        <p14:creationId xmlns:p14="http://schemas.microsoft.com/office/powerpoint/2010/main" val="519120543"/>
+        <p14:creationId xmlns:p14="http://schemas.microsoft.com/office/powerpoint/2010/main" val="3247216844"/>
       </p:ext>
     </p:extLst>
   </p:cSld>
@@ -4378,15 +5541,7 @@
             <a:pPr lvl="1"/>
             <a:r>
               <a:rPr lang="ko-KR" altLang="en-US" dirty="0"/>
-              <a:t>지연조회 </a:t>
-            </a:r>
-            <a:r>
-              <a:rPr lang="en-US" altLang="ko-KR" dirty="0"/>
-              <a:t>to Non-Blocking </a:t>
-            </a:r>
-            <a:r>
-              <a:rPr lang="ko-KR" altLang="en-US" dirty="0"/>
-              <a:t>서버</a:t>
+              <a:t>단건조회</a:t>
             </a:r>
             <a:endParaRPr lang="en-US" altLang="ko-KR" dirty="0"/>
           </a:p>
@@ -4394,13 +5549,32 @@
             <a:pPr lvl="2"/>
             <a:r>
               <a:rPr lang="en-US" altLang="ko-KR" dirty="0"/>
-              <a:t>/stress/delay</a:t>
-            </a:r>
-            <a:endParaRPr lang="en-US" altLang="ko-KR" dirty="0">
-              <a:solidFill>
-                <a:srgbClr val="FF0000"/>
-              </a:solidFill>
-            </a:endParaRPr>
+              <a:t>/article/</a:t>
+            </a:r>
+            <a:r>
+              <a:rPr lang="en-US" altLang="ko-KR" dirty="0">
+                <a:solidFill>
+                  <a:srgbClr val="FF0000"/>
+                </a:solidFill>
+              </a:rPr>
+              <a:t>{</a:t>
+            </a:r>
+            <a:r>
+              <a:rPr lang="en-US" altLang="ko-KR" dirty="0" err="1">
+                <a:solidFill>
+                  <a:srgbClr val="FF0000"/>
+                </a:solidFill>
+              </a:rPr>
+              <a:t>articleId</a:t>
+            </a:r>
+            <a:r>
+              <a:rPr lang="en-US" altLang="ko-KR" dirty="0">
+                <a:solidFill>
+                  <a:srgbClr val="FF0000"/>
+                </a:solidFill>
+              </a:rPr>
+              <a:t>}</a:t>
+            </a:r>
           </a:p>
           <a:p>
             <a:pPr lvl="1"/>
@@ -4414,31 +5588,31 @@
             <a:pPr lvl="2"/>
             <a:r>
               <a:rPr lang="en-US" altLang="ko-KR" dirty="0"/>
-              <a:t>users : 500 users</a:t>
+              <a:t>users : 200 users</a:t>
             </a:r>
           </a:p>
           <a:p>
             <a:pPr lvl="2"/>
             <a:r>
               <a:rPr lang="en-US" altLang="ko-KR" dirty="0"/>
-              <a:t>spawn rate : 20 users / sec</a:t>
+              <a:t>spawn rate : 5 users / sec</a:t>
             </a:r>
           </a:p>
           <a:p>
             <a:pPr lvl="2"/>
             <a:r>
               <a:rPr lang="en-US" altLang="ko-KR" dirty="0"/>
-              <a:t>run time : 2m</a:t>
-            </a:r>
-          </a:p>
-        </p:txBody>
-      </p:sp>
-      <p:sp>
-        <p:nvSpPr>
-          <p:cNvPr id="7" name="Google Shape;209;p30">
+              <a:t>run time : 1m</a:t>
+            </a:r>
+          </a:p>
+        </p:txBody>
+      </p:sp>
+      <p:sp>
+        <p:nvSpPr>
+          <p:cNvPr id="3" name="Google Shape;209;p30">
             <a:extLst>
               <a:ext uri="{FF2B5EF4-FFF2-40B4-BE49-F238E27FC236}">
-                <a16:creationId xmlns:a16="http://schemas.microsoft.com/office/drawing/2014/main" id="{35F3E219-4EBB-8DE8-0966-E4317399395E}"/>
+                <a16:creationId xmlns:a16="http://schemas.microsoft.com/office/drawing/2014/main" id="{42247FF8-9A0A-EE79-F30D-7EF0EB0D84F8}"/>
               </a:ext>
             </a:extLst>
           </p:cNvPr>
@@ -4510,10 +5684,10 @@
       </p:sp>
       <p:sp>
         <p:nvSpPr>
-          <p:cNvPr id="8" name="Google Shape;210;p30">
+          <p:cNvPr id="5" name="Google Shape;210;p30">
             <a:extLst>
               <a:ext uri="{FF2B5EF4-FFF2-40B4-BE49-F238E27FC236}">
-                <a16:creationId xmlns:a16="http://schemas.microsoft.com/office/drawing/2014/main" id="{8CB63A74-B5C7-DCAA-53F5-96E44004D694}"/>
+                <a16:creationId xmlns:a16="http://schemas.microsoft.com/office/drawing/2014/main" id="{9EFAAD18-CFA3-3E5B-A790-032DA331B421}"/>
               </a:ext>
             </a:extLst>
           </p:cNvPr>
@@ -4603,7 +5777,7 @@
     </p:spTree>
     <p:extLst>
       <p:ext uri="{BB962C8B-B14F-4D97-AF65-F5344CB8AC3E}">
-        <p14:creationId xmlns:p14="http://schemas.microsoft.com/office/powerpoint/2010/main" val="1322324680"/>
+        <p14:creationId xmlns:p14="http://schemas.microsoft.com/office/powerpoint/2010/main" val="1192265825"/>
       </p:ext>
     </p:extLst>
   </p:cSld>
@@ -4630,12 +5804,207 @@
           <a:chExt cx="0" cy="0"/>
         </a:xfrm>
       </p:grpSpPr>
+      <p:sp>
+        <p:nvSpPr>
+          <p:cNvPr id="2" name="제목 1">
+            <a:extLst>
+              <a:ext uri="{FF2B5EF4-FFF2-40B4-BE49-F238E27FC236}">
+                <a16:creationId xmlns:a16="http://schemas.microsoft.com/office/drawing/2014/main" id="{D21C1AA9-5E52-3A11-B3B3-447787E29D09}"/>
+              </a:ext>
+            </a:extLst>
+          </p:cNvPr>
+          <p:cNvSpPr>
+            <a:spLocks noGrp="1"/>
+          </p:cNvSpPr>
+          <p:nvPr>
+            <p:ph type="title"/>
+          </p:nvPr>
+        </p:nvSpPr>
+        <p:spPr/>
+        <p:txBody>
+          <a:bodyPr/>
+          <a:lstStyle/>
+          <a:p>
+            <a:r>
+              <a:rPr lang="ko-KR" altLang="en-US" dirty="0"/>
+              <a:t>테스트 결과</a:t>
+            </a:r>
+          </a:p>
+        </p:txBody>
+      </p:sp>
+      <p:sp>
+        <p:nvSpPr>
+          <p:cNvPr id="3" name="Google Shape;209;p30">
+            <a:extLst>
+              <a:ext uri="{FF2B5EF4-FFF2-40B4-BE49-F238E27FC236}">
+                <a16:creationId xmlns:a16="http://schemas.microsoft.com/office/drawing/2014/main" id="{2823C29C-6190-2DB5-78A4-BDCDB2F4E700}"/>
+              </a:ext>
+            </a:extLst>
+          </p:cNvPr>
+          <p:cNvSpPr/>
+          <p:nvPr/>
+        </p:nvSpPr>
+        <p:spPr>
+          <a:xfrm>
+            <a:off x="7811013" y="528014"/>
+            <a:ext cx="952500" cy="298200"/>
+          </a:xfrm>
+          <a:prstGeom prst="rect">
+            <a:avLst/>
+          </a:prstGeom>
+          <a:noFill/>
+          <a:ln>
+            <a:noFill/>
+          </a:ln>
+        </p:spPr>
+        <p:txBody>
+          <a:bodyPr spcFirstLastPara="1" wrap="square" lIns="19050" tIns="19050" rIns="19050" bIns="19050" anchor="t" anchorCtr="0">
+            <a:noAutofit/>
+          </a:bodyPr>
+          <a:lstStyle/>
+          <a:p>
+            <a:pPr marL="63500" marR="0" lvl="1" indent="0" algn="l" rtl="0">
+              <a:lnSpc>
+                <a:spcPct val="90000"/>
+              </a:lnSpc>
+              <a:spcBef>
+                <a:spcPts val="0"/>
+              </a:spcBef>
+              <a:spcAft>
+                <a:spcPts val="0"/>
+              </a:spcAft>
+              <a:buNone/>
+            </a:pPr>
+            <a:r>
+              <a:rPr lang="en-US" altLang="ko" sz="1200" b="1" i="0" u="none" strike="noStrike" cap="none" dirty="0">
+                <a:solidFill>
+                  <a:schemeClr val="bg1"/>
+                </a:solidFill>
+                <a:latin typeface="Arial"/>
+                <a:ea typeface="Arial"/>
+                <a:cs typeface="Arial"/>
+                <a:sym typeface="Arial"/>
+              </a:rPr>
+              <a:t>3</a:t>
+            </a:r>
+            <a:r>
+              <a:rPr lang="ko" sz="1200" b="1" i="0" u="none" strike="noStrike" cap="none" dirty="0">
+                <a:solidFill>
+                  <a:schemeClr val="bg1"/>
+                </a:solidFill>
+                <a:latin typeface="Arial"/>
+                <a:ea typeface="Arial"/>
+                <a:cs typeface="Arial"/>
+                <a:sym typeface="Arial"/>
+              </a:rPr>
+              <a:t>.</a:t>
+            </a:r>
+            <a:endParaRPr sz="500" dirty="0">
+              <a:solidFill>
+                <a:schemeClr val="bg1"/>
+              </a:solidFill>
+            </a:endParaRPr>
+          </a:p>
+        </p:txBody>
+      </p:sp>
+      <p:sp>
+        <p:nvSpPr>
+          <p:cNvPr id="5" name="Google Shape;210;p30">
+            <a:extLst>
+              <a:ext uri="{FF2B5EF4-FFF2-40B4-BE49-F238E27FC236}">
+                <a16:creationId xmlns:a16="http://schemas.microsoft.com/office/drawing/2014/main" id="{720388FA-5563-44DC-F804-C09DFC0CBBDC}"/>
+              </a:ext>
+            </a:extLst>
+          </p:cNvPr>
+          <p:cNvSpPr/>
+          <p:nvPr/>
+        </p:nvSpPr>
+        <p:spPr>
+          <a:xfrm>
+            <a:off x="7811013" y="825047"/>
+            <a:ext cx="952500" cy="293400"/>
+          </a:xfrm>
+          <a:prstGeom prst="rect">
+            <a:avLst/>
+          </a:prstGeom>
+          <a:noFill/>
+          <a:ln>
+            <a:noFill/>
+          </a:ln>
+        </p:spPr>
+        <p:txBody>
+          <a:bodyPr spcFirstLastPara="1" wrap="square" lIns="19050" tIns="19050" rIns="19050" bIns="19050" anchor="t" anchorCtr="0">
+            <a:noAutofit/>
+          </a:bodyPr>
+          <a:lstStyle/>
+          <a:p>
+            <a:pPr marL="63500" marR="0" lvl="1" indent="0" algn="l" rtl="0">
+              <a:spcBef>
+                <a:spcPts val="200"/>
+              </a:spcBef>
+              <a:spcAft>
+                <a:spcPts val="0"/>
+              </a:spcAft>
+              <a:buClr>
+                <a:srgbClr val="000000"/>
+              </a:buClr>
+              <a:buFont typeface="Arial"/>
+              <a:buNone/>
+            </a:pPr>
+            <a:r>
+              <a:rPr lang="en-US" altLang="ko-KR" sz="800" dirty="0">
+                <a:solidFill>
+                  <a:schemeClr val="bg1"/>
+                </a:solidFill>
+              </a:rPr>
+              <a:t>Spring MVC / </a:t>
+            </a:r>
+            <a:r>
+              <a:rPr lang="en-US" altLang="ko-KR" sz="800" dirty="0" err="1">
+                <a:solidFill>
+                  <a:schemeClr val="bg1"/>
+                </a:solidFill>
+              </a:rPr>
+              <a:t>Webflux</a:t>
+            </a:r>
+            <a:r>
+              <a:rPr lang="en-US" altLang="ko-KR" sz="800" dirty="0">
+                <a:solidFill>
+                  <a:schemeClr val="bg1"/>
+                </a:solidFill>
+              </a:rPr>
+              <a:t> </a:t>
+            </a:r>
+            <a:r>
+              <a:rPr lang="ko-KR" altLang="en-US" sz="800" dirty="0">
+                <a:solidFill>
+                  <a:schemeClr val="bg1"/>
+                </a:solidFill>
+              </a:rPr>
+              <a:t>성능 비교 </a:t>
+            </a:r>
+            <a:r>
+              <a:rPr lang="en-US" altLang="ko-KR" sz="800" dirty="0">
+                <a:solidFill>
+                  <a:schemeClr val="bg1"/>
+                </a:solidFill>
+              </a:rPr>
+              <a:t>#2</a:t>
+            </a:r>
+            <a:endParaRPr lang="ko-KR" altLang="en-US" sz="800" dirty="0">
+              <a:solidFill>
+                <a:schemeClr val="bg1"/>
+              </a:solidFill>
+            </a:endParaRPr>
+          </a:p>
+        </p:txBody>
+      </p:sp>
       <p:pic>
         <p:nvPicPr>
-          <p:cNvPr id="6" name="그림 5">
+          <p:cNvPr id="9" name="그림 8">
             <a:extLst>
               <a:ext uri="{FF2B5EF4-FFF2-40B4-BE49-F238E27FC236}">
-                <a16:creationId xmlns:a16="http://schemas.microsoft.com/office/drawing/2014/main" id="{F7076CDF-77D5-02CB-CD49-C51501ADCA62}"/>
+                <a16:creationId xmlns:a16="http://schemas.microsoft.com/office/drawing/2014/main" id="{B5571208-5588-5B05-F57B-D2328DE6E5F9}"/>
               </a:ext>
             </a:extLst>
           </p:cNvPr>
@@ -4652,256 +6021,18 @@
         </p:blipFill>
         <p:spPr>
           <a:xfrm>
-            <a:off x="628651" y="1209674"/>
-            <a:ext cx="6202328" cy="3867151"/>
+            <a:off x="722155" y="1311214"/>
+            <a:ext cx="5869699" cy="3659757"/>
           </a:xfrm>
           <a:prstGeom prst="rect">
             <a:avLst/>
           </a:prstGeom>
         </p:spPr>
       </p:pic>
-      <p:sp>
-        <p:nvSpPr>
-          <p:cNvPr id="2" name="제목 1">
-            <a:extLst>
-              <a:ext uri="{FF2B5EF4-FFF2-40B4-BE49-F238E27FC236}">
-                <a16:creationId xmlns:a16="http://schemas.microsoft.com/office/drawing/2014/main" id="{D21C1AA9-5E52-3A11-B3B3-447787E29D09}"/>
-              </a:ext>
-            </a:extLst>
-          </p:cNvPr>
-          <p:cNvSpPr>
-            <a:spLocks noGrp="1"/>
-          </p:cNvSpPr>
-          <p:nvPr>
-            <p:ph type="title"/>
-          </p:nvPr>
-        </p:nvSpPr>
-        <p:spPr/>
-        <p:txBody>
-          <a:bodyPr/>
-          <a:lstStyle/>
-          <a:p>
-            <a:r>
-              <a:rPr lang="ko-KR" altLang="en-US" dirty="0"/>
-              <a:t>테스트 결과</a:t>
-            </a:r>
-          </a:p>
-        </p:txBody>
-      </p:sp>
-      <p:sp>
-        <p:nvSpPr>
-          <p:cNvPr id="7" name="Google Shape;209;p30">
-            <a:extLst>
-              <a:ext uri="{FF2B5EF4-FFF2-40B4-BE49-F238E27FC236}">
-                <a16:creationId xmlns:a16="http://schemas.microsoft.com/office/drawing/2014/main" id="{35F3E219-4EBB-8DE8-0966-E4317399395E}"/>
-              </a:ext>
-            </a:extLst>
-          </p:cNvPr>
-          <p:cNvSpPr/>
-          <p:nvPr/>
-        </p:nvSpPr>
-        <p:spPr>
-          <a:xfrm>
-            <a:off x="7811013" y="528014"/>
-            <a:ext cx="952500" cy="298200"/>
-          </a:xfrm>
-          <a:prstGeom prst="rect">
-            <a:avLst/>
-          </a:prstGeom>
-          <a:noFill/>
-          <a:ln>
-            <a:noFill/>
-          </a:ln>
-        </p:spPr>
-        <p:txBody>
-          <a:bodyPr spcFirstLastPara="1" wrap="square" lIns="19050" tIns="19050" rIns="19050" bIns="19050" anchor="t" anchorCtr="0">
-            <a:noAutofit/>
-          </a:bodyPr>
-          <a:lstStyle/>
-          <a:p>
-            <a:pPr marL="63500" marR="0" lvl="1" indent="0" algn="l" rtl="0">
-              <a:lnSpc>
-                <a:spcPct val="90000"/>
-              </a:lnSpc>
-              <a:spcBef>
-                <a:spcPts val="0"/>
-              </a:spcBef>
-              <a:spcAft>
-                <a:spcPts val="0"/>
-              </a:spcAft>
-              <a:buNone/>
-            </a:pPr>
-            <a:r>
-              <a:rPr lang="en-US" altLang="ko" sz="1200" b="1" i="0" u="none" strike="noStrike" cap="none" dirty="0">
-                <a:solidFill>
-                  <a:schemeClr val="bg1"/>
-                </a:solidFill>
-                <a:latin typeface="Arial"/>
-                <a:ea typeface="Arial"/>
-                <a:cs typeface="Arial"/>
-                <a:sym typeface="Arial"/>
-              </a:rPr>
-              <a:t>3</a:t>
-            </a:r>
-            <a:r>
-              <a:rPr lang="ko" sz="1200" b="1" i="0" u="none" strike="noStrike" cap="none" dirty="0">
-                <a:solidFill>
-                  <a:schemeClr val="bg1"/>
-                </a:solidFill>
-                <a:latin typeface="Arial"/>
-                <a:ea typeface="Arial"/>
-                <a:cs typeface="Arial"/>
-                <a:sym typeface="Arial"/>
-              </a:rPr>
-              <a:t>.</a:t>
-            </a:r>
-            <a:endParaRPr sz="500" dirty="0">
-              <a:solidFill>
-                <a:schemeClr val="bg1"/>
-              </a:solidFill>
-            </a:endParaRPr>
-          </a:p>
-        </p:txBody>
-      </p:sp>
-      <p:sp>
-        <p:nvSpPr>
-          <p:cNvPr id="8" name="Google Shape;210;p30">
-            <a:extLst>
-              <a:ext uri="{FF2B5EF4-FFF2-40B4-BE49-F238E27FC236}">
-                <a16:creationId xmlns:a16="http://schemas.microsoft.com/office/drawing/2014/main" id="{8CB63A74-B5C7-DCAA-53F5-96E44004D694}"/>
-              </a:ext>
-            </a:extLst>
-          </p:cNvPr>
-          <p:cNvSpPr/>
-          <p:nvPr/>
-        </p:nvSpPr>
-        <p:spPr>
-          <a:xfrm>
-            <a:off x="7811013" y="825047"/>
-            <a:ext cx="952500" cy="293400"/>
-          </a:xfrm>
-          <a:prstGeom prst="rect">
-            <a:avLst/>
-          </a:prstGeom>
-          <a:noFill/>
-          <a:ln>
-            <a:noFill/>
-          </a:ln>
-        </p:spPr>
-        <p:txBody>
-          <a:bodyPr spcFirstLastPara="1" wrap="square" lIns="19050" tIns="19050" rIns="19050" bIns="19050" anchor="t" anchorCtr="0">
-            <a:noAutofit/>
-          </a:bodyPr>
-          <a:lstStyle/>
-          <a:p>
-            <a:pPr marL="63500" marR="0" lvl="1" indent="0" algn="l" rtl="0">
-              <a:spcBef>
-                <a:spcPts val="200"/>
-              </a:spcBef>
-              <a:spcAft>
-                <a:spcPts val="0"/>
-              </a:spcAft>
-              <a:buClr>
-                <a:srgbClr val="000000"/>
-              </a:buClr>
-              <a:buFont typeface="Arial"/>
-              <a:buNone/>
-            </a:pPr>
-            <a:r>
-              <a:rPr lang="en-US" altLang="ko-KR" sz="800" dirty="0">
-                <a:solidFill>
-                  <a:schemeClr val="bg1"/>
-                </a:solidFill>
-              </a:rPr>
-              <a:t>Spring MVC / </a:t>
-            </a:r>
-            <a:r>
-              <a:rPr lang="en-US" altLang="ko-KR" sz="800" dirty="0" err="1">
-                <a:solidFill>
-                  <a:schemeClr val="bg1"/>
-                </a:solidFill>
-              </a:rPr>
-              <a:t>Webflux</a:t>
-            </a:r>
-            <a:r>
-              <a:rPr lang="en-US" altLang="ko-KR" sz="800" dirty="0">
-                <a:solidFill>
-                  <a:schemeClr val="bg1"/>
-                </a:solidFill>
-              </a:rPr>
-              <a:t> </a:t>
-            </a:r>
-            <a:r>
-              <a:rPr lang="ko-KR" altLang="en-US" sz="800" dirty="0">
-                <a:solidFill>
-                  <a:schemeClr val="bg1"/>
-                </a:solidFill>
-              </a:rPr>
-              <a:t>성능 비교 </a:t>
-            </a:r>
-            <a:r>
-              <a:rPr lang="en-US" altLang="ko-KR" sz="800" dirty="0">
-                <a:solidFill>
-                  <a:schemeClr val="bg1"/>
-                </a:solidFill>
-              </a:rPr>
-              <a:t>#2</a:t>
-            </a:r>
-            <a:endParaRPr lang="ko-KR" altLang="en-US" sz="800" dirty="0">
-              <a:solidFill>
-                <a:schemeClr val="bg1"/>
-              </a:solidFill>
-            </a:endParaRPr>
-          </a:p>
-        </p:txBody>
-      </p:sp>
-      <p:cxnSp>
-        <p:nvCxnSpPr>
-          <p:cNvPr id="5" name="직선 연결선 4">
-            <a:extLst>
-              <a:ext uri="{FF2B5EF4-FFF2-40B4-BE49-F238E27FC236}">
-                <a16:creationId xmlns:a16="http://schemas.microsoft.com/office/drawing/2014/main" id="{DC67A62F-6CA8-CE47-32C6-5BAAF4F1EDDE}"/>
-              </a:ext>
-            </a:extLst>
-          </p:cNvPr>
-          <p:cNvCxnSpPr>
-            <a:cxnSpLocks/>
-          </p:cNvCxnSpPr>
-          <p:nvPr/>
-        </p:nvCxnSpPr>
-        <p:spPr>
-          <a:xfrm>
-            <a:off x="2381250" y="1118447"/>
-            <a:ext cx="0" cy="4025053"/>
-          </a:xfrm>
-          <a:prstGeom prst="line">
-            <a:avLst/>
-          </a:prstGeom>
-          <a:ln w="28575">
-            <a:solidFill>
-              <a:srgbClr val="FF0000"/>
-            </a:solidFill>
-          </a:ln>
-        </p:spPr>
-        <p:style>
-          <a:lnRef idx="1">
-            <a:schemeClr val="accent1"/>
-          </a:lnRef>
-          <a:fillRef idx="0">
-            <a:schemeClr val="accent1"/>
-          </a:fillRef>
-          <a:effectRef idx="0">
-            <a:schemeClr val="accent1"/>
-          </a:effectRef>
-          <a:fontRef idx="minor">
-            <a:schemeClr val="tx1"/>
-          </a:fontRef>
-        </p:style>
-      </p:cxnSp>
     </p:spTree>
     <p:extLst>
       <p:ext uri="{BB962C8B-B14F-4D97-AF65-F5344CB8AC3E}">
-        <p14:creationId xmlns:p14="http://schemas.microsoft.com/office/powerpoint/2010/main" val="3996716424"/>
+        <p14:creationId xmlns:p14="http://schemas.microsoft.com/office/powerpoint/2010/main" val="1614394854"/>
       </p:ext>
     </p:extLst>
   </p:cSld>
@@ -4992,7 +6123,7 @@
             <a:pPr lvl="1"/>
             <a:r>
               <a:rPr lang="ko-KR" altLang="en-US" dirty="0"/>
-              <a:t>단건조회</a:t>
+              <a:t>다건조회</a:t>
             </a:r>
             <a:endParaRPr lang="en-US" altLang="ko-KR" dirty="0"/>
           </a:p>
@@ -5003,28 +6134,24 @@
               <a:t>/article/</a:t>
             </a:r>
             <a:r>
+              <a:rPr lang="en-US" altLang="ko-KR" dirty="0" err="1"/>
+              <a:t>all</a:t>
+            </a:r>
+            <a:r>
+              <a:rPr lang="en-US" altLang="ko-KR" dirty="0" err="1">
+                <a:solidFill>
+                  <a:srgbClr val="FF0000"/>
+                </a:solidFill>
+              </a:rPr>
+              <a:t>?title</a:t>
+            </a:r>
+            <a:r>
               <a:rPr lang="en-US" altLang="ko-KR" dirty="0">
                 <a:solidFill>
                   <a:srgbClr val="FF0000"/>
                 </a:solidFill>
               </a:rPr>
-              <a:t>{</a:t>
-            </a:r>
-            <a:r>
-              <a:rPr lang="en-US" altLang="ko-KR" dirty="0" err="1">
-                <a:solidFill>
-                  <a:srgbClr val="FF0000"/>
-                </a:solidFill>
-              </a:rPr>
-              <a:t>articleId</a:t>
-            </a:r>
-            <a:r>
-              <a:rPr lang="en-US" altLang="ko-KR" dirty="0">
-                <a:solidFill>
-                  <a:srgbClr val="FF0000"/>
-                </a:solidFill>
-              </a:rPr>
-              <a:t>}</a:t>
+              <a:t>=matched</a:t>
             </a:r>
           </a:p>
           <a:p>
@@ -5039,46 +6166,31 @@
             <a:pPr lvl="2"/>
             <a:r>
               <a:rPr lang="en-US" altLang="ko-KR" dirty="0"/>
-              <a:t>users : 200 users</a:t>
+              <a:t>users : 200</a:t>
             </a:r>
           </a:p>
           <a:p>
             <a:pPr lvl="2"/>
             <a:r>
               <a:rPr lang="en-US" altLang="ko-KR" dirty="0"/>
-              <a:t>spawn rate : 10 users / sec</a:t>
+              <a:t>spawn rate : 5 users / sec</a:t>
             </a:r>
           </a:p>
           <a:p>
             <a:pPr lvl="2"/>
             <a:r>
               <a:rPr lang="en-US" altLang="ko-KR" dirty="0"/>
-              <a:t>run time : 2m</a:t>
-            </a:r>
-          </a:p>
-          <a:p>
-            <a:pPr lvl="2"/>
-            <a:r>
-              <a:rPr lang="en-US" altLang="ko-KR" dirty="0"/>
-              <a:t>in </a:t>
-            </a:r>
-            <a:r>
-              <a:rPr lang="en-US" altLang="ko-KR" b="1" dirty="0">
-                <a:solidFill>
-                  <a:srgbClr val="FF0000"/>
-                </a:solidFill>
-              </a:rPr>
-              <a:t>Docker Container</a:t>
-            </a:r>
-          </a:p>
-        </p:txBody>
-      </p:sp>
-      <p:sp>
-        <p:nvSpPr>
-          <p:cNvPr id="7" name="Google Shape;209;p30">
+              <a:t>run time : 1m</a:t>
+            </a:r>
+          </a:p>
+        </p:txBody>
+      </p:sp>
+      <p:sp>
+        <p:nvSpPr>
+          <p:cNvPr id="3" name="Google Shape;209;p30">
             <a:extLst>
               <a:ext uri="{FF2B5EF4-FFF2-40B4-BE49-F238E27FC236}">
-                <a16:creationId xmlns:a16="http://schemas.microsoft.com/office/drawing/2014/main" id="{35F3E219-4EBB-8DE8-0966-E4317399395E}"/>
+                <a16:creationId xmlns:a16="http://schemas.microsoft.com/office/drawing/2014/main" id="{ED01BF44-3805-56ED-1327-FCD6B7826BAC}"/>
               </a:ext>
             </a:extLst>
           </p:cNvPr>
@@ -5126,7 +6238,7 @@
                 <a:cs typeface="Arial"/>
                 <a:sym typeface="Arial"/>
               </a:rPr>
-              <a:t>2</a:t>
+              <a:t>3</a:t>
             </a:r>
             <a:r>
               <a:rPr lang="ko" sz="1200" b="1" i="0" u="none" strike="noStrike" cap="none" dirty="0">
@@ -5150,10 +6262,10 @@
       </p:sp>
       <p:sp>
         <p:nvSpPr>
-          <p:cNvPr id="8" name="Google Shape;210;p30">
+          <p:cNvPr id="5" name="Google Shape;210;p30">
             <a:extLst>
               <a:ext uri="{FF2B5EF4-FFF2-40B4-BE49-F238E27FC236}">
-                <a16:creationId xmlns:a16="http://schemas.microsoft.com/office/drawing/2014/main" id="{8CB63A74-B5C7-DCAA-53F5-96E44004D694}"/>
+                <a16:creationId xmlns:a16="http://schemas.microsoft.com/office/drawing/2014/main" id="{6CE37D5E-C49E-B258-BF6B-CC99D5E3AD7D}"/>
               </a:ext>
             </a:extLst>
           </p:cNvPr>
@@ -5230,7 +6342,7 @@
                   <a:schemeClr val="bg1"/>
                 </a:solidFill>
               </a:rPr>
-              <a:t>#1</a:t>
+              <a:t>#2</a:t>
             </a:r>
             <a:endParaRPr lang="ko-KR" altLang="en-US" sz="800" dirty="0">
               <a:solidFill>
@@ -5243,7 +6355,7 @@
     </p:spTree>
     <p:extLst>
       <p:ext uri="{BB962C8B-B14F-4D97-AF65-F5344CB8AC3E}">
-        <p14:creationId xmlns:p14="http://schemas.microsoft.com/office/powerpoint/2010/main" val="1321021265"/>
+        <p14:creationId xmlns:p14="http://schemas.microsoft.com/office/powerpoint/2010/main" val="3710215563"/>
       </p:ext>
     </p:extLst>
   </p:cSld>
@@ -5292,68 +6404,18 @@
           <a:lstStyle/>
           <a:p>
             <a:r>
-              <a:rPr lang="en-US" altLang="ko-KR" dirty="0"/>
-              <a:t>Locust</a:t>
-            </a:r>
-            <a:endParaRPr lang="ko-KR" altLang="en-US" dirty="0"/>
-          </a:p>
-        </p:txBody>
-      </p:sp>
-      <p:sp>
-        <p:nvSpPr>
-          <p:cNvPr id="4" name="내용 개체 틀 3">
+              <a:rPr lang="ko-KR" altLang="en-US" dirty="0"/>
+              <a:t>테스트 결과</a:t>
+            </a:r>
+          </a:p>
+        </p:txBody>
+      </p:sp>
+      <p:sp>
+        <p:nvSpPr>
+          <p:cNvPr id="3" name="Google Shape;209;p30">
             <a:extLst>
               <a:ext uri="{FF2B5EF4-FFF2-40B4-BE49-F238E27FC236}">
-                <a16:creationId xmlns:a16="http://schemas.microsoft.com/office/drawing/2014/main" id="{42F6317C-F28B-ECBE-0810-17736FC7D8AB}"/>
-              </a:ext>
-            </a:extLst>
-          </p:cNvPr>
-          <p:cNvSpPr>
-            <a:spLocks noGrp="1"/>
-          </p:cNvSpPr>
-          <p:nvPr>
-            <p:ph idx="1"/>
-          </p:nvPr>
-        </p:nvSpPr>
-        <p:spPr/>
-        <p:txBody>
-          <a:bodyPr>
-            <a:normAutofit/>
-          </a:bodyPr>
-          <a:lstStyle/>
-          <a:p>
-            <a:pPr marL="0" indent="0">
-              <a:buNone/>
-            </a:pPr>
-            <a:r>
-              <a:rPr lang="en-US" altLang="ko-KR" dirty="0"/>
-              <a:t>Apache JMeter</a:t>
-            </a:r>
-          </a:p>
-          <a:p>
-            <a:pPr lvl="1"/>
-            <a:r>
-              <a:rPr lang="en-US" altLang="ko-KR" dirty="0">
-                <a:hlinkClick r:id="rId3"/>
-              </a:rPr>
-              <a:t>https://jmeter.apache.org</a:t>
-            </a:r>
-            <a:endParaRPr lang="en-US" altLang="ko-KR" dirty="0"/>
-          </a:p>
-          <a:p>
-            <a:pPr marL="342900" lvl="1" indent="0">
-              <a:buNone/>
-            </a:pPr>
-            <a:endParaRPr lang="en-US" altLang="ko-KR" dirty="0"/>
-          </a:p>
-        </p:txBody>
-      </p:sp>
-      <p:sp>
-        <p:nvSpPr>
-          <p:cNvPr id="7" name="Google Shape;209;p30">
-            <a:extLst>
-              <a:ext uri="{FF2B5EF4-FFF2-40B4-BE49-F238E27FC236}">
-                <a16:creationId xmlns:a16="http://schemas.microsoft.com/office/drawing/2014/main" id="{35F3E219-4EBB-8DE8-0966-E4317399395E}"/>
+                <a16:creationId xmlns:a16="http://schemas.microsoft.com/office/drawing/2014/main" id="{BEF5D44F-F1EA-B3CE-0382-6BC86EBD3E7F}"/>
               </a:ext>
             </a:extLst>
           </p:cNvPr>
@@ -5401,7 +6463,7 @@
                 <a:cs typeface="Arial"/>
                 <a:sym typeface="Arial"/>
               </a:rPr>
-              <a:t>1</a:t>
+              <a:t>3</a:t>
             </a:r>
             <a:r>
               <a:rPr lang="ko" sz="1200" b="1" i="0" u="none" strike="noStrike" cap="none" dirty="0">
@@ -5425,10 +6487,10 @@
       </p:sp>
       <p:sp>
         <p:nvSpPr>
-          <p:cNvPr id="8" name="Google Shape;210;p30">
+          <p:cNvPr id="4" name="Google Shape;210;p30">
             <a:extLst>
               <a:ext uri="{FF2B5EF4-FFF2-40B4-BE49-F238E27FC236}">
-                <a16:creationId xmlns:a16="http://schemas.microsoft.com/office/drawing/2014/main" id="{8CB63A74-B5C7-DCAA-53F5-96E44004D694}"/>
+                <a16:creationId xmlns:a16="http://schemas.microsoft.com/office/drawing/2014/main" id="{18610A16-FCD9-83A9-B905-1237011C613E}"/>
               </a:ext>
             </a:extLst>
           </p:cNvPr>
@@ -5473,7 +6535,23 @@
                   <a:schemeClr val="bg1"/>
                 </a:solidFill>
               </a:rPr>
-              <a:t>Locust </a:t>
+              <a:t>Spring MVC / </a:t>
+            </a:r>
+            <a:r>
+              <a:rPr lang="en-US" altLang="ko-KR" sz="800" dirty="0" err="1">
+                <a:solidFill>
+                  <a:schemeClr val="bg1"/>
+                </a:solidFill>
+              </a:rPr>
+              <a:t>Webflux</a:t>
+            </a:r>
+            <a:r>
+              <a:rPr lang="en-US" altLang="ko-KR" sz="800" dirty="0">
+                <a:solidFill>
+                  <a:schemeClr val="bg1"/>
+                </a:solidFill>
+              </a:rPr>
+              <a:t> </a:t>
             </a:r>
             <a:r>
               <a:rPr lang="ko-KR" altLang="en-US" sz="800" dirty="0">
@@ -5481,9 +6559,17 @@
                   <a:schemeClr val="bg1"/>
                 </a:solidFill>
               </a:rPr>
-              <a:t>셋업</a:t>
-            </a:r>
-            <a:endParaRPr sz="800" dirty="0">
+              <a:t>성능 비교 </a:t>
+            </a:r>
+            <a:r>
+              <a:rPr lang="en-US" altLang="ko-KR" sz="800" dirty="0">
+                <a:solidFill>
+                  <a:schemeClr val="bg1"/>
+                </a:solidFill>
+              </a:rPr>
+              <a:t>#2</a:t>
+            </a:r>
+            <a:endParaRPr lang="ko-KR" altLang="en-US" sz="800" dirty="0">
               <a:solidFill>
                 <a:schemeClr val="bg1"/>
               </a:solidFill>
@@ -5493,10 +6579,10 @@
       </p:sp>
       <p:pic>
         <p:nvPicPr>
-          <p:cNvPr id="6" name="그림 5">
+          <p:cNvPr id="9" name="그림 8">
             <a:extLst>
               <a:ext uri="{FF2B5EF4-FFF2-40B4-BE49-F238E27FC236}">
-                <a16:creationId xmlns:a16="http://schemas.microsoft.com/office/drawing/2014/main" id="{DE51EC80-1ED0-8BF1-1692-1766ED987B2B}"/>
+                <a16:creationId xmlns:a16="http://schemas.microsoft.com/office/drawing/2014/main" id="{CF65F301-BEAE-FA62-0258-39242592A9F1}"/>
               </a:ext>
             </a:extLst>
           </p:cNvPr>
@@ -5506,15 +6592,15 @@
           <p:nvPr/>
         </p:nvPicPr>
         <p:blipFill>
-          <a:blip r:embed="rId4"/>
+          <a:blip r:embed="rId3"/>
           <a:stretch>
             <a:fillRect/>
           </a:stretch>
         </p:blipFill>
         <p:spPr>
           <a:xfrm>
-            <a:off x="1232899" y="2188280"/>
-            <a:ext cx="4098260" cy="2811382"/>
+            <a:off x="707367" y="1195750"/>
+            <a:ext cx="6220918" cy="3878742"/>
           </a:xfrm>
           <a:prstGeom prst="rect">
             <a:avLst/>
@@ -5524,7 +6610,7 @@
     </p:spTree>
     <p:extLst>
       <p:ext uri="{BB962C8B-B14F-4D97-AF65-F5344CB8AC3E}">
-        <p14:creationId xmlns:p14="http://schemas.microsoft.com/office/powerpoint/2010/main" val="1312326805"/>
+        <p14:creationId xmlns:p14="http://schemas.microsoft.com/office/powerpoint/2010/main" val="1800659432"/>
       </p:ext>
     </p:extLst>
   </p:cSld>
@@ -5574,8 +6660,592 @@
           <a:p>
             <a:r>
               <a:rPr lang="ko-KR" altLang="en-US" dirty="0"/>
+              <a:t>시나리오</a:t>
+            </a:r>
+          </a:p>
+        </p:txBody>
+      </p:sp>
+      <p:sp>
+        <p:nvSpPr>
+          <p:cNvPr id="4" name="내용 개체 틀 3">
+            <a:extLst>
+              <a:ext uri="{FF2B5EF4-FFF2-40B4-BE49-F238E27FC236}">
+                <a16:creationId xmlns:a16="http://schemas.microsoft.com/office/drawing/2014/main" id="{42F6317C-F28B-ECBE-0810-17736FC7D8AB}"/>
+              </a:ext>
+            </a:extLst>
+          </p:cNvPr>
+          <p:cNvSpPr>
+            <a:spLocks noGrp="1"/>
+          </p:cNvSpPr>
+          <p:nvPr>
+            <p:ph idx="1"/>
+          </p:nvPr>
+        </p:nvSpPr>
+        <p:spPr/>
+        <p:txBody>
+          <a:bodyPr>
+            <a:normAutofit/>
+          </a:bodyPr>
+          <a:lstStyle/>
+          <a:p>
+            <a:pPr marL="0" indent="0">
+              <a:buNone/>
+            </a:pPr>
+            <a:r>
+              <a:rPr lang="ko-KR" altLang="en-US" dirty="0"/>
+              <a:t>시나리오</a:t>
+            </a:r>
+            <a:endParaRPr lang="en-US" altLang="ko-KR" dirty="0"/>
+          </a:p>
+          <a:p>
+            <a:pPr lvl="1"/>
+            <a:r>
+              <a:rPr lang="ko-KR" altLang="en-US" dirty="0"/>
+              <a:t>지연조회</a:t>
+            </a:r>
+            <a:endParaRPr lang="en-US" altLang="ko-KR" dirty="0"/>
+          </a:p>
+          <a:p>
+            <a:pPr lvl="2"/>
+            <a:r>
+              <a:rPr lang="en-US" altLang="ko-KR" dirty="0"/>
+              <a:t>/stress/delay</a:t>
+            </a:r>
+            <a:endParaRPr lang="en-US" altLang="ko-KR" dirty="0">
+              <a:solidFill>
+                <a:srgbClr val="FF0000"/>
+              </a:solidFill>
+            </a:endParaRPr>
+          </a:p>
+          <a:p>
+            <a:pPr lvl="1"/>
+            <a:r>
+              <a:rPr lang="ko-KR" altLang="en-US" dirty="0"/>
+              <a:t>테스트 조건</a:t>
+            </a:r>
+            <a:endParaRPr lang="en-US" altLang="ko-KR" dirty="0"/>
+          </a:p>
+          <a:p>
+            <a:pPr lvl="2"/>
+            <a:r>
+              <a:rPr lang="en-US" altLang="ko-KR" dirty="0"/>
+              <a:t>users : 10000</a:t>
+            </a:r>
+          </a:p>
+          <a:p>
+            <a:pPr lvl="2"/>
+            <a:r>
+              <a:rPr lang="en-US" altLang="ko-KR" dirty="0"/>
+              <a:t>spawn rate : 400 users / sec</a:t>
+            </a:r>
+          </a:p>
+          <a:p>
+            <a:pPr lvl="2"/>
+            <a:r>
+              <a:rPr lang="en-US" altLang="ko-KR" dirty="0"/>
+              <a:t>run time : 1m</a:t>
+            </a:r>
+          </a:p>
+        </p:txBody>
+      </p:sp>
+      <p:sp>
+        <p:nvSpPr>
+          <p:cNvPr id="3" name="Google Shape;209;p30">
+            <a:extLst>
+              <a:ext uri="{FF2B5EF4-FFF2-40B4-BE49-F238E27FC236}">
+                <a16:creationId xmlns:a16="http://schemas.microsoft.com/office/drawing/2014/main" id="{E0056CE0-9909-7ED5-0CB5-398033CCA427}"/>
+              </a:ext>
+            </a:extLst>
+          </p:cNvPr>
+          <p:cNvSpPr/>
+          <p:nvPr/>
+        </p:nvSpPr>
+        <p:spPr>
+          <a:xfrm>
+            <a:off x="7811013" y="528014"/>
+            <a:ext cx="952500" cy="298200"/>
+          </a:xfrm>
+          <a:prstGeom prst="rect">
+            <a:avLst/>
+          </a:prstGeom>
+          <a:noFill/>
+          <a:ln>
+            <a:noFill/>
+          </a:ln>
+        </p:spPr>
+        <p:txBody>
+          <a:bodyPr spcFirstLastPara="1" wrap="square" lIns="19050" tIns="19050" rIns="19050" bIns="19050" anchor="t" anchorCtr="0">
+            <a:noAutofit/>
+          </a:bodyPr>
+          <a:lstStyle/>
+          <a:p>
+            <a:pPr marL="63500" marR="0" lvl="1" indent="0" algn="l" rtl="0">
+              <a:lnSpc>
+                <a:spcPct val="90000"/>
+              </a:lnSpc>
+              <a:spcBef>
+                <a:spcPts val="0"/>
+              </a:spcBef>
+              <a:spcAft>
+                <a:spcPts val="0"/>
+              </a:spcAft>
+              <a:buNone/>
+            </a:pPr>
+            <a:r>
+              <a:rPr lang="en-US" altLang="ko" sz="1200" b="1" i="0" u="none" strike="noStrike" cap="none" dirty="0">
+                <a:solidFill>
+                  <a:schemeClr val="bg1"/>
+                </a:solidFill>
+                <a:latin typeface="Arial"/>
+                <a:ea typeface="Arial"/>
+                <a:cs typeface="Arial"/>
+                <a:sym typeface="Arial"/>
+              </a:rPr>
+              <a:t>3</a:t>
+            </a:r>
+            <a:r>
+              <a:rPr lang="ko" sz="1200" b="1" i="0" u="none" strike="noStrike" cap="none" dirty="0">
+                <a:solidFill>
+                  <a:schemeClr val="bg1"/>
+                </a:solidFill>
+                <a:latin typeface="Arial"/>
+                <a:ea typeface="Arial"/>
+                <a:cs typeface="Arial"/>
+                <a:sym typeface="Arial"/>
+              </a:rPr>
+              <a:t>.</a:t>
+            </a:r>
+            <a:endParaRPr sz="500" dirty="0">
+              <a:solidFill>
+                <a:schemeClr val="bg1"/>
+              </a:solidFill>
+            </a:endParaRPr>
+          </a:p>
+        </p:txBody>
+      </p:sp>
+      <p:sp>
+        <p:nvSpPr>
+          <p:cNvPr id="5" name="Google Shape;210;p30">
+            <a:extLst>
+              <a:ext uri="{FF2B5EF4-FFF2-40B4-BE49-F238E27FC236}">
+                <a16:creationId xmlns:a16="http://schemas.microsoft.com/office/drawing/2014/main" id="{619E44AE-90C6-0927-B728-5298838754AC}"/>
+              </a:ext>
+            </a:extLst>
+          </p:cNvPr>
+          <p:cNvSpPr/>
+          <p:nvPr/>
+        </p:nvSpPr>
+        <p:spPr>
+          <a:xfrm>
+            <a:off x="7811013" y="825047"/>
+            <a:ext cx="952500" cy="293400"/>
+          </a:xfrm>
+          <a:prstGeom prst="rect">
+            <a:avLst/>
+          </a:prstGeom>
+          <a:noFill/>
+          <a:ln>
+            <a:noFill/>
+          </a:ln>
+        </p:spPr>
+        <p:txBody>
+          <a:bodyPr spcFirstLastPara="1" wrap="square" lIns="19050" tIns="19050" rIns="19050" bIns="19050" anchor="t" anchorCtr="0">
+            <a:noAutofit/>
+          </a:bodyPr>
+          <a:lstStyle/>
+          <a:p>
+            <a:pPr marL="63500" marR="0" lvl="1" indent="0" algn="l" rtl="0">
+              <a:spcBef>
+                <a:spcPts val="200"/>
+              </a:spcBef>
+              <a:spcAft>
+                <a:spcPts val="0"/>
+              </a:spcAft>
+              <a:buClr>
+                <a:srgbClr val="000000"/>
+              </a:buClr>
+              <a:buFont typeface="Arial"/>
+              <a:buNone/>
+            </a:pPr>
+            <a:r>
+              <a:rPr lang="en-US" altLang="ko-KR" sz="800" dirty="0">
+                <a:solidFill>
+                  <a:schemeClr val="bg1"/>
+                </a:solidFill>
+              </a:rPr>
+              <a:t>Spring MVC / </a:t>
+            </a:r>
+            <a:r>
+              <a:rPr lang="en-US" altLang="ko-KR" sz="800" dirty="0" err="1">
+                <a:solidFill>
+                  <a:schemeClr val="bg1"/>
+                </a:solidFill>
+              </a:rPr>
+              <a:t>Webflux</a:t>
+            </a:r>
+            <a:r>
+              <a:rPr lang="en-US" altLang="ko-KR" sz="800" dirty="0">
+                <a:solidFill>
+                  <a:schemeClr val="bg1"/>
+                </a:solidFill>
+              </a:rPr>
+              <a:t> </a:t>
+            </a:r>
+            <a:r>
+              <a:rPr lang="ko-KR" altLang="en-US" sz="800" dirty="0">
+                <a:solidFill>
+                  <a:schemeClr val="bg1"/>
+                </a:solidFill>
+              </a:rPr>
+              <a:t>성능 비교 </a:t>
+            </a:r>
+            <a:r>
+              <a:rPr lang="en-US" altLang="ko-KR" sz="800" dirty="0">
+                <a:solidFill>
+                  <a:schemeClr val="bg1"/>
+                </a:solidFill>
+              </a:rPr>
+              <a:t>#2</a:t>
+            </a:r>
+            <a:endParaRPr lang="ko-KR" altLang="en-US" sz="800" dirty="0">
+              <a:solidFill>
+                <a:schemeClr val="bg1"/>
+              </a:solidFill>
+            </a:endParaRPr>
+          </a:p>
+        </p:txBody>
+      </p:sp>
+    </p:spTree>
+    <p:extLst>
+      <p:ext uri="{BB962C8B-B14F-4D97-AF65-F5344CB8AC3E}">
+        <p14:creationId xmlns:p14="http://schemas.microsoft.com/office/powerpoint/2010/main" val="667565991"/>
+      </p:ext>
+    </p:extLst>
+  </p:cSld>
+  <p:clrMapOvr>
+    <a:masterClrMapping/>
+  </p:clrMapOvr>
+</p:sld>
+</file>
+
+<file path=ppt/slides/slide18.xml><?xml version="1.0" encoding="utf-8"?>
+<p:sld xmlns:a="http://schemas.openxmlformats.org/drawingml/2006/main" xmlns:r="http://schemas.openxmlformats.org/officeDocument/2006/relationships" xmlns:p="http://schemas.openxmlformats.org/presentationml/2006/main">
+  <p:cSld>
+    <p:spTree>
+      <p:nvGrpSpPr>
+        <p:cNvPr id="1" name=""/>
+        <p:cNvGrpSpPr/>
+        <p:nvPr/>
+      </p:nvGrpSpPr>
+      <p:grpSpPr>
+        <a:xfrm>
+          <a:off x="0" y="0"/>
+          <a:ext cx="0" cy="0"/>
+          <a:chOff x="0" y="0"/>
+          <a:chExt cx="0" cy="0"/>
+        </a:xfrm>
+      </p:grpSpPr>
+      <p:sp>
+        <p:nvSpPr>
+          <p:cNvPr id="2" name="제목 1">
+            <a:extLst>
+              <a:ext uri="{FF2B5EF4-FFF2-40B4-BE49-F238E27FC236}">
+                <a16:creationId xmlns:a16="http://schemas.microsoft.com/office/drawing/2014/main" id="{D21C1AA9-5E52-3A11-B3B3-447787E29D09}"/>
+              </a:ext>
+            </a:extLst>
+          </p:cNvPr>
+          <p:cNvSpPr>
+            <a:spLocks noGrp="1"/>
+          </p:cNvSpPr>
+          <p:nvPr>
+            <p:ph type="title"/>
+          </p:nvPr>
+        </p:nvSpPr>
+        <p:spPr/>
+        <p:txBody>
+          <a:bodyPr/>
+          <a:lstStyle/>
+          <a:p>
+            <a:r>
+              <a:rPr lang="ko-KR" altLang="en-US" dirty="0"/>
               <a:t>테스트 결과</a:t>
             </a:r>
+          </a:p>
+        </p:txBody>
+      </p:sp>
+      <p:sp>
+        <p:nvSpPr>
+          <p:cNvPr id="3" name="Google Shape;209;p30">
+            <a:extLst>
+              <a:ext uri="{FF2B5EF4-FFF2-40B4-BE49-F238E27FC236}">
+                <a16:creationId xmlns:a16="http://schemas.microsoft.com/office/drawing/2014/main" id="{A9BFC2A3-46A2-1458-DDCD-B7C8B35B77F7}"/>
+              </a:ext>
+            </a:extLst>
+          </p:cNvPr>
+          <p:cNvSpPr/>
+          <p:nvPr/>
+        </p:nvSpPr>
+        <p:spPr>
+          <a:xfrm>
+            <a:off x="7811013" y="528014"/>
+            <a:ext cx="952500" cy="298200"/>
+          </a:xfrm>
+          <a:prstGeom prst="rect">
+            <a:avLst/>
+          </a:prstGeom>
+          <a:noFill/>
+          <a:ln>
+            <a:noFill/>
+          </a:ln>
+        </p:spPr>
+        <p:txBody>
+          <a:bodyPr spcFirstLastPara="1" wrap="square" lIns="19050" tIns="19050" rIns="19050" bIns="19050" anchor="t" anchorCtr="0">
+            <a:noAutofit/>
+          </a:bodyPr>
+          <a:lstStyle/>
+          <a:p>
+            <a:pPr marL="63500" marR="0" lvl="1" indent="0" algn="l" rtl="0">
+              <a:lnSpc>
+                <a:spcPct val="90000"/>
+              </a:lnSpc>
+              <a:spcBef>
+                <a:spcPts val="0"/>
+              </a:spcBef>
+              <a:spcAft>
+                <a:spcPts val="0"/>
+              </a:spcAft>
+              <a:buNone/>
+            </a:pPr>
+            <a:r>
+              <a:rPr lang="en-US" altLang="ko" sz="1200" b="1" i="0" u="none" strike="noStrike" cap="none" dirty="0">
+                <a:solidFill>
+                  <a:schemeClr val="bg1"/>
+                </a:solidFill>
+                <a:latin typeface="Arial"/>
+                <a:ea typeface="Arial"/>
+                <a:cs typeface="Arial"/>
+                <a:sym typeface="Arial"/>
+              </a:rPr>
+              <a:t>3</a:t>
+            </a:r>
+            <a:r>
+              <a:rPr lang="ko" sz="1200" b="1" i="0" u="none" strike="noStrike" cap="none" dirty="0">
+                <a:solidFill>
+                  <a:schemeClr val="bg1"/>
+                </a:solidFill>
+                <a:latin typeface="Arial"/>
+                <a:ea typeface="Arial"/>
+                <a:cs typeface="Arial"/>
+                <a:sym typeface="Arial"/>
+              </a:rPr>
+              <a:t>.</a:t>
+            </a:r>
+            <a:endParaRPr sz="500" dirty="0">
+              <a:solidFill>
+                <a:schemeClr val="bg1"/>
+              </a:solidFill>
+            </a:endParaRPr>
+          </a:p>
+        </p:txBody>
+      </p:sp>
+      <p:sp>
+        <p:nvSpPr>
+          <p:cNvPr id="4" name="Google Shape;210;p30">
+            <a:extLst>
+              <a:ext uri="{FF2B5EF4-FFF2-40B4-BE49-F238E27FC236}">
+                <a16:creationId xmlns:a16="http://schemas.microsoft.com/office/drawing/2014/main" id="{764C4AAD-D4E0-AEB4-A09A-21707FB3571C}"/>
+              </a:ext>
+            </a:extLst>
+          </p:cNvPr>
+          <p:cNvSpPr/>
+          <p:nvPr/>
+        </p:nvSpPr>
+        <p:spPr>
+          <a:xfrm>
+            <a:off x="7811013" y="825047"/>
+            <a:ext cx="952500" cy="293400"/>
+          </a:xfrm>
+          <a:prstGeom prst="rect">
+            <a:avLst/>
+          </a:prstGeom>
+          <a:noFill/>
+          <a:ln>
+            <a:noFill/>
+          </a:ln>
+        </p:spPr>
+        <p:txBody>
+          <a:bodyPr spcFirstLastPara="1" wrap="square" lIns="19050" tIns="19050" rIns="19050" bIns="19050" anchor="t" anchorCtr="0">
+            <a:noAutofit/>
+          </a:bodyPr>
+          <a:lstStyle/>
+          <a:p>
+            <a:pPr marL="63500" marR="0" lvl="1" indent="0" algn="l" rtl="0">
+              <a:spcBef>
+                <a:spcPts val="200"/>
+              </a:spcBef>
+              <a:spcAft>
+                <a:spcPts val="0"/>
+              </a:spcAft>
+              <a:buClr>
+                <a:srgbClr val="000000"/>
+              </a:buClr>
+              <a:buFont typeface="Arial"/>
+              <a:buNone/>
+            </a:pPr>
+            <a:r>
+              <a:rPr lang="en-US" altLang="ko-KR" sz="800" dirty="0">
+                <a:solidFill>
+                  <a:schemeClr val="bg1"/>
+                </a:solidFill>
+              </a:rPr>
+              <a:t>Spring MVC / </a:t>
+            </a:r>
+            <a:r>
+              <a:rPr lang="en-US" altLang="ko-KR" sz="800" dirty="0" err="1">
+                <a:solidFill>
+                  <a:schemeClr val="bg1"/>
+                </a:solidFill>
+              </a:rPr>
+              <a:t>Webflux</a:t>
+            </a:r>
+            <a:r>
+              <a:rPr lang="en-US" altLang="ko-KR" sz="800" dirty="0">
+                <a:solidFill>
+                  <a:schemeClr val="bg1"/>
+                </a:solidFill>
+              </a:rPr>
+              <a:t> </a:t>
+            </a:r>
+            <a:r>
+              <a:rPr lang="ko-KR" altLang="en-US" sz="800" dirty="0">
+                <a:solidFill>
+                  <a:schemeClr val="bg1"/>
+                </a:solidFill>
+              </a:rPr>
+              <a:t>성능 비교 </a:t>
+            </a:r>
+            <a:r>
+              <a:rPr lang="en-US" altLang="ko-KR" sz="800" dirty="0">
+                <a:solidFill>
+                  <a:schemeClr val="bg1"/>
+                </a:solidFill>
+              </a:rPr>
+              <a:t>#2</a:t>
+            </a:r>
+            <a:endParaRPr lang="ko-KR" altLang="en-US" sz="800" dirty="0">
+              <a:solidFill>
+                <a:schemeClr val="bg1"/>
+              </a:solidFill>
+            </a:endParaRPr>
+          </a:p>
+        </p:txBody>
+      </p:sp>
+      <p:pic>
+        <p:nvPicPr>
+          <p:cNvPr id="6" name="그림 5">
+            <a:extLst>
+              <a:ext uri="{FF2B5EF4-FFF2-40B4-BE49-F238E27FC236}">
+                <a16:creationId xmlns:a16="http://schemas.microsoft.com/office/drawing/2014/main" id="{9C1AB360-5A66-48FE-74E0-461604AAA3A6}"/>
+              </a:ext>
+            </a:extLst>
+          </p:cNvPr>
+          <p:cNvPicPr>
+            <a:picLocks noChangeAspect="1"/>
+          </p:cNvPicPr>
+          <p:nvPr/>
+        </p:nvPicPr>
+        <p:blipFill>
+          <a:blip r:embed="rId3"/>
+          <a:stretch>
+            <a:fillRect/>
+          </a:stretch>
+        </p:blipFill>
+        <p:spPr>
+          <a:xfrm>
+            <a:off x="705852" y="1206678"/>
+            <a:ext cx="6231060" cy="3885066"/>
+          </a:xfrm>
+          <a:prstGeom prst="rect">
+            <a:avLst/>
+          </a:prstGeom>
+        </p:spPr>
+      </p:pic>
+    </p:spTree>
+    <p:extLst>
+      <p:ext uri="{BB962C8B-B14F-4D97-AF65-F5344CB8AC3E}">
+        <p14:creationId xmlns:p14="http://schemas.microsoft.com/office/powerpoint/2010/main" val="1989243342"/>
+      </p:ext>
+    </p:extLst>
+  </p:cSld>
+  <p:clrMapOvr>
+    <a:masterClrMapping/>
+  </p:clrMapOvr>
+</p:sld>
+</file>
+
+<file path=ppt/slides/slide19.xml><?xml version="1.0" encoding="utf-8"?>
+<p:sld xmlns:a="http://schemas.openxmlformats.org/drawingml/2006/main" xmlns:r="http://schemas.openxmlformats.org/officeDocument/2006/relationships" xmlns:p="http://schemas.openxmlformats.org/presentationml/2006/main">
+  <p:cSld>
+    <p:spTree>
+      <p:nvGrpSpPr>
+        <p:cNvPr id="1" name=""/>
+        <p:cNvGrpSpPr/>
+        <p:nvPr/>
+      </p:nvGrpSpPr>
+      <p:grpSpPr>
+        <a:xfrm>
+          <a:off x="0" y="0"/>
+          <a:ext cx="0" cy="0"/>
+          <a:chOff x="0" y="0"/>
+          <a:chExt cx="0" cy="0"/>
+        </a:xfrm>
+      </p:grpSpPr>
+      <p:sp>
+        <p:nvSpPr>
+          <p:cNvPr id="2" name="제목 1">
+            <a:extLst>
+              <a:ext uri="{FF2B5EF4-FFF2-40B4-BE49-F238E27FC236}">
+                <a16:creationId xmlns:a16="http://schemas.microsoft.com/office/drawing/2014/main" id="{D21C1AA9-5E52-3A11-B3B3-447787E29D09}"/>
+              </a:ext>
+            </a:extLst>
+          </p:cNvPr>
+          <p:cNvSpPr>
+            <a:spLocks noGrp="1"/>
+          </p:cNvSpPr>
+          <p:nvPr>
+            <p:ph type="title"/>
+          </p:nvPr>
+        </p:nvSpPr>
+        <p:spPr/>
+        <p:txBody>
+          <a:bodyPr/>
+          <a:lstStyle/>
+          <a:p>
+            <a:r>
+              <a:rPr lang="en-US" altLang="ko-KR" dirty="0" err="1"/>
+              <a:t>Jmeter</a:t>
+            </a:r>
+            <a:r>
+              <a:rPr lang="en-US" altLang="ko-KR" dirty="0"/>
+              <a:t> </a:t>
+            </a:r>
+            <a:r>
+              <a:rPr lang="ko-KR" altLang="en-US" dirty="0"/>
+              <a:t>테스트 </a:t>
+            </a:r>
+            <a:r>
+              <a:rPr lang="en-US" altLang="ko-KR" dirty="0"/>
+              <a:t>(</a:t>
+            </a:r>
+            <a:r>
+              <a:rPr lang="ko-KR" altLang="en-US" dirty="0"/>
+              <a:t>단건조회</a:t>
+            </a:r>
+            <a:r>
+              <a:rPr lang="en-US" altLang="ko-KR" dirty="0"/>
+              <a:t>)</a:t>
+            </a:r>
+            <a:endParaRPr lang="ko-KR" altLang="en-US" dirty="0"/>
           </a:p>
         </p:txBody>
       </p:sp>
@@ -6391,6 +8061,265 @@
 </p:sld>
 </file>
 
+<file path=ppt/slides/slide20.xml><?xml version="1.0" encoding="utf-8"?>
+<p:sld xmlns:a="http://schemas.openxmlformats.org/drawingml/2006/main" xmlns:r="http://schemas.openxmlformats.org/officeDocument/2006/relationships" xmlns:p="http://schemas.openxmlformats.org/presentationml/2006/main">
+  <p:cSld>
+    <p:spTree>
+      <p:nvGrpSpPr>
+        <p:cNvPr id="1" name=""/>
+        <p:cNvGrpSpPr/>
+        <p:nvPr/>
+      </p:nvGrpSpPr>
+      <p:grpSpPr>
+        <a:xfrm>
+          <a:off x="0" y="0"/>
+          <a:ext cx="0" cy="0"/>
+          <a:chOff x="0" y="0"/>
+          <a:chExt cx="0" cy="0"/>
+        </a:xfrm>
+      </p:grpSpPr>
+      <p:sp>
+        <p:nvSpPr>
+          <p:cNvPr id="2" name="제목 1">
+            <a:extLst>
+              <a:ext uri="{FF2B5EF4-FFF2-40B4-BE49-F238E27FC236}">
+                <a16:creationId xmlns:a16="http://schemas.microsoft.com/office/drawing/2014/main" id="{D21C1AA9-5E52-3A11-B3B3-447787E29D09}"/>
+              </a:ext>
+            </a:extLst>
+          </p:cNvPr>
+          <p:cNvSpPr>
+            <a:spLocks noGrp="1"/>
+          </p:cNvSpPr>
+          <p:nvPr>
+            <p:ph type="title"/>
+          </p:nvPr>
+        </p:nvSpPr>
+        <p:spPr/>
+        <p:txBody>
+          <a:bodyPr/>
+          <a:lstStyle/>
+          <a:p>
+            <a:r>
+              <a:rPr lang="en-US" altLang="ko-KR" dirty="0"/>
+              <a:t>Container </a:t>
+            </a:r>
+            <a:r>
+              <a:rPr lang="ko-KR" altLang="en-US" dirty="0"/>
+              <a:t>성능비교</a:t>
+            </a:r>
+          </a:p>
+        </p:txBody>
+      </p:sp>
+      <p:sp>
+        <p:nvSpPr>
+          <p:cNvPr id="7" name="Google Shape;209;p30">
+            <a:extLst>
+              <a:ext uri="{FF2B5EF4-FFF2-40B4-BE49-F238E27FC236}">
+                <a16:creationId xmlns:a16="http://schemas.microsoft.com/office/drawing/2014/main" id="{35F3E219-4EBB-8DE8-0966-E4317399395E}"/>
+              </a:ext>
+            </a:extLst>
+          </p:cNvPr>
+          <p:cNvSpPr/>
+          <p:nvPr/>
+        </p:nvSpPr>
+        <p:spPr>
+          <a:xfrm>
+            <a:off x="7811013" y="528014"/>
+            <a:ext cx="952500" cy="298200"/>
+          </a:xfrm>
+          <a:prstGeom prst="rect">
+            <a:avLst/>
+          </a:prstGeom>
+          <a:noFill/>
+          <a:ln>
+            <a:noFill/>
+          </a:ln>
+        </p:spPr>
+        <p:txBody>
+          <a:bodyPr spcFirstLastPara="1" wrap="square" lIns="19050" tIns="19050" rIns="19050" bIns="19050" anchor="t" anchorCtr="0">
+            <a:noAutofit/>
+          </a:bodyPr>
+          <a:lstStyle/>
+          <a:p>
+            <a:pPr marL="63500" marR="0" lvl="1" indent="0" algn="l" rtl="0">
+              <a:lnSpc>
+                <a:spcPct val="90000"/>
+              </a:lnSpc>
+              <a:spcBef>
+                <a:spcPts val="0"/>
+              </a:spcBef>
+              <a:spcAft>
+                <a:spcPts val="0"/>
+              </a:spcAft>
+              <a:buNone/>
+            </a:pPr>
+            <a:r>
+              <a:rPr lang="en-US" altLang="ko" sz="1200" b="1" i="0" u="none" strike="noStrike" cap="none" dirty="0">
+                <a:solidFill>
+                  <a:schemeClr val="bg1"/>
+                </a:solidFill>
+                <a:latin typeface="Arial"/>
+                <a:ea typeface="Arial"/>
+                <a:cs typeface="Arial"/>
+                <a:sym typeface="Arial"/>
+              </a:rPr>
+              <a:t>3</a:t>
+            </a:r>
+            <a:r>
+              <a:rPr lang="ko" sz="1200" b="1" i="0" u="none" strike="noStrike" cap="none" dirty="0">
+                <a:solidFill>
+                  <a:schemeClr val="bg1"/>
+                </a:solidFill>
+                <a:latin typeface="Arial"/>
+                <a:ea typeface="Arial"/>
+                <a:cs typeface="Arial"/>
+                <a:sym typeface="Arial"/>
+              </a:rPr>
+              <a:t>.</a:t>
+            </a:r>
+            <a:endParaRPr sz="500" dirty="0">
+              <a:solidFill>
+                <a:schemeClr val="bg1"/>
+              </a:solidFill>
+            </a:endParaRPr>
+          </a:p>
+        </p:txBody>
+      </p:sp>
+      <p:sp>
+        <p:nvSpPr>
+          <p:cNvPr id="8" name="Google Shape;210;p30">
+            <a:extLst>
+              <a:ext uri="{FF2B5EF4-FFF2-40B4-BE49-F238E27FC236}">
+                <a16:creationId xmlns:a16="http://schemas.microsoft.com/office/drawing/2014/main" id="{8CB63A74-B5C7-DCAA-53F5-96E44004D694}"/>
+              </a:ext>
+            </a:extLst>
+          </p:cNvPr>
+          <p:cNvSpPr/>
+          <p:nvPr/>
+        </p:nvSpPr>
+        <p:spPr>
+          <a:xfrm>
+            <a:off x="7811013" y="825047"/>
+            <a:ext cx="952500" cy="293400"/>
+          </a:xfrm>
+          <a:prstGeom prst="rect">
+            <a:avLst/>
+          </a:prstGeom>
+          <a:noFill/>
+          <a:ln>
+            <a:noFill/>
+          </a:ln>
+        </p:spPr>
+        <p:txBody>
+          <a:bodyPr spcFirstLastPara="1" wrap="square" lIns="19050" tIns="19050" rIns="19050" bIns="19050" anchor="t" anchorCtr="0">
+            <a:noAutofit/>
+          </a:bodyPr>
+          <a:lstStyle/>
+          <a:p>
+            <a:pPr marL="63500" marR="0" lvl="1" indent="0" algn="l" rtl="0">
+              <a:spcBef>
+                <a:spcPts val="200"/>
+              </a:spcBef>
+              <a:spcAft>
+                <a:spcPts val="0"/>
+              </a:spcAft>
+              <a:buClr>
+                <a:srgbClr val="000000"/>
+              </a:buClr>
+              <a:buFont typeface="Arial"/>
+              <a:buNone/>
+            </a:pPr>
+            <a:r>
+              <a:rPr lang="en-US" altLang="ko-KR" sz="800" dirty="0">
+                <a:solidFill>
+                  <a:schemeClr val="bg1"/>
+                </a:solidFill>
+              </a:rPr>
+              <a:t>Spring MVC / </a:t>
+            </a:r>
+            <a:r>
+              <a:rPr lang="en-US" altLang="ko-KR" sz="800" dirty="0" err="1">
+                <a:solidFill>
+                  <a:schemeClr val="bg1"/>
+                </a:solidFill>
+              </a:rPr>
+              <a:t>Webflux</a:t>
+            </a:r>
+            <a:r>
+              <a:rPr lang="en-US" altLang="ko-KR" sz="800" dirty="0">
+                <a:solidFill>
+                  <a:schemeClr val="bg1"/>
+                </a:solidFill>
+              </a:rPr>
+              <a:t> </a:t>
+            </a:r>
+            <a:r>
+              <a:rPr lang="ko-KR" altLang="en-US" sz="800" dirty="0">
+                <a:solidFill>
+                  <a:schemeClr val="bg1"/>
+                </a:solidFill>
+              </a:rPr>
+              <a:t>성능 비교 </a:t>
+            </a:r>
+            <a:r>
+              <a:rPr lang="en-US" altLang="ko-KR" sz="800" dirty="0">
+                <a:solidFill>
+                  <a:schemeClr val="bg1"/>
+                </a:solidFill>
+              </a:rPr>
+              <a:t>#2</a:t>
+            </a:r>
+            <a:endParaRPr lang="ko-KR" altLang="en-US" sz="800" dirty="0">
+              <a:solidFill>
+                <a:schemeClr val="bg1"/>
+              </a:solidFill>
+            </a:endParaRPr>
+          </a:p>
+        </p:txBody>
+      </p:sp>
+      <p:pic>
+        <p:nvPicPr>
+          <p:cNvPr id="5" name="그림 4">
+            <a:extLst>
+              <a:ext uri="{FF2B5EF4-FFF2-40B4-BE49-F238E27FC236}">
+                <a16:creationId xmlns:a16="http://schemas.microsoft.com/office/drawing/2014/main" id="{088A8C10-AD70-7EFF-DA11-8D17077744F1}"/>
+              </a:ext>
+            </a:extLst>
+          </p:cNvPr>
+          <p:cNvPicPr>
+            <a:picLocks noChangeAspect="1"/>
+          </p:cNvPicPr>
+          <p:nvPr/>
+        </p:nvPicPr>
+        <p:blipFill>
+          <a:blip r:embed="rId3"/>
+          <a:stretch>
+            <a:fillRect/>
+          </a:stretch>
+        </p:blipFill>
+        <p:spPr>
+          <a:xfrm>
+            <a:off x="752056" y="1483234"/>
+            <a:ext cx="6902199" cy="3295800"/>
+          </a:xfrm>
+          <a:prstGeom prst="rect">
+            <a:avLst/>
+          </a:prstGeom>
+        </p:spPr>
+      </p:pic>
+    </p:spTree>
+    <p:extLst>
+      <p:ext uri="{BB962C8B-B14F-4D97-AF65-F5344CB8AC3E}">
+        <p14:creationId xmlns:p14="http://schemas.microsoft.com/office/powerpoint/2010/main" val="738790314"/>
+      </p:ext>
+    </p:extLst>
+  </p:cSld>
+  <p:clrMapOvr>
+    <a:masterClrMapping/>
+  </p:clrMapOvr>
+</p:sld>
+</file>
+
 <file path=ppt/slides/slide3.xml><?xml version="1.0" encoding="utf-8"?>
 <p:sld xmlns:a="http://schemas.openxmlformats.org/drawingml/2006/main" xmlns:r="http://schemas.openxmlformats.org/officeDocument/2006/relationships" xmlns:p="http://schemas.openxmlformats.org/presentationml/2006/main">
   <p:cSld>
@@ -6646,12 +8575,59 @@
         </p:blipFill>
         <p:spPr>
           <a:xfrm>
-            <a:off x="1231277" y="2159286"/>
+            <a:off x="943900" y="2159286"/>
             <a:ext cx="3690045" cy="2841335"/>
           </a:xfrm>
           <a:prstGeom prst="rect">
             <a:avLst/>
           </a:prstGeom>
+        </p:spPr>
+      </p:pic>
+      <p:pic>
+        <p:nvPicPr>
+          <p:cNvPr id="1026" name="Picture 2" descr="Performing load tests with Python + Locust.io | by Thiago Ferreira | Medium">
+            <a:extLst>
+              <a:ext uri="{FF2B5EF4-FFF2-40B4-BE49-F238E27FC236}">
+                <a16:creationId xmlns:a16="http://schemas.microsoft.com/office/drawing/2014/main" id="{F34CBF2E-4E78-B3CC-53B8-DD0DC8F1CF0F}"/>
+              </a:ext>
+            </a:extLst>
+          </p:cNvPr>
+          <p:cNvPicPr>
+            <a:picLocks noChangeAspect="1" noChangeArrowheads="1"/>
+          </p:cNvPicPr>
+          <p:nvPr/>
+        </p:nvPicPr>
+        <p:blipFill>
+          <a:blip r:embed="rId5">
+            <a:extLst>
+              <a:ext uri="{28A0092B-C50C-407E-A947-70E740481C1C}">
+                <a14:useLocalDpi xmlns:a14="http://schemas.microsoft.com/office/drawing/2010/main" val="0"/>
+              </a:ext>
+            </a:extLst>
+          </a:blip>
+          <a:srcRect/>
+          <a:stretch>
+            <a:fillRect/>
+          </a:stretch>
+        </p:blipFill>
+        <p:spPr bwMode="auto">
+          <a:xfrm>
+            <a:off x="4711341" y="2159286"/>
+            <a:ext cx="3749861" cy="2841335"/>
+          </a:xfrm>
+          <a:prstGeom prst="rect">
+            <a:avLst/>
+          </a:prstGeom>
+          <a:noFill/>
+          <a:extLst>
+            <a:ext uri="{909E8E84-426E-40DD-AFC4-6F175D3DCCD1}">
+              <a14:hiddenFill xmlns:a14="http://schemas.microsoft.com/office/drawing/2010/main">
+                <a:solidFill>
+                  <a:srgbClr val="FFFFFF"/>
+                </a:solidFill>
+              </a14:hiddenFill>
+            </a:ext>
+          </a:extLst>
         </p:spPr>
       </p:pic>
     </p:spTree>
@@ -7223,14 +9199,14 @@
             <a:pPr lvl="2"/>
             <a:r>
               <a:rPr lang="en-US" altLang="ko-KR" dirty="0"/>
-              <a:t>spawn rate : 10 users / sec</a:t>
+              <a:t>spawn rate : 5 users / sec</a:t>
             </a:r>
           </a:p>
           <a:p>
             <a:pPr lvl="2"/>
             <a:r>
               <a:rPr lang="en-US" altLang="ko-KR" dirty="0"/>
-              <a:t>run time : 2m</a:t>
+              <a:t>run time : 1m</a:t>
             </a:r>
           </a:p>
         </p:txBody>
@@ -7629,10 +9605,10 @@
       </p:sp>
       <p:pic>
         <p:nvPicPr>
-          <p:cNvPr id="9" name="그림 8">
+          <p:cNvPr id="4" name="그림 3">
             <a:extLst>
               <a:ext uri="{FF2B5EF4-FFF2-40B4-BE49-F238E27FC236}">
-                <a16:creationId xmlns:a16="http://schemas.microsoft.com/office/drawing/2014/main" id="{FF5B9A1D-0A3F-5C3B-7633-565F1321C509}"/>
+                <a16:creationId xmlns:a16="http://schemas.microsoft.com/office/drawing/2014/main" id="{7901A300-D515-36C6-E860-8ECEF5CA7FC8}"/>
               </a:ext>
             </a:extLst>
           </p:cNvPr>
@@ -7649,8 +9625,8 @@
         </p:blipFill>
         <p:spPr>
           <a:xfrm>
-            <a:off x="752475" y="1283226"/>
-            <a:ext cx="5977422" cy="3726923"/>
+            <a:off x="675664" y="1180797"/>
+            <a:ext cx="6231060" cy="3885066"/>
           </a:xfrm>
           <a:prstGeom prst="rect">
             <a:avLst/>
@@ -7794,21 +9770,21 @@
             <a:pPr lvl="2"/>
             <a:r>
               <a:rPr lang="en-US" altLang="ko-KR" dirty="0"/>
-              <a:t>users : 200 ~ 500</a:t>
+              <a:t>users : 200</a:t>
             </a:r>
           </a:p>
           <a:p>
             <a:pPr lvl="2"/>
             <a:r>
               <a:rPr lang="en-US" altLang="ko-KR" dirty="0"/>
-              <a:t>spawn rate : 20 users / sec</a:t>
+              <a:t>spawn rate : 5 users / sec</a:t>
             </a:r>
           </a:p>
           <a:p>
             <a:pPr lvl="2"/>
             <a:r>
               <a:rPr lang="en-US" altLang="ko-KR" dirty="0"/>
-              <a:t>run time : 2m</a:t>
+              <a:t>run time : 1m</a:t>
             </a:r>
           </a:p>
         </p:txBody>
@@ -8207,10 +10183,10 @@
       </p:sp>
       <p:pic>
         <p:nvPicPr>
-          <p:cNvPr id="4" name="그림 3">
+          <p:cNvPr id="5" name="그림 4">
             <a:extLst>
               <a:ext uri="{FF2B5EF4-FFF2-40B4-BE49-F238E27FC236}">
-                <a16:creationId xmlns:a16="http://schemas.microsoft.com/office/drawing/2014/main" id="{222DB259-DEE4-55C4-2C5A-7F6661A6DD18}"/>
+                <a16:creationId xmlns:a16="http://schemas.microsoft.com/office/drawing/2014/main" id="{540DB9CD-996E-D6B4-AE4F-31519636DB4E}"/>
               </a:ext>
             </a:extLst>
           </p:cNvPr>
@@ -8227,57 +10203,14 @@
         </p:blipFill>
         <p:spPr>
           <a:xfrm>
-            <a:off x="733531" y="1247774"/>
-            <a:ext cx="6143517" cy="3830483"/>
+            <a:off x="688602" y="1198052"/>
+            <a:ext cx="6231060" cy="3885066"/>
           </a:xfrm>
           <a:prstGeom prst="rect">
             <a:avLst/>
           </a:prstGeom>
         </p:spPr>
       </p:pic>
-      <p:cxnSp>
-        <p:nvCxnSpPr>
-          <p:cNvPr id="10" name="직선 연결선 9">
-            <a:extLst>
-              <a:ext uri="{FF2B5EF4-FFF2-40B4-BE49-F238E27FC236}">
-                <a16:creationId xmlns:a16="http://schemas.microsoft.com/office/drawing/2014/main" id="{2560A615-9674-5850-969C-375450F1E0B3}"/>
-              </a:ext>
-            </a:extLst>
-          </p:cNvPr>
-          <p:cNvCxnSpPr>
-            <a:cxnSpLocks/>
-          </p:cNvCxnSpPr>
-          <p:nvPr/>
-        </p:nvCxnSpPr>
-        <p:spPr>
-          <a:xfrm>
-            <a:off x="3867150" y="1118447"/>
-            <a:ext cx="0" cy="4025053"/>
-          </a:xfrm>
-          <a:prstGeom prst="line">
-            <a:avLst/>
-          </a:prstGeom>
-          <a:ln w="28575">
-            <a:solidFill>
-              <a:srgbClr val="FF0000"/>
-            </a:solidFill>
-          </a:ln>
-        </p:spPr>
-        <p:style>
-          <a:lnRef idx="1">
-            <a:schemeClr val="accent1"/>
-          </a:lnRef>
-          <a:fillRef idx="0">
-            <a:schemeClr val="accent1"/>
-          </a:fillRef>
-          <a:effectRef idx="0">
-            <a:schemeClr val="accent1"/>
-          </a:effectRef>
-          <a:fontRef idx="minor">
-            <a:schemeClr val="tx1"/>
-          </a:fontRef>
-        </p:style>
-      </p:cxnSp>
     </p:spTree>
     <p:extLst>
       <p:ext uri="{BB962C8B-B14F-4D97-AF65-F5344CB8AC3E}">

--- a/99.ppt/[Ch4-5. 비동기 서비스 부하 테스트.pptx
+++ b/99.ppt/[Ch4-5. 비동기 서비스 부하 테스트.pptx
@@ -5,7 +5,7 @@
     <p:sldMasterId id="2147483665" r:id="rId1"/>
   </p:sldMasterIdLst>
   <p:notesMasterIdLst>
-    <p:notesMasterId r:id="rId22"/>
+    <p:notesMasterId r:id="rId24"/>
   </p:notesMasterIdLst>
   <p:sldIdLst>
     <p:sldId id="256" r:id="rId2"/>
@@ -20,14 +20,16 @@
     <p:sldId id="286" r:id="rId11"/>
     <p:sldId id="287" r:id="rId12"/>
     <p:sldId id="273" r:id="rId13"/>
-    <p:sldId id="288" r:id="rId14"/>
-    <p:sldId id="289" r:id="rId15"/>
-    <p:sldId id="290" r:id="rId16"/>
-    <p:sldId id="291" r:id="rId17"/>
-    <p:sldId id="292" r:id="rId18"/>
-    <p:sldId id="293" r:id="rId19"/>
-    <p:sldId id="284" r:id="rId20"/>
-    <p:sldId id="294" r:id="rId21"/>
+    <p:sldId id="295" r:id="rId14"/>
+    <p:sldId id="288" r:id="rId15"/>
+    <p:sldId id="289" r:id="rId16"/>
+    <p:sldId id="290" r:id="rId17"/>
+    <p:sldId id="291" r:id="rId18"/>
+    <p:sldId id="292" r:id="rId19"/>
+    <p:sldId id="293" r:id="rId20"/>
+    <p:sldId id="284" r:id="rId21"/>
+    <p:sldId id="296" r:id="rId22"/>
+    <p:sldId id="278" r:id="rId23"/>
   </p:sldIdLst>
   <p:sldSz cx="9144000" cy="5143500" type="screen16x9"/>
   <p:notesSz cx="6858000" cy="9144000"/>
@@ -227,7 +229,7 @@
           <a:p>
             <a:fld id="{9B770909-2C76-4DF9-BB76-4EE283593418}" type="datetimeFigureOut">
               <a:rPr lang="ko-KR" altLang="en-US" smtClean="0"/>
-              <a:t>2023-09-04</a:t>
+              <a:t>2023-09-05</a:t>
             </a:fld>
             <a:endParaRPr lang="ko-KR" altLang="en-US"/>
           </a:p>
@@ -540,7 +542,7 @@
           <a:p>
             <a:r>
               <a:rPr lang="ko-KR" altLang="en-US" dirty="0"/>
-              <a:t>지금부터는 저희가 만들었던 </a:t>
+              <a:t>이번 챕터에서는 지금까지 저희가 만들었던 </a:t>
             </a:r>
             <a:r>
               <a:rPr lang="en-US" altLang="ko-KR" dirty="0"/>
@@ -564,7 +566,7 @@
             </a:r>
             <a:r>
               <a:rPr lang="ko-KR" altLang="en-US" dirty="0"/>
-              <a:t>어플리케이션들의 성능테스트를 통해</a:t>
+              <a:t>어플리케이션들 간 성능테스트를 통해</a:t>
             </a:r>
             <a:r>
               <a:rPr lang="en-US" altLang="ko-KR" dirty="0"/>
@@ -592,7 +594,7 @@
             </a:r>
             <a:r>
               <a:rPr lang="ko-KR" altLang="en-US" dirty="0" err="1"/>
-              <a:t>빠른지</a:t>
+              <a:t>빠른지를</a:t>
             </a:r>
             <a:r>
               <a:rPr lang="ko-KR" altLang="en-US" dirty="0"/>
@@ -609,7 +611,15 @@
           <a:p>
             <a:r>
               <a:rPr lang="ko-KR" altLang="en-US" dirty="0"/>
-              <a:t>우선 테스트 도구부터 </a:t>
+              <a:t>우선 </a:t>
+            </a:r>
+            <a:r>
+              <a:rPr lang="ko-KR" altLang="en-US" dirty="0" err="1"/>
+              <a:t>부하테스터부터</a:t>
+            </a:r>
+            <a:r>
+              <a:rPr lang="ko-KR" altLang="en-US" dirty="0"/>
+              <a:t> </a:t>
             </a:r>
             <a:r>
               <a:rPr lang="ko-KR" altLang="en-US" dirty="0" err="1"/>
@@ -876,16 +886,8 @@
           <a:lstStyle/>
           <a:p>
             <a:r>
-              <a:rPr lang="ko-KR" altLang="en-US" dirty="0"/>
-              <a:t>이전 시간에 저희는 </a:t>
-            </a:r>
-            <a:r>
-              <a:rPr lang="en-US" altLang="ko-KR" dirty="0"/>
-              <a:t>MVC </a:t>
-            </a:r>
-            <a:r>
-              <a:rPr lang="ko-KR" altLang="en-US" dirty="0"/>
-              <a:t>와 </a:t>
+              <a:rPr lang="en-US" altLang="ko-KR" dirty="0"/>
+              <a:t>MVC / </a:t>
             </a:r>
             <a:r>
               <a:rPr lang="en-US" altLang="ko-KR" dirty="0" err="1"/>
@@ -897,15 +899,15 @@
             </a:r>
             <a:r>
               <a:rPr lang="ko-KR" altLang="en-US" dirty="0"/>
-              <a:t>간 차이가 </a:t>
-            </a:r>
-            <a:r>
-              <a:rPr lang="en-US" altLang="ko-KR" dirty="0"/>
-              <a:t>DB </a:t>
-            </a:r>
-            <a:r>
-              <a:rPr lang="ko-KR" altLang="en-US" dirty="0"/>
-              <a:t>호출시에는 유의미하지 않다는 것을 확인했습니다</a:t>
+              <a:t>성능비교 </a:t>
+            </a:r>
+            <a:r>
+              <a:rPr lang="en-US" altLang="ko-KR" dirty="0"/>
+              <a:t>2</a:t>
+            </a:r>
+            <a:r>
+              <a:rPr lang="ko-KR" altLang="en-US" dirty="0"/>
+              <a:t>번째 시간입니다</a:t>
             </a:r>
             <a:r>
               <a:rPr lang="en-US" altLang="ko-KR" dirty="0"/>
@@ -918,34 +920,65 @@
           <a:p>
             <a:r>
               <a:rPr lang="ko-KR" altLang="en-US" dirty="0"/>
-              <a:t>하지만</a:t>
-            </a:r>
-            <a:r>
-              <a:rPr lang="en-US" altLang="ko-KR" dirty="0"/>
-              <a:t>, </a:t>
-            </a:r>
-            <a:r>
-              <a:rPr lang="ko-KR" altLang="en-US" dirty="0"/>
-              <a:t>정말 그럴까요 </a:t>
+              <a:t>이전 시간에 저희는</a:t>
+            </a:r>
+            <a:r>
+              <a:rPr lang="en-US" altLang="ko-KR" dirty="0"/>
+              <a:t>,</a:t>
+            </a:r>
+            <a:r>
+              <a:rPr lang="ko-KR" altLang="en-US" dirty="0"/>
+              <a:t> </a:t>
+            </a:r>
+            <a:r>
+              <a:rPr lang="en-US" altLang="ko-KR" dirty="0"/>
+              <a:t>RDB </a:t>
+            </a:r>
+            <a:r>
+              <a:rPr lang="ko-KR" altLang="en-US" dirty="0" err="1"/>
+              <a:t>호출시</a:t>
+            </a:r>
+            <a:r>
+              <a:rPr lang="ko-KR" altLang="en-US" dirty="0"/>
+              <a:t> </a:t>
+            </a:r>
+            <a:r>
+              <a:rPr lang="en-US" altLang="ko-KR" dirty="0"/>
+              <a:t>MVC </a:t>
+            </a:r>
+            <a:r>
+              <a:rPr lang="ko-KR" altLang="en-US" dirty="0"/>
+              <a:t>와 </a:t>
+            </a:r>
+            <a:r>
+              <a:rPr lang="en-US" altLang="ko-KR" dirty="0" err="1"/>
+              <a:t>Webflux</a:t>
+            </a:r>
+            <a:r>
+              <a:rPr lang="en-US" altLang="ko-KR" dirty="0"/>
+              <a:t> </a:t>
+            </a:r>
+            <a:r>
+              <a:rPr lang="ko-KR" altLang="en-US" dirty="0"/>
+              <a:t>간 성능차이가 크지 않다는 것을 확인했습니다</a:t>
+            </a:r>
+            <a:r>
+              <a:rPr lang="en-US" altLang="ko-KR" dirty="0"/>
+              <a:t>.</a:t>
+            </a:r>
+          </a:p>
+          <a:p>
+            <a:endParaRPr lang="en-US" altLang="ko-KR" dirty="0"/>
+          </a:p>
+          <a:p>
+            <a:r>
+              <a:rPr lang="ko-KR" altLang="en-US" dirty="0"/>
+              <a:t>왜 그럴까요 </a:t>
             </a:r>
             <a:r>
               <a:rPr lang="en-US" altLang="ko-KR" dirty="0"/>
               <a:t>?</a:t>
             </a:r>
-          </a:p>
-          <a:p>
-            <a:endParaRPr lang="en-US" altLang="ko-KR" dirty="0"/>
-          </a:p>
-          <a:p>
-            <a:r>
-              <a:rPr lang="ko-KR" altLang="en-US" dirty="0"/>
-              <a:t>조금만 스스로를 의심해 보도록 하겠습니다</a:t>
-            </a:r>
-            <a:r>
-              <a:rPr lang="en-US" altLang="ko-KR"/>
-              <a:t>.</a:t>
-            </a:r>
-            <a:endParaRPr lang="ko-KR" altLang="en-US" dirty="0"/>
           </a:p>
         </p:txBody>
       </p:sp>
@@ -1029,6 +1062,418 @@
           <a:bodyPr/>
           <a:lstStyle/>
           <a:p>
+            <a:r>
+              <a:rPr lang="ko-KR" altLang="en-US" dirty="0"/>
+              <a:t>결과는 솔직히 당황스럽습니다</a:t>
+            </a:r>
+            <a:r>
+              <a:rPr lang="en-US" altLang="ko-KR" dirty="0"/>
+              <a:t>.</a:t>
+            </a:r>
+          </a:p>
+          <a:p>
+            <a:endParaRPr lang="en-US" altLang="ko-KR" dirty="0"/>
+          </a:p>
+          <a:p>
+            <a:r>
+              <a:rPr lang="en-US" altLang="ko-KR" dirty="0"/>
+              <a:t>sleep </a:t>
+            </a:r>
+            <a:r>
+              <a:rPr lang="ko-KR" altLang="en-US" dirty="0"/>
+              <a:t>으로 구현한 </a:t>
+            </a:r>
+            <a:r>
+              <a:rPr lang="en-US" altLang="ko-KR" dirty="0"/>
+              <a:t>NIO </a:t>
+            </a:r>
+            <a:r>
+              <a:rPr lang="ko-KR" altLang="en-US" dirty="0"/>
+              <a:t>지연호출은 이론대로 분명한 성능차이가 보이지만</a:t>
+            </a:r>
+            <a:r>
+              <a:rPr lang="en-US" altLang="ko-KR" dirty="0"/>
+              <a:t>, RDB </a:t>
+            </a:r>
+            <a:r>
+              <a:rPr lang="ko-KR" altLang="en-US" dirty="0"/>
+              <a:t>호출은 성능 차이가 보이질 않습니다</a:t>
+            </a:r>
+            <a:r>
+              <a:rPr lang="en-US" altLang="ko-KR" dirty="0"/>
+              <a:t>. </a:t>
+            </a:r>
+            <a:r>
+              <a:rPr lang="ko-KR" altLang="en-US" dirty="0"/>
+              <a:t>아주 약간 높은 </a:t>
+            </a:r>
+            <a:r>
+              <a:rPr lang="ko-KR" altLang="en-US" dirty="0" err="1"/>
+              <a:t>정도거든요</a:t>
+            </a:r>
+            <a:r>
+              <a:rPr lang="en-US" altLang="ko-KR" dirty="0"/>
+              <a:t>.</a:t>
+            </a:r>
+          </a:p>
+          <a:p>
+            <a:endParaRPr lang="en-US" altLang="ko-KR" dirty="0"/>
+          </a:p>
+          <a:p>
+            <a:r>
+              <a:rPr lang="ko-KR" altLang="en-US" dirty="0"/>
+              <a:t>다른 테스트도구를 사용해봐도 결과는 마찬가지고요</a:t>
+            </a:r>
+            <a:r>
+              <a:rPr lang="en-US" altLang="ko-KR" dirty="0"/>
+              <a:t>.</a:t>
+            </a:r>
+          </a:p>
+          <a:p>
+            <a:endParaRPr lang="en-US" altLang="ko-KR" dirty="0"/>
+          </a:p>
+          <a:p>
+            <a:endParaRPr lang="en-US" altLang="ko-KR" dirty="0"/>
+          </a:p>
+          <a:p>
+            <a:r>
+              <a:rPr lang="ko-KR" altLang="en-US" dirty="0"/>
+              <a:t>혹시 </a:t>
+            </a:r>
+            <a:r>
+              <a:rPr lang="ko-KR" altLang="en-US" dirty="0" err="1"/>
+              <a:t>단건</a:t>
+            </a:r>
+            <a:r>
+              <a:rPr lang="ko-KR" altLang="en-US" dirty="0"/>
+              <a:t> 조회가 너무 빠른 프로세스여서</a:t>
+            </a:r>
+            <a:r>
+              <a:rPr lang="en-US" altLang="ko-KR" dirty="0"/>
+              <a:t>, </a:t>
+            </a:r>
+            <a:r>
+              <a:rPr lang="ko-KR" altLang="en-US" dirty="0"/>
+              <a:t>성능 차이가 안보였던 건 아닐까요 </a:t>
+            </a:r>
+            <a:r>
+              <a:rPr lang="en-US" altLang="ko-KR" dirty="0"/>
+              <a:t>? sleep </a:t>
+            </a:r>
+            <a:r>
+              <a:rPr lang="ko-KR" altLang="en-US" dirty="0"/>
+              <a:t>호출에서 확인했던 것처럼</a:t>
+            </a:r>
+            <a:r>
+              <a:rPr lang="en-US" altLang="ko-KR" dirty="0"/>
+              <a:t>, </a:t>
+            </a:r>
+            <a:r>
+              <a:rPr lang="ko-KR" altLang="en-US" dirty="0"/>
+              <a:t>쿼리가 좀 느려서</a:t>
+            </a:r>
+            <a:r>
+              <a:rPr lang="en-US" altLang="ko-KR" dirty="0"/>
+              <a:t>, </a:t>
+            </a:r>
+            <a:r>
+              <a:rPr lang="ko-KR" altLang="en-US" dirty="0"/>
+              <a:t>블록 타임이 좀 길다면</a:t>
+            </a:r>
+            <a:r>
+              <a:rPr lang="en-US" altLang="ko-KR" dirty="0"/>
+              <a:t>, </a:t>
+            </a:r>
+            <a:r>
+              <a:rPr lang="ko-KR" altLang="en-US" dirty="0" err="1"/>
+              <a:t>논블럭</a:t>
+            </a:r>
+            <a:r>
+              <a:rPr lang="ko-KR" altLang="en-US" dirty="0"/>
+              <a:t> </a:t>
+            </a:r>
+            <a:r>
+              <a:rPr lang="en-US" altLang="ko-KR" dirty="0"/>
+              <a:t>IO</a:t>
+            </a:r>
+            <a:r>
+              <a:rPr lang="ko-KR" altLang="en-US" dirty="0"/>
+              <a:t>로 처리하는 </a:t>
+            </a:r>
+            <a:r>
+              <a:rPr lang="en-US" altLang="ko-KR" dirty="0" err="1"/>
+              <a:t>Webflux</a:t>
+            </a:r>
+            <a:r>
+              <a:rPr lang="en-US" altLang="ko-KR" dirty="0"/>
+              <a:t> </a:t>
+            </a:r>
+            <a:r>
+              <a:rPr lang="ko-KR" altLang="en-US" dirty="0"/>
+              <a:t>니까 처리량이 더 많아지지 않을까요 </a:t>
+            </a:r>
+            <a:r>
+              <a:rPr lang="en-US" altLang="ko-KR" dirty="0"/>
+              <a:t>?</a:t>
+            </a:r>
+          </a:p>
+          <a:p>
+            <a:endParaRPr lang="en-US" altLang="ko-KR" dirty="0"/>
+          </a:p>
+          <a:p>
+            <a:r>
+              <a:rPr lang="ko-KR" altLang="en-US" dirty="0"/>
+              <a:t>하지만</a:t>
+            </a:r>
+            <a:r>
+              <a:rPr lang="en-US" altLang="ko-KR" dirty="0"/>
+              <a:t>, </a:t>
+            </a:r>
+            <a:r>
+              <a:rPr lang="ko-KR" altLang="en-US" dirty="0"/>
+              <a:t>저희</a:t>
+            </a:r>
+            <a:r>
+              <a:rPr lang="en-US" altLang="ko-KR" dirty="0"/>
+              <a:t>, </a:t>
+            </a:r>
+            <a:r>
+              <a:rPr lang="ko-KR" altLang="en-US" dirty="0"/>
+              <a:t>쿼리가 </a:t>
+            </a:r>
+            <a:r>
+              <a:rPr lang="ko-KR" altLang="en-US" dirty="0" err="1"/>
+              <a:t>느렸던</a:t>
+            </a:r>
+            <a:r>
+              <a:rPr lang="ko-KR" altLang="en-US" dirty="0"/>
+              <a:t> 다건조회 테스트</a:t>
+            </a:r>
+            <a:r>
+              <a:rPr lang="en-US" altLang="ko-KR" dirty="0"/>
+              <a:t>… </a:t>
+            </a:r>
+            <a:r>
+              <a:rPr lang="ko-KR" altLang="en-US" dirty="0"/>
+              <a:t>해봤었고요</a:t>
+            </a:r>
+            <a:r>
+              <a:rPr lang="en-US" altLang="ko-KR" dirty="0"/>
+              <a:t>. </a:t>
+            </a:r>
+            <a:r>
+              <a:rPr lang="ko-KR" altLang="en-US" dirty="0"/>
+              <a:t>특별히 빠르진 않았습니다</a:t>
+            </a:r>
+            <a:r>
+              <a:rPr lang="en-US" altLang="ko-KR" dirty="0"/>
+              <a:t>. </a:t>
+            </a:r>
+            <a:r>
+              <a:rPr lang="ko-KR" altLang="en-US" dirty="0"/>
+              <a:t>그건 그냥 전반적으로 느리게 동작했습니다</a:t>
+            </a:r>
+            <a:r>
+              <a:rPr lang="en-US" altLang="ko-KR" dirty="0"/>
+              <a:t>.</a:t>
+            </a:r>
+          </a:p>
+          <a:p>
+            <a:endParaRPr lang="en-US" altLang="ko-KR" dirty="0"/>
+          </a:p>
+          <a:p>
+            <a:endParaRPr lang="en-US" altLang="ko-KR" dirty="0"/>
+          </a:p>
+          <a:p>
+            <a:r>
+              <a:rPr lang="ko-KR" altLang="en-US" dirty="0"/>
+              <a:t>여러가지 가설을 세워볼 수 있을 것 같습니다</a:t>
+            </a:r>
+            <a:r>
+              <a:rPr lang="en-US" altLang="ko-KR" dirty="0"/>
+              <a:t>.</a:t>
+            </a:r>
+          </a:p>
+          <a:p>
+            <a:endParaRPr lang="en-US" altLang="ko-KR" dirty="0"/>
+          </a:p>
+          <a:p>
+            <a:r>
+              <a:rPr lang="en-US" altLang="ko-KR" dirty="0"/>
+              <a:t>R2DBC </a:t>
+            </a:r>
+            <a:r>
+              <a:rPr lang="ko-KR" altLang="en-US" dirty="0"/>
+              <a:t>드라이버가 아직 </a:t>
+            </a:r>
+            <a:r>
+              <a:rPr lang="en-US" altLang="ko-KR" dirty="0"/>
+              <a:t>NIO </a:t>
+            </a:r>
+            <a:r>
+              <a:rPr lang="ko-KR" altLang="en-US" dirty="0"/>
+              <a:t>지원이 미흡해</a:t>
+            </a:r>
+            <a:r>
+              <a:rPr lang="en-US" altLang="ko-KR" dirty="0"/>
+              <a:t>, </a:t>
+            </a:r>
+            <a:r>
+              <a:rPr lang="ko-KR" altLang="en-US" dirty="0"/>
+              <a:t>실제로는 </a:t>
+            </a:r>
+            <a:r>
+              <a:rPr lang="ko-KR" altLang="en-US" dirty="0" err="1"/>
+              <a:t>블러킹</a:t>
+            </a:r>
+            <a:r>
+              <a:rPr lang="ko-KR" altLang="en-US" dirty="0"/>
+              <a:t> 호출이 일어났거나</a:t>
+            </a:r>
+            <a:endParaRPr lang="en-US" altLang="ko-KR" dirty="0"/>
+          </a:p>
+          <a:p>
+            <a:endParaRPr lang="en-US" altLang="ko-KR" dirty="0"/>
+          </a:p>
+          <a:p>
+            <a:r>
+              <a:rPr lang="ko-KR" altLang="en-US" dirty="0"/>
+              <a:t>혹은 </a:t>
+            </a:r>
+            <a:r>
+              <a:rPr lang="en-US" altLang="ko-KR" dirty="0" err="1"/>
+              <a:t>mariadb</a:t>
+            </a:r>
+            <a:r>
+              <a:rPr lang="en-US" altLang="ko-KR" dirty="0"/>
+              <a:t> </a:t>
+            </a:r>
+            <a:r>
+              <a:rPr lang="ko-KR" altLang="en-US" dirty="0"/>
+              <a:t>가 </a:t>
+            </a:r>
+            <a:r>
+              <a:rPr lang="en-US" altLang="ko-KR" dirty="0"/>
+              <a:t>NIO </a:t>
+            </a:r>
+            <a:r>
+              <a:rPr lang="ko-KR" altLang="en-US" dirty="0"/>
+              <a:t>를 지원하지 않을 수도 있겠죠</a:t>
+            </a:r>
+            <a:r>
+              <a:rPr lang="en-US" altLang="ko-KR" dirty="0"/>
+              <a:t>. </a:t>
+            </a:r>
+            <a:r>
+              <a:rPr lang="ko-KR" altLang="en-US" dirty="0"/>
+              <a:t>아무리 </a:t>
+            </a:r>
+            <a:r>
+              <a:rPr lang="ko-KR" altLang="en-US" dirty="0" err="1"/>
+              <a:t>논블럭하게</a:t>
+            </a:r>
+            <a:r>
+              <a:rPr lang="ko-KR" altLang="en-US" dirty="0"/>
+              <a:t> 호출해도</a:t>
+            </a:r>
+            <a:r>
+              <a:rPr lang="en-US" altLang="ko-KR" dirty="0"/>
+              <a:t>, DB </a:t>
+            </a:r>
+            <a:r>
+              <a:rPr lang="ko-KR" altLang="en-US" dirty="0"/>
+              <a:t>가 </a:t>
+            </a:r>
+            <a:r>
+              <a:rPr lang="en-US" altLang="ko-KR" dirty="0"/>
+              <a:t>NIO </a:t>
+            </a:r>
+            <a:r>
+              <a:rPr lang="ko-KR" altLang="en-US" dirty="0"/>
+              <a:t>를 지원하지 않으면</a:t>
+            </a:r>
+            <a:r>
+              <a:rPr lang="en-US" altLang="ko-KR" dirty="0"/>
+              <a:t>, </a:t>
+            </a:r>
+            <a:r>
+              <a:rPr lang="ko-KR" altLang="en-US" dirty="0"/>
+              <a:t>결국 </a:t>
+            </a:r>
+            <a:r>
+              <a:rPr lang="ko-KR" altLang="en-US" dirty="0" err="1"/>
+              <a:t>블러킹</a:t>
+            </a:r>
+            <a:r>
+              <a:rPr lang="ko-KR" altLang="en-US" dirty="0"/>
+              <a:t> </a:t>
+            </a:r>
+            <a:r>
+              <a:rPr lang="ko-KR" altLang="en-US" dirty="0" err="1"/>
+              <a:t>호출이니깐요</a:t>
+            </a:r>
+            <a:r>
+              <a:rPr lang="en-US" altLang="ko-KR" dirty="0"/>
+              <a:t>.</a:t>
+            </a:r>
+          </a:p>
+          <a:p>
+            <a:endParaRPr lang="en-US" altLang="ko-KR" dirty="0"/>
+          </a:p>
+          <a:p>
+            <a:endParaRPr lang="en-US" altLang="ko-KR" dirty="0"/>
+          </a:p>
+          <a:p>
+            <a:r>
+              <a:rPr lang="ko-KR" altLang="en-US" dirty="0"/>
+              <a:t>이렇게 성급하게 결론 내리긴 아쉬우니까</a:t>
+            </a:r>
+            <a:r>
+              <a:rPr lang="en-US" altLang="ko-KR" dirty="0"/>
+              <a:t>, </a:t>
+            </a:r>
+            <a:r>
+              <a:rPr lang="ko-KR" altLang="en-US" dirty="0"/>
+              <a:t>마지막으로 저희 서버 환경에서 테스트 한 번만 더 해보겠습니다</a:t>
+            </a:r>
+            <a:r>
+              <a:rPr lang="en-US" altLang="ko-KR" dirty="0"/>
+              <a:t>.</a:t>
+            </a:r>
+          </a:p>
+          <a:p>
+            <a:endParaRPr lang="en-US" altLang="ko-KR" dirty="0"/>
+          </a:p>
+          <a:p>
+            <a:r>
+              <a:rPr lang="ko-KR" altLang="en-US" dirty="0"/>
+              <a:t>로컬에서 서버 환경을 구성하는 가장 손쉬운 방법인</a:t>
+            </a:r>
+            <a:r>
+              <a:rPr lang="en-US" altLang="ko-KR" dirty="0"/>
+              <a:t>, docker container </a:t>
+            </a:r>
+            <a:r>
+              <a:rPr lang="ko-KR" altLang="en-US" dirty="0"/>
+              <a:t>로 어플리케이션을 우선 </a:t>
+            </a:r>
+            <a:r>
+              <a:rPr lang="en-US" altLang="ko-KR" dirty="0"/>
+              <a:t>build </a:t>
+            </a:r>
+            <a:r>
+              <a:rPr lang="ko-KR" altLang="en-US" dirty="0"/>
+              <a:t>해 보겠습니다</a:t>
+            </a:r>
+            <a:r>
+              <a:rPr lang="en-US" altLang="ko-KR" dirty="0"/>
+              <a:t>.</a:t>
+            </a:r>
+          </a:p>
+          <a:p>
+            <a:endParaRPr lang="en-US" altLang="ko-KR" dirty="0"/>
+          </a:p>
+          <a:p>
             <a:endParaRPr lang="en-US" altLang="ko-KR" dirty="0"/>
           </a:p>
         </p:txBody>
@@ -1059,7 +1504,7 @@
     </p:spTree>
     <p:extLst>
       <p:ext uri="{BB962C8B-B14F-4D97-AF65-F5344CB8AC3E}">
-        <p14:creationId xmlns:p14="http://schemas.microsoft.com/office/powerpoint/2010/main" val="99893026"/>
+        <p14:creationId xmlns:p14="http://schemas.microsoft.com/office/powerpoint/2010/main" val="838379081"/>
       </p:ext>
     </p:extLst>
   </p:cSld>
@@ -1143,7 +1588,7 @@
     </p:spTree>
     <p:extLst>
       <p:ext uri="{BB962C8B-B14F-4D97-AF65-F5344CB8AC3E}">
-        <p14:creationId xmlns:p14="http://schemas.microsoft.com/office/powerpoint/2010/main" val="846571155"/>
+        <p14:creationId xmlns:p14="http://schemas.microsoft.com/office/powerpoint/2010/main" val="99893026"/>
       </p:ext>
     </p:extLst>
   </p:cSld>
@@ -1227,7 +1672,7 @@
     </p:spTree>
     <p:extLst>
       <p:ext uri="{BB962C8B-B14F-4D97-AF65-F5344CB8AC3E}">
-        <p14:creationId xmlns:p14="http://schemas.microsoft.com/office/powerpoint/2010/main" val="565294012"/>
+        <p14:creationId xmlns:p14="http://schemas.microsoft.com/office/powerpoint/2010/main" val="846571155"/>
       </p:ext>
     </p:extLst>
   </p:cSld>
@@ -1311,7 +1756,7 @@
     </p:spTree>
     <p:extLst>
       <p:ext uri="{BB962C8B-B14F-4D97-AF65-F5344CB8AC3E}">
-        <p14:creationId xmlns:p14="http://schemas.microsoft.com/office/powerpoint/2010/main" val="2825804840"/>
+        <p14:creationId xmlns:p14="http://schemas.microsoft.com/office/powerpoint/2010/main" val="565294012"/>
       </p:ext>
     </p:extLst>
   </p:cSld>
@@ -1395,7 +1840,7 @@
     </p:spTree>
     <p:extLst>
       <p:ext uri="{BB962C8B-B14F-4D97-AF65-F5344CB8AC3E}">
-        <p14:creationId xmlns:p14="http://schemas.microsoft.com/office/powerpoint/2010/main" val="104125096"/>
+        <p14:creationId xmlns:p14="http://schemas.microsoft.com/office/powerpoint/2010/main" val="2825804840"/>
       </p:ext>
     </p:extLst>
   </p:cSld>
@@ -1479,7 +1924,7 @@
     </p:spTree>
     <p:extLst>
       <p:ext uri="{BB962C8B-B14F-4D97-AF65-F5344CB8AC3E}">
-        <p14:creationId xmlns:p14="http://schemas.microsoft.com/office/powerpoint/2010/main" val="3244399353"/>
+        <p14:creationId xmlns:p14="http://schemas.microsoft.com/office/powerpoint/2010/main" val="104125096"/>
       </p:ext>
     </p:extLst>
   </p:cSld>
@@ -1563,7 +2008,7 @@
     </p:spTree>
     <p:extLst>
       <p:ext uri="{BB962C8B-B14F-4D97-AF65-F5344CB8AC3E}">
-        <p14:creationId xmlns:p14="http://schemas.microsoft.com/office/powerpoint/2010/main" val="229242913"/>
+        <p14:creationId xmlns:p14="http://schemas.microsoft.com/office/powerpoint/2010/main" val="3244399353"/>
       </p:ext>
     </p:extLst>
   </p:cSld>
@@ -1639,11 +2084,19 @@
             </a:r>
             <a:r>
               <a:rPr lang="en-US" altLang="ko-KR" dirty="0"/>
-              <a:t>RPS, Request per seconds </a:t>
-            </a:r>
-            <a:r>
-              <a:rPr lang="ko-KR" altLang="en-US" dirty="0"/>
-              <a:t>로 확인할 예정이고요</a:t>
+              <a:t>RPS, </a:t>
+            </a:r>
+            <a:r>
+              <a:rPr lang="ko-KR" altLang="en-US" dirty="0"/>
+              <a:t>같은 말입니다</a:t>
+            </a:r>
+            <a:r>
+              <a:rPr lang="en-US" altLang="ko-KR" dirty="0"/>
+              <a:t>, Request per seconds </a:t>
+            </a:r>
+            <a:r>
+              <a:rPr lang="ko-KR" altLang="en-US" dirty="0"/>
+              <a:t>지표와 응답시간으로 확인해 볼 예정입니다</a:t>
             </a:r>
             <a:r>
               <a:rPr lang="en-US" altLang="ko-KR" dirty="0"/>
@@ -1654,6 +2107,52 @@
             <a:endParaRPr lang="en-US" altLang="ko-KR" dirty="0"/>
           </a:p>
           <a:p>
+            <a:r>
+              <a:rPr lang="ko-KR" altLang="en-US" dirty="0"/>
+              <a:t>부하테스트 도구는</a:t>
+            </a:r>
+            <a:r>
+              <a:rPr lang="en-US" altLang="ko-KR" dirty="0"/>
+              <a:t>,</a:t>
+            </a:r>
+            <a:r>
+              <a:rPr lang="ko-KR" altLang="en-US" dirty="0"/>
+              <a:t> 서버에 다량의 요청을 보내고</a:t>
+            </a:r>
+            <a:r>
+              <a:rPr lang="en-US" altLang="ko-KR" dirty="0"/>
+              <a:t>,</a:t>
+            </a:r>
+            <a:r>
+              <a:rPr lang="ko-KR" altLang="en-US" dirty="0"/>
+              <a:t> 응답결과를 </a:t>
+            </a:r>
+            <a:r>
+              <a:rPr lang="ko-KR" altLang="en-US" dirty="0" err="1"/>
+              <a:t>수신받아</a:t>
+            </a:r>
+            <a:r>
+              <a:rPr lang="en-US" altLang="ko-KR" dirty="0"/>
+              <a:t>,</a:t>
+            </a:r>
+            <a:r>
+              <a:rPr lang="ko-KR" altLang="en-US" dirty="0"/>
+              <a:t> </a:t>
+            </a:r>
+            <a:r>
+              <a:rPr lang="en-US" altLang="ko-KR" dirty="0"/>
+              <a:t>TPS</a:t>
+            </a:r>
+            <a:r>
+              <a:rPr lang="ko-KR" altLang="en-US" dirty="0"/>
+              <a:t>와 응답시간을 측정해 주는 도구입니다</a:t>
+            </a:r>
+            <a:r>
+              <a:rPr lang="en-US" altLang="ko-KR" dirty="0"/>
+              <a:t>.</a:t>
+            </a:r>
+          </a:p>
+          <a:p>
             <a:endParaRPr lang="en-US" altLang="ko-KR" dirty="0"/>
           </a:p>
           <a:p>
@@ -1667,7 +2166,7 @@
             </a:r>
             <a:r>
               <a:rPr lang="ko-KR" altLang="en-US" dirty="0"/>
-              <a:t>부하 발생기와 측정하고자 하는 서버환경을 분리해야 합니다</a:t>
+              <a:t>부하 발생기와 측정하고자 하는 서버환경을 분리해야 하는데요</a:t>
             </a:r>
             <a:r>
               <a:rPr lang="en-US" altLang="ko-KR" dirty="0"/>
@@ -1700,7 +2199,7 @@
             </a:r>
             <a:r>
               <a:rPr lang="ko-KR" altLang="en-US" dirty="0" err="1"/>
-              <a:t>있어서인데요</a:t>
+              <a:t>있어서입니다</a:t>
             </a:r>
             <a:r>
               <a:rPr lang="en-US" altLang="ko-KR" dirty="0"/>
@@ -1741,7 +2240,7 @@
             </a:r>
             <a:r>
               <a:rPr lang="ko-KR" altLang="en-US" dirty="0"/>
-              <a:t>에서 부하 테스트 도구와 서버를 같이 띄워 테스트 할 예정이고요</a:t>
+              <a:t>에서 부하 테스트 도구와 서버를 같이 띄워 테스트하겠습니다</a:t>
             </a:r>
             <a:r>
               <a:rPr lang="en-US" altLang="ko-KR" dirty="0"/>
@@ -1762,7 +2261,7 @@
             </a:r>
             <a:r>
               <a:rPr lang="ko-KR" altLang="en-US" dirty="0"/>
-              <a:t>부하 테스트 도구는 좀 가벼운 도구를 선택하겠습니다</a:t>
+              <a:t>부하 테스터는 좀 가벼운 걸 선택하려 하는데요</a:t>
             </a:r>
             <a:r>
               <a:rPr lang="en-US" altLang="ko-KR" dirty="0"/>
@@ -1773,45 +2272,9 @@
             <a:endParaRPr lang="en-US" altLang="ko-KR" dirty="0"/>
           </a:p>
           <a:p>
-            <a:endParaRPr lang="en-US" altLang="ko-KR" dirty="0"/>
-          </a:p>
-          <a:p>
-            <a:r>
-              <a:rPr lang="ko-KR" altLang="en-US" dirty="0"/>
-              <a:t>이런 목적으로는 </a:t>
-            </a:r>
-            <a:r>
-              <a:rPr lang="en-US" altLang="ko-KR" dirty="0" err="1"/>
-              <a:t>Jmeter</a:t>
-            </a:r>
-            <a:r>
-              <a:rPr lang="en-US" altLang="ko-KR" dirty="0"/>
-              <a:t> </a:t>
-            </a:r>
-            <a:r>
-              <a:rPr lang="ko-KR" altLang="en-US" dirty="0"/>
-              <a:t>를 </a:t>
-            </a:r>
-            <a:r>
-              <a:rPr lang="ko-KR" altLang="en-US" dirty="0" err="1"/>
-              <a:t>선택하는게</a:t>
-            </a:r>
-            <a:r>
-              <a:rPr lang="ko-KR" altLang="en-US" dirty="0"/>
-              <a:t> 보통인데요</a:t>
-            </a:r>
-            <a:r>
-              <a:rPr lang="en-US" altLang="ko-KR" dirty="0"/>
-              <a:t>.</a:t>
-            </a:r>
-          </a:p>
-          <a:p>
-            <a:endParaRPr lang="en-US" altLang="ko-KR" dirty="0"/>
-          </a:p>
-          <a:p>
-            <a:r>
-              <a:rPr lang="ko-KR" altLang="en-US" dirty="0"/>
-              <a:t>저희는 요즘 많이들 갈아타고 계시는 </a:t>
+            <a:r>
+              <a:rPr lang="ko-KR" altLang="en-US" dirty="0"/>
+              <a:t>저희는 요즘 유행하는 </a:t>
             </a:r>
             <a:r>
               <a:rPr lang="en-US" altLang="ko-KR" dirty="0"/>
@@ -1941,7 +2404,682 @@
     </p:spTree>
     <p:extLst>
       <p:ext uri="{BB962C8B-B14F-4D97-AF65-F5344CB8AC3E}">
-        <p14:creationId xmlns:p14="http://schemas.microsoft.com/office/powerpoint/2010/main" val="1684242866"/>
+        <p14:creationId xmlns:p14="http://schemas.microsoft.com/office/powerpoint/2010/main" val="229242913"/>
+      </p:ext>
+    </p:extLst>
+  </p:cSld>
+  <p:clrMapOvr>
+    <a:masterClrMapping/>
+  </p:clrMapOvr>
+</p:notes>
+</file>
+
+<file path=ppt/notesSlides/notesSlide21.xml><?xml version="1.0" encoding="utf-8"?>
+<p:notes xmlns:a="http://schemas.openxmlformats.org/drawingml/2006/main" xmlns:r="http://schemas.openxmlformats.org/officeDocument/2006/relationships" xmlns:p="http://schemas.openxmlformats.org/presentationml/2006/main">
+  <p:cSld>
+    <p:spTree>
+      <p:nvGrpSpPr>
+        <p:cNvPr id="1" name=""/>
+        <p:cNvGrpSpPr/>
+        <p:nvPr/>
+      </p:nvGrpSpPr>
+      <p:grpSpPr>
+        <a:xfrm>
+          <a:off x="0" y="0"/>
+          <a:ext cx="0" cy="0"/>
+          <a:chOff x="0" y="0"/>
+          <a:chExt cx="0" cy="0"/>
+        </a:xfrm>
+      </p:grpSpPr>
+      <p:sp>
+        <p:nvSpPr>
+          <p:cNvPr id="2" name="슬라이드 이미지 개체 틀 1"/>
+          <p:cNvSpPr>
+            <a:spLocks noGrp="1" noRot="1" noChangeAspect="1"/>
+          </p:cNvSpPr>
+          <p:nvPr>
+            <p:ph type="sldImg"/>
+          </p:nvPr>
+        </p:nvSpPr>
+        <p:spPr/>
+      </p:sp>
+      <p:sp>
+        <p:nvSpPr>
+          <p:cNvPr id="3" name="슬라이드 노트 개체 틀 2"/>
+          <p:cNvSpPr>
+            <a:spLocks noGrp="1"/>
+          </p:cNvSpPr>
+          <p:nvPr>
+            <p:ph type="body" idx="1"/>
+          </p:nvPr>
+        </p:nvSpPr>
+        <p:spPr/>
+        <p:txBody>
+          <a:bodyPr/>
+          <a:lstStyle/>
+          <a:p>
+            <a:endParaRPr lang="en-US" altLang="ko-KR" dirty="0"/>
+          </a:p>
+        </p:txBody>
+      </p:sp>
+      <p:sp>
+        <p:nvSpPr>
+          <p:cNvPr id="4" name="슬라이드 번호 개체 틀 3"/>
+          <p:cNvSpPr>
+            <a:spLocks noGrp="1"/>
+          </p:cNvSpPr>
+          <p:nvPr>
+            <p:ph type="sldNum" sz="quarter" idx="5"/>
+          </p:nvPr>
+        </p:nvSpPr>
+        <p:spPr/>
+        <p:txBody>
+          <a:bodyPr/>
+          <a:lstStyle/>
+          <a:p>
+            <a:fld id="{4F243B46-72FF-4656-838A-691B9EB329E3}" type="slidenum">
+              <a:rPr lang="ko-KR" altLang="en-US" smtClean="0"/>
+              <a:t>21</a:t>
+            </a:fld>
+            <a:endParaRPr lang="ko-KR" altLang="en-US"/>
+          </a:p>
+        </p:txBody>
+      </p:sp>
+    </p:spTree>
+    <p:extLst>
+      <p:ext uri="{BB962C8B-B14F-4D97-AF65-F5344CB8AC3E}">
+        <p14:creationId xmlns:p14="http://schemas.microsoft.com/office/powerpoint/2010/main" val="607013480"/>
+      </p:ext>
+    </p:extLst>
+  </p:cSld>
+  <p:clrMapOvr>
+    <a:masterClrMapping/>
+  </p:clrMapOvr>
+</p:notes>
+</file>
+
+<file path=ppt/notesSlides/notesSlide22.xml><?xml version="1.0" encoding="utf-8"?>
+<p:notes xmlns:a="http://schemas.openxmlformats.org/drawingml/2006/main" xmlns:r="http://schemas.openxmlformats.org/officeDocument/2006/relationships" xmlns:p="http://schemas.openxmlformats.org/presentationml/2006/main">
+  <p:cSld>
+    <p:spTree>
+      <p:nvGrpSpPr>
+        <p:cNvPr id="1" name=""/>
+        <p:cNvGrpSpPr/>
+        <p:nvPr/>
+      </p:nvGrpSpPr>
+      <p:grpSpPr>
+        <a:xfrm>
+          <a:off x="0" y="0"/>
+          <a:ext cx="0" cy="0"/>
+          <a:chOff x="0" y="0"/>
+          <a:chExt cx="0" cy="0"/>
+        </a:xfrm>
+      </p:grpSpPr>
+      <p:sp>
+        <p:nvSpPr>
+          <p:cNvPr id="2" name="슬라이드 이미지 개체 틀 1"/>
+          <p:cNvSpPr>
+            <a:spLocks noGrp="1" noRot="1" noChangeAspect="1"/>
+          </p:cNvSpPr>
+          <p:nvPr>
+            <p:ph type="sldImg"/>
+          </p:nvPr>
+        </p:nvSpPr>
+        <p:spPr/>
+      </p:sp>
+      <p:sp>
+        <p:nvSpPr>
+          <p:cNvPr id="3" name="슬라이드 노트 개체 틀 2"/>
+          <p:cNvSpPr>
+            <a:spLocks noGrp="1"/>
+          </p:cNvSpPr>
+          <p:nvPr>
+            <p:ph type="body" idx="1"/>
+          </p:nvPr>
+        </p:nvSpPr>
+        <p:spPr/>
+        <p:txBody>
+          <a:bodyPr/>
+          <a:lstStyle/>
+          <a:p>
+            <a:pPr marL="0" marR="0" lvl="0" indent="0" algn="l" defTabSz="685800" rtl="0" eaLnBrk="1" fontAlgn="auto" latinLnBrk="1" hangingPunct="1">
+              <a:lnSpc>
+                <a:spcPct val="100000"/>
+              </a:lnSpc>
+              <a:spcBef>
+                <a:spcPts val="0"/>
+              </a:spcBef>
+              <a:spcAft>
+                <a:spcPts val="0"/>
+              </a:spcAft>
+              <a:buClrTx/>
+              <a:buSzTx/>
+              <a:buFontTx/>
+              <a:buNone/>
+              <a:tabLst/>
+              <a:defRPr/>
+            </a:pPr>
+            <a:r>
+              <a:rPr lang="ko-KR" altLang="en-US" dirty="0"/>
+              <a:t>지금까지 테스트 내용 정리하겠습니다</a:t>
+            </a:r>
+            <a:r>
+              <a:rPr lang="en-US" altLang="ko-KR" dirty="0"/>
+              <a:t>.</a:t>
+            </a:r>
+          </a:p>
+          <a:p>
+            <a:pPr marL="0" marR="0" lvl="0" indent="0" algn="l" defTabSz="685800" rtl="0" eaLnBrk="1" fontAlgn="auto" latinLnBrk="1" hangingPunct="1">
+              <a:lnSpc>
+                <a:spcPct val="100000"/>
+              </a:lnSpc>
+              <a:spcBef>
+                <a:spcPts val="0"/>
+              </a:spcBef>
+              <a:spcAft>
+                <a:spcPts val="0"/>
+              </a:spcAft>
+              <a:buClrTx/>
+              <a:buSzTx/>
+              <a:buFontTx/>
+              <a:buNone/>
+              <a:tabLst/>
+              <a:defRPr/>
+            </a:pPr>
+            <a:endParaRPr lang="en-US" altLang="ko-KR" dirty="0"/>
+          </a:p>
+          <a:p>
+            <a:pPr marL="0" marR="0" lvl="0" indent="0" algn="l" defTabSz="685800" rtl="0" eaLnBrk="1" fontAlgn="auto" latinLnBrk="1" hangingPunct="1">
+              <a:lnSpc>
+                <a:spcPct val="100000"/>
+              </a:lnSpc>
+              <a:spcBef>
+                <a:spcPts val="0"/>
+              </a:spcBef>
+              <a:spcAft>
+                <a:spcPts val="0"/>
+              </a:spcAft>
+              <a:buClrTx/>
+              <a:buSzTx/>
+              <a:buFontTx/>
+              <a:buNone/>
+              <a:tabLst/>
+              <a:defRPr/>
+            </a:pPr>
+            <a:r>
+              <a:rPr lang="en-US" altLang="ko-KR" dirty="0" err="1"/>
+              <a:t>Webflux</a:t>
+            </a:r>
+            <a:r>
+              <a:rPr lang="en-US" altLang="ko-KR" dirty="0"/>
+              <a:t> </a:t>
+            </a:r>
+            <a:r>
+              <a:rPr lang="ko-KR" altLang="en-US" dirty="0"/>
+              <a:t>는 적은 리소스로 많은 트래픽을 감당하는 개념입니다</a:t>
+            </a:r>
+            <a:r>
+              <a:rPr lang="en-US" altLang="ko-KR" dirty="0"/>
+              <a:t>.</a:t>
+            </a:r>
+          </a:p>
+          <a:p>
+            <a:pPr marL="0" marR="0" lvl="0" indent="0" algn="l" defTabSz="685800" rtl="0" eaLnBrk="1" fontAlgn="auto" latinLnBrk="1" hangingPunct="1">
+              <a:lnSpc>
+                <a:spcPct val="100000"/>
+              </a:lnSpc>
+              <a:spcBef>
+                <a:spcPts val="0"/>
+              </a:spcBef>
+              <a:spcAft>
+                <a:spcPts val="0"/>
+              </a:spcAft>
+              <a:buClrTx/>
+              <a:buSzTx/>
+              <a:buFontTx/>
+              <a:buNone/>
+              <a:tabLst/>
+              <a:defRPr/>
+            </a:pPr>
+            <a:endParaRPr lang="en-US" altLang="ko-KR" dirty="0"/>
+          </a:p>
+          <a:p>
+            <a:pPr marL="0" marR="0" lvl="0" indent="0" algn="l" defTabSz="685800" rtl="0" eaLnBrk="1" fontAlgn="auto" latinLnBrk="1" hangingPunct="1">
+              <a:lnSpc>
+                <a:spcPct val="100000"/>
+              </a:lnSpc>
+              <a:spcBef>
+                <a:spcPts val="0"/>
+              </a:spcBef>
+              <a:spcAft>
+                <a:spcPts val="0"/>
+              </a:spcAft>
+              <a:buClrTx/>
+              <a:buSzTx/>
+              <a:buFontTx/>
+              <a:buNone/>
+              <a:tabLst/>
+              <a:defRPr/>
+            </a:pPr>
+            <a:r>
+              <a:rPr lang="ko-KR" altLang="en-US" dirty="0"/>
+              <a:t>무조건 </a:t>
+            </a:r>
+            <a:r>
+              <a:rPr lang="en-US" altLang="ko-KR" dirty="0"/>
+              <a:t>MVC </a:t>
+            </a:r>
+            <a:r>
+              <a:rPr lang="ko-KR" altLang="en-US" dirty="0"/>
+              <a:t>보다 빠르게 동작하는 것은 아니며</a:t>
+            </a:r>
+            <a:endParaRPr lang="en-US" altLang="ko-KR" dirty="0"/>
+          </a:p>
+          <a:p>
+            <a:pPr marL="0" marR="0" lvl="0" indent="0" algn="l" defTabSz="685800" rtl="0" eaLnBrk="1" fontAlgn="auto" latinLnBrk="1" hangingPunct="1">
+              <a:lnSpc>
+                <a:spcPct val="100000"/>
+              </a:lnSpc>
+              <a:spcBef>
+                <a:spcPts val="0"/>
+              </a:spcBef>
+              <a:spcAft>
+                <a:spcPts val="0"/>
+              </a:spcAft>
+              <a:buClrTx/>
+              <a:buSzTx/>
+              <a:buFontTx/>
+              <a:buNone/>
+              <a:tabLst/>
+              <a:defRPr/>
+            </a:pPr>
+            <a:endParaRPr lang="en-US" altLang="ko-KR" dirty="0"/>
+          </a:p>
+          <a:p>
+            <a:pPr marL="0" marR="0" lvl="0" indent="0" algn="l" defTabSz="685800" rtl="0" eaLnBrk="1" fontAlgn="auto" latinLnBrk="1" hangingPunct="1">
+              <a:lnSpc>
+                <a:spcPct val="100000"/>
+              </a:lnSpc>
+              <a:spcBef>
+                <a:spcPts val="0"/>
+              </a:spcBef>
+              <a:spcAft>
+                <a:spcPts val="0"/>
+              </a:spcAft>
+              <a:buClrTx/>
+              <a:buSzTx/>
+              <a:buFontTx/>
+              <a:buNone/>
+              <a:tabLst/>
+              <a:defRPr/>
+            </a:pPr>
+            <a:r>
+              <a:rPr lang="ko-KR" altLang="en-US" dirty="0"/>
+              <a:t>고속의 </a:t>
+            </a:r>
+            <a:r>
+              <a:rPr lang="en-US" altLang="ko-KR" dirty="0"/>
+              <a:t>I/O multiplexing </a:t>
+            </a:r>
+            <a:r>
+              <a:rPr lang="ko-KR" altLang="en-US" dirty="0"/>
+              <a:t>처리를 지원하는 </a:t>
+            </a:r>
+            <a:r>
+              <a:rPr lang="en-US" altLang="ko-KR" dirty="0" err="1"/>
+              <a:t>Netty</a:t>
+            </a:r>
+            <a:r>
+              <a:rPr lang="en-US" altLang="ko-KR" dirty="0"/>
+              <a:t> </a:t>
+            </a:r>
+            <a:r>
+              <a:rPr lang="ko-KR" altLang="en-US" dirty="0"/>
+              <a:t>기반 위에</a:t>
+            </a:r>
+            <a:endParaRPr lang="en-US" altLang="ko-KR" dirty="0"/>
+          </a:p>
+          <a:p>
+            <a:pPr marL="0" marR="0" lvl="0" indent="0" algn="l" defTabSz="685800" rtl="0" eaLnBrk="1" fontAlgn="auto" latinLnBrk="1" hangingPunct="1">
+              <a:lnSpc>
+                <a:spcPct val="100000"/>
+              </a:lnSpc>
+              <a:spcBef>
+                <a:spcPts val="0"/>
+              </a:spcBef>
+              <a:spcAft>
+                <a:spcPts val="0"/>
+              </a:spcAft>
+              <a:buClrTx/>
+              <a:buSzTx/>
+              <a:buFontTx/>
+              <a:buNone/>
+              <a:tabLst/>
+              <a:defRPr/>
+            </a:pPr>
+            <a:endParaRPr lang="en-US" altLang="ko-KR" dirty="0"/>
+          </a:p>
+          <a:p>
+            <a:pPr marL="0" marR="0" lvl="0" indent="0" algn="l" defTabSz="685800" rtl="0" eaLnBrk="1" fontAlgn="auto" latinLnBrk="1" hangingPunct="1">
+              <a:lnSpc>
+                <a:spcPct val="100000"/>
+              </a:lnSpc>
+              <a:spcBef>
+                <a:spcPts val="0"/>
+              </a:spcBef>
+              <a:spcAft>
+                <a:spcPts val="0"/>
+              </a:spcAft>
+              <a:buClrTx/>
+              <a:buSzTx/>
+              <a:buFontTx/>
+              <a:buNone/>
+              <a:tabLst/>
+              <a:defRPr/>
+            </a:pPr>
+            <a:r>
+              <a:rPr lang="en-US" altLang="ko-KR" dirty="0"/>
+              <a:t>Reactor</a:t>
+            </a:r>
+            <a:r>
+              <a:rPr lang="ko-KR" altLang="en-US" dirty="0"/>
+              <a:t>나 </a:t>
+            </a:r>
+            <a:r>
+              <a:rPr lang="en-US" altLang="ko-KR" dirty="0"/>
+              <a:t>Coroutine </a:t>
+            </a:r>
+            <a:r>
+              <a:rPr lang="ko-KR" altLang="en-US" dirty="0"/>
+              <a:t>등으로 </a:t>
+            </a:r>
+            <a:r>
+              <a:rPr lang="en-US" altLang="ko-KR" dirty="0"/>
+              <a:t>Async </a:t>
+            </a:r>
+            <a:r>
+              <a:rPr lang="ko-KR" altLang="en-US" dirty="0"/>
+              <a:t>호출이 가능해야 하며</a:t>
+            </a:r>
+            <a:endParaRPr lang="en-US" altLang="ko-KR" dirty="0"/>
+          </a:p>
+          <a:p>
+            <a:pPr marL="0" marR="0" lvl="0" indent="0" algn="l" defTabSz="685800" rtl="0" eaLnBrk="1" fontAlgn="auto" latinLnBrk="1" hangingPunct="1">
+              <a:lnSpc>
+                <a:spcPct val="100000"/>
+              </a:lnSpc>
+              <a:spcBef>
+                <a:spcPts val="0"/>
+              </a:spcBef>
+              <a:spcAft>
+                <a:spcPts val="0"/>
+              </a:spcAft>
+              <a:buClrTx/>
+              <a:buSzTx/>
+              <a:buFontTx/>
+              <a:buNone/>
+              <a:tabLst/>
+              <a:defRPr/>
+            </a:pPr>
+            <a:endParaRPr lang="en-US" altLang="ko-KR" dirty="0"/>
+          </a:p>
+          <a:p>
+            <a:pPr marL="0" marR="0" lvl="0" indent="0" algn="l" defTabSz="685800" rtl="0" eaLnBrk="1" fontAlgn="auto" latinLnBrk="1" hangingPunct="1">
+              <a:lnSpc>
+                <a:spcPct val="100000"/>
+              </a:lnSpc>
+              <a:spcBef>
+                <a:spcPts val="0"/>
+              </a:spcBef>
+              <a:spcAft>
+                <a:spcPts val="0"/>
+              </a:spcAft>
+              <a:buClrTx/>
+              <a:buSzTx/>
+              <a:buFontTx/>
+              <a:buNone/>
+              <a:tabLst/>
+              <a:defRPr/>
+            </a:pPr>
+            <a:r>
+              <a:rPr lang="ko-KR" altLang="en-US" dirty="0"/>
+              <a:t>외부 호출은 반드시 </a:t>
+            </a:r>
+            <a:r>
+              <a:rPr lang="en-US" altLang="ko-KR" dirty="0"/>
+              <a:t>Non Block IO </a:t>
+            </a:r>
+            <a:r>
+              <a:rPr lang="ko-KR" altLang="en-US" dirty="0"/>
+              <a:t>처리가 </a:t>
+            </a:r>
+            <a:r>
+              <a:rPr lang="ko-KR" altLang="en-US" dirty="0" err="1"/>
+              <a:t>지원되어야만</a:t>
+            </a:r>
+            <a:r>
+              <a:rPr lang="ko-KR" altLang="en-US" dirty="0"/>
+              <a:t> 합니다</a:t>
+            </a:r>
+            <a:r>
+              <a:rPr lang="en-US" altLang="ko-KR" dirty="0"/>
+              <a:t>.</a:t>
+            </a:r>
+          </a:p>
+          <a:p>
+            <a:pPr marL="0" marR="0" lvl="0" indent="0" algn="l" defTabSz="685800" rtl="0" eaLnBrk="1" fontAlgn="auto" latinLnBrk="1" hangingPunct="1">
+              <a:lnSpc>
+                <a:spcPct val="100000"/>
+              </a:lnSpc>
+              <a:spcBef>
+                <a:spcPts val="0"/>
+              </a:spcBef>
+              <a:spcAft>
+                <a:spcPts val="0"/>
+              </a:spcAft>
+              <a:buClrTx/>
+              <a:buSzTx/>
+              <a:buFontTx/>
+              <a:buNone/>
+              <a:tabLst/>
+              <a:defRPr/>
+            </a:pPr>
+            <a:endParaRPr lang="en-US" altLang="ko-KR" dirty="0"/>
+          </a:p>
+          <a:p>
+            <a:pPr marL="0" marR="0" lvl="0" indent="0" algn="l" defTabSz="685800" rtl="0" eaLnBrk="1" fontAlgn="auto" latinLnBrk="1" hangingPunct="1">
+              <a:lnSpc>
+                <a:spcPct val="100000"/>
+              </a:lnSpc>
+              <a:spcBef>
+                <a:spcPts val="0"/>
+              </a:spcBef>
+              <a:spcAft>
+                <a:spcPts val="0"/>
+              </a:spcAft>
+              <a:buClrTx/>
+              <a:buSzTx/>
+              <a:buFontTx/>
+              <a:buNone/>
+              <a:tabLst/>
+              <a:defRPr/>
+            </a:pPr>
+            <a:r>
+              <a:rPr lang="ko-KR" altLang="en-US" dirty="0"/>
+              <a:t>이 세가지 요소가 모두 원활하게 처리될 때</a:t>
+            </a:r>
+            <a:r>
+              <a:rPr lang="en-US" altLang="ko-KR" dirty="0"/>
+              <a:t>, </a:t>
+            </a:r>
+            <a:r>
+              <a:rPr lang="ko-KR" altLang="en-US" dirty="0"/>
+              <a:t>비로서 엄청난 퍼포먼스가 발현됩니다</a:t>
+            </a:r>
+            <a:r>
+              <a:rPr lang="en-US" altLang="ko-KR" dirty="0"/>
+              <a:t>.</a:t>
+            </a:r>
+          </a:p>
+          <a:p>
+            <a:pPr marL="0" marR="0" lvl="0" indent="0" algn="l" defTabSz="685800" rtl="0" eaLnBrk="1" fontAlgn="auto" latinLnBrk="1" hangingPunct="1">
+              <a:lnSpc>
+                <a:spcPct val="100000"/>
+              </a:lnSpc>
+              <a:spcBef>
+                <a:spcPts val="0"/>
+              </a:spcBef>
+              <a:spcAft>
+                <a:spcPts val="0"/>
+              </a:spcAft>
+              <a:buClrTx/>
+              <a:buSzTx/>
+              <a:buFontTx/>
+              <a:buNone/>
+              <a:tabLst/>
+              <a:defRPr/>
+            </a:pPr>
+            <a:endParaRPr lang="en-US" altLang="ko-KR" dirty="0"/>
+          </a:p>
+          <a:p>
+            <a:pPr marL="0" marR="0" lvl="0" indent="0" algn="l" defTabSz="685800" rtl="0" eaLnBrk="1" fontAlgn="auto" latinLnBrk="1" hangingPunct="1">
+              <a:lnSpc>
+                <a:spcPct val="100000"/>
+              </a:lnSpc>
+              <a:spcBef>
+                <a:spcPts val="0"/>
+              </a:spcBef>
+              <a:spcAft>
+                <a:spcPts val="0"/>
+              </a:spcAft>
+              <a:buClrTx/>
+              <a:buSzTx/>
+              <a:buFontTx/>
+              <a:buNone/>
+              <a:tabLst/>
+              <a:defRPr/>
+            </a:pPr>
+            <a:r>
+              <a:rPr lang="ko-KR" altLang="en-US" dirty="0"/>
+              <a:t>이 중 어느 하나라도 제 역할을 하지 못하는 경우</a:t>
+            </a:r>
+            <a:r>
+              <a:rPr lang="en-US" altLang="ko-KR" dirty="0"/>
+              <a:t>, </a:t>
+            </a:r>
+            <a:r>
+              <a:rPr lang="en-US" altLang="ko-KR" dirty="0" err="1"/>
+              <a:t>Webflux</a:t>
+            </a:r>
+            <a:r>
+              <a:rPr lang="en-US" altLang="ko-KR" dirty="0"/>
+              <a:t> </a:t>
+            </a:r>
+            <a:r>
+              <a:rPr lang="ko-KR" altLang="en-US" dirty="0"/>
+              <a:t>퍼포먼스는 </a:t>
+            </a:r>
+            <a:r>
+              <a:rPr lang="en-US" altLang="ko-KR" dirty="0"/>
+              <a:t>MVC </a:t>
+            </a:r>
+            <a:r>
+              <a:rPr lang="ko-KR" altLang="en-US" dirty="0"/>
+              <a:t>와 비슷한 수준으로 떨어집니다</a:t>
+            </a:r>
+            <a:r>
+              <a:rPr lang="en-US" altLang="ko-KR" dirty="0"/>
+              <a:t>.</a:t>
+            </a:r>
+          </a:p>
+          <a:p>
+            <a:pPr marL="0" marR="0" lvl="0" indent="0" algn="l" defTabSz="685800" rtl="0" eaLnBrk="1" fontAlgn="auto" latinLnBrk="1" hangingPunct="1">
+              <a:lnSpc>
+                <a:spcPct val="100000"/>
+              </a:lnSpc>
+              <a:spcBef>
+                <a:spcPts val="0"/>
+              </a:spcBef>
+              <a:spcAft>
+                <a:spcPts val="0"/>
+              </a:spcAft>
+              <a:buClrTx/>
+              <a:buSzTx/>
+              <a:buFontTx/>
+              <a:buNone/>
+              <a:tabLst/>
+              <a:defRPr/>
+            </a:pPr>
+            <a:endParaRPr lang="en-US" altLang="ko-KR" dirty="0"/>
+          </a:p>
+          <a:p>
+            <a:pPr marL="0" marR="0" lvl="0" indent="0" algn="l" defTabSz="685800" rtl="0" eaLnBrk="1" fontAlgn="auto" latinLnBrk="1" hangingPunct="1">
+              <a:lnSpc>
+                <a:spcPct val="100000"/>
+              </a:lnSpc>
+              <a:spcBef>
+                <a:spcPts val="0"/>
+              </a:spcBef>
+              <a:spcAft>
+                <a:spcPts val="0"/>
+              </a:spcAft>
+              <a:buClrTx/>
+              <a:buSzTx/>
+              <a:buFontTx/>
+              <a:buNone/>
+              <a:tabLst/>
+              <a:defRPr/>
+            </a:pPr>
+            <a:r>
+              <a:rPr lang="ko-KR" altLang="en-US" dirty="0"/>
+              <a:t>이상으로 이번 챕터 마무리 하겠습니다</a:t>
+            </a:r>
+            <a:r>
+              <a:rPr lang="en-US" altLang="ko-KR" dirty="0"/>
+              <a:t>. </a:t>
+            </a:r>
+            <a:r>
+              <a:rPr lang="ko-KR" altLang="en-US" dirty="0" err="1"/>
+              <a:t>들어주셔서</a:t>
+            </a:r>
+            <a:r>
+              <a:rPr lang="ko-KR" altLang="en-US"/>
+              <a:t> 감사합니다</a:t>
+            </a:r>
+            <a:r>
+              <a:rPr lang="en-US" altLang="ko-KR" dirty="0"/>
+              <a:t>.</a:t>
+            </a:r>
+          </a:p>
+        </p:txBody>
+      </p:sp>
+      <p:sp>
+        <p:nvSpPr>
+          <p:cNvPr id="4" name="슬라이드 번호 개체 틀 3"/>
+          <p:cNvSpPr>
+            <a:spLocks noGrp="1"/>
+          </p:cNvSpPr>
+          <p:nvPr>
+            <p:ph type="sldNum" sz="quarter" idx="5"/>
+          </p:nvPr>
+        </p:nvSpPr>
+        <p:spPr/>
+        <p:txBody>
+          <a:bodyPr/>
+          <a:lstStyle/>
+          <a:p>
+            <a:fld id="{4F243B46-72FF-4656-838A-691B9EB329E3}" type="slidenum">
+              <a:rPr lang="ko-KR" altLang="en-US" smtClean="0"/>
+              <a:t>22</a:t>
+            </a:fld>
+            <a:endParaRPr lang="ko-KR" altLang="en-US"/>
+          </a:p>
+        </p:txBody>
+      </p:sp>
+    </p:spTree>
+    <p:extLst>
+      <p:ext uri="{BB962C8B-B14F-4D97-AF65-F5344CB8AC3E}">
+        <p14:creationId xmlns:p14="http://schemas.microsoft.com/office/powerpoint/2010/main" val="3373906553"/>
       </p:ext>
     </p:extLst>
   </p:cSld>
@@ -2267,15 +3405,65 @@
             </a:r>
             <a:r>
               <a:rPr lang="en-US" altLang="ko-KR" dirty="0"/>
-              <a:t>, python </a:t>
-            </a:r>
-            <a:r>
-              <a:rPr lang="ko-KR" altLang="en-US" dirty="0"/>
-              <a:t>기반이라는 말에 잠깐 멈칫 하신 분도 </a:t>
-            </a:r>
+              <a:t>, python… </a:t>
+            </a:r>
+            <a:r>
+              <a:rPr lang="ko-KR" altLang="en-US" dirty="0"/>
+              <a:t>기반이라는 말에 잠깐 멈칫 하게 되는데요</a:t>
+            </a:r>
+            <a:r>
+              <a:rPr lang="en-US" altLang="ko-KR" dirty="0"/>
+              <a:t>.</a:t>
+            </a:r>
+          </a:p>
+          <a:p>
+            <a:endParaRPr lang="en-US" altLang="ko-KR" dirty="0"/>
+          </a:p>
+          <a:p>
             <a:r>
               <a:rPr lang="ko-KR" altLang="en-US" dirty="0" err="1"/>
-              <a:t>계실겁니다</a:t>
+              <a:t>부하테스터는</a:t>
+            </a:r>
+            <a:r>
+              <a:rPr lang="ko-KR" altLang="en-US" dirty="0"/>
+              <a:t> 다량의 부하를 발생시켜야 하기 때문에 속도도 빨라야 하고 병렬처리도 가능해야 합니다</a:t>
+            </a:r>
+            <a:r>
+              <a:rPr lang="en-US" altLang="ko-KR" dirty="0"/>
+              <a:t>.</a:t>
+            </a:r>
+          </a:p>
+          <a:p>
+            <a:endParaRPr lang="en-US" altLang="ko-KR" dirty="0"/>
+          </a:p>
+          <a:p>
+            <a:r>
+              <a:rPr lang="ko-KR" altLang="en-US" dirty="0"/>
+              <a:t>그런데 </a:t>
+            </a:r>
+            <a:r>
+              <a:rPr lang="en-US" altLang="ko-KR" dirty="0"/>
+              <a:t>Python</a:t>
+            </a:r>
+            <a:r>
+              <a:rPr lang="ko-KR" altLang="en-US" dirty="0"/>
+              <a:t>은</a:t>
+            </a:r>
+            <a:r>
+              <a:rPr lang="en-US" altLang="ko-KR" dirty="0"/>
+              <a:t>… </a:t>
+            </a:r>
+            <a:r>
+              <a:rPr lang="ko-KR" altLang="en-US" dirty="0"/>
+              <a:t>이런 처리를 하기에는 느릴 뿐더러</a:t>
+            </a:r>
+            <a:r>
+              <a:rPr lang="en-US" altLang="ko-KR" dirty="0"/>
+              <a:t>, </a:t>
+            </a:r>
+            <a:r>
+              <a:rPr lang="ko-KR" altLang="en-US" dirty="0"/>
+              <a:t>병렬 처리도 어렵거든요</a:t>
             </a:r>
             <a:r>
               <a:rPr lang="en-US" altLang="ko-KR" dirty="0"/>
@@ -2411,7 +3599,7 @@
             </a:r>
             <a:r>
               <a:rPr lang="ko-KR" altLang="en-US" dirty="0"/>
-              <a:t>변수의 참조를 갱신하기 위해 </a:t>
+              <a:t>이런 참조 갱신에 </a:t>
             </a:r>
             <a:r>
               <a:rPr lang="en-US" altLang="ko-KR" dirty="0"/>
@@ -2419,15 +3607,15 @@
             </a:r>
             <a:r>
               <a:rPr lang="ko-KR" altLang="en-US" dirty="0"/>
-              <a:t>을 걸어줘야 하기 때문에</a:t>
-            </a:r>
-            <a:r>
-              <a:rPr lang="en-US" altLang="ko-KR" dirty="0"/>
-              <a:t>, </a:t>
-            </a:r>
-            <a:r>
-              <a:rPr lang="ko-KR" altLang="en-US" dirty="0"/>
-              <a:t>안 그래도 느린 </a:t>
+              <a:t>이 걸려야만 합니다</a:t>
+            </a:r>
+            <a:r>
+              <a:rPr lang="en-US" altLang="ko-KR" dirty="0"/>
+              <a:t>. </a:t>
+            </a:r>
+            <a:r>
+              <a:rPr lang="ko-KR" altLang="en-US" dirty="0"/>
+              <a:t>이러면 안 그래도 느린 </a:t>
             </a:r>
             <a:r>
               <a:rPr lang="en-US" altLang="ko-KR" dirty="0"/>
@@ -2435,7 +3623,11 @@
             </a:r>
             <a:r>
               <a:rPr lang="ko-KR" altLang="en-US" dirty="0"/>
-              <a:t>이 더 느리게 동작하게 되거든요</a:t>
+              <a:t>이 더 느려지게 </a:t>
+            </a:r>
+            <a:r>
+              <a:rPr lang="ko-KR" altLang="en-US" dirty="0" err="1"/>
+              <a:t>돼서요</a:t>
             </a:r>
             <a:r>
               <a:rPr lang="en-US" altLang="ko-KR" dirty="0"/>
@@ -2489,30 +3681,6 @@
             <a:r>
               <a:rPr lang="ko-KR" altLang="en-US" dirty="0"/>
               <a:t>하지만</a:t>
-            </a:r>
-            <a:r>
-              <a:rPr lang="en-US" altLang="ko-KR" dirty="0"/>
-              <a:t>, </a:t>
-            </a:r>
-            <a:r>
-              <a:rPr lang="ko-KR" altLang="en-US" dirty="0"/>
-              <a:t>부하 테스터는 동시에 여러 요청을 대상 서버로 날라야 하기 때문에 반드시 병렬 처리가 되어야 합니다</a:t>
-            </a:r>
-            <a:r>
-              <a:rPr lang="en-US" altLang="ko-KR" dirty="0"/>
-              <a:t>….</a:t>
-            </a:r>
-          </a:p>
-          <a:p>
-            <a:endParaRPr lang="en-US" altLang="ko-KR" dirty="0"/>
-          </a:p>
-          <a:p>
-            <a:endParaRPr lang="en-US" altLang="ko-KR" dirty="0"/>
-          </a:p>
-          <a:p>
-            <a:r>
-              <a:rPr lang="ko-KR" altLang="en-US" dirty="0"/>
-              <a:t>이런 모순을 해결하기 위해</a:t>
             </a:r>
             <a:r>
               <a:rPr lang="en-US" altLang="ko-KR" dirty="0"/>
@@ -2552,15 +3720,12 @@
             </a:r>
             <a:r>
               <a:rPr lang="ko-KR" altLang="en-US" dirty="0"/>
-              <a:t>라이브러리 기반으로 동작합니다</a:t>
+              <a:t>라이브러리를 이용해 이런 단점을 극복하고 있습니다</a:t>
             </a:r>
             <a:r>
               <a:rPr lang="en-US" altLang="ko-KR" dirty="0"/>
               <a:t>.</a:t>
             </a:r>
-          </a:p>
-          <a:p>
-            <a:endParaRPr lang="en-US" altLang="ko-KR" dirty="0"/>
           </a:p>
           <a:p>
             <a:endParaRPr lang="en-US" altLang="ko-KR" dirty="0"/>
@@ -4880,14 +6045,14 @@
             <a:pPr lvl="2"/>
             <a:r>
               <a:rPr lang="en-US" altLang="ko-KR" dirty="0"/>
-              <a:t>users : 10000</a:t>
+              <a:t>users : 1000</a:t>
             </a:r>
           </a:p>
           <a:p>
             <a:pPr lvl="2"/>
             <a:r>
               <a:rPr lang="en-US" altLang="ko-KR" dirty="0"/>
-              <a:t>spawn rate : 400 users / sec</a:t>
+              <a:t>spawn rate : 40 users / sec</a:t>
             </a:r>
           </a:p>
           <a:p>
@@ -5293,10 +6458,10 @@
       </p:sp>
       <p:pic>
         <p:nvPicPr>
-          <p:cNvPr id="9" name="그림 8">
+          <p:cNvPr id="4" name="그림 3">
             <a:extLst>
               <a:ext uri="{FF2B5EF4-FFF2-40B4-BE49-F238E27FC236}">
-                <a16:creationId xmlns:a16="http://schemas.microsoft.com/office/drawing/2014/main" id="{506A8BB2-76D4-5E37-E5BA-79DC42E9E2DE}"/>
+                <a16:creationId xmlns:a16="http://schemas.microsoft.com/office/drawing/2014/main" id="{BCE491D3-F27E-0FB4-F91C-7904A0F69010}"/>
               </a:ext>
             </a:extLst>
           </p:cNvPr>
@@ -5313,8 +6478,8 @@
         </p:blipFill>
         <p:spPr>
           <a:xfrm>
-            <a:off x="723103" y="1189422"/>
-            <a:ext cx="6231060" cy="3885066"/>
+            <a:off x="992042" y="1118447"/>
+            <a:ext cx="6455579" cy="4025053"/>
           </a:xfrm>
           <a:prstGeom prst="rect">
             <a:avLst/>
@@ -5500,7 +6665,7 @@
           <a:p>
             <a:r>
               <a:rPr lang="ko-KR" altLang="en-US" dirty="0"/>
-              <a:t>시나리오</a:t>
+              <a:t>가설</a:t>
             </a:r>
           </a:p>
         </p:txBody>
@@ -5532,77 +6697,40 @@
               <a:buNone/>
             </a:pPr>
             <a:r>
-              <a:rPr lang="ko-KR" altLang="en-US" dirty="0"/>
-              <a:t>시나리오</a:t>
-            </a:r>
-            <a:endParaRPr lang="en-US" altLang="ko-KR" dirty="0"/>
-          </a:p>
-          <a:p>
-            <a:pPr lvl="1"/>
-            <a:r>
-              <a:rPr lang="ko-KR" altLang="en-US" dirty="0"/>
-              <a:t>단건조회</a:t>
-            </a:r>
-            <a:endParaRPr lang="en-US" altLang="ko-KR" dirty="0"/>
-          </a:p>
-          <a:p>
-            <a:pPr lvl="2"/>
-            <a:r>
-              <a:rPr lang="en-US" altLang="ko-KR" dirty="0"/>
-              <a:t>/article/</a:t>
-            </a:r>
-            <a:r>
-              <a:rPr lang="en-US" altLang="ko-KR" dirty="0">
-                <a:solidFill>
-                  <a:srgbClr val="FF0000"/>
-                </a:solidFill>
-              </a:rPr>
-              <a:t>{</a:t>
-            </a:r>
-            <a:r>
-              <a:rPr lang="en-US" altLang="ko-KR" dirty="0" err="1">
-                <a:solidFill>
-                  <a:srgbClr val="FF0000"/>
-                </a:solidFill>
-              </a:rPr>
-              <a:t>articleId</a:t>
-            </a:r>
-            <a:r>
-              <a:rPr lang="en-US" altLang="ko-KR" dirty="0">
-                <a:solidFill>
-                  <a:srgbClr val="FF0000"/>
-                </a:solidFill>
-              </a:rPr>
-              <a:t>}</a:t>
-            </a:r>
-          </a:p>
-          <a:p>
-            <a:pPr lvl="1"/>
-            <a:r>
-              <a:rPr lang="ko-KR" altLang="en-US" dirty="0"/>
-              <a:t>테스트 조건</a:t>
-            </a:r>
-            <a:endParaRPr lang="en-US" altLang="ko-KR" dirty="0"/>
-          </a:p>
-          <a:p>
-            <a:pPr lvl="2"/>
-            <a:r>
-              <a:rPr lang="en-US" altLang="ko-KR" dirty="0"/>
-              <a:t>users : 200 users</a:t>
-            </a:r>
-          </a:p>
-          <a:p>
-            <a:pPr lvl="2"/>
-            <a:r>
-              <a:rPr lang="en-US" altLang="ko-KR" dirty="0"/>
-              <a:t>spawn rate : 5 users / sec</a:t>
-            </a:r>
-          </a:p>
-          <a:p>
-            <a:pPr lvl="2"/>
-            <a:r>
-              <a:rPr lang="en-US" altLang="ko-KR" dirty="0"/>
-              <a:t>run time : 1m</a:t>
+              <a:rPr lang="en-US" altLang="ko-KR" b="1" dirty="0">
+                <a:solidFill>
+                  <a:srgbClr val="0070C0"/>
+                </a:solidFill>
+              </a:rPr>
+              <a:t>RDB </a:t>
+            </a:r>
+            <a:r>
+              <a:rPr lang="ko-KR" altLang="en-US" dirty="0" err="1"/>
+              <a:t>호출시</a:t>
+            </a:r>
+            <a:r>
+              <a:rPr lang="ko-KR" altLang="en-US" dirty="0"/>
+              <a:t> </a:t>
+            </a:r>
+            <a:r>
+              <a:rPr lang="en-US" altLang="ko-KR" dirty="0" err="1"/>
+              <a:t>Webflux</a:t>
+            </a:r>
+            <a:r>
+              <a:rPr lang="ko-KR" altLang="en-US" dirty="0"/>
+              <a:t>와 </a:t>
+            </a:r>
+            <a:r>
+              <a:rPr lang="en-US" altLang="ko-KR" dirty="0"/>
+              <a:t>MVC</a:t>
+            </a:r>
+            <a:r>
+              <a:rPr lang="ko-KR" altLang="en-US" dirty="0"/>
+              <a:t>간 성능은 비슷하다</a:t>
+            </a:r>
+            <a:r>
+              <a:rPr lang="en-US" altLang="ko-KR" dirty="0"/>
+              <a:t> ??</a:t>
             </a:r>
           </a:p>
         </p:txBody>
@@ -5774,10 +6902,212 @@
           </a:p>
         </p:txBody>
       </p:sp>
+      <p:pic>
+        <p:nvPicPr>
+          <p:cNvPr id="6" name="그림 5">
+            <a:extLst>
+              <a:ext uri="{FF2B5EF4-FFF2-40B4-BE49-F238E27FC236}">
+                <a16:creationId xmlns:a16="http://schemas.microsoft.com/office/drawing/2014/main" id="{07C19E9E-E981-41BF-929F-F309498CB657}"/>
+              </a:ext>
+            </a:extLst>
+          </p:cNvPr>
+          <p:cNvPicPr>
+            <a:picLocks noChangeAspect="1"/>
+          </p:cNvPicPr>
+          <p:nvPr/>
+        </p:nvPicPr>
+        <p:blipFill rotWithShape="1">
+          <a:blip r:embed="rId3"/>
+          <a:srcRect b="33070"/>
+          <a:stretch/>
+        </p:blipFill>
+        <p:spPr>
+          <a:xfrm>
+            <a:off x="819673" y="3441764"/>
+            <a:ext cx="3752327" cy="1565873"/>
+          </a:xfrm>
+          <a:prstGeom prst="rect">
+            <a:avLst/>
+          </a:prstGeom>
+        </p:spPr>
+      </p:pic>
+      <p:pic>
+        <p:nvPicPr>
+          <p:cNvPr id="7" name="그림 6">
+            <a:extLst>
+              <a:ext uri="{FF2B5EF4-FFF2-40B4-BE49-F238E27FC236}">
+                <a16:creationId xmlns:a16="http://schemas.microsoft.com/office/drawing/2014/main" id="{1914D90E-4E94-F8E9-BF3E-4B03E8200061}"/>
+              </a:ext>
+            </a:extLst>
+          </p:cNvPr>
+          <p:cNvPicPr>
+            <a:picLocks noChangeAspect="1"/>
+          </p:cNvPicPr>
+          <p:nvPr/>
+        </p:nvPicPr>
+        <p:blipFill rotWithShape="1">
+          <a:blip r:embed="rId4"/>
+          <a:srcRect b="34554"/>
+          <a:stretch/>
+        </p:blipFill>
+        <p:spPr>
+          <a:xfrm>
+            <a:off x="819673" y="1754792"/>
+            <a:ext cx="3752327" cy="1531155"/>
+          </a:xfrm>
+          <a:prstGeom prst="rect">
+            <a:avLst/>
+          </a:prstGeom>
+        </p:spPr>
+      </p:pic>
+      <p:sp>
+        <p:nvSpPr>
+          <p:cNvPr id="9" name="TextBox 8">
+            <a:extLst>
+              <a:ext uri="{FF2B5EF4-FFF2-40B4-BE49-F238E27FC236}">
+                <a16:creationId xmlns:a16="http://schemas.microsoft.com/office/drawing/2014/main" id="{1B81AD03-9D7D-410B-6F8D-82352716D290}"/>
+              </a:ext>
+            </a:extLst>
+          </p:cNvPr>
+          <p:cNvSpPr txBox="1"/>
+          <p:nvPr/>
+        </p:nvSpPr>
+        <p:spPr>
+          <a:xfrm>
+            <a:off x="4544364" y="3390057"/>
+            <a:ext cx="1165704" cy="477054"/>
+          </a:xfrm>
+          <a:prstGeom prst="rect">
+            <a:avLst/>
+          </a:prstGeom>
+          <a:noFill/>
+        </p:spPr>
+        <p:txBody>
+          <a:bodyPr wrap="none" rtlCol="0">
+            <a:spAutoFit/>
+          </a:bodyPr>
+          <a:lstStyle/>
+          <a:p>
+            <a:r>
+              <a:rPr lang="en-US" altLang="ko-KR" sz="1400" dirty="0">
+                <a:latin typeface="Spoqa Han Sans Neo Medium" pitchFamily="2" charset="-127"/>
+                <a:ea typeface="Spoqa Han Sans Neo Medium" pitchFamily="2" charset="-127"/>
+              </a:rPr>
+              <a:t>RDB </a:t>
+            </a:r>
+            <a:r>
+              <a:rPr lang="ko-KR" altLang="en-US" sz="1400" dirty="0">
+                <a:latin typeface="Spoqa Han Sans Neo Medium" pitchFamily="2" charset="-127"/>
+                <a:ea typeface="Spoqa Han Sans Neo Medium" pitchFamily="2" charset="-127"/>
+              </a:rPr>
+              <a:t>호출</a:t>
+            </a:r>
+            <a:endParaRPr lang="en-US" altLang="ko-KR" sz="1400" dirty="0">
+              <a:latin typeface="Spoqa Han Sans Neo Medium" pitchFamily="2" charset="-127"/>
+              <a:ea typeface="Spoqa Han Sans Neo Medium" pitchFamily="2" charset="-127"/>
+            </a:endParaRPr>
+          </a:p>
+          <a:p>
+            <a:r>
+              <a:rPr lang="en-US" altLang="ko-KR" sz="1100" dirty="0">
+                <a:solidFill>
+                  <a:schemeClr val="tx1">
+                    <a:lumMod val="50000"/>
+                    <a:lumOff val="50000"/>
+                  </a:schemeClr>
+                </a:solidFill>
+                <a:latin typeface="Spoqa Han Sans Neo Medium" pitchFamily="2" charset="-127"/>
+                <a:ea typeface="Spoqa Han Sans Neo Medium" pitchFamily="2" charset="-127"/>
+              </a:rPr>
+              <a:t>Article </a:t>
+            </a:r>
+            <a:r>
+              <a:rPr lang="ko-KR" altLang="en-US" sz="1100" dirty="0">
+                <a:solidFill>
+                  <a:schemeClr val="tx1">
+                    <a:lumMod val="50000"/>
+                    <a:lumOff val="50000"/>
+                  </a:schemeClr>
+                </a:solidFill>
+                <a:latin typeface="Spoqa Han Sans Neo Medium" pitchFamily="2" charset="-127"/>
+                <a:ea typeface="Spoqa Han Sans Neo Medium" pitchFamily="2" charset="-127"/>
+              </a:rPr>
+              <a:t>단건조회</a:t>
+            </a:r>
+          </a:p>
+        </p:txBody>
+      </p:sp>
+      <p:sp>
+        <p:nvSpPr>
+          <p:cNvPr id="10" name="TextBox 9">
+            <a:extLst>
+              <a:ext uri="{FF2B5EF4-FFF2-40B4-BE49-F238E27FC236}">
+                <a16:creationId xmlns:a16="http://schemas.microsoft.com/office/drawing/2014/main" id="{5292200A-D8AC-9F72-D7CA-67EAD9FD6E60}"/>
+              </a:ext>
+            </a:extLst>
+          </p:cNvPr>
+          <p:cNvSpPr txBox="1"/>
+          <p:nvPr/>
+        </p:nvSpPr>
+        <p:spPr>
+          <a:xfrm>
+            <a:off x="4572000" y="1753387"/>
+            <a:ext cx="845103" cy="477054"/>
+          </a:xfrm>
+          <a:prstGeom prst="rect">
+            <a:avLst/>
+          </a:prstGeom>
+          <a:noFill/>
+        </p:spPr>
+        <p:txBody>
+          <a:bodyPr wrap="none" rtlCol="0">
+            <a:spAutoFit/>
+          </a:bodyPr>
+          <a:lstStyle/>
+          <a:p>
+            <a:r>
+              <a:rPr lang="ko-KR" altLang="en-US" sz="1400" dirty="0">
+                <a:latin typeface="Spoqa Han Sans Neo Medium" pitchFamily="2" charset="-127"/>
+                <a:ea typeface="Spoqa Han Sans Neo Medium" pitchFamily="2" charset="-127"/>
+              </a:rPr>
+              <a:t>지연호출</a:t>
+            </a:r>
+            <a:endParaRPr lang="en-US" altLang="ko-KR" sz="1400" dirty="0">
+              <a:latin typeface="Spoqa Han Sans Neo Medium" pitchFamily="2" charset="-127"/>
+              <a:ea typeface="Spoqa Han Sans Neo Medium" pitchFamily="2" charset="-127"/>
+            </a:endParaRPr>
+          </a:p>
+          <a:p>
+            <a:r>
+              <a:rPr lang="en-US" altLang="ko-KR" sz="1100" dirty="0">
+                <a:solidFill>
+                  <a:schemeClr val="tx1">
+                    <a:lumMod val="50000"/>
+                    <a:lumOff val="50000"/>
+                  </a:schemeClr>
+                </a:solidFill>
+                <a:latin typeface="Spoqa Han Sans Neo Medium" pitchFamily="2" charset="-127"/>
+                <a:ea typeface="Spoqa Han Sans Neo Medium" pitchFamily="2" charset="-127"/>
+              </a:rPr>
+              <a:t>sleep</a:t>
+            </a:r>
+            <a:endParaRPr lang="ko-KR" altLang="en-US" sz="1100" dirty="0">
+              <a:solidFill>
+                <a:schemeClr val="tx1">
+                  <a:lumMod val="50000"/>
+                  <a:lumOff val="50000"/>
+                </a:schemeClr>
+              </a:solidFill>
+              <a:latin typeface="Spoqa Han Sans Neo Medium" pitchFamily="2" charset="-127"/>
+              <a:ea typeface="Spoqa Han Sans Neo Medium" pitchFamily="2" charset="-127"/>
+            </a:endParaRPr>
+          </a:p>
+        </p:txBody>
+      </p:sp>
     </p:spTree>
     <p:extLst>
       <p:ext uri="{BB962C8B-B14F-4D97-AF65-F5344CB8AC3E}">
-        <p14:creationId xmlns:p14="http://schemas.microsoft.com/office/powerpoint/2010/main" val="1192265825"/>
+        <p14:creationId xmlns:p14="http://schemas.microsoft.com/office/powerpoint/2010/main" val="3819920614"/>
       </p:ext>
     </p:extLst>
   </p:cSld>
@@ -5827,7 +7157,109 @@
           <a:p>
             <a:r>
               <a:rPr lang="ko-KR" altLang="en-US" dirty="0"/>
-              <a:t>테스트 결과</a:t>
+              <a:t>시나리오</a:t>
+            </a:r>
+          </a:p>
+        </p:txBody>
+      </p:sp>
+      <p:sp>
+        <p:nvSpPr>
+          <p:cNvPr id="4" name="내용 개체 틀 3">
+            <a:extLst>
+              <a:ext uri="{FF2B5EF4-FFF2-40B4-BE49-F238E27FC236}">
+                <a16:creationId xmlns:a16="http://schemas.microsoft.com/office/drawing/2014/main" id="{42F6317C-F28B-ECBE-0810-17736FC7D8AB}"/>
+              </a:ext>
+            </a:extLst>
+          </p:cNvPr>
+          <p:cNvSpPr>
+            <a:spLocks noGrp="1"/>
+          </p:cNvSpPr>
+          <p:nvPr>
+            <p:ph idx="1"/>
+          </p:nvPr>
+        </p:nvSpPr>
+        <p:spPr/>
+        <p:txBody>
+          <a:bodyPr>
+            <a:normAutofit/>
+          </a:bodyPr>
+          <a:lstStyle/>
+          <a:p>
+            <a:pPr marL="0" indent="0">
+              <a:buNone/>
+            </a:pPr>
+            <a:r>
+              <a:rPr lang="ko-KR" altLang="en-US" dirty="0"/>
+              <a:t>시나리오</a:t>
+            </a:r>
+            <a:endParaRPr lang="en-US" altLang="ko-KR" dirty="0"/>
+          </a:p>
+          <a:p>
+            <a:pPr lvl="1"/>
+            <a:r>
+              <a:rPr lang="ko-KR" altLang="en-US" dirty="0"/>
+              <a:t>단건조회</a:t>
+            </a:r>
+            <a:endParaRPr lang="en-US" altLang="ko-KR" dirty="0"/>
+          </a:p>
+          <a:p>
+            <a:pPr lvl="2"/>
+            <a:r>
+              <a:rPr lang="en-US" altLang="ko-KR" dirty="0"/>
+              <a:t>/article/</a:t>
+            </a:r>
+            <a:r>
+              <a:rPr lang="en-US" altLang="ko-KR" dirty="0">
+                <a:solidFill>
+                  <a:srgbClr val="FF0000"/>
+                </a:solidFill>
+              </a:rPr>
+              <a:t>{</a:t>
+            </a:r>
+            <a:r>
+              <a:rPr lang="en-US" altLang="ko-KR" dirty="0" err="1">
+                <a:solidFill>
+                  <a:srgbClr val="FF0000"/>
+                </a:solidFill>
+              </a:rPr>
+              <a:t>articleId</a:t>
+            </a:r>
+            <a:r>
+              <a:rPr lang="en-US" altLang="ko-KR" dirty="0">
+                <a:solidFill>
+                  <a:srgbClr val="FF0000"/>
+                </a:solidFill>
+              </a:rPr>
+              <a:t>}</a:t>
+            </a:r>
+          </a:p>
+          <a:p>
+            <a:pPr lvl="1"/>
+            <a:r>
+              <a:rPr lang="ko-KR" altLang="en-US" dirty="0"/>
+              <a:t>테스트 조건</a:t>
+            </a:r>
+            <a:endParaRPr lang="en-US" altLang="ko-KR" dirty="0"/>
+          </a:p>
+          <a:p>
+            <a:pPr lvl="2"/>
+            <a:r>
+              <a:rPr lang="en-US" altLang="ko-KR" dirty="0"/>
+              <a:t>users : 200 users</a:t>
+            </a:r>
+          </a:p>
+          <a:p>
+            <a:pPr lvl="2"/>
+            <a:r>
+              <a:rPr lang="en-US" altLang="ko-KR" dirty="0"/>
+              <a:t>spawn rate : 5 users / sec</a:t>
+            </a:r>
+          </a:p>
+          <a:p>
+            <a:pPr lvl="2"/>
+            <a:r>
+              <a:rPr lang="en-US" altLang="ko-KR" dirty="0"/>
+              <a:t>run time : 1m</a:t>
             </a:r>
           </a:p>
         </p:txBody>
@@ -5837,7 +7269,7 @@
           <p:cNvPr id="3" name="Google Shape;209;p30">
             <a:extLst>
               <a:ext uri="{FF2B5EF4-FFF2-40B4-BE49-F238E27FC236}">
-                <a16:creationId xmlns:a16="http://schemas.microsoft.com/office/drawing/2014/main" id="{2823C29C-6190-2DB5-78A4-BDCDB2F4E700}"/>
+                <a16:creationId xmlns:a16="http://schemas.microsoft.com/office/drawing/2014/main" id="{42247FF8-9A0A-EE79-F30D-7EF0EB0D84F8}"/>
               </a:ext>
             </a:extLst>
           </p:cNvPr>
@@ -5912,7 +7344,7 @@
           <p:cNvPr id="5" name="Google Shape;210;p30">
             <a:extLst>
               <a:ext uri="{FF2B5EF4-FFF2-40B4-BE49-F238E27FC236}">
-                <a16:creationId xmlns:a16="http://schemas.microsoft.com/office/drawing/2014/main" id="{720388FA-5563-44DC-F804-C09DFC0CBBDC}"/>
+                <a16:creationId xmlns:a16="http://schemas.microsoft.com/office/drawing/2014/main" id="{9EFAAD18-CFA3-3E5B-A790-032DA331B421}"/>
               </a:ext>
             </a:extLst>
           </p:cNvPr>
@@ -5999,40 +7431,10 @@
           </a:p>
         </p:txBody>
       </p:sp>
-      <p:pic>
-        <p:nvPicPr>
-          <p:cNvPr id="9" name="그림 8">
-            <a:extLst>
-              <a:ext uri="{FF2B5EF4-FFF2-40B4-BE49-F238E27FC236}">
-                <a16:creationId xmlns:a16="http://schemas.microsoft.com/office/drawing/2014/main" id="{B5571208-5588-5B05-F57B-D2328DE6E5F9}"/>
-              </a:ext>
-            </a:extLst>
-          </p:cNvPr>
-          <p:cNvPicPr>
-            <a:picLocks noChangeAspect="1"/>
-          </p:cNvPicPr>
-          <p:nvPr/>
-        </p:nvPicPr>
-        <p:blipFill>
-          <a:blip r:embed="rId3"/>
-          <a:stretch>
-            <a:fillRect/>
-          </a:stretch>
-        </p:blipFill>
-        <p:spPr>
-          <a:xfrm>
-            <a:off x="722155" y="1311214"/>
-            <a:ext cx="5869699" cy="3659757"/>
-          </a:xfrm>
-          <a:prstGeom prst="rect">
-            <a:avLst/>
-          </a:prstGeom>
-        </p:spPr>
-      </p:pic>
     </p:spTree>
     <p:extLst>
       <p:ext uri="{BB962C8B-B14F-4D97-AF65-F5344CB8AC3E}">
-        <p14:creationId xmlns:p14="http://schemas.microsoft.com/office/powerpoint/2010/main" val="1614394854"/>
+        <p14:creationId xmlns:p14="http://schemas.microsoft.com/office/powerpoint/2010/main" val="1192265825"/>
       </p:ext>
     </p:extLst>
   </p:cSld>
@@ -6082,105 +7484,7 @@
           <a:p>
             <a:r>
               <a:rPr lang="ko-KR" altLang="en-US" dirty="0"/>
-              <a:t>시나리오</a:t>
-            </a:r>
-          </a:p>
-        </p:txBody>
-      </p:sp>
-      <p:sp>
-        <p:nvSpPr>
-          <p:cNvPr id="4" name="내용 개체 틀 3">
-            <a:extLst>
-              <a:ext uri="{FF2B5EF4-FFF2-40B4-BE49-F238E27FC236}">
-                <a16:creationId xmlns:a16="http://schemas.microsoft.com/office/drawing/2014/main" id="{42F6317C-F28B-ECBE-0810-17736FC7D8AB}"/>
-              </a:ext>
-            </a:extLst>
-          </p:cNvPr>
-          <p:cNvSpPr>
-            <a:spLocks noGrp="1"/>
-          </p:cNvSpPr>
-          <p:nvPr>
-            <p:ph idx="1"/>
-          </p:nvPr>
-        </p:nvSpPr>
-        <p:spPr/>
-        <p:txBody>
-          <a:bodyPr>
-            <a:normAutofit/>
-          </a:bodyPr>
-          <a:lstStyle/>
-          <a:p>
-            <a:pPr marL="0" indent="0">
-              <a:buNone/>
-            </a:pPr>
-            <a:r>
-              <a:rPr lang="ko-KR" altLang="en-US" dirty="0"/>
-              <a:t>시나리오</a:t>
-            </a:r>
-            <a:endParaRPr lang="en-US" altLang="ko-KR" dirty="0"/>
-          </a:p>
-          <a:p>
-            <a:pPr lvl="1"/>
-            <a:r>
-              <a:rPr lang="ko-KR" altLang="en-US" dirty="0"/>
-              <a:t>다건조회</a:t>
-            </a:r>
-            <a:endParaRPr lang="en-US" altLang="ko-KR" dirty="0"/>
-          </a:p>
-          <a:p>
-            <a:pPr lvl="2"/>
-            <a:r>
-              <a:rPr lang="en-US" altLang="ko-KR" dirty="0"/>
-              <a:t>/article/</a:t>
-            </a:r>
-            <a:r>
-              <a:rPr lang="en-US" altLang="ko-KR" dirty="0" err="1"/>
-              <a:t>all</a:t>
-            </a:r>
-            <a:r>
-              <a:rPr lang="en-US" altLang="ko-KR" dirty="0" err="1">
-                <a:solidFill>
-                  <a:srgbClr val="FF0000"/>
-                </a:solidFill>
-              </a:rPr>
-              <a:t>?title</a:t>
-            </a:r>
-            <a:r>
-              <a:rPr lang="en-US" altLang="ko-KR" dirty="0">
-                <a:solidFill>
-                  <a:srgbClr val="FF0000"/>
-                </a:solidFill>
-              </a:rPr>
-              <a:t>=matched</a:t>
-            </a:r>
-          </a:p>
-          <a:p>
-            <a:pPr lvl="1"/>
-            <a:r>
-              <a:rPr lang="ko-KR" altLang="en-US" dirty="0"/>
-              <a:t>테스트 조건</a:t>
-            </a:r>
-            <a:endParaRPr lang="en-US" altLang="ko-KR" dirty="0"/>
-          </a:p>
-          <a:p>
-            <a:pPr lvl="2"/>
-            <a:r>
-              <a:rPr lang="en-US" altLang="ko-KR" dirty="0"/>
-              <a:t>users : 200</a:t>
-            </a:r>
-          </a:p>
-          <a:p>
-            <a:pPr lvl="2"/>
-            <a:r>
-              <a:rPr lang="en-US" altLang="ko-KR" dirty="0"/>
-              <a:t>spawn rate : 5 users / sec</a:t>
-            </a:r>
-          </a:p>
-          <a:p>
-            <a:pPr lvl="2"/>
-            <a:r>
-              <a:rPr lang="en-US" altLang="ko-KR" dirty="0"/>
-              <a:t>run time : 1m</a:t>
+              <a:t>테스트 결과</a:t>
             </a:r>
           </a:p>
         </p:txBody>
@@ -6190,7 +7494,7 @@
           <p:cNvPr id="3" name="Google Shape;209;p30">
             <a:extLst>
               <a:ext uri="{FF2B5EF4-FFF2-40B4-BE49-F238E27FC236}">
-                <a16:creationId xmlns:a16="http://schemas.microsoft.com/office/drawing/2014/main" id="{ED01BF44-3805-56ED-1327-FCD6B7826BAC}"/>
+                <a16:creationId xmlns:a16="http://schemas.microsoft.com/office/drawing/2014/main" id="{2823C29C-6190-2DB5-78A4-BDCDB2F4E700}"/>
               </a:ext>
             </a:extLst>
           </p:cNvPr>
@@ -6265,7 +7569,7 @@
           <p:cNvPr id="5" name="Google Shape;210;p30">
             <a:extLst>
               <a:ext uri="{FF2B5EF4-FFF2-40B4-BE49-F238E27FC236}">
-                <a16:creationId xmlns:a16="http://schemas.microsoft.com/office/drawing/2014/main" id="{6CE37D5E-C49E-B258-BF6B-CC99D5E3AD7D}"/>
+                <a16:creationId xmlns:a16="http://schemas.microsoft.com/office/drawing/2014/main" id="{720388FA-5563-44DC-F804-C09DFC0CBBDC}"/>
               </a:ext>
             </a:extLst>
           </p:cNvPr>
@@ -6352,10 +7656,40 @@
           </a:p>
         </p:txBody>
       </p:sp>
+      <p:pic>
+        <p:nvPicPr>
+          <p:cNvPr id="6" name="그림 5">
+            <a:extLst>
+              <a:ext uri="{FF2B5EF4-FFF2-40B4-BE49-F238E27FC236}">
+                <a16:creationId xmlns:a16="http://schemas.microsoft.com/office/drawing/2014/main" id="{0335C1BC-992A-F8F1-5CB4-39D31E49EBCA}"/>
+              </a:ext>
+            </a:extLst>
+          </p:cNvPr>
+          <p:cNvPicPr>
+            <a:picLocks noChangeAspect="1"/>
+          </p:cNvPicPr>
+          <p:nvPr/>
+        </p:nvPicPr>
+        <p:blipFill>
+          <a:blip r:embed="rId3"/>
+          <a:stretch>
+            <a:fillRect/>
+          </a:stretch>
+        </p:blipFill>
+        <p:spPr>
+          <a:xfrm>
+            <a:off x="986751" y="1144458"/>
+            <a:ext cx="6455579" cy="4025053"/>
+          </a:xfrm>
+          <a:prstGeom prst="rect">
+            <a:avLst/>
+          </a:prstGeom>
+        </p:spPr>
+      </p:pic>
     </p:spTree>
     <p:extLst>
       <p:ext uri="{BB962C8B-B14F-4D97-AF65-F5344CB8AC3E}">
-        <p14:creationId xmlns:p14="http://schemas.microsoft.com/office/powerpoint/2010/main" val="3710215563"/>
+        <p14:creationId xmlns:p14="http://schemas.microsoft.com/office/powerpoint/2010/main" val="1614394854"/>
       </p:ext>
     </p:extLst>
   </p:cSld>
@@ -6405,7 +7739,105 @@
           <a:p>
             <a:r>
               <a:rPr lang="ko-KR" altLang="en-US" dirty="0"/>
-              <a:t>테스트 결과</a:t>
+              <a:t>시나리오</a:t>
+            </a:r>
+          </a:p>
+        </p:txBody>
+      </p:sp>
+      <p:sp>
+        <p:nvSpPr>
+          <p:cNvPr id="4" name="내용 개체 틀 3">
+            <a:extLst>
+              <a:ext uri="{FF2B5EF4-FFF2-40B4-BE49-F238E27FC236}">
+                <a16:creationId xmlns:a16="http://schemas.microsoft.com/office/drawing/2014/main" id="{42F6317C-F28B-ECBE-0810-17736FC7D8AB}"/>
+              </a:ext>
+            </a:extLst>
+          </p:cNvPr>
+          <p:cNvSpPr>
+            <a:spLocks noGrp="1"/>
+          </p:cNvSpPr>
+          <p:nvPr>
+            <p:ph idx="1"/>
+          </p:nvPr>
+        </p:nvSpPr>
+        <p:spPr/>
+        <p:txBody>
+          <a:bodyPr>
+            <a:normAutofit/>
+          </a:bodyPr>
+          <a:lstStyle/>
+          <a:p>
+            <a:pPr marL="0" indent="0">
+              <a:buNone/>
+            </a:pPr>
+            <a:r>
+              <a:rPr lang="ko-KR" altLang="en-US" dirty="0"/>
+              <a:t>시나리오</a:t>
+            </a:r>
+            <a:endParaRPr lang="en-US" altLang="ko-KR" dirty="0"/>
+          </a:p>
+          <a:p>
+            <a:pPr lvl="1"/>
+            <a:r>
+              <a:rPr lang="ko-KR" altLang="en-US" dirty="0"/>
+              <a:t>다건조회</a:t>
+            </a:r>
+            <a:endParaRPr lang="en-US" altLang="ko-KR" dirty="0"/>
+          </a:p>
+          <a:p>
+            <a:pPr lvl="2"/>
+            <a:r>
+              <a:rPr lang="en-US" altLang="ko-KR" dirty="0"/>
+              <a:t>/article/</a:t>
+            </a:r>
+            <a:r>
+              <a:rPr lang="en-US" altLang="ko-KR" dirty="0" err="1"/>
+              <a:t>all</a:t>
+            </a:r>
+            <a:r>
+              <a:rPr lang="en-US" altLang="ko-KR" dirty="0" err="1">
+                <a:solidFill>
+                  <a:srgbClr val="FF0000"/>
+                </a:solidFill>
+              </a:rPr>
+              <a:t>?title</a:t>
+            </a:r>
+            <a:r>
+              <a:rPr lang="en-US" altLang="ko-KR" dirty="0">
+                <a:solidFill>
+                  <a:srgbClr val="FF0000"/>
+                </a:solidFill>
+              </a:rPr>
+              <a:t>=matched</a:t>
+            </a:r>
+          </a:p>
+          <a:p>
+            <a:pPr lvl="1"/>
+            <a:r>
+              <a:rPr lang="ko-KR" altLang="en-US" dirty="0"/>
+              <a:t>테스트 조건</a:t>
+            </a:r>
+            <a:endParaRPr lang="en-US" altLang="ko-KR" dirty="0"/>
+          </a:p>
+          <a:p>
+            <a:pPr lvl="2"/>
+            <a:r>
+              <a:rPr lang="en-US" altLang="ko-KR" dirty="0"/>
+              <a:t>users : 200</a:t>
+            </a:r>
+          </a:p>
+          <a:p>
+            <a:pPr lvl="2"/>
+            <a:r>
+              <a:rPr lang="en-US" altLang="ko-KR" dirty="0"/>
+              <a:t>spawn rate : 5 users / sec</a:t>
+            </a:r>
+          </a:p>
+          <a:p>
+            <a:pPr lvl="2"/>
+            <a:r>
+              <a:rPr lang="en-US" altLang="ko-KR" dirty="0"/>
+              <a:t>run time : 1m</a:t>
             </a:r>
           </a:p>
         </p:txBody>
@@ -6415,7 +7847,7 @@
           <p:cNvPr id="3" name="Google Shape;209;p30">
             <a:extLst>
               <a:ext uri="{FF2B5EF4-FFF2-40B4-BE49-F238E27FC236}">
-                <a16:creationId xmlns:a16="http://schemas.microsoft.com/office/drawing/2014/main" id="{BEF5D44F-F1EA-B3CE-0382-6BC86EBD3E7F}"/>
+                <a16:creationId xmlns:a16="http://schemas.microsoft.com/office/drawing/2014/main" id="{ED01BF44-3805-56ED-1327-FCD6B7826BAC}"/>
               </a:ext>
             </a:extLst>
           </p:cNvPr>
@@ -6487,10 +7919,10 @@
       </p:sp>
       <p:sp>
         <p:nvSpPr>
-          <p:cNvPr id="4" name="Google Shape;210;p30">
+          <p:cNvPr id="5" name="Google Shape;210;p30">
             <a:extLst>
               <a:ext uri="{FF2B5EF4-FFF2-40B4-BE49-F238E27FC236}">
-                <a16:creationId xmlns:a16="http://schemas.microsoft.com/office/drawing/2014/main" id="{18610A16-FCD9-83A9-B905-1237011C613E}"/>
+                <a16:creationId xmlns:a16="http://schemas.microsoft.com/office/drawing/2014/main" id="{6CE37D5E-C49E-B258-BF6B-CC99D5E3AD7D}"/>
               </a:ext>
             </a:extLst>
           </p:cNvPr>
@@ -6577,40 +8009,10 @@
           </a:p>
         </p:txBody>
       </p:sp>
-      <p:pic>
-        <p:nvPicPr>
-          <p:cNvPr id="9" name="그림 8">
-            <a:extLst>
-              <a:ext uri="{FF2B5EF4-FFF2-40B4-BE49-F238E27FC236}">
-                <a16:creationId xmlns:a16="http://schemas.microsoft.com/office/drawing/2014/main" id="{CF65F301-BEAE-FA62-0258-39242592A9F1}"/>
-              </a:ext>
-            </a:extLst>
-          </p:cNvPr>
-          <p:cNvPicPr>
-            <a:picLocks noChangeAspect="1"/>
-          </p:cNvPicPr>
-          <p:nvPr/>
-        </p:nvPicPr>
-        <p:blipFill>
-          <a:blip r:embed="rId3"/>
-          <a:stretch>
-            <a:fillRect/>
-          </a:stretch>
-        </p:blipFill>
-        <p:spPr>
-          <a:xfrm>
-            <a:off x="707367" y="1195750"/>
-            <a:ext cx="6220918" cy="3878742"/>
-          </a:xfrm>
-          <a:prstGeom prst="rect">
-            <a:avLst/>
-          </a:prstGeom>
-        </p:spPr>
-      </p:pic>
     </p:spTree>
     <p:extLst>
       <p:ext uri="{BB962C8B-B14F-4D97-AF65-F5344CB8AC3E}">
-        <p14:creationId xmlns:p14="http://schemas.microsoft.com/office/powerpoint/2010/main" val="1800659432"/>
+        <p14:creationId xmlns:p14="http://schemas.microsoft.com/office/powerpoint/2010/main" val="3710215563"/>
       </p:ext>
     </p:extLst>
   </p:cSld>
@@ -6660,90 +8062,7 @@
           <a:p>
             <a:r>
               <a:rPr lang="ko-KR" altLang="en-US" dirty="0"/>
-              <a:t>시나리오</a:t>
-            </a:r>
-          </a:p>
-        </p:txBody>
-      </p:sp>
-      <p:sp>
-        <p:nvSpPr>
-          <p:cNvPr id="4" name="내용 개체 틀 3">
-            <a:extLst>
-              <a:ext uri="{FF2B5EF4-FFF2-40B4-BE49-F238E27FC236}">
-                <a16:creationId xmlns:a16="http://schemas.microsoft.com/office/drawing/2014/main" id="{42F6317C-F28B-ECBE-0810-17736FC7D8AB}"/>
-              </a:ext>
-            </a:extLst>
-          </p:cNvPr>
-          <p:cNvSpPr>
-            <a:spLocks noGrp="1"/>
-          </p:cNvSpPr>
-          <p:nvPr>
-            <p:ph idx="1"/>
-          </p:nvPr>
-        </p:nvSpPr>
-        <p:spPr/>
-        <p:txBody>
-          <a:bodyPr>
-            <a:normAutofit/>
-          </a:bodyPr>
-          <a:lstStyle/>
-          <a:p>
-            <a:pPr marL="0" indent="0">
-              <a:buNone/>
-            </a:pPr>
-            <a:r>
-              <a:rPr lang="ko-KR" altLang="en-US" dirty="0"/>
-              <a:t>시나리오</a:t>
-            </a:r>
-            <a:endParaRPr lang="en-US" altLang="ko-KR" dirty="0"/>
-          </a:p>
-          <a:p>
-            <a:pPr lvl="1"/>
-            <a:r>
-              <a:rPr lang="ko-KR" altLang="en-US" dirty="0"/>
-              <a:t>지연조회</a:t>
-            </a:r>
-            <a:endParaRPr lang="en-US" altLang="ko-KR" dirty="0"/>
-          </a:p>
-          <a:p>
-            <a:pPr lvl="2"/>
-            <a:r>
-              <a:rPr lang="en-US" altLang="ko-KR" dirty="0"/>
-              <a:t>/stress/delay</a:t>
-            </a:r>
-            <a:endParaRPr lang="en-US" altLang="ko-KR" dirty="0">
-              <a:solidFill>
-                <a:srgbClr val="FF0000"/>
-              </a:solidFill>
-            </a:endParaRPr>
-          </a:p>
-          <a:p>
-            <a:pPr lvl="1"/>
-            <a:r>
-              <a:rPr lang="ko-KR" altLang="en-US" dirty="0"/>
-              <a:t>테스트 조건</a:t>
-            </a:r>
-            <a:endParaRPr lang="en-US" altLang="ko-KR" dirty="0"/>
-          </a:p>
-          <a:p>
-            <a:pPr lvl="2"/>
-            <a:r>
-              <a:rPr lang="en-US" altLang="ko-KR" dirty="0"/>
-              <a:t>users : 10000</a:t>
-            </a:r>
-          </a:p>
-          <a:p>
-            <a:pPr lvl="2"/>
-            <a:r>
-              <a:rPr lang="en-US" altLang="ko-KR" dirty="0"/>
-              <a:t>spawn rate : 400 users / sec</a:t>
-            </a:r>
-          </a:p>
-          <a:p>
-            <a:pPr lvl="2"/>
-            <a:r>
-              <a:rPr lang="en-US" altLang="ko-KR" dirty="0"/>
-              <a:t>run time : 1m</a:t>
+              <a:t>테스트 결과</a:t>
             </a:r>
           </a:p>
         </p:txBody>
@@ -6753,7 +8072,7 @@
           <p:cNvPr id="3" name="Google Shape;209;p30">
             <a:extLst>
               <a:ext uri="{FF2B5EF4-FFF2-40B4-BE49-F238E27FC236}">
-                <a16:creationId xmlns:a16="http://schemas.microsoft.com/office/drawing/2014/main" id="{E0056CE0-9909-7ED5-0CB5-398033CCA427}"/>
+                <a16:creationId xmlns:a16="http://schemas.microsoft.com/office/drawing/2014/main" id="{BEF5D44F-F1EA-B3CE-0382-6BC86EBD3E7F}"/>
               </a:ext>
             </a:extLst>
           </p:cNvPr>
@@ -6825,10 +8144,10 @@
       </p:sp>
       <p:sp>
         <p:nvSpPr>
-          <p:cNvPr id="5" name="Google Shape;210;p30">
+          <p:cNvPr id="4" name="Google Shape;210;p30">
             <a:extLst>
               <a:ext uri="{FF2B5EF4-FFF2-40B4-BE49-F238E27FC236}">
-                <a16:creationId xmlns:a16="http://schemas.microsoft.com/office/drawing/2014/main" id="{619E44AE-90C6-0927-B728-5298838754AC}"/>
+                <a16:creationId xmlns:a16="http://schemas.microsoft.com/office/drawing/2014/main" id="{18610A16-FCD9-83A9-B905-1237011C613E}"/>
               </a:ext>
             </a:extLst>
           </p:cNvPr>
@@ -6915,10 +8234,40 @@
           </a:p>
         </p:txBody>
       </p:sp>
+      <p:pic>
+        <p:nvPicPr>
+          <p:cNvPr id="6" name="그림 5">
+            <a:extLst>
+              <a:ext uri="{FF2B5EF4-FFF2-40B4-BE49-F238E27FC236}">
+                <a16:creationId xmlns:a16="http://schemas.microsoft.com/office/drawing/2014/main" id="{A764A9A0-714D-812D-84B0-E07D6BEC908E}"/>
+              </a:ext>
+            </a:extLst>
+          </p:cNvPr>
+          <p:cNvPicPr>
+            <a:picLocks noChangeAspect="1"/>
+          </p:cNvPicPr>
+          <p:nvPr/>
+        </p:nvPicPr>
+        <p:blipFill>
+          <a:blip r:embed="rId3"/>
+          <a:stretch>
+            <a:fillRect/>
+          </a:stretch>
+        </p:blipFill>
+        <p:spPr>
+          <a:xfrm>
+            <a:off x="992042" y="1118447"/>
+            <a:ext cx="6455579" cy="4025053"/>
+          </a:xfrm>
+          <a:prstGeom prst="rect">
+            <a:avLst/>
+          </a:prstGeom>
+        </p:spPr>
+      </p:pic>
     </p:spTree>
     <p:extLst>
       <p:ext uri="{BB962C8B-B14F-4D97-AF65-F5344CB8AC3E}">
-        <p14:creationId xmlns:p14="http://schemas.microsoft.com/office/powerpoint/2010/main" val="667565991"/>
+        <p14:creationId xmlns:p14="http://schemas.microsoft.com/office/powerpoint/2010/main" val="1800659432"/>
       </p:ext>
     </p:extLst>
   </p:cSld>
@@ -6968,7 +8317,90 @@
           <a:p>
             <a:r>
               <a:rPr lang="ko-KR" altLang="en-US" dirty="0"/>
-              <a:t>테스트 결과</a:t>
+              <a:t>시나리오</a:t>
+            </a:r>
+          </a:p>
+        </p:txBody>
+      </p:sp>
+      <p:sp>
+        <p:nvSpPr>
+          <p:cNvPr id="4" name="내용 개체 틀 3">
+            <a:extLst>
+              <a:ext uri="{FF2B5EF4-FFF2-40B4-BE49-F238E27FC236}">
+                <a16:creationId xmlns:a16="http://schemas.microsoft.com/office/drawing/2014/main" id="{42F6317C-F28B-ECBE-0810-17736FC7D8AB}"/>
+              </a:ext>
+            </a:extLst>
+          </p:cNvPr>
+          <p:cNvSpPr>
+            <a:spLocks noGrp="1"/>
+          </p:cNvSpPr>
+          <p:nvPr>
+            <p:ph idx="1"/>
+          </p:nvPr>
+        </p:nvSpPr>
+        <p:spPr/>
+        <p:txBody>
+          <a:bodyPr>
+            <a:normAutofit/>
+          </a:bodyPr>
+          <a:lstStyle/>
+          <a:p>
+            <a:pPr marL="0" indent="0">
+              <a:buNone/>
+            </a:pPr>
+            <a:r>
+              <a:rPr lang="ko-KR" altLang="en-US" dirty="0"/>
+              <a:t>시나리오</a:t>
+            </a:r>
+            <a:endParaRPr lang="en-US" altLang="ko-KR" dirty="0"/>
+          </a:p>
+          <a:p>
+            <a:pPr lvl="1"/>
+            <a:r>
+              <a:rPr lang="ko-KR" altLang="en-US" dirty="0"/>
+              <a:t>지연조회</a:t>
+            </a:r>
+            <a:endParaRPr lang="en-US" altLang="ko-KR" dirty="0"/>
+          </a:p>
+          <a:p>
+            <a:pPr lvl="2"/>
+            <a:r>
+              <a:rPr lang="en-US" altLang="ko-KR" dirty="0"/>
+              <a:t>/stress/delay</a:t>
+            </a:r>
+            <a:endParaRPr lang="en-US" altLang="ko-KR" dirty="0">
+              <a:solidFill>
+                <a:srgbClr val="FF0000"/>
+              </a:solidFill>
+            </a:endParaRPr>
+          </a:p>
+          <a:p>
+            <a:pPr lvl="1"/>
+            <a:r>
+              <a:rPr lang="ko-KR" altLang="en-US" dirty="0"/>
+              <a:t>테스트 조건</a:t>
+            </a:r>
+            <a:endParaRPr lang="en-US" altLang="ko-KR" dirty="0"/>
+          </a:p>
+          <a:p>
+            <a:pPr lvl="2"/>
+            <a:r>
+              <a:rPr lang="en-US" altLang="ko-KR" dirty="0"/>
+              <a:t>users : 1000</a:t>
+            </a:r>
+          </a:p>
+          <a:p>
+            <a:pPr lvl="2"/>
+            <a:r>
+              <a:rPr lang="en-US" altLang="ko-KR" dirty="0"/>
+              <a:t>spawn rate : 40 users / sec</a:t>
+            </a:r>
+          </a:p>
+          <a:p>
+            <a:pPr lvl="2"/>
+            <a:r>
+              <a:rPr lang="en-US" altLang="ko-KR" dirty="0"/>
+              <a:t>run time : 1m</a:t>
             </a:r>
           </a:p>
         </p:txBody>
@@ -6978,7 +8410,7 @@
           <p:cNvPr id="3" name="Google Shape;209;p30">
             <a:extLst>
               <a:ext uri="{FF2B5EF4-FFF2-40B4-BE49-F238E27FC236}">
-                <a16:creationId xmlns:a16="http://schemas.microsoft.com/office/drawing/2014/main" id="{A9BFC2A3-46A2-1458-DDCD-B7C8B35B77F7}"/>
+                <a16:creationId xmlns:a16="http://schemas.microsoft.com/office/drawing/2014/main" id="{E0056CE0-9909-7ED5-0CB5-398033CCA427}"/>
               </a:ext>
             </a:extLst>
           </p:cNvPr>
@@ -7050,10 +8482,10 @@
       </p:sp>
       <p:sp>
         <p:nvSpPr>
-          <p:cNvPr id="4" name="Google Shape;210;p30">
+          <p:cNvPr id="5" name="Google Shape;210;p30">
             <a:extLst>
               <a:ext uri="{FF2B5EF4-FFF2-40B4-BE49-F238E27FC236}">
-                <a16:creationId xmlns:a16="http://schemas.microsoft.com/office/drawing/2014/main" id="{764C4AAD-D4E0-AEB4-A09A-21707FB3571C}"/>
+                <a16:creationId xmlns:a16="http://schemas.microsoft.com/office/drawing/2014/main" id="{619E44AE-90C6-0927-B728-5298838754AC}"/>
               </a:ext>
             </a:extLst>
           </p:cNvPr>
@@ -7140,40 +8572,10 @@
           </a:p>
         </p:txBody>
       </p:sp>
-      <p:pic>
-        <p:nvPicPr>
-          <p:cNvPr id="6" name="그림 5">
-            <a:extLst>
-              <a:ext uri="{FF2B5EF4-FFF2-40B4-BE49-F238E27FC236}">
-                <a16:creationId xmlns:a16="http://schemas.microsoft.com/office/drawing/2014/main" id="{9C1AB360-5A66-48FE-74E0-461604AAA3A6}"/>
-              </a:ext>
-            </a:extLst>
-          </p:cNvPr>
-          <p:cNvPicPr>
-            <a:picLocks noChangeAspect="1"/>
-          </p:cNvPicPr>
-          <p:nvPr/>
-        </p:nvPicPr>
-        <p:blipFill>
-          <a:blip r:embed="rId3"/>
-          <a:stretch>
-            <a:fillRect/>
-          </a:stretch>
-        </p:blipFill>
-        <p:spPr>
-          <a:xfrm>
-            <a:off x="705852" y="1206678"/>
-            <a:ext cx="6231060" cy="3885066"/>
-          </a:xfrm>
-          <a:prstGeom prst="rect">
-            <a:avLst/>
-          </a:prstGeom>
-        </p:spPr>
-      </p:pic>
     </p:spTree>
     <p:extLst>
       <p:ext uri="{BB962C8B-B14F-4D97-AF65-F5344CB8AC3E}">
-        <p14:creationId xmlns:p14="http://schemas.microsoft.com/office/powerpoint/2010/main" val="1989243342"/>
+        <p14:creationId xmlns:p14="http://schemas.microsoft.com/office/powerpoint/2010/main" val="667565991"/>
       </p:ext>
     </p:extLst>
   </p:cSld>
@@ -7222,39 +8624,18 @@
           <a:lstStyle/>
           <a:p>
             <a:r>
-              <a:rPr lang="en-US" altLang="ko-KR" dirty="0" err="1"/>
-              <a:t>Jmeter</a:t>
-            </a:r>
-            <a:r>
-              <a:rPr lang="en-US" altLang="ko-KR" dirty="0"/>
-              <a:t> </a:t>
-            </a:r>
-            <a:r>
-              <a:rPr lang="ko-KR" altLang="en-US" dirty="0"/>
-              <a:t>테스트 </a:t>
-            </a:r>
-            <a:r>
-              <a:rPr lang="en-US" altLang="ko-KR" dirty="0"/>
-              <a:t>(</a:t>
-            </a:r>
-            <a:r>
-              <a:rPr lang="ko-KR" altLang="en-US" dirty="0"/>
-              <a:t>단건조회</a:t>
-            </a:r>
-            <a:r>
-              <a:rPr lang="en-US" altLang="ko-KR" dirty="0"/>
-              <a:t>)</a:t>
-            </a:r>
-            <a:endParaRPr lang="ko-KR" altLang="en-US" dirty="0"/>
-          </a:p>
-        </p:txBody>
-      </p:sp>
-      <p:sp>
-        <p:nvSpPr>
-          <p:cNvPr id="7" name="Google Shape;209;p30">
+              <a:rPr lang="ko-KR" altLang="en-US" dirty="0"/>
+              <a:t>테스트 결과</a:t>
+            </a:r>
+          </a:p>
+        </p:txBody>
+      </p:sp>
+      <p:sp>
+        <p:nvSpPr>
+          <p:cNvPr id="3" name="Google Shape;209;p30">
             <a:extLst>
               <a:ext uri="{FF2B5EF4-FFF2-40B4-BE49-F238E27FC236}">
-                <a16:creationId xmlns:a16="http://schemas.microsoft.com/office/drawing/2014/main" id="{35F3E219-4EBB-8DE8-0966-E4317399395E}"/>
+                <a16:creationId xmlns:a16="http://schemas.microsoft.com/office/drawing/2014/main" id="{A9BFC2A3-46A2-1458-DDCD-B7C8B35B77F7}"/>
               </a:ext>
             </a:extLst>
           </p:cNvPr>
@@ -7326,10 +8707,10 @@
       </p:sp>
       <p:sp>
         <p:nvSpPr>
-          <p:cNvPr id="8" name="Google Shape;210;p30">
+          <p:cNvPr id="4" name="Google Shape;210;p30">
             <a:extLst>
               <a:ext uri="{FF2B5EF4-FFF2-40B4-BE49-F238E27FC236}">
-                <a16:creationId xmlns:a16="http://schemas.microsoft.com/office/drawing/2014/main" id="{8CB63A74-B5C7-DCAA-53F5-96E44004D694}"/>
+                <a16:creationId xmlns:a16="http://schemas.microsoft.com/office/drawing/2014/main" id="{764C4AAD-D4E0-AEB4-A09A-21707FB3571C}"/>
               </a:ext>
             </a:extLst>
           </p:cNvPr>
@@ -7418,10 +8799,10 @@
       </p:sp>
       <p:pic>
         <p:nvPicPr>
-          <p:cNvPr id="4" name="그림 3">
+          <p:cNvPr id="7" name="그림 6">
             <a:extLst>
               <a:ext uri="{FF2B5EF4-FFF2-40B4-BE49-F238E27FC236}">
-                <a16:creationId xmlns:a16="http://schemas.microsoft.com/office/drawing/2014/main" id="{B23684A4-ECBE-4459-18DC-CD5B67AC51EB}"/>
+                <a16:creationId xmlns:a16="http://schemas.microsoft.com/office/drawing/2014/main" id="{2489F7B5-7F8F-02D3-74F6-317A01A2F38E}"/>
               </a:ext>
             </a:extLst>
           </p:cNvPr>
@@ -7438,320 +8819,18 @@
         </p:blipFill>
         <p:spPr>
           <a:xfrm>
-            <a:off x="707028" y="1304818"/>
-            <a:ext cx="7076139" cy="3799887"/>
+            <a:off x="992042" y="1118447"/>
+            <a:ext cx="6455579" cy="4025053"/>
           </a:xfrm>
           <a:prstGeom prst="rect">
             <a:avLst/>
           </a:prstGeom>
         </p:spPr>
       </p:pic>
-      <p:sp>
-        <p:nvSpPr>
-          <p:cNvPr id="9" name="직사각형 8">
-            <a:extLst>
-              <a:ext uri="{FF2B5EF4-FFF2-40B4-BE49-F238E27FC236}">
-                <a16:creationId xmlns:a16="http://schemas.microsoft.com/office/drawing/2014/main" id="{0C647E0A-A57E-0374-7E22-BC8221067795}"/>
-              </a:ext>
-            </a:extLst>
-          </p:cNvPr>
-          <p:cNvSpPr/>
-          <p:nvPr/>
-        </p:nvSpPr>
-        <p:spPr>
-          <a:xfrm>
-            <a:off x="628650" y="1202076"/>
-            <a:ext cx="1641939" cy="3799887"/>
-          </a:xfrm>
-          <a:prstGeom prst="rect">
-            <a:avLst/>
-          </a:prstGeom>
-          <a:noFill/>
-          <a:ln w="28575">
-            <a:solidFill>
-              <a:srgbClr val="FF0000"/>
-            </a:solidFill>
-            <a:prstDash val="sysDot"/>
-          </a:ln>
-        </p:spPr>
-        <p:style>
-          <a:lnRef idx="2">
-            <a:schemeClr val="accent1">
-              <a:shade val="15000"/>
-            </a:schemeClr>
-          </a:lnRef>
-          <a:fillRef idx="1">
-            <a:schemeClr val="accent1"/>
-          </a:fillRef>
-          <a:effectRef idx="0">
-            <a:schemeClr val="accent1"/>
-          </a:effectRef>
-          <a:fontRef idx="minor">
-            <a:schemeClr val="lt1"/>
-          </a:fontRef>
-        </p:style>
-        <p:txBody>
-          <a:bodyPr rtlCol="0" anchor="ctr"/>
-          <a:lstStyle/>
-          <a:p>
-            <a:pPr algn="ctr"/>
-            <a:endParaRPr lang="ko-KR" altLang="en-US"/>
-          </a:p>
-        </p:txBody>
-      </p:sp>
-      <p:sp>
-        <p:nvSpPr>
-          <p:cNvPr id="10" name="직사각형 9">
-            <a:extLst>
-              <a:ext uri="{FF2B5EF4-FFF2-40B4-BE49-F238E27FC236}">
-                <a16:creationId xmlns:a16="http://schemas.microsoft.com/office/drawing/2014/main" id="{1E02BD93-3D0C-6D9D-6A97-A5F1CDF638F8}"/>
-              </a:ext>
-            </a:extLst>
-          </p:cNvPr>
-          <p:cNvSpPr/>
-          <p:nvPr/>
-        </p:nvSpPr>
-        <p:spPr>
-          <a:xfrm>
-            <a:off x="2918070" y="1200364"/>
-            <a:ext cx="2280654" cy="3799887"/>
-          </a:xfrm>
-          <a:prstGeom prst="rect">
-            <a:avLst/>
-          </a:prstGeom>
-          <a:noFill/>
-          <a:ln w="28575">
-            <a:solidFill>
-              <a:srgbClr val="FF0000"/>
-            </a:solidFill>
-            <a:prstDash val="sysDot"/>
-          </a:ln>
-        </p:spPr>
-        <p:style>
-          <a:lnRef idx="2">
-            <a:schemeClr val="accent1">
-              <a:shade val="15000"/>
-            </a:schemeClr>
-          </a:lnRef>
-          <a:fillRef idx="1">
-            <a:schemeClr val="accent1"/>
-          </a:fillRef>
-          <a:effectRef idx="0">
-            <a:schemeClr val="accent1"/>
-          </a:effectRef>
-          <a:fontRef idx="minor">
-            <a:schemeClr val="lt1"/>
-          </a:fontRef>
-        </p:style>
-        <p:txBody>
-          <a:bodyPr rtlCol="0" anchor="ctr"/>
-          <a:lstStyle/>
-          <a:p>
-            <a:pPr algn="ctr"/>
-            <a:endParaRPr lang="ko-KR" altLang="en-US"/>
-          </a:p>
-        </p:txBody>
-      </p:sp>
-      <p:sp>
-        <p:nvSpPr>
-          <p:cNvPr id="11" name="직사각형 10">
-            <a:extLst>
-              <a:ext uri="{FF2B5EF4-FFF2-40B4-BE49-F238E27FC236}">
-                <a16:creationId xmlns:a16="http://schemas.microsoft.com/office/drawing/2014/main" id="{8E74944B-01E8-92FF-9D33-BA6FC1B33FB8}"/>
-              </a:ext>
-            </a:extLst>
-          </p:cNvPr>
-          <p:cNvSpPr/>
-          <p:nvPr/>
-        </p:nvSpPr>
-        <p:spPr>
-          <a:xfrm>
-            <a:off x="5453359" y="1198653"/>
-            <a:ext cx="2180340" cy="3799887"/>
-          </a:xfrm>
-          <a:prstGeom prst="rect">
-            <a:avLst/>
-          </a:prstGeom>
-          <a:noFill/>
-          <a:ln w="28575">
-            <a:solidFill>
-              <a:srgbClr val="FF0000"/>
-            </a:solidFill>
-            <a:prstDash val="sysDot"/>
-          </a:ln>
-        </p:spPr>
-        <p:style>
-          <a:lnRef idx="2">
-            <a:schemeClr val="accent1">
-              <a:shade val="15000"/>
-            </a:schemeClr>
-          </a:lnRef>
-          <a:fillRef idx="1">
-            <a:schemeClr val="accent1"/>
-          </a:fillRef>
-          <a:effectRef idx="0">
-            <a:schemeClr val="accent1"/>
-          </a:effectRef>
-          <a:fontRef idx="minor">
-            <a:schemeClr val="lt1"/>
-          </a:fontRef>
-        </p:style>
-        <p:txBody>
-          <a:bodyPr rtlCol="0" anchor="ctr"/>
-          <a:lstStyle/>
-          <a:p>
-            <a:pPr algn="ctr"/>
-            <a:endParaRPr lang="ko-KR" altLang="en-US"/>
-          </a:p>
-        </p:txBody>
-      </p:sp>
-      <p:sp>
-        <p:nvSpPr>
-          <p:cNvPr id="12" name="TextBox 11">
-            <a:extLst>
-              <a:ext uri="{FF2B5EF4-FFF2-40B4-BE49-F238E27FC236}">
-                <a16:creationId xmlns:a16="http://schemas.microsoft.com/office/drawing/2014/main" id="{4EF833CA-4E20-B301-4C57-EE15410A837A}"/>
-              </a:ext>
-            </a:extLst>
-          </p:cNvPr>
-          <p:cNvSpPr txBox="1"/>
-          <p:nvPr/>
-        </p:nvSpPr>
-        <p:spPr>
-          <a:xfrm>
-            <a:off x="1678048" y="4432409"/>
-            <a:ext cx="476412" cy="261610"/>
-          </a:xfrm>
-          <a:prstGeom prst="rect">
-            <a:avLst/>
-          </a:prstGeom>
-          <a:noFill/>
-        </p:spPr>
-        <p:txBody>
-          <a:bodyPr wrap="none" rtlCol="0">
-            <a:spAutoFit/>
-          </a:bodyPr>
-          <a:lstStyle/>
-          <a:p>
-            <a:pPr algn="r"/>
-            <a:r>
-              <a:rPr lang="en-US" altLang="ko-KR" sz="1100" dirty="0" err="1">
-                <a:latin typeface="Spoqa Han Sans Neo Bold" panose="020B0800000000000000" pitchFamily="50" charset="-127"/>
-                <a:ea typeface="Spoqa Han Sans Neo Bold" panose="020B0800000000000000" pitchFamily="50" charset="-127"/>
-              </a:rPr>
-              <a:t>mvc</a:t>
-            </a:r>
-            <a:endParaRPr lang="ko-KR" altLang="en-US" sz="1100" dirty="0">
-              <a:latin typeface="Spoqa Han Sans Neo Bold" panose="020B0800000000000000" pitchFamily="50" charset="-127"/>
-              <a:ea typeface="Spoqa Han Sans Neo Bold" panose="020B0800000000000000" pitchFamily="50" charset="-127"/>
-            </a:endParaRPr>
-          </a:p>
-        </p:txBody>
-      </p:sp>
-      <p:sp>
-        <p:nvSpPr>
-          <p:cNvPr id="14" name="TextBox 13">
-            <a:extLst>
-              <a:ext uri="{FF2B5EF4-FFF2-40B4-BE49-F238E27FC236}">
-                <a16:creationId xmlns:a16="http://schemas.microsoft.com/office/drawing/2014/main" id="{9905D032-E6F8-615D-C564-931558AA6427}"/>
-              </a:ext>
-            </a:extLst>
-          </p:cNvPr>
-          <p:cNvSpPr txBox="1"/>
-          <p:nvPr/>
-        </p:nvSpPr>
-        <p:spPr>
-          <a:xfrm>
-            <a:off x="3718128" y="4431665"/>
-            <a:ext cx="1382110" cy="261610"/>
-          </a:xfrm>
-          <a:prstGeom prst="rect">
-            <a:avLst/>
-          </a:prstGeom>
-          <a:noFill/>
-        </p:spPr>
-        <p:txBody>
-          <a:bodyPr wrap="none" rtlCol="0">
-            <a:spAutoFit/>
-          </a:bodyPr>
-          <a:lstStyle/>
-          <a:p>
-            <a:pPr algn="r"/>
-            <a:r>
-              <a:rPr lang="en-US" altLang="ko-KR" sz="1100" dirty="0" err="1">
-                <a:latin typeface="Spoqa Han Sans Neo Bold" panose="020B0800000000000000" pitchFamily="50" charset="-127"/>
-                <a:ea typeface="Spoqa Han Sans Neo Bold" panose="020B0800000000000000" pitchFamily="50" charset="-127"/>
-              </a:rPr>
-              <a:t>webflux</a:t>
-            </a:r>
-            <a:r>
-              <a:rPr lang="en-US" altLang="ko-KR" sz="1100" dirty="0">
-                <a:latin typeface="Spoqa Han Sans Neo Bold" panose="020B0800000000000000" pitchFamily="50" charset="-127"/>
-                <a:ea typeface="Spoqa Han Sans Neo Bold" panose="020B0800000000000000" pitchFamily="50" charset="-127"/>
-              </a:rPr>
-              <a:t> - reactor</a:t>
-            </a:r>
-            <a:endParaRPr lang="ko-KR" altLang="en-US" sz="1100" dirty="0">
-              <a:latin typeface="Spoqa Han Sans Neo Bold" panose="020B0800000000000000" pitchFamily="50" charset="-127"/>
-              <a:ea typeface="Spoqa Han Sans Neo Bold" panose="020B0800000000000000" pitchFamily="50" charset="-127"/>
-            </a:endParaRPr>
-          </a:p>
-        </p:txBody>
-      </p:sp>
-      <p:sp>
-        <p:nvSpPr>
-          <p:cNvPr id="15" name="TextBox 14">
-            <a:extLst>
-              <a:ext uri="{FF2B5EF4-FFF2-40B4-BE49-F238E27FC236}">
-                <a16:creationId xmlns:a16="http://schemas.microsoft.com/office/drawing/2014/main" id="{52E45F16-6966-0D18-E61A-4D51FF59086D}"/>
-              </a:ext>
-            </a:extLst>
-          </p:cNvPr>
-          <p:cNvSpPr txBox="1"/>
-          <p:nvPr/>
-        </p:nvSpPr>
-        <p:spPr>
-          <a:xfrm>
-            <a:off x="6089686" y="4431665"/>
-            <a:ext cx="1544013" cy="261610"/>
-          </a:xfrm>
-          <a:prstGeom prst="rect">
-            <a:avLst/>
-          </a:prstGeom>
-          <a:noFill/>
-        </p:spPr>
-        <p:txBody>
-          <a:bodyPr wrap="none" rtlCol="0">
-            <a:spAutoFit/>
-          </a:bodyPr>
-          <a:lstStyle/>
-          <a:p>
-            <a:pPr algn="r"/>
-            <a:r>
-              <a:rPr lang="en-US" altLang="ko-KR" sz="1100" dirty="0" err="1">
-                <a:latin typeface="Spoqa Han Sans Neo Bold" panose="020B0800000000000000" pitchFamily="50" charset="-127"/>
-                <a:ea typeface="Spoqa Han Sans Neo Bold" panose="020B0800000000000000" pitchFamily="50" charset="-127"/>
-              </a:rPr>
-              <a:t>webflux</a:t>
-            </a:r>
-            <a:r>
-              <a:rPr lang="en-US" altLang="ko-KR" sz="1100" dirty="0">
-                <a:latin typeface="Spoqa Han Sans Neo Bold" panose="020B0800000000000000" pitchFamily="50" charset="-127"/>
-                <a:ea typeface="Spoqa Han Sans Neo Bold" panose="020B0800000000000000" pitchFamily="50" charset="-127"/>
-              </a:rPr>
-              <a:t> - coroutine</a:t>
-            </a:r>
-            <a:endParaRPr lang="ko-KR" altLang="en-US" sz="1100" dirty="0">
-              <a:latin typeface="Spoqa Han Sans Neo Bold" panose="020B0800000000000000" pitchFamily="50" charset="-127"/>
-              <a:ea typeface="Spoqa Han Sans Neo Bold" panose="020B0800000000000000" pitchFamily="50" charset="-127"/>
-            </a:endParaRPr>
-          </a:p>
-        </p:txBody>
-      </p:sp>
     </p:spTree>
     <p:extLst>
       <p:ext uri="{BB962C8B-B14F-4D97-AF65-F5344CB8AC3E}">
-        <p14:creationId xmlns:p14="http://schemas.microsoft.com/office/powerpoint/2010/main" val="781210756"/>
+        <p14:creationId xmlns:p14="http://schemas.microsoft.com/office/powerpoint/2010/main" val="1989243342"/>
       </p:ext>
     </p:extLst>
   </p:cSld>
@@ -8100,13 +9179,30 @@
           <a:lstStyle/>
           <a:p>
             <a:r>
-              <a:rPr lang="en-US" altLang="ko-KR" dirty="0"/>
-              <a:t>Container </a:t>
-            </a:r>
-            <a:r>
-              <a:rPr lang="ko-KR" altLang="en-US" dirty="0"/>
-              <a:t>성능비교</a:t>
-            </a:r>
+              <a:rPr lang="en-US" altLang="ko-KR" dirty="0" err="1"/>
+              <a:t>Jmeter</a:t>
+            </a:r>
+            <a:r>
+              <a:rPr lang="en-US" altLang="ko-KR" dirty="0"/>
+              <a:t> </a:t>
+            </a:r>
+            <a:r>
+              <a:rPr lang="ko-KR" altLang="en-US" dirty="0"/>
+              <a:t>테스트 </a:t>
+            </a:r>
+            <a:r>
+              <a:rPr lang="en-US" altLang="ko-KR" dirty="0"/>
+              <a:t>(</a:t>
+            </a:r>
+            <a:r>
+              <a:rPr lang="ko-KR" altLang="en-US" dirty="0"/>
+              <a:t>단건조회</a:t>
+            </a:r>
+            <a:r>
+              <a:rPr lang="en-US" altLang="ko-KR" dirty="0"/>
+              <a:t>)</a:t>
+            </a:r>
+            <a:endParaRPr lang="ko-KR" altLang="en-US" dirty="0"/>
           </a:p>
         </p:txBody>
       </p:sp>
@@ -8282,7 +9378,7 @@
           <p:cNvPr id="5" name="그림 4">
             <a:extLst>
               <a:ext uri="{FF2B5EF4-FFF2-40B4-BE49-F238E27FC236}">
-                <a16:creationId xmlns:a16="http://schemas.microsoft.com/office/drawing/2014/main" id="{088A8C10-AD70-7EFF-DA11-8D17077744F1}"/>
+                <a16:creationId xmlns:a16="http://schemas.microsoft.com/office/drawing/2014/main" id="{5D1BB2BF-E8CE-E9A9-E7A1-2583F41CBBE8}"/>
               </a:ext>
             </a:extLst>
           </p:cNvPr>
@@ -8299,18 +9395,1297 @@
         </p:blipFill>
         <p:spPr>
           <a:xfrm>
-            <a:off x="752056" y="1483234"/>
-            <a:ext cx="6902199" cy="3295800"/>
+            <a:off x="586597" y="1176732"/>
+            <a:ext cx="8103714" cy="3966768"/>
           </a:xfrm>
           <a:prstGeom prst="rect">
             <a:avLst/>
           </a:prstGeom>
         </p:spPr>
       </p:pic>
+      <p:sp>
+        <p:nvSpPr>
+          <p:cNvPr id="9" name="직사각형 8">
+            <a:extLst>
+              <a:ext uri="{FF2B5EF4-FFF2-40B4-BE49-F238E27FC236}">
+                <a16:creationId xmlns:a16="http://schemas.microsoft.com/office/drawing/2014/main" id="{0C647E0A-A57E-0374-7E22-BC8221067795}"/>
+              </a:ext>
+            </a:extLst>
+          </p:cNvPr>
+          <p:cNvSpPr/>
+          <p:nvPr/>
+        </p:nvSpPr>
+        <p:spPr>
+          <a:xfrm>
+            <a:off x="1062401" y="1524000"/>
+            <a:ext cx="2009045" cy="3259015"/>
+          </a:xfrm>
+          <a:prstGeom prst="rect">
+            <a:avLst/>
+          </a:prstGeom>
+          <a:noFill/>
+          <a:ln w="28575">
+            <a:solidFill>
+              <a:srgbClr val="FF0000"/>
+            </a:solidFill>
+            <a:prstDash val="sysDot"/>
+          </a:ln>
+        </p:spPr>
+        <p:style>
+          <a:lnRef idx="2">
+            <a:schemeClr val="accent1">
+              <a:shade val="15000"/>
+            </a:schemeClr>
+          </a:lnRef>
+          <a:fillRef idx="1">
+            <a:schemeClr val="accent1"/>
+          </a:fillRef>
+          <a:effectRef idx="0">
+            <a:schemeClr val="accent1"/>
+          </a:effectRef>
+          <a:fontRef idx="minor">
+            <a:schemeClr val="lt1"/>
+          </a:fontRef>
+        </p:style>
+        <p:txBody>
+          <a:bodyPr rtlCol="0" anchor="ctr"/>
+          <a:lstStyle/>
+          <a:p>
+            <a:pPr algn="ctr"/>
+            <a:endParaRPr lang="ko-KR" altLang="en-US"/>
+          </a:p>
+        </p:txBody>
+      </p:sp>
+      <p:sp>
+        <p:nvSpPr>
+          <p:cNvPr id="10" name="직사각형 9">
+            <a:extLst>
+              <a:ext uri="{FF2B5EF4-FFF2-40B4-BE49-F238E27FC236}">
+                <a16:creationId xmlns:a16="http://schemas.microsoft.com/office/drawing/2014/main" id="{1E02BD93-3D0C-6D9D-6A97-A5F1CDF638F8}"/>
+              </a:ext>
+            </a:extLst>
+          </p:cNvPr>
+          <p:cNvSpPr/>
+          <p:nvPr/>
+        </p:nvSpPr>
+        <p:spPr>
+          <a:xfrm>
+            <a:off x="3961546" y="1524001"/>
+            <a:ext cx="1924903" cy="3259014"/>
+          </a:xfrm>
+          <a:prstGeom prst="rect">
+            <a:avLst/>
+          </a:prstGeom>
+          <a:noFill/>
+          <a:ln w="28575">
+            <a:solidFill>
+              <a:srgbClr val="FF0000"/>
+            </a:solidFill>
+            <a:prstDash val="sysDot"/>
+          </a:ln>
+        </p:spPr>
+        <p:style>
+          <a:lnRef idx="2">
+            <a:schemeClr val="accent1">
+              <a:shade val="15000"/>
+            </a:schemeClr>
+          </a:lnRef>
+          <a:fillRef idx="1">
+            <a:schemeClr val="accent1"/>
+          </a:fillRef>
+          <a:effectRef idx="0">
+            <a:schemeClr val="accent1"/>
+          </a:effectRef>
+          <a:fontRef idx="minor">
+            <a:schemeClr val="lt1"/>
+          </a:fontRef>
+        </p:style>
+        <p:txBody>
+          <a:bodyPr rtlCol="0" anchor="ctr"/>
+          <a:lstStyle/>
+          <a:p>
+            <a:pPr algn="ctr"/>
+            <a:endParaRPr lang="ko-KR" altLang="en-US"/>
+          </a:p>
+        </p:txBody>
+      </p:sp>
+      <p:sp>
+        <p:nvSpPr>
+          <p:cNvPr id="11" name="직사각형 10">
+            <a:extLst>
+              <a:ext uri="{FF2B5EF4-FFF2-40B4-BE49-F238E27FC236}">
+                <a16:creationId xmlns:a16="http://schemas.microsoft.com/office/drawing/2014/main" id="{8E74944B-01E8-92FF-9D33-BA6FC1B33FB8}"/>
+              </a:ext>
+            </a:extLst>
+          </p:cNvPr>
+          <p:cNvSpPr/>
+          <p:nvPr/>
+        </p:nvSpPr>
+        <p:spPr>
+          <a:xfrm>
+            <a:off x="6248400" y="1524000"/>
+            <a:ext cx="2266950" cy="3259014"/>
+          </a:xfrm>
+          <a:prstGeom prst="rect">
+            <a:avLst/>
+          </a:prstGeom>
+          <a:noFill/>
+          <a:ln w="28575">
+            <a:solidFill>
+              <a:srgbClr val="FF0000"/>
+            </a:solidFill>
+            <a:prstDash val="sysDot"/>
+          </a:ln>
+        </p:spPr>
+        <p:style>
+          <a:lnRef idx="2">
+            <a:schemeClr val="accent1">
+              <a:shade val="15000"/>
+            </a:schemeClr>
+          </a:lnRef>
+          <a:fillRef idx="1">
+            <a:schemeClr val="accent1"/>
+          </a:fillRef>
+          <a:effectRef idx="0">
+            <a:schemeClr val="accent1"/>
+          </a:effectRef>
+          <a:fontRef idx="minor">
+            <a:schemeClr val="lt1"/>
+          </a:fontRef>
+        </p:style>
+        <p:txBody>
+          <a:bodyPr rtlCol="0" anchor="ctr"/>
+          <a:lstStyle/>
+          <a:p>
+            <a:pPr algn="ctr"/>
+            <a:endParaRPr lang="ko-KR" altLang="en-US"/>
+          </a:p>
+        </p:txBody>
+      </p:sp>
+      <p:sp>
+        <p:nvSpPr>
+          <p:cNvPr id="12" name="TextBox 11">
+            <a:extLst>
+              <a:ext uri="{FF2B5EF4-FFF2-40B4-BE49-F238E27FC236}">
+                <a16:creationId xmlns:a16="http://schemas.microsoft.com/office/drawing/2014/main" id="{4EF833CA-4E20-B301-4C57-EE15410A837A}"/>
+              </a:ext>
+            </a:extLst>
+          </p:cNvPr>
+          <p:cNvSpPr txBox="1"/>
+          <p:nvPr/>
+        </p:nvSpPr>
+        <p:spPr>
+          <a:xfrm>
+            <a:off x="1351587" y="4431665"/>
+            <a:ext cx="476412" cy="261610"/>
+          </a:xfrm>
+          <a:prstGeom prst="rect">
+            <a:avLst/>
+          </a:prstGeom>
+          <a:noFill/>
+        </p:spPr>
+        <p:txBody>
+          <a:bodyPr wrap="none" rtlCol="0">
+            <a:spAutoFit/>
+          </a:bodyPr>
+          <a:lstStyle/>
+          <a:p>
+            <a:pPr algn="r"/>
+            <a:r>
+              <a:rPr lang="en-US" altLang="ko-KR" sz="1100" dirty="0" err="1">
+                <a:latin typeface="Spoqa Han Sans Neo Bold" panose="020B0800000000000000" pitchFamily="50" charset="-127"/>
+                <a:ea typeface="Spoqa Han Sans Neo Bold" panose="020B0800000000000000" pitchFamily="50" charset="-127"/>
+              </a:rPr>
+              <a:t>mvc</a:t>
+            </a:r>
+            <a:endParaRPr lang="ko-KR" altLang="en-US" sz="1100" dirty="0">
+              <a:latin typeface="Spoqa Han Sans Neo Bold" panose="020B0800000000000000" pitchFamily="50" charset="-127"/>
+              <a:ea typeface="Spoqa Han Sans Neo Bold" panose="020B0800000000000000" pitchFamily="50" charset="-127"/>
+            </a:endParaRPr>
+          </a:p>
+        </p:txBody>
+      </p:sp>
+      <p:sp>
+        <p:nvSpPr>
+          <p:cNvPr id="14" name="TextBox 13">
+            <a:extLst>
+              <a:ext uri="{FF2B5EF4-FFF2-40B4-BE49-F238E27FC236}">
+                <a16:creationId xmlns:a16="http://schemas.microsoft.com/office/drawing/2014/main" id="{9905D032-E6F8-615D-C564-931558AA6427}"/>
+              </a:ext>
+            </a:extLst>
+          </p:cNvPr>
+          <p:cNvSpPr txBox="1"/>
+          <p:nvPr/>
+        </p:nvSpPr>
+        <p:spPr>
+          <a:xfrm>
+            <a:off x="4004342" y="4431665"/>
+            <a:ext cx="1382110" cy="261610"/>
+          </a:xfrm>
+          <a:prstGeom prst="rect">
+            <a:avLst/>
+          </a:prstGeom>
+          <a:noFill/>
+        </p:spPr>
+        <p:txBody>
+          <a:bodyPr wrap="none" rtlCol="0">
+            <a:spAutoFit/>
+          </a:bodyPr>
+          <a:lstStyle/>
+          <a:p>
+            <a:pPr algn="r"/>
+            <a:r>
+              <a:rPr lang="en-US" altLang="ko-KR" sz="1100" dirty="0" err="1">
+                <a:latin typeface="Spoqa Han Sans Neo Bold" panose="020B0800000000000000" pitchFamily="50" charset="-127"/>
+                <a:ea typeface="Spoqa Han Sans Neo Bold" panose="020B0800000000000000" pitchFamily="50" charset="-127"/>
+              </a:rPr>
+              <a:t>webflux</a:t>
+            </a:r>
+            <a:r>
+              <a:rPr lang="en-US" altLang="ko-KR" sz="1100" dirty="0">
+                <a:latin typeface="Spoqa Han Sans Neo Bold" panose="020B0800000000000000" pitchFamily="50" charset="-127"/>
+                <a:ea typeface="Spoqa Han Sans Neo Bold" panose="020B0800000000000000" pitchFamily="50" charset="-127"/>
+              </a:rPr>
+              <a:t> - reactor</a:t>
+            </a:r>
+            <a:endParaRPr lang="ko-KR" altLang="en-US" sz="1100" dirty="0">
+              <a:latin typeface="Spoqa Han Sans Neo Bold" panose="020B0800000000000000" pitchFamily="50" charset="-127"/>
+              <a:ea typeface="Spoqa Han Sans Neo Bold" panose="020B0800000000000000" pitchFamily="50" charset="-127"/>
+            </a:endParaRPr>
+          </a:p>
+        </p:txBody>
+      </p:sp>
+      <p:sp>
+        <p:nvSpPr>
+          <p:cNvPr id="15" name="TextBox 14">
+            <a:extLst>
+              <a:ext uri="{FF2B5EF4-FFF2-40B4-BE49-F238E27FC236}">
+                <a16:creationId xmlns:a16="http://schemas.microsoft.com/office/drawing/2014/main" id="{52E45F16-6966-0D18-E61A-4D51FF59086D}"/>
+              </a:ext>
+            </a:extLst>
+          </p:cNvPr>
+          <p:cNvSpPr txBox="1"/>
+          <p:nvPr/>
+        </p:nvSpPr>
+        <p:spPr>
+          <a:xfrm>
+            <a:off x="6248400" y="4431665"/>
+            <a:ext cx="1544013" cy="261610"/>
+          </a:xfrm>
+          <a:prstGeom prst="rect">
+            <a:avLst/>
+          </a:prstGeom>
+          <a:noFill/>
+        </p:spPr>
+        <p:txBody>
+          <a:bodyPr wrap="none" rtlCol="0">
+            <a:spAutoFit/>
+          </a:bodyPr>
+          <a:lstStyle/>
+          <a:p>
+            <a:pPr algn="r"/>
+            <a:r>
+              <a:rPr lang="en-US" altLang="ko-KR" sz="1100" dirty="0" err="1">
+                <a:latin typeface="Spoqa Han Sans Neo Bold" panose="020B0800000000000000" pitchFamily="50" charset="-127"/>
+                <a:ea typeface="Spoqa Han Sans Neo Bold" panose="020B0800000000000000" pitchFamily="50" charset="-127"/>
+              </a:rPr>
+              <a:t>webflux</a:t>
+            </a:r>
+            <a:r>
+              <a:rPr lang="en-US" altLang="ko-KR" sz="1100" dirty="0">
+                <a:latin typeface="Spoqa Han Sans Neo Bold" panose="020B0800000000000000" pitchFamily="50" charset="-127"/>
+                <a:ea typeface="Spoqa Han Sans Neo Bold" panose="020B0800000000000000" pitchFamily="50" charset="-127"/>
+              </a:rPr>
+              <a:t> - coroutine</a:t>
+            </a:r>
+            <a:endParaRPr lang="ko-KR" altLang="en-US" sz="1100" dirty="0">
+              <a:latin typeface="Spoqa Han Sans Neo Bold" panose="020B0800000000000000" pitchFamily="50" charset="-127"/>
+              <a:ea typeface="Spoqa Han Sans Neo Bold" panose="020B0800000000000000" pitchFamily="50" charset="-127"/>
+            </a:endParaRPr>
+          </a:p>
+        </p:txBody>
+      </p:sp>
     </p:spTree>
     <p:extLst>
       <p:ext uri="{BB962C8B-B14F-4D97-AF65-F5344CB8AC3E}">
-        <p14:creationId xmlns:p14="http://schemas.microsoft.com/office/powerpoint/2010/main" val="738790314"/>
+        <p14:creationId xmlns:p14="http://schemas.microsoft.com/office/powerpoint/2010/main" val="781210756"/>
+      </p:ext>
+    </p:extLst>
+  </p:cSld>
+  <p:clrMapOvr>
+    <a:masterClrMapping/>
+  </p:clrMapOvr>
+</p:sld>
+</file>
+
+<file path=ppt/slides/slide21.xml><?xml version="1.0" encoding="utf-8"?>
+<p:sld xmlns:a="http://schemas.openxmlformats.org/drawingml/2006/main" xmlns:r="http://schemas.openxmlformats.org/officeDocument/2006/relationships" xmlns:p="http://schemas.openxmlformats.org/presentationml/2006/main">
+  <p:cSld>
+    <p:spTree>
+      <p:nvGrpSpPr>
+        <p:cNvPr id="1" name=""/>
+        <p:cNvGrpSpPr/>
+        <p:nvPr/>
+      </p:nvGrpSpPr>
+      <p:grpSpPr>
+        <a:xfrm>
+          <a:off x="0" y="0"/>
+          <a:ext cx="0" cy="0"/>
+          <a:chOff x="0" y="0"/>
+          <a:chExt cx="0" cy="0"/>
+        </a:xfrm>
+      </p:grpSpPr>
+      <p:sp>
+        <p:nvSpPr>
+          <p:cNvPr id="2" name="제목 1">
+            <a:extLst>
+              <a:ext uri="{FF2B5EF4-FFF2-40B4-BE49-F238E27FC236}">
+                <a16:creationId xmlns:a16="http://schemas.microsoft.com/office/drawing/2014/main" id="{D21C1AA9-5E52-3A11-B3B3-447787E29D09}"/>
+              </a:ext>
+            </a:extLst>
+          </p:cNvPr>
+          <p:cNvSpPr>
+            <a:spLocks noGrp="1"/>
+          </p:cNvSpPr>
+          <p:nvPr>
+            <p:ph type="title"/>
+          </p:nvPr>
+        </p:nvSpPr>
+        <p:spPr/>
+        <p:txBody>
+          <a:bodyPr/>
+          <a:lstStyle/>
+          <a:p>
+            <a:r>
+              <a:rPr lang="en-US" altLang="ko-KR" dirty="0" err="1"/>
+              <a:t>Jmeter</a:t>
+            </a:r>
+            <a:r>
+              <a:rPr lang="en-US" altLang="ko-KR" dirty="0"/>
+              <a:t> </a:t>
+            </a:r>
+            <a:r>
+              <a:rPr lang="ko-KR" altLang="en-US" dirty="0"/>
+              <a:t>테스트 </a:t>
+            </a:r>
+            <a:r>
+              <a:rPr lang="en-US" altLang="ko-KR" dirty="0"/>
+              <a:t>(</a:t>
+            </a:r>
+            <a:r>
+              <a:rPr lang="ko-KR" altLang="en-US" dirty="0"/>
+              <a:t>응답속도</a:t>
+            </a:r>
+            <a:r>
+              <a:rPr lang="en-US" altLang="ko-KR" dirty="0"/>
+              <a:t>)</a:t>
+            </a:r>
+            <a:endParaRPr lang="ko-KR" altLang="en-US" dirty="0"/>
+          </a:p>
+        </p:txBody>
+      </p:sp>
+      <p:sp>
+        <p:nvSpPr>
+          <p:cNvPr id="7" name="Google Shape;209;p30">
+            <a:extLst>
+              <a:ext uri="{FF2B5EF4-FFF2-40B4-BE49-F238E27FC236}">
+                <a16:creationId xmlns:a16="http://schemas.microsoft.com/office/drawing/2014/main" id="{35F3E219-4EBB-8DE8-0966-E4317399395E}"/>
+              </a:ext>
+            </a:extLst>
+          </p:cNvPr>
+          <p:cNvSpPr/>
+          <p:nvPr/>
+        </p:nvSpPr>
+        <p:spPr>
+          <a:xfrm>
+            <a:off x="7811013" y="528014"/>
+            <a:ext cx="952500" cy="298200"/>
+          </a:xfrm>
+          <a:prstGeom prst="rect">
+            <a:avLst/>
+          </a:prstGeom>
+          <a:noFill/>
+          <a:ln>
+            <a:noFill/>
+          </a:ln>
+        </p:spPr>
+        <p:txBody>
+          <a:bodyPr spcFirstLastPara="1" wrap="square" lIns="19050" tIns="19050" rIns="19050" bIns="19050" anchor="t" anchorCtr="0">
+            <a:noAutofit/>
+          </a:bodyPr>
+          <a:lstStyle/>
+          <a:p>
+            <a:pPr marL="63500" marR="0" lvl="1" indent="0" algn="l" rtl="0">
+              <a:lnSpc>
+                <a:spcPct val="90000"/>
+              </a:lnSpc>
+              <a:spcBef>
+                <a:spcPts val="0"/>
+              </a:spcBef>
+              <a:spcAft>
+                <a:spcPts val="0"/>
+              </a:spcAft>
+              <a:buNone/>
+            </a:pPr>
+            <a:r>
+              <a:rPr lang="en-US" altLang="ko" sz="1200" b="1" i="0" u="none" strike="noStrike" cap="none" dirty="0">
+                <a:solidFill>
+                  <a:schemeClr val="bg1"/>
+                </a:solidFill>
+                <a:latin typeface="Arial"/>
+                <a:ea typeface="Arial"/>
+                <a:cs typeface="Arial"/>
+                <a:sym typeface="Arial"/>
+              </a:rPr>
+              <a:t>3</a:t>
+            </a:r>
+            <a:r>
+              <a:rPr lang="ko" sz="1200" b="1" i="0" u="none" strike="noStrike" cap="none" dirty="0">
+                <a:solidFill>
+                  <a:schemeClr val="bg1"/>
+                </a:solidFill>
+                <a:latin typeface="Arial"/>
+                <a:ea typeface="Arial"/>
+                <a:cs typeface="Arial"/>
+                <a:sym typeface="Arial"/>
+              </a:rPr>
+              <a:t>.</a:t>
+            </a:r>
+            <a:endParaRPr sz="500" dirty="0">
+              <a:solidFill>
+                <a:schemeClr val="bg1"/>
+              </a:solidFill>
+            </a:endParaRPr>
+          </a:p>
+        </p:txBody>
+      </p:sp>
+      <p:sp>
+        <p:nvSpPr>
+          <p:cNvPr id="8" name="Google Shape;210;p30">
+            <a:extLst>
+              <a:ext uri="{FF2B5EF4-FFF2-40B4-BE49-F238E27FC236}">
+                <a16:creationId xmlns:a16="http://schemas.microsoft.com/office/drawing/2014/main" id="{8CB63A74-B5C7-DCAA-53F5-96E44004D694}"/>
+              </a:ext>
+            </a:extLst>
+          </p:cNvPr>
+          <p:cNvSpPr/>
+          <p:nvPr/>
+        </p:nvSpPr>
+        <p:spPr>
+          <a:xfrm>
+            <a:off x="7811013" y="825047"/>
+            <a:ext cx="952500" cy="293400"/>
+          </a:xfrm>
+          <a:prstGeom prst="rect">
+            <a:avLst/>
+          </a:prstGeom>
+          <a:noFill/>
+          <a:ln>
+            <a:noFill/>
+          </a:ln>
+        </p:spPr>
+        <p:txBody>
+          <a:bodyPr spcFirstLastPara="1" wrap="square" lIns="19050" tIns="19050" rIns="19050" bIns="19050" anchor="t" anchorCtr="0">
+            <a:noAutofit/>
+          </a:bodyPr>
+          <a:lstStyle/>
+          <a:p>
+            <a:pPr marL="63500" marR="0" lvl="1" indent="0" algn="l" rtl="0">
+              <a:spcBef>
+                <a:spcPts val="200"/>
+              </a:spcBef>
+              <a:spcAft>
+                <a:spcPts val="0"/>
+              </a:spcAft>
+              <a:buClr>
+                <a:srgbClr val="000000"/>
+              </a:buClr>
+              <a:buFont typeface="Arial"/>
+              <a:buNone/>
+            </a:pPr>
+            <a:r>
+              <a:rPr lang="en-US" altLang="ko-KR" sz="800" dirty="0">
+                <a:solidFill>
+                  <a:schemeClr val="bg1"/>
+                </a:solidFill>
+              </a:rPr>
+              <a:t>Spring MVC / </a:t>
+            </a:r>
+            <a:r>
+              <a:rPr lang="en-US" altLang="ko-KR" sz="800" dirty="0" err="1">
+                <a:solidFill>
+                  <a:schemeClr val="bg1"/>
+                </a:solidFill>
+              </a:rPr>
+              <a:t>Webflux</a:t>
+            </a:r>
+            <a:r>
+              <a:rPr lang="en-US" altLang="ko-KR" sz="800" dirty="0">
+                <a:solidFill>
+                  <a:schemeClr val="bg1"/>
+                </a:solidFill>
+              </a:rPr>
+              <a:t> </a:t>
+            </a:r>
+            <a:r>
+              <a:rPr lang="ko-KR" altLang="en-US" sz="800" dirty="0">
+                <a:solidFill>
+                  <a:schemeClr val="bg1"/>
+                </a:solidFill>
+              </a:rPr>
+              <a:t>성능 비교 </a:t>
+            </a:r>
+            <a:r>
+              <a:rPr lang="en-US" altLang="ko-KR" sz="800" dirty="0">
+                <a:solidFill>
+                  <a:schemeClr val="bg1"/>
+                </a:solidFill>
+              </a:rPr>
+              <a:t>#2</a:t>
+            </a:r>
+            <a:endParaRPr lang="ko-KR" altLang="en-US" sz="800" dirty="0">
+              <a:solidFill>
+                <a:schemeClr val="bg1"/>
+              </a:solidFill>
+            </a:endParaRPr>
+          </a:p>
+        </p:txBody>
+      </p:sp>
+      <p:pic>
+        <p:nvPicPr>
+          <p:cNvPr id="4" name="그림 3">
+            <a:extLst>
+              <a:ext uri="{FF2B5EF4-FFF2-40B4-BE49-F238E27FC236}">
+                <a16:creationId xmlns:a16="http://schemas.microsoft.com/office/drawing/2014/main" id="{D09680E7-EB41-BFA6-1D5B-479F81A5A651}"/>
+              </a:ext>
+            </a:extLst>
+          </p:cNvPr>
+          <p:cNvPicPr>
+            <a:picLocks noChangeAspect="1"/>
+          </p:cNvPicPr>
+          <p:nvPr/>
+        </p:nvPicPr>
+        <p:blipFill>
+          <a:blip r:embed="rId3"/>
+          <a:stretch>
+            <a:fillRect/>
+          </a:stretch>
+        </p:blipFill>
+        <p:spPr>
+          <a:xfrm>
+            <a:off x="574434" y="1198653"/>
+            <a:ext cx="8241322" cy="3944848"/>
+          </a:xfrm>
+          <a:prstGeom prst="rect">
+            <a:avLst/>
+          </a:prstGeom>
+        </p:spPr>
+      </p:pic>
+      <p:sp>
+        <p:nvSpPr>
+          <p:cNvPr id="9" name="직사각형 8">
+            <a:extLst>
+              <a:ext uri="{FF2B5EF4-FFF2-40B4-BE49-F238E27FC236}">
+                <a16:creationId xmlns:a16="http://schemas.microsoft.com/office/drawing/2014/main" id="{0C647E0A-A57E-0374-7E22-BC8221067795}"/>
+              </a:ext>
+            </a:extLst>
+          </p:cNvPr>
+          <p:cNvSpPr/>
+          <p:nvPr/>
+        </p:nvSpPr>
+        <p:spPr>
+          <a:xfrm>
+            <a:off x="1062401" y="1524001"/>
+            <a:ext cx="2009045" cy="3270738"/>
+          </a:xfrm>
+          <a:prstGeom prst="rect">
+            <a:avLst/>
+          </a:prstGeom>
+          <a:noFill/>
+          <a:ln w="28575">
+            <a:solidFill>
+              <a:srgbClr val="FF0000"/>
+            </a:solidFill>
+            <a:prstDash val="sysDot"/>
+          </a:ln>
+        </p:spPr>
+        <p:style>
+          <a:lnRef idx="2">
+            <a:schemeClr val="accent1">
+              <a:shade val="15000"/>
+            </a:schemeClr>
+          </a:lnRef>
+          <a:fillRef idx="1">
+            <a:schemeClr val="accent1"/>
+          </a:fillRef>
+          <a:effectRef idx="0">
+            <a:schemeClr val="accent1"/>
+          </a:effectRef>
+          <a:fontRef idx="minor">
+            <a:schemeClr val="lt1"/>
+          </a:fontRef>
+        </p:style>
+        <p:txBody>
+          <a:bodyPr rtlCol="0" anchor="ctr"/>
+          <a:lstStyle/>
+          <a:p>
+            <a:pPr algn="ctr"/>
+            <a:endParaRPr lang="ko-KR" altLang="en-US"/>
+          </a:p>
+        </p:txBody>
+      </p:sp>
+      <p:sp>
+        <p:nvSpPr>
+          <p:cNvPr id="10" name="직사각형 9">
+            <a:extLst>
+              <a:ext uri="{FF2B5EF4-FFF2-40B4-BE49-F238E27FC236}">
+                <a16:creationId xmlns:a16="http://schemas.microsoft.com/office/drawing/2014/main" id="{1E02BD93-3D0C-6D9D-6A97-A5F1CDF638F8}"/>
+              </a:ext>
+            </a:extLst>
+          </p:cNvPr>
+          <p:cNvSpPr/>
+          <p:nvPr/>
+        </p:nvSpPr>
+        <p:spPr>
+          <a:xfrm>
+            <a:off x="3961546" y="1522289"/>
+            <a:ext cx="2009045" cy="3270738"/>
+          </a:xfrm>
+          <a:prstGeom prst="rect">
+            <a:avLst/>
+          </a:prstGeom>
+          <a:noFill/>
+          <a:ln w="28575">
+            <a:solidFill>
+              <a:srgbClr val="FF0000"/>
+            </a:solidFill>
+            <a:prstDash val="sysDot"/>
+          </a:ln>
+        </p:spPr>
+        <p:style>
+          <a:lnRef idx="2">
+            <a:schemeClr val="accent1">
+              <a:shade val="15000"/>
+            </a:schemeClr>
+          </a:lnRef>
+          <a:fillRef idx="1">
+            <a:schemeClr val="accent1"/>
+          </a:fillRef>
+          <a:effectRef idx="0">
+            <a:schemeClr val="accent1"/>
+          </a:effectRef>
+          <a:fontRef idx="minor">
+            <a:schemeClr val="lt1"/>
+          </a:fontRef>
+        </p:style>
+        <p:txBody>
+          <a:bodyPr rtlCol="0" anchor="ctr"/>
+          <a:lstStyle/>
+          <a:p>
+            <a:pPr algn="ctr"/>
+            <a:endParaRPr lang="ko-KR" altLang="en-US"/>
+          </a:p>
+        </p:txBody>
+      </p:sp>
+      <p:sp>
+        <p:nvSpPr>
+          <p:cNvPr id="11" name="직사각형 10">
+            <a:extLst>
+              <a:ext uri="{FF2B5EF4-FFF2-40B4-BE49-F238E27FC236}">
+                <a16:creationId xmlns:a16="http://schemas.microsoft.com/office/drawing/2014/main" id="{8E74944B-01E8-92FF-9D33-BA6FC1B33FB8}"/>
+              </a:ext>
+            </a:extLst>
+          </p:cNvPr>
+          <p:cNvSpPr/>
+          <p:nvPr/>
+        </p:nvSpPr>
+        <p:spPr>
+          <a:xfrm>
+            <a:off x="6330462" y="1520577"/>
+            <a:ext cx="2239104" cy="3270739"/>
+          </a:xfrm>
+          <a:prstGeom prst="rect">
+            <a:avLst/>
+          </a:prstGeom>
+          <a:noFill/>
+          <a:ln w="28575">
+            <a:solidFill>
+              <a:srgbClr val="FF0000"/>
+            </a:solidFill>
+            <a:prstDash val="sysDot"/>
+          </a:ln>
+        </p:spPr>
+        <p:style>
+          <a:lnRef idx="2">
+            <a:schemeClr val="accent1">
+              <a:shade val="15000"/>
+            </a:schemeClr>
+          </a:lnRef>
+          <a:fillRef idx="1">
+            <a:schemeClr val="accent1"/>
+          </a:fillRef>
+          <a:effectRef idx="0">
+            <a:schemeClr val="accent1"/>
+          </a:effectRef>
+          <a:fontRef idx="minor">
+            <a:schemeClr val="lt1"/>
+          </a:fontRef>
+        </p:style>
+        <p:txBody>
+          <a:bodyPr rtlCol="0" anchor="ctr"/>
+          <a:lstStyle/>
+          <a:p>
+            <a:pPr algn="ctr"/>
+            <a:endParaRPr lang="ko-KR" altLang="en-US"/>
+          </a:p>
+        </p:txBody>
+      </p:sp>
+      <p:sp>
+        <p:nvSpPr>
+          <p:cNvPr id="12" name="TextBox 11">
+            <a:extLst>
+              <a:ext uri="{FF2B5EF4-FFF2-40B4-BE49-F238E27FC236}">
+                <a16:creationId xmlns:a16="http://schemas.microsoft.com/office/drawing/2014/main" id="{4EF833CA-4E20-B301-4C57-EE15410A837A}"/>
+              </a:ext>
+            </a:extLst>
+          </p:cNvPr>
+          <p:cNvSpPr txBox="1"/>
+          <p:nvPr/>
+        </p:nvSpPr>
+        <p:spPr>
+          <a:xfrm>
+            <a:off x="1351587" y="4431665"/>
+            <a:ext cx="476412" cy="261610"/>
+          </a:xfrm>
+          <a:prstGeom prst="rect">
+            <a:avLst/>
+          </a:prstGeom>
+          <a:noFill/>
+        </p:spPr>
+        <p:txBody>
+          <a:bodyPr wrap="none" rtlCol="0">
+            <a:spAutoFit/>
+          </a:bodyPr>
+          <a:lstStyle/>
+          <a:p>
+            <a:pPr algn="r"/>
+            <a:r>
+              <a:rPr lang="en-US" altLang="ko-KR" sz="1100" dirty="0" err="1">
+                <a:latin typeface="Spoqa Han Sans Neo Bold" panose="020B0800000000000000" pitchFamily="50" charset="-127"/>
+                <a:ea typeface="Spoqa Han Sans Neo Bold" panose="020B0800000000000000" pitchFamily="50" charset="-127"/>
+              </a:rPr>
+              <a:t>mvc</a:t>
+            </a:r>
+            <a:endParaRPr lang="ko-KR" altLang="en-US" sz="1100" dirty="0">
+              <a:latin typeface="Spoqa Han Sans Neo Bold" panose="020B0800000000000000" pitchFamily="50" charset="-127"/>
+              <a:ea typeface="Spoqa Han Sans Neo Bold" panose="020B0800000000000000" pitchFamily="50" charset="-127"/>
+            </a:endParaRPr>
+          </a:p>
+        </p:txBody>
+      </p:sp>
+      <p:sp>
+        <p:nvSpPr>
+          <p:cNvPr id="14" name="TextBox 13">
+            <a:extLst>
+              <a:ext uri="{FF2B5EF4-FFF2-40B4-BE49-F238E27FC236}">
+                <a16:creationId xmlns:a16="http://schemas.microsoft.com/office/drawing/2014/main" id="{9905D032-E6F8-615D-C564-931558AA6427}"/>
+              </a:ext>
+            </a:extLst>
+          </p:cNvPr>
+          <p:cNvSpPr txBox="1"/>
+          <p:nvPr/>
+        </p:nvSpPr>
+        <p:spPr>
+          <a:xfrm>
+            <a:off x="4004342" y="4431665"/>
+            <a:ext cx="1382110" cy="261610"/>
+          </a:xfrm>
+          <a:prstGeom prst="rect">
+            <a:avLst/>
+          </a:prstGeom>
+          <a:noFill/>
+        </p:spPr>
+        <p:txBody>
+          <a:bodyPr wrap="none" rtlCol="0">
+            <a:spAutoFit/>
+          </a:bodyPr>
+          <a:lstStyle/>
+          <a:p>
+            <a:pPr algn="r"/>
+            <a:r>
+              <a:rPr lang="en-US" altLang="ko-KR" sz="1100" dirty="0" err="1">
+                <a:latin typeface="Spoqa Han Sans Neo Bold" panose="020B0800000000000000" pitchFamily="50" charset="-127"/>
+                <a:ea typeface="Spoqa Han Sans Neo Bold" panose="020B0800000000000000" pitchFamily="50" charset="-127"/>
+              </a:rPr>
+              <a:t>webflux</a:t>
+            </a:r>
+            <a:r>
+              <a:rPr lang="en-US" altLang="ko-KR" sz="1100" dirty="0">
+                <a:latin typeface="Spoqa Han Sans Neo Bold" panose="020B0800000000000000" pitchFamily="50" charset="-127"/>
+                <a:ea typeface="Spoqa Han Sans Neo Bold" panose="020B0800000000000000" pitchFamily="50" charset="-127"/>
+              </a:rPr>
+              <a:t> - reactor</a:t>
+            </a:r>
+            <a:endParaRPr lang="ko-KR" altLang="en-US" sz="1100" dirty="0">
+              <a:latin typeface="Spoqa Han Sans Neo Bold" panose="020B0800000000000000" pitchFamily="50" charset="-127"/>
+              <a:ea typeface="Spoqa Han Sans Neo Bold" panose="020B0800000000000000" pitchFamily="50" charset="-127"/>
+            </a:endParaRPr>
+          </a:p>
+        </p:txBody>
+      </p:sp>
+      <p:sp>
+        <p:nvSpPr>
+          <p:cNvPr id="15" name="TextBox 14">
+            <a:extLst>
+              <a:ext uri="{FF2B5EF4-FFF2-40B4-BE49-F238E27FC236}">
+                <a16:creationId xmlns:a16="http://schemas.microsoft.com/office/drawing/2014/main" id="{52E45F16-6966-0D18-E61A-4D51FF59086D}"/>
+              </a:ext>
+            </a:extLst>
+          </p:cNvPr>
+          <p:cNvSpPr txBox="1"/>
+          <p:nvPr/>
+        </p:nvSpPr>
+        <p:spPr>
+          <a:xfrm>
+            <a:off x="6611813" y="4431665"/>
+            <a:ext cx="1544013" cy="261610"/>
+          </a:xfrm>
+          <a:prstGeom prst="rect">
+            <a:avLst/>
+          </a:prstGeom>
+          <a:noFill/>
+        </p:spPr>
+        <p:txBody>
+          <a:bodyPr wrap="none" rtlCol="0">
+            <a:spAutoFit/>
+          </a:bodyPr>
+          <a:lstStyle/>
+          <a:p>
+            <a:pPr algn="r"/>
+            <a:r>
+              <a:rPr lang="en-US" altLang="ko-KR" sz="1100" dirty="0" err="1">
+                <a:latin typeface="Spoqa Han Sans Neo Bold" panose="020B0800000000000000" pitchFamily="50" charset="-127"/>
+                <a:ea typeface="Spoqa Han Sans Neo Bold" panose="020B0800000000000000" pitchFamily="50" charset="-127"/>
+              </a:rPr>
+              <a:t>webflux</a:t>
+            </a:r>
+            <a:r>
+              <a:rPr lang="en-US" altLang="ko-KR" sz="1100" dirty="0">
+                <a:latin typeface="Spoqa Han Sans Neo Bold" panose="020B0800000000000000" pitchFamily="50" charset="-127"/>
+                <a:ea typeface="Spoqa Han Sans Neo Bold" panose="020B0800000000000000" pitchFamily="50" charset="-127"/>
+              </a:rPr>
+              <a:t> - coroutine</a:t>
+            </a:r>
+            <a:endParaRPr lang="ko-KR" altLang="en-US" sz="1100" dirty="0">
+              <a:latin typeface="Spoqa Han Sans Neo Bold" panose="020B0800000000000000" pitchFamily="50" charset="-127"/>
+              <a:ea typeface="Spoqa Han Sans Neo Bold" panose="020B0800000000000000" pitchFamily="50" charset="-127"/>
+            </a:endParaRPr>
+          </a:p>
+        </p:txBody>
+      </p:sp>
+    </p:spTree>
+    <p:extLst>
+      <p:ext uri="{BB962C8B-B14F-4D97-AF65-F5344CB8AC3E}">
+        <p14:creationId xmlns:p14="http://schemas.microsoft.com/office/powerpoint/2010/main" val="703104726"/>
+      </p:ext>
+    </p:extLst>
+  </p:cSld>
+  <p:clrMapOvr>
+    <a:masterClrMapping/>
+  </p:clrMapOvr>
+</p:sld>
+</file>
+
+<file path=ppt/slides/slide22.xml><?xml version="1.0" encoding="utf-8"?>
+<p:sld xmlns:a="http://schemas.openxmlformats.org/drawingml/2006/main" xmlns:r="http://schemas.openxmlformats.org/officeDocument/2006/relationships" xmlns:p="http://schemas.openxmlformats.org/presentationml/2006/main">
+  <p:cSld>
+    <p:spTree>
+      <p:nvGrpSpPr>
+        <p:cNvPr id="1" name=""/>
+        <p:cNvGrpSpPr/>
+        <p:nvPr/>
+      </p:nvGrpSpPr>
+      <p:grpSpPr>
+        <a:xfrm>
+          <a:off x="0" y="0"/>
+          <a:ext cx="0" cy="0"/>
+          <a:chOff x="0" y="0"/>
+          <a:chExt cx="0" cy="0"/>
+        </a:xfrm>
+      </p:grpSpPr>
+      <p:sp>
+        <p:nvSpPr>
+          <p:cNvPr id="2" name="제목 1">
+            <a:extLst>
+              <a:ext uri="{FF2B5EF4-FFF2-40B4-BE49-F238E27FC236}">
+                <a16:creationId xmlns:a16="http://schemas.microsoft.com/office/drawing/2014/main" id="{D21C1AA9-5E52-3A11-B3B3-447787E29D09}"/>
+              </a:ext>
+            </a:extLst>
+          </p:cNvPr>
+          <p:cNvSpPr>
+            <a:spLocks noGrp="1"/>
+          </p:cNvSpPr>
+          <p:nvPr>
+            <p:ph type="title"/>
+          </p:nvPr>
+        </p:nvSpPr>
+        <p:spPr/>
+        <p:txBody>
+          <a:bodyPr/>
+          <a:lstStyle/>
+          <a:p>
+            <a:r>
+              <a:rPr lang="ko-KR" altLang="en-US" dirty="0"/>
+              <a:t>요약</a:t>
+            </a:r>
+          </a:p>
+        </p:txBody>
+      </p:sp>
+      <p:sp>
+        <p:nvSpPr>
+          <p:cNvPr id="9" name="사각형: 둥근 모서리 8">
+            <a:extLst>
+              <a:ext uri="{FF2B5EF4-FFF2-40B4-BE49-F238E27FC236}">
+                <a16:creationId xmlns:a16="http://schemas.microsoft.com/office/drawing/2014/main" id="{F583772E-2DC6-9DFB-0325-47744922343E}"/>
+              </a:ext>
+            </a:extLst>
+          </p:cNvPr>
+          <p:cNvSpPr/>
+          <p:nvPr/>
+        </p:nvSpPr>
+        <p:spPr>
+          <a:xfrm>
+            <a:off x="3544711" y="1701977"/>
+            <a:ext cx="2054578" cy="587022"/>
+          </a:xfrm>
+          <a:prstGeom prst="roundRect">
+            <a:avLst/>
+          </a:prstGeom>
+          <a:solidFill>
+            <a:schemeClr val="accent1"/>
+          </a:solidFill>
+          <a:ln w="28575">
+            <a:solidFill>
+              <a:schemeClr val="accent1">
+                <a:lumMod val="75000"/>
+              </a:schemeClr>
+            </a:solidFill>
+          </a:ln>
+        </p:spPr>
+        <p:style>
+          <a:lnRef idx="0">
+            <a:scrgbClr r="0" g="0" b="0"/>
+          </a:lnRef>
+          <a:fillRef idx="0">
+            <a:scrgbClr r="0" g="0" b="0"/>
+          </a:fillRef>
+          <a:effectRef idx="0">
+            <a:scrgbClr r="0" g="0" b="0"/>
+          </a:effectRef>
+          <a:fontRef idx="minor">
+            <a:schemeClr val="lt1"/>
+          </a:fontRef>
+        </p:style>
+        <p:txBody>
+          <a:bodyPr rtlCol="0" anchor="ctr"/>
+          <a:lstStyle/>
+          <a:p>
+            <a:pPr algn="ctr"/>
+            <a:r>
+              <a:rPr lang="en-US" altLang="ko-KR" sz="2400" dirty="0" err="1"/>
+              <a:t>Netty</a:t>
+            </a:r>
+            <a:endParaRPr lang="ko-KR" altLang="en-US" sz="2400" dirty="0"/>
+          </a:p>
+        </p:txBody>
+      </p:sp>
+      <p:sp>
+        <p:nvSpPr>
+          <p:cNvPr id="10" name="사각형: 둥근 모서리 9">
+            <a:extLst>
+              <a:ext uri="{FF2B5EF4-FFF2-40B4-BE49-F238E27FC236}">
+                <a16:creationId xmlns:a16="http://schemas.microsoft.com/office/drawing/2014/main" id="{BB6DCA31-6644-5B20-8CFD-71583BFDDBA6}"/>
+              </a:ext>
+            </a:extLst>
+          </p:cNvPr>
+          <p:cNvSpPr/>
+          <p:nvPr/>
+        </p:nvSpPr>
+        <p:spPr>
+          <a:xfrm>
+            <a:off x="1711569" y="3242910"/>
+            <a:ext cx="2245185" cy="587022"/>
+          </a:xfrm>
+          <a:prstGeom prst="roundRect">
+            <a:avLst/>
+          </a:prstGeom>
+          <a:solidFill>
+            <a:schemeClr val="accent1"/>
+          </a:solidFill>
+          <a:ln w="28575">
+            <a:solidFill>
+              <a:schemeClr val="accent1">
+                <a:lumMod val="75000"/>
+              </a:schemeClr>
+            </a:solidFill>
+          </a:ln>
+        </p:spPr>
+        <p:style>
+          <a:lnRef idx="0">
+            <a:scrgbClr r="0" g="0" b="0"/>
+          </a:lnRef>
+          <a:fillRef idx="0">
+            <a:scrgbClr r="0" g="0" b="0"/>
+          </a:fillRef>
+          <a:effectRef idx="0">
+            <a:scrgbClr r="0" g="0" b="0"/>
+          </a:effectRef>
+          <a:fontRef idx="minor">
+            <a:schemeClr val="lt1"/>
+          </a:fontRef>
+        </p:style>
+        <p:txBody>
+          <a:bodyPr rtlCol="0" anchor="ctr"/>
+          <a:lstStyle/>
+          <a:p>
+            <a:pPr algn="ctr"/>
+            <a:r>
+              <a:rPr lang="en-US" altLang="ko-KR" sz="2400" dirty="0"/>
+              <a:t>Asynchronous</a:t>
+            </a:r>
+            <a:endParaRPr lang="ko-KR" altLang="en-US" sz="2400" dirty="0"/>
+          </a:p>
+        </p:txBody>
+      </p:sp>
+      <p:sp>
+        <p:nvSpPr>
+          <p:cNvPr id="11" name="사각형: 둥근 모서리 10">
+            <a:extLst>
+              <a:ext uri="{FF2B5EF4-FFF2-40B4-BE49-F238E27FC236}">
+                <a16:creationId xmlns:a16="http://schemas.microsoft.com/office/drawing/2014/main" id="{0BCBA08B-1A25-2D1C-680E-232E32CBEA6C}"/>
+              </a:ext>
+            </a:extLst>
+          </p:cNvPr>
+          <p:cNvSpPr/>
+          <p:nvPr/>
+        </p:nvSpPr>
+        <p:spPr>
+          <a:xfrm>
+            <a:off x="5187247" y="3242910"/>
+            <a:ext cx="2397584" cy="587022"/>
+          </a:xfrm>
+          <a:prstGeom prst="roundRect">
+            <a:avLst/>
+          </a:prstGeom>
+          <a:solidFill>
+            <a:schemeClr val="accent1"/>
+          </a:solidFill>
+          <a:ln w="28575">
+            <a:solidFill>
+              <a:schemeClr val="accent1">
+                <a:lumMod val="75000"/>
+              </a:schemeClr>
+            </a:solidFill>
+          </a:ln>
+        </p:spPr>
+        <p:style>
+          <a:lnRef idx="0">
+            <a:scrgbClr r="0" g="0" b="0"/>
+          </a:lnRef>
+          <a:fillRef idx="0">
+            <a:scrgbClr r="0" g="0" b="0"/>
+          </a:fillRef>
+          <a:effectRef idx="0">
+            <a:scrgbClr r="0" g="0" b="0"/>
+          </a:effectRef>
+          <a:fontRef idx="minor">
+            <a:schemeClr val="lt1"/>
+          </a:fontRef>
+        </p:style>
+        <p:txBody>
+          <a:bodyPr rtlCol="0" anchor="ctr"/>
+          <a:lstStyle/>
+          <a:p>
+            <a:pPr algn="ctr"/>
+            <a:r>
+              <a:rPr lang="en-US" altLang="ko-KR" sz="2400" dirty="0"/>
+              <a:t>Non-Blocking IO</a:t>
+            </a:r>
+            <a:endParaRPr lang="ko-KR" altLang="en-US" sz="2400" dirty="0"/>
+          </a:p>
+        </p:txBody>
+      </p:sp>
+      <p:sp>
+        <p:nvSpPr>
+          <p:cNvPr id="3" name="Google Shape;209;p30">
+            <a:extLst>
+              <a:ext uri="{FF2B5EF4-FFF2-40B4-BE49-F238E27FC236}">
+                <a16:creationId xmlns:a16="http://schemas.microsoft.com/office/drawing/2014/main" id="{64987E12-28EB-0D4F-6EE7-CAC7C086DF3A}"/>
+              </a:ext>
+            </a:extLst>
+          </p:cNvPr>
+          <p:cNvSpPr/>
+          <p:nvPr/>
+        </p:nvSpPr>
+        <p:spPr>
+          <a:xfrm>
+            <a:off x="7811013" y="528014"/>
+            <a:ext cx="952500" cy="298200"/>
+          </a:xfrm>
+          <a:prstGeom prst="rect">
+            <a:avLst/>
+          </a:prstGeom>
+          <a:noFill/>
+          <a:ln>
+            <a:noFill/>
+          </a:ln>
+        </p:spPr>
+        <p:txBody>
+          <a:bodyPr spcFirstLastPara="1" wrap="square" lIns="19050" tIns="19050" rIns="19050" bIns="19050" anchor="t" anchorCtr="0">
+            <a:noAutofit/>
+          </a:bodyPr>
+          <a:lstStyle/>
+          <a:p>
+            <a:pPr marL="63500" marR="0" lvl="1" indent="0" algn="l" rtl="0">
+              <a:lnSpc>
+                <a:spcPct val="90000"/>
+              </a:lnSpc>
+              <a:spcBef>
+                <a:spcPts val="0"/>
+              </a:spcBef>
+              <a:spcAft>
+                <a:spcPts val="0"/>
+              </a:spcAft>
+              <a:buNone/>
+            </a:pPr>
+            <a:r>
+              <a:rPr lang="en-US" altLang="ko" sz="1200" b="1" i="0" u="none" strike="noStrike" cap="none" dirty="0">
+                <a:solidFill>
+                  <a:schemeClr val="bg1"/>
+                </a:solidFill>
+                <a:latin typeface="Arial"/>
+                <a:ea typeface="Arial"/>
+                <a:cs typeface="Arial"/>
+                <a:sym typeface="Arial"/>
+              </a:rPr>
+              <a:t>3</a:t>
+            </a:r>
+            <a:r>
+              <a:rPr lang="ko" sz="1200" b="1" i="0" u="none" strike="noStrike" cap="none" dirty="0">
+                <a:solidFill>
+                  <a:schemeClr val="bg1"/>
+                </a:solidFill>
+                <a:latin typeface="Arial"/>
+                <a:ea typeface="Arial"/>
+                <a:cs typeface="Arial"/>
+                <a:sym typeface="Arial"/>
+              </a:rPr>
+              <a:t>.</a:t>
+            </a:r>
+            <a:endParaRPr sz="500" dirty="0">
+              <a:solidFill>
+                <a:schemeClr val="bg1"/>
+              </a:solidFill>
+            </a:endParaRPr>
+          </a:p>
+        </p:txBody>
+      </p:sp>
+      <p:sp>
+        <p:nvSpPr>
+          <p:cNvPr id="4" name="Google Shape;210;p30">
+            <a:extLst>
+              <a:ext uri="{FF2B5EF4-FFF2-40B4-BE49-F238E27FC236}">
+                <a16:creationId xmlns:a16="http://schemas.microsoft.com/office/drawing/2014/main" id="{F69476E5-4683-1B70-668A-450C10F0B2CF}"/>
+              </a:ext>
+            </a:extLst>
+          </p:cNvPr>
+          <p:cNvSpPr/>
+          <p:nvPr/>
+        </p:nvSpPr>
+        <p:spPr>
+          <a:xfrm>
+            <a:off x="7811013" y="825047"/>
+            <a:ext cx="952500" cy="293400"/>
+          </a:xfrm>
+          <a:prstGeom prst="rect">
+            <a:avLst/>
+          </a:prstGeom>
+          <a:noFill/>
+          <a:ln>
+            <a:noFill/>
+          </a:ln>
+        </p:spPr>
+        <p:txBody>
+          <a:bodyPr spcFirstLastPara="1" wrap="square" lIns="19050" tIns="19050" rIns="19050" bIns="19050" anchor="t" anchorCtr="0">
+            <a:noAutofit/>
+          </a:bodyPr>
+          <a:lstStyle/>
+          <a:p>
+            <a:pPr marL="63500" marR="0" lvl="1" indent="0" algn="l" rtl="0">
+              <a:spcBef>
+                <a:spcPts val="200"/>
+              </a:spcBef>
+              <a:spcAft>
+                <a:spcPts val="0"/>
+              </a:spcAft>
+              <a:buClr>
+                <a:srgbClr val="000000"/>
+              </a:buClr>
+              <a:buFont typeface="Arial"/>
+              <a:buNone/>
+            </a:pPr>
+            <a:r>
+              <a:rPr lang="en-US" altLang="ko-KR" sz="800" dirty="0">
+                <a:solidFill>
+                  <a:schemeClr val="bg1"/>
+                </a:solidFill>
+              </a:rPr>
+              <a:t>Spring MVC / </a:t>
+            </a:r>
+            <a:r>
+              <a:rPr lang="en-US" altLang="ko-KR" sz="800" dirty="0" err="1">
+                <a:solidFill>
+                  <a:schemeClr val="bg1"/>
+                </a:solidFill>
+              </a:rPr>
+              <a:t>Webflux</a:t>
+            </a:r>
+            <a:r>
+              <a:rPr lang="en-US" altLang="ko-KR" sz="800" dirty="0">
+                <a:solidFill>
+                  <a:schemeClr val="bg1"/>
+                </a:solidFill>
+              </a:rPr>
+              <a:t> </a:t>
+            </a:r>
+            <a:r>
+              <a:rPr lang="ko-KR" altLang="en-US" sz="800" dirty="0">
+                <a:solidFill>
+                  <a:schemeClr val="bg1"/>
+                </a:solidFill>
+              </a:rPr>
+              <a:t>성능 비교 </a:t>
+            </a:r>
+            <a:r>
+              <a:rPr lang="en-US" altLang="ko-KR" sz="800" dirty="0">
+                <a:solidFill>
+                  <a:schemeClr val="bg1"/>
+                </a:solidFill>
+              </a:rPr>
+              <a:t>#2</a:t>
+            </a:r>
+            <a:endParaRPr lang="ko-KR" altLang="en-US" sz="800" dirty="0">
+              <a:solidFill>
+                <a:schemeClr val="bg1"/>
+              </a:solidFill>
+            </a:endParaRPr>
+          </a:p>
+        </p:txBody>
+      </p:sp>
+    </p:spTree>
+    <p:extLst>
+      <p:ext uri="{BB962C8B-B14F-4D97-AF65-F5344CB8AC3E}">
+        <p14:creationId xmlns:p14="http://schemas.microsoft.com/office/powerpoint/2010/main" val="572448023"/>
       </p:ext>
     </p:extLst>
   </p:cSld>
@@ -9605,10 +11980,10 @@
       </p:sp>
       <p:pic>
         <p:nvPicPr>
-          <p:cNvPr id="4" name="그림 3">
+          <p:cNvPr id="5" name="그림 4">
             <a:extLst>
               <a:ext uri="{FF2B5EF4-FFF2-40B4-BE49-F238E27FC236}">
-                <a16:creationId xmlns:a16="http://schemas.microsoft.com/office/drawing/2014/main" id="{7901A300-D515-36C6-E860-8ECEF5CA7FC8}"/>
+                <a16:creationId xmlns:a16="http://schemas.microsoft.com/office/drawing/2014/main" id="{B37826F1-02C2-84AF-4EBE-332C3EFE47C5}"/>
               </a:ext>
             </a:extLst>
           </p:cNvPr>
@@ -9625,8 +12000,8 @@
         </p:blipFill>
         <p:spPr>
           <a:xfrm>
-            <a:off x="675664" y="1180797"/>
-            <a:ext cx="6231060" cy="3885066"/>
+            <a:off x="973015" y="1139120"/>
+            <a:ext cx="6422422" cy="4004380"/>
           </a:xfrm>
           <a:prstGeom prst="rect">
             <a:avLst/>
@@ -10183,10 +12558,10 @@
       </p:sp>
       <p:pic>
         <p:nvPicPr>
-          <p:cNvPr id="5" name="그림 4">
+          <p:cNvPr id="4" name="그림 3">
             <a:extLst>
               <a:ext uri="{FF2B5EF4-FFF2-40B4-BE49-F238E27FC236}">
-                <a16:creationId xmlns:a16="http://schemas.microsoft.com/office/drawing/2014/main" id="{540DB9CD-996E-D6B4-AE4F-31519636DB4E}"/>
+                <a16:creationId xmlns:a16="http://schemas.microsoft.com/office/drawing/2014/main" id="{D316E409-EE42-334B-1785-C19A7581D431}"/>
               </a:ext>
             </a:extLst>
           </p:cNvPr>
@@ -10203,8 +12578,8 @@
         </p:blipFill>
         <p:spPr>
           <a:xfrm>
-            <a:off x="688602" y="1198052"/>
-            <a:ext cx="6231060" cy="3885066"/>
+            <a:off x="992042" y="1118447"/>
+            <a:ext cx="6455579" cy="4025053"/>
           </a:xfrm>
           <a:prstGeom prst="rect">
             <a:avLst/>

--- a/99.ppt/[Ch4-5. 비동기 서비스 부하 테스트.pptx
+++ b/99.ppt/[Ch4-5. 비동기 서비스 부하 테스트.pptx
@@ -229,7 +229,7 @@
           <a:p>
             <a:fld id="{9B770909-2C76-4DF9-BB76-4EE283593418}" type="datetimeFigureOut">
               <a:rPr lang="ko-KR" altLang="en-US" smtClean="0"/>
-              <a:t>2023-09-05</a:t>
+              <a:t>2023-09-06</a:t>
             </a:fld>
             <a:endParaRPr lang="ko-KR" altLang="en-US"/>
           </a:p>
@@ -1185,6 +1185,14 @@
               <a:t>, </a:t>
             </a:r>
             <a:r>
+              <a:rPr lang="en-US" altLang="ko-KR" dirty="0" err="1"/>
+              <a:t>Webflux</a:t>
+            </a:r>
+            <a:r>
+              <a:rPr lang="ko-KR" altLang="en-US" dirty="0"/>
+              <a:t>는 </a:t>
+            </a:r>
+            <a:r>
               <a:rPr lang="ko-KR" altLang="en-US" dirty="0" err="1"/>
               <a:t>논블럭</a:t>
             </a:r>
@@ -1198,56 +1206,239 @@
             </a:r>
             <a:r>
               <a:rPr lang="ko-KR" altLang="en-US" dirty="0"/>
-              <a:t>로 처리하는 </a:t>
+              <a:t>로 처리하니까</a:t>
+            </a:r>
+            <a:r>
+              <a:rPr lang="en-US" altLang="ko-KR" dirty="0"/>
+              <a:t>, </a:t>
+            </a:r>
+            <a:r>
+              <a:rPr lang="ko-KR" altLang="en-US" dirty="0"/>
+              <a:t>처리량이 더 많아지지 않을까요 </a:t>
+            </a:r>
+            <a:r>
+              <a:rPr lang="en-US" altLang="ko-KR" dirty="0"/>
+              <a:t>?</a:t>
+            </a:r>
+          </a:p>
+          <a:p>
+            <a:endParaRPr lang="en-US" altLang="ko-KR" dirty="0"/>
+          </a:p>
+          <a:p>
+            <a:r>
+              <a:rPr lang="ko-KR" altLang="en-US" dirty="0"/>
+              <a:t>하지만</a:t>
+            </a:r>
+            <a:r>
+              <a:rPr lang="en-US" altLang="ko-KR" dirty="0"/>
+              <a:t>, </a:t>
+            </a:r>
+            <a:r>
+              <a:rPr lang="ko-KR" altLang="en-US" dirty="0"/>
+              <a:t>저희</a:t>
+            </a:r>
+            <a:r>
+              <a:rPr lang="en-US" altLang="ko-KR" dirty="0"/>
+              <a:t>… </a:t>
+            </a:r>
+            <a:r>
+              <a:rPr lang="ko-KR" altLang="en-US" dirty="0"/>
+              <a:t>쿼리가 </a:t>
+            </a:r>
+            <a:r>
+              <a:rPr lang="ko-KR" altLang="en-US" dirty="0" err="1"/>
+              <a:t>느렸던</a:t>
+            </a:r>
+            <a:r>
+              <a:rPr lang="ko-KR" altLang="en-US" dirty="0"/>
+              <a:t> 다건조회 테스트</a:t>
+            </a:r>
+            <a:r>
+              <a:rPr lang="en-US" altLang="ko-KR" dirty="0"/>
+              <a:t>… </a:t>
+            </a:r>
+            <a:r>
+              <a:rPr lang="ko-KR" altLang="en-US" dirty="0"/>
+              <a:t>해봤었고요</a:t>
+            </a:r>
+            <a:r>
+              <a:rPr lang="en-US" altLang="ko-KR" dirty="0"/>
+              <a:t>. </a:t>
+            </a:r>
+            <a:r>
+              <a:rPr lang="ko-KR" altLang="en-US" dirty="0"/>
+              <a:t>특별히 빠르진 않았습니다</a:t>
+            </a:r>
+            <a:r>
+              <a:rPr lang="en-US" altLang="ko-KR" dirty="0"/>
+              <a:t>. </a:t>
+            </a:r>
+            <a:r>
+              <a:rPr lang="ko-KR" altLang="en-US" dirty="0"/>
+              <a:t>그건 그냥 전반적으로 느리게 동작했습니다</a:t>
+            </a:r>
+            <a:r>
+              <a:rPr lang="en-US" altLang="ko-KR" dirty="0"/>
+              <a:t>.</a:t>
+            </a:r>
+          </a:p>
+          <a:p>
+            <a:endParaRPr lang="en-US" altLang="ko-KR" dirty="0"/>
+          </a:p>
+          <a:p>
+            <a:endParaRPr lang="en-US" altLang="ko-KR" dirty="0"/>
+          </a:p>
+          <a:p>
+            <a:r>
+              <a:rPr lang="ko-KR" altLang="en-US" dirty="0"/>
+              <a:t>여러가지 가설을 세워볼 수 있을 것 같습니다</a:t>
+            </a:r>
+            <a:r>
+              <a:rPr lang="en-US" altLang="ko-KR" dirty="0"/>
+              <a:t>.</a:t>
+            </a:r>
+          </a:p>
+          <a:p>
+            <a:endParaRPr lang="en-US" altLang="ko-KR" dirty="0"/>
+          </a:p>
+          <a:p>
+            <a:r>
+              <a:rPr lang="en-US" altLang="ko-KR" dirty="0"/>
+              <a:t>R2DBC </a:t>
+            </a:r>
+            <a:r>
+              <a:rPr lang="ko-KR" altLang="en-US" dirty="0"/>
+              <a:t>드라이버가 아직 </a:t>
+            </a:r>
+            <a:r>
+              <a:rPr lang="en-US" altLang="ko-KR" dirty="0"/>
+              <a:t>NIO </a:t>
+            </a:r>
+            <a:r>
+              <a:rPr lang="ko-KR" altLang="en-US" dirty="0"/>
+              <a:t>지원이 미흡해서</a:t>
+            </a:r>
+            <a:r>
+              <a:rPr lang="en-US" altLang="ko-KR" dirty="0"/>
+              <a:t>, </a:t>
+            </a:r>
+            <a:r>
+              <a:rPr lang="ko-KR" altLang="en-US" dirty="0"/>
+              <a:t>실제로는 </a:t>
+            </a:r>
+            <a:r>
+              <a:rPr lang="ko-KR" altLang="en-US" dirty="0" err="1"/>
+              <a:t>블러킹</a:t>
+            </a:r>
+            <a:r>
+              <a:rPr lang="ko-KR" altLang="en-US" dirty="0"/>
+              <a:t> 호출이 </a:t>
+            </a:r>
+            <a:r>
+              <a:rPr lang="ko-KR" altLang="en-US" dirty="0" err="1"/>
+              <a:t>일어난거나</a:t>
+            </a:r>
+            <a:r>
+              <a:rPr lang="ko-KR" altLang="en-US" dirty="0"/>
+              <a:t> </a:t>
+            </a:r>
+            <a:r>
+              <a:rPr lang="ko-KR" altLang="en-US" dirty="0" err="1"/>
+              <a:t>다름없다거나</a:t>
+            </a:r>
+            <a:endParaRPr lang="en-US" altLang="ko-KR" dirty="0"/>
+          </a:p>
+          <a:p>
+            <a:endParaRPr lang="en-US" altLang="ko-KR" dirty="0"/>
+          </a:p>
+          <a:p>
+            <a:r>
+              <a:rPr lang="ko-KR" altLang="en-US" dirty="0"/>
+              <a:t>혹은 </a:t>
+            </a:r>
+            <a:r>
+              <a:rPr lang="en-US" altLang="ko-KR" dirty="0" err="1"/>
+              <a:t>mariadb</a:t>
+            </a:r>
+            <a:r>
+              <a:rPr lang="en-US" altLang="ko-KR" dirty="0"/>
+              <a:t> </a:t>
+            </a:r>
+            <a:r>
+              <a:rPr lang="ko-KR" altLang="en-US" dirty="0"/>
+              <a:t>가 </a:t>
+            </a:r>
+            <a:r>
+              <a:rPr lang="en-US" altLang="ko-KR" dirty="0"/>
+              <a:t>NIO </a:t>
+            </a:r>
+            <a:r>
+              <a:rPr lang="ko-KR" altLang="en-US" dirty="0"/>
+              <a:t>를 지원하지 않을 수도 있겠죠</a:t>
+            </a:r>
+            <a:r>
+              <a:rPr lang="en-US" altLang="ko-KR" dirty="0"/>
+              <a:t>. </a:t>
+            </a:r>
+            <a:r>
+              <a:rPr lang="ko-KR" altLang="en-US" dirty="0"/>
+              <a:t>아무리 </a:t>
+            </a:r>
+            <a:r>
+              <a:rPr lang="ko-KR" altLang="en-US" dirty="0" err="1"/>
+              <a:t>논블럭하게</a:t>
+            </a:r>
+            <a:r>
+              <a:rPr lang="ko-KR" altLang="en-US" dirty="0"/>
+              <a:t> 호출해도</a:t>
+            </a:r>
+            <a:r>
+              <a:rPr lang="en-US" altLang="ko-KR" dirty="0"/>
+              <a:t>, </a:t>
+            </a:r>
+            <a:r>
+              <a:rPr lang="ko-KR" altLang="en-US" dirty="0"/>
+              <a:t>피호출 서비스가 </a:t>
+            </a:r>
+            <a:r>
+              <a:rPr lang="ko-KR" altLang="en-US" dirty="0" err="1"/>
+              <a:t>블러킹이라면</a:t>
+            </a:r>
+            <a:r>
+              <a:rPr lang="en-US" altLang="ko-KR" dirty="0"/>
+              <a:t>, </a:t>
+            </a:r>
+            <a:r>
+              <a:rPr lang="ko-KR" altLang="en-US" dirty="0"/>
+              <a:t>그 부하는 고스란히 </a:t>
             </a:r>
             <a:r>
               <a:rPr lang="en-US" altLang="ko-KR" dirty="0" err="1"/>
               <a:t>Webflux</a:t>
             </a:r>
             <a:r>
-              <a:rPr lang="en-US" altLang="ko-KR" dirty="0"/>
-              <a:t> </a:t>
-            </a:r>
-            <a:r>
-              <a:rPr lang="ko-KR" altLang="en-US" dirty="0"/>
-              <a:t>니까 처리량이 더 많아지지 않을까요 </a:t>
-            </a:r>
-            <a:r>
-              <a:rPr lang="en-US" altLang="ko-KR" dirty="0"/>
-              <a:t>?</a:t>
+              <a:rPr lang="ko-KR" altLang="en-US" dirty="0"/>
+              <a:t>에 </a:t>
+            </a:r>
+            <a:r>
+              <a:rPr lang="ko-KR" altLang="en-US" dirty="0" err="1"/>
+              <a:t>전파되니깐요</a:t>
+            </a:r>
+            <a:r>
+              <a:rPr lang="en-US" altLang="ko-KR" dirty="0"/>
+              <a:t>.</a:t>
             </a:r>
           </a:p>
           <a:p>
             <a:endParaRPr lang="en-US" altLang="ko-KR" dirty="0"/>
           </a:p>
           <a:p>
-            <a:r>
-              <a:rPr lang="ko-KR" altLang="en-US" dirty="0"/>
-              <a:t>하지만</a:t>
-            </a:r>
-            <a:r>
-              <a:rPr lang="en-US" altLang="ko-KR" dirty="0"/>
-              <a:t>, </a:t>
-            </a:r>
-            <a:r>
-              <a:rPr lang="ko-KR" altLang="en-US" dirty="0"/>
-              <a:t>저희</a:t>
-            </a:r>
-            <a:r>
-              <a:rPr lang="en-US" altLang="ko-KR" dirty="0"/>
-              <a:t>, </a:t>
-            </a:r>
-            <a:r>
-              <a:rPr lang="ko-KR" altLang="en-US" dirty="0"/>
-              <a:t>쿼리가 </a:t>
-            </a:r>
-            <a:r>
-              <a:rPr lang="ko-KR" altLang="en-US" dirty="0" err="1"/>
-              <a:t>느렸던</a:t>
-            </a:r>
-            <a:r>
-              <a:rPr lang="ko-KR" altLang="en-US" dirty="0"/>
-              <a:t> 다건조회 테스트</a:t>
+            <a:endParaRPr lang="en-US" altLang="ko-KR" dirty="0"/>
+          </a:p>
+          <a:p>
+            <a:r>
+              <a:rPr lang="ko-KR" altLang="en-US" dirty="0"/>
+              <a:t>그런데</a:t>
             </a:r>
             <a:r>
               <a:rPr lang="en-US" altLang="ko-KR" dirty="0"/>
@@ -1255,23 +1446,23 @@
             </a:r>
             <a:r>
               <a:rPr lang="ko-KR" altLang="en-US" dirty="0"/>
-              <a:t>해봤었고요</a:t>
-            </a:r>
-            <a:r>
-              <a:rPr lang="en-US" altLang="ko-KR" dirty="0"/>
-              <a:t>. </a:t>
-            </a:r>
-            <a:r>
-              <a:rPr lang="ko-KR" altLang="en-US" dirty="0"/>
-              <a:t>특별히 빠르진 않았습니다</a:t>
-            </a:r>
-            <a:r>
-              <a:rPr lang="en-US" altLang="ko-KR" dirty="0"/>
-              <a:t>. </a:t>
-            </a:r>
-            <a:r>
-              <a:rPr lang="ko-KR" altLang="en-US" dirty="0"/>
-              <a:t>그건 그냥 전반적으로 느리게 동작했습니다</a:t>
+              <a:t>이렇게 성급하게 결론 내리긴 좀 그렇죠 </a:t>
+            </a:r>
+            <a:r>
+              <a:rPr lang="en-US" altLang="ko-KR" dirty="0"/>
+              <a:t>? </a:t>
+            </a:r>
+            <a:r>
+              <a:rPr lang="ko-KR" altLang="en-US" dirty="0"/>
+              <a:t>마지막으로 저희</a:t>
+            </a:r>
+            <a:r>
+              <a:rPr lang="en-US" altLang="ko-KR" dirty="0"/>
+              <a:t>…</a:t>
+            </a:r>
+            <a:r>
+              <a:rPr lang="ko-KR" altLang="en-US" dirty="0"/>
+              <a:t> 서버 환경에서 테스트 한 번만 더 해보겠습니다</a:t>
             </a:r>
             <a:r>
               <a:rPr lang="en-US" altLang="ko-KR" dirty="0"/>
@@ -1282,176 +1473,13 @@
             <a:endParaRPr lang="en-US" altLang="ko-KR" dirty="0"/>
           </a:p>
           <a:p>
-            <a:endParaRPr lang="en-US" altLang="ko-KR" dirty="0"/>
-          </a:p>
-          <a:p>
-            <a:r>
-              <a:rPr lang="ko-KR" altLang="en-US" dirty="0"/>
-              <a:t>여러가지 가설을 세워볼 수 있을 것 같습니다</a:t>
-            </a:r>
-            <a:r>
-              <a:rPr lang="en-US" altLang="ko-KR" dirty="0"/>
-              <a:t>.</a:t>
-            </a:r>
-          </a:p>
-          <a:p>
-            <a:endParaRPr lang="en-US" altLang="ko-KR" dirty="0"/>
-          </a:p>
-          <a:p>
-            <a:r>
-              <a:rPr lang="en-US" altLang="ko-KR" dirty="0"/>
-              <a:t>R2DBC </a:t>
-            </a:r>
-            <a:r>
-              <a:rPr lang="ko-KR" altLang="en-US" dirty="0"/>
-              <a:t>드라이버가 아직 </a:t>
-            </a:r>
-            <a:r>
-              <a:rPr lang="en-US" altLang="ko-KR" dirty="0"/>
-              <a:t>NIO </a:t>
-            </a:r>
-            <a:r>
-              <a:rPr lang="ko-KR" altLang="en-US" dirty="0"/>
-              <a:t>지원이 미흡해</a:t>
-            </a:r>
-            <a:r>
-              <a:rPr lang="en-US" altLang="ko-KR" dirty="0"/>
-              <a:t>, </a:t>
-            </a:r>
-            <a:r>
-              <a:rPr lang="ko-KR" altLang="en-US" dirty="0"/>
-              <a:t>실제로는 </a:t>
-            </a:r>
-            <a:r>
-              <a:rPr lang="ko-KR" altLang="en-US" dirty="0" err="1"/>
-              <a:t>블러킹</a:t>
-            </a:r>
-            <a:r>
-              <a:rPr lang="ko-KR" altLang="en-US" dirty="0"/>
-              <a:t> 호출이 일어났거나</a:t>
-            </a:r>
-            <a:endParaRPr lang="en-US" altLang="ko-KR" dirty="0"/>
-          </a:p>
-          <a:p>
-            <a:endParaRPr lang="en-US" altLang="ko-KR" dirty="0"/>
-          </a:p>
-          <a:p>
-            <a:r>
-              <a:rPr lang="ko-KR" altLang="en-US" dirty="0"/>
-              <a:t>혹은 </a:t>
-            </a:r>
-            <a:r>
-              <a:rPr lang="en-US" altLang="ko-KR" dirty="0" err="1"/>
-              <a:t>mariadb</a:t>
-            </a:r>
-            <a:r>
-              <a:rPr lang="en-US" altLang="ko-KR" dirty="0"/>
-              <a:t> </a:t>
-            </a:r>
-            <a:r>
-              <a:rPr lang="ko-KR" altLang="en-US" dirty="0"/>
-              <a:t>가 </a:t>
-            </a:r>
-            <a:r>
-              <a:rPr lang="en-US" altLang="ko-KR" dirty="0"/>
-              <a:t>NIO </a:t>
-            </a:r>
-            <a:r>
-              <a:rPr lang="ko-KR" altLang="en-US" dirty="0"/>
-              <a:t>를 지원하지 않을 수도 있겠죠</a:t>
-            </a:r>
-            <a:r>
-              <a:rPr lang="en-US" altLang="ko-KR" dirty="0"/>
-              <a:t>. </a:t>
-            </a:r>
-            <a:r>
-              <a:rPr lang="ko-KR" altLang="en-US" dirty="0"/>
-              <a:t>아무리 </a:t>
-            </a:r>
-            <a:r>
-              <a:rPr lang="ko-KR" altLang="en-US" dirty="0" err="1"/>
-              <a:t>논블럭하게</a:t>
-            </a:r>
-            <a:r>
-              <a:rPr lang="ko-KR" altLang="en-US" dirty="0"/>
-              <a:t> 호출해도</a:t>
-            </a:r>
-            <a:r>
-              <a:rPr lang="en-US" altLang="ko-KR" dirty="0"/>
-              <a:t>, DB </a:t>
-            </a:r>
-            <a:r>
-              <a:rPr lang="ko-KR" altLang="en-US" dirty="0"/>
-              <a:t>가 </a:t>
-            </a:r>
-            <a:r>
-              <a:rPr lang="en-US" altLang="ko-KR" dirty="0"/>
-              <a:t>NIO </a:t>
-            </a:r>
-            <a:r>
-              <a:rPr lang="ko-KR" altLang="en-US" dirty="0"/>
-              <a:t>를 지원하지 않으면</a:t>
-            </a:r>
-            <a:r>
-              <a:rPr lang="en-US" altLang="ko-KR" dirty="0"/>
-              <a:t>, </a:t>
-            </a:r>
-            <a:r>
-              <a:rPr lang="ko-KR" altLang="en-US" dirty="0"/>
-              <a:t>결국 </a:t>
-            </a:r>
-            <a:r>
-              <a:rPr lang="ko-KR" altLang="en-US" dirty="0" err="1"/>
-              <a:t>블러킹</a:t>
-            </a:r>
-            <a:r>
-              <a:rPr lang="ko-KR" altLang="en-US" dirty="0"/>
-              <a:t> </a:t>
-            </a:r>
-            <a:r>
-              <a:rPr lang="ko-KR" altLang="en-US" dirty="0" err="1"/>
-              <a:t>호출이니깐요</a:t>
-            </a:r>
-            <a:r>
-              <a:rPr lang="en-US" altLang="ko-KR" dirty="0"/>
-              <a:t>.</a:t>
-            </a:r>
-          </a:p>
-          <a:p>
-            <a:endParaRPr lang="en-US" altLang="ko-KR" dirty="0"/>
-          </a:p>
-          <a:p>
-            <a:endParaRPr lang="en-US" altLang="ko-KR" dirty="0"/>
-          </a:p>
-          <a:p>
-            <a:r>
-              <a:rPr lang="ko-KR" altLang="en-US" dirty="0"/>
-              <a:t>이렇게 성급하게 결론 내리긴 아쉬우니까</a:t>
-            </a:r>
-            <a:r>
-              <a:rPr lang="en-US" altLang="ko-KR" dirty="0"/>
-              <a:t>, </a:t>
-            </a:r>
-            <a:r>
-              <a:rPr lang="ko-KR" altLang="en-US" dirty="0"/>
-              <a:t>마지막으로 저희 서버 환경에서 테스트 한 번만 더 해보겠습니다</a:t>
-            </a:r>
-            <a:r>
-              <a:rPr lang="en-US" altLang="ko-KR" dirty="0"/>
-              <a:t>.</a:t>
-            </a:r>
-          </a:p>
-          <a:p>
-            <a:endParaRPr lang="en-US" altLang="ko-KR" dirty="0"/>
-          </a:p>
-          <a:p>
             <a:r>
               <a:rPr lang="ko-KR" altLang="en-US" dirty="0"/>
               <a:t>로컬에서 서버 환경을 구성하는 가장 손쉬운 방법인</a:t>
             </a:r>
             <a:r>
               <a:rPr lang="en-US" altLang="ko-KR" dirty="0"/>
-              <a:t>, docker container </a:t>
+              <a:t> docker container, </a:t>
             </a:r>
             <a:r>
               <a:rPr lang="ko-KR" altLang="en-US" dirty="0"/>
@@ -2616,7 +2644,23 @@
             </a:r>
             <a:r>
               <a:rPr lang="ko-KR" altLang="en-US" dirty="0"/>
-              <a:t>는 적은 리소스로 많은 트래픽을 감당하는 개념입니다</a:t>
+              <a:t>는 적은 리소스로 많은 트래픽을 감당하는 개념이며</a:t>
+            </a:r>
+            <a:r>
+              <a:rPr lang="en-US" altLang="ko-KR" dirty="0"/>
+              <a:t>, </a:t>
+            </a:r>
+            <a:r>
+              <a:rPr lang="ko-KR" altLang="en-US" dirty="0"/>
+              <a:t>무조건 </a:t>
+            </a:r>
+            <a:r>
+              <a:rPr lang="en-US" altLang="ko-KR" dirty="0"/>
+              <a:t>MVC </a:t>
+            </a:r>
+            <a:r>
+              <a:rPr lang="ko-KR" altLang="en-US" dirty="0"/>
+              <a:t>보다 빠르게 동작하는 것은 아닙니다</a:t>
             </a:r>
             <a:r>
               <a:rPr lang="en-US" altLang="ko-KR" dirty="0"/>
@@ -2663,17 +2707,51 @@
             </a:pPr>
             <a:r>
               <a:rPr lang="ko-KR" altLang="en-US" dirty="0"/>
-              <a:t>무조건 </a:t>
-            </a:r>
-            <a:r>
-              <a:rPr lang="en-US" altLang="ko-KR" dirty="0"/>
-              <a:t>MVC </a:t>
-            </a:r>
-            <a:r>
-              <a:rPr lang="ko-KR" altLang="en-US" dirty="0"/>
-              <a:t>보다 빠르게 동작하는 것은 아니며</a:t>
-            </a:r>
-            <a:endParaRPr lang="en-US" altLang="ko-KR" dirty="0"/>
+              <a:t>우선 프로그램 덩어리는 비동기 호출이 가능한 작은 이벤트들로 분해되어야 합니다</a:t>
+            </a:r>
+            <a:r>
+              <a:rPr lang="en-US" altLang="ko-KR" dirty="0"/>
+              <a:t>.</a:t>
+            </a:r>
+          </a:p>
+          <a:p>
+            <a:pPr marL="0" marR="0" lvl="0" indent="0" algn="l" defTabSz="685800" rtl="0" eaLnBrk="1" fontAlgn="auto" latinLnBrk="1" hangingPunct="1">
+              <a:lnSpc>
+                <a:spcPct val="100000"/>
+              </a:lnSpc>
+              <a:spcBef>
+                <a:spcPts val="0"/>
+              </a:spcBef>
+              <a:spcAft>
+                <a:spcPts val="0"/>
+              </a:spcAft>
+              <a:buClrTx/>
+              <a:buSzTx/>
+              <a:buFontTx/>
+              <a:buNone/>
+              <a:tabLst/>
+              <a:defRPr/>
+            </a:pPr>
+            <a:r>
+              <a:rPr lang="en-US" altLang="ko-KR" dirty="0"/>
+              <a:t>Reactor </a:t>
+            </a:r>
+            <a:r>
+              <a:rPr lang="ko-KR" altLang="en-US" dirty="0"/>
+              <a:t>또는 </a:t>
+            </a:r>
+            <a:r>
+              <a:rPr lang="en-US" altLang="ko-KR" dirty="0"/>
+              <a:t>Coroutine </a:t>
+            </a:r>
+            <a:r>
+              <a:rPr lang="ko-KR" altLang="en-US" dirty="0"/>
+              <a:t>에 의해 구현 가능하고요</a:t>
+            </a:r>
+            <a:r>
+              <a:rPr lang="en-US" altLang="ko-KR" dirty="0"/>
+              <a:t>.</a:t>
+            </a:r>
           </a:p>
           <a:p>
             <a:pPr marL="0" marR="0" lvl="0" indent="0" algn="l" defTabSz="685800" rtl="0" eaLnBrk="1" fontAlgn="auto" latinLnBrk="1" hangingPunct="1">
@@ -2715,19 +2793,62 @@
             </a:pPr>
             <a:r>
               <a:rPr lang="ko-KR" altLang="en-US" dirty="0"/>
-              <a:t>고속의 </a:t>
-            </a:r>
-            <a:r>
-              <a:rPr lang="en-US" altLang="ko-KR" dirty="0"/>
-              <a:t>I/O multiplexing </a:t>
-            </a:r>
-            <a:r>
-              <a:rPr lang="ko-KR" altLang="en-US" dirty="0"/>
-              <a:t>처리를 지원하는 </a:t>
+              <a:t>피호출 서비스는 </a:t>
+            </a:r>
+            <a:r>
+              <a:rPr lang="en-US" altLang="ko-KR" dirty="0"/>
+              <a:t>Non-Block IO </a:t>
+            </a:r>
+            <a:r>
+              <a:rPr lang="ko-KR" altLang="en-US" dirty="0"/>
+              <a:t>방식으로 호출되어야 합니다</a:t>
+            </a:r>
+            <a:r>
+              <a:rPr lang="en-US" altLang="ko-KR" dirty="0"/>
+              <a:t>. </a:t>
+            </a:r>
+            <a:r>
+              <a:rPr lang="ko-KR" altLang="en-US" dirty="0"/>
+              <a:t>그래야 기다리는 시간에 다른 이벤트를 실행시킬 수 있습니다</a:t>
+            </a:r>
+            <a:r>
+              <a:rPr lang="en-US" altLang="ko-KR" dirty="0"/>
+              <a:t>.</a:t>
+            </a:r>
+          </a:p>
+          <a:p>
+            <a:pPr marL="0" marR="0" lvl="0" indent="0" algn="l" defTabSz="685800" rtl="0" eaLnBrk="1" fontAlgn="auto" latinLnBrk="1" hangingPunct="1">
+              <a:lnSpc>
+                <a:spcPct val="100000"/>
+              </a:lnSpc>
+              <a:spcBef>
+                <a:spcPts val="0"/>
+              </a:spcBef>
+              <a:spcAft>
+                <a:spcPts val="0"/>
+              </a:spcAft>
+              <a:buClrTx/>
+              <a:buSzTx/>
+              <a:buFontTx/>
+              <a:buNone/>
+              <a:tabLst/>
+              <a:defRPr/>
+            </a:pPr>
+            <a:r>
+              <a:rPr lang="en-US" altLang="ko-KR" dirty="0"/>
+              <a:t>JDBC </a:t>
+            </a:r>
+            <a:r>
+              <a:rPr lang="ko-KR" altLang="en-US" dirty="0"/>
+              <a:t>대신 </a:t>
+            </a:r>
+            <a:r>
+              <a:rPr lang="en-US" altLang="ko-KR" dirty="0"/>
+              <a:t>R2DBC, </a:t>
             </a:r>
             <a:r>
               <a:rPr lang="en-US" altLang="ko-KR" dirty="0" err="1"/>
-              <a:t>Netty</a:t>
+              <a:t>RestTemplate</a:t>
             </a:r>
             <a:r>
               <a:rPr lang="en-US" altLang="ko-KR" dirty="0"/>
@@ -2735,9 +2856,28 @@
             </a:r>
             <a:r>
               <a:rPr lang="ko-KR" altLang="en-US" dirty="0"/>
-              <a:t>기반 위에</a:t>
-            </a:r>
-            <a:endParaRPr lang="en-US" altLang="ko-KR" dirty="0"/>
+              <a:t>대신 </a:t>
+            </a:r>
+            <a:r>
+              <a:rPr lang="en-US" altLang="ko-KR" dirty="0" err="1"/>
+              <a:t>WebClient</a:t>
+            </a:r>
+            <a:r>
+              <a:rPr lang="en-US" altLang="ko-KR" dirty="0"/>
+              <a:t> </a:t>
+            </a:r>
+            <a:r>
+              <a:rPr lang="ko-KR" altLang="en-US" dirty="0"/>
+              <a:t>로 호출하면 </a:t>
+            </a:r>
+            <a:r>
+              <a:rPr lang="ko-KR" altLang="en-US" dirty="0" err="1"/>
+              <a:t>되겠고요</a:t>
+            </a:r>
+            <a:r>
+              <a:rPr lang="en-US" altLang="ko-KR" dirty="0"/>
+              <a:t>.</a:t>
+            </a:r>
           </a:p>
           <a:p>
             <a:pPr marL="0" marR="0" lvl="0" indent="0" algn="l" defTabSz="685800" rtl="0" eaLnBrk="1" fontAlgn="auto" latinLnBrk="1" hangingPunct="1">
@@ -2778,30 +2918,52 @@
               <a:defRPr/>
             </a:pPr>
             <a:r>
-              <a:rPr lang="en-US" altLang="ko-KR" dirty="0"/>
-              <a:t>Reactor</a:t>
-            </a:r>
-            <a:r>
-              <a:rPr lang="ko-KR" altLang="en-US" dirty="0"/>
-              <a:t>나 </a:t>
-            </a:r>
-            <a:r>
-              <a:rPr lang="en-US" altLang="ko-KR" dirty="0"/>
-              <a:t>Coroutine </a:t>
-            </a:r>
-            <a:r>
-              <a:rPr lang="ko-KR" altLang="en-US" dirty="0"/>
-              <a:t>등으로 </a:t>
-            </a:r>
-            <a:r>
-              <a:rPr lang="en-US" altLang="ko-KR" dirty="0"/>
-              <a:t>Async </a:t>
-            </a:r>
-            <a:r>
-              <a:rPr lang="ko-KR" altLang="en-US" dirty="0"/>
-              <a:t>호출이 가능해야 하며</a:t>
-            </a:r>
-            <a:endParaRPr lang="en-US" altLang="ko-KR" dirty="0"/>
+              <a:rPr lang="ko-KR" altLang="en-US" dirty="0"/>
+              <a:t>마지막으로 이벤트들은 이벤트 루프에 의해 빠르게 소비되어야 합니다</a:t>
+            </a:r>
+            <a:r>
+              <a:rPr lang="en-US" altLang="ko-KR" dirty="0"/>
+              <a:t>.</a:t>
+            </a:r>
+          </a:p>
+          <a:p>
+            <a:pPr marL="0" marR="0" lvl="0" indent="0" algn="l" defTabSz="685800" rtl="0" eaLnBrk="1" fontAlgn="auto" latinLnBrk="1" hangingPunct="1">
+              <a:lnSpc>
+                <a:spcPct val="100000"/>
+              </a:lnSpc>
+              <a:spcBef>
+                <a:spcPts val="0"/>
+              </a:spcBef>
+              <a:spcAft>
+                <a:spcPts val="0"/>
+              </a:spcAft>
+              <a:buClrTx/>
+              <a:buSzTx/>
+              <a:buFontTx/>
+              <a:buNone/>
+              <a:tabLst/>
+              <a:defRPr/>
+            </a:pPr>
+            <a:r>
+              <a:rPr lang="en-US" altLang="ko-KR" dirty="0"/>
+              <a:t>I/O Multiplexing </a:t>
+            </a:r>
+            <a:r>
+              <a:rPr lang="ko-KR" altLang="en-US" dirty="0"/>
+              <a:t>기반의 </a:t>
+            </a:r>
+            <a:r>
+              <a:rPr lang="en-US" altLang="ko-KR" dirty="0" err="1"/>
+              <a:t>Netty</a:t>
+            </a:r>
+            <a:r>
+              <a:rPr lang="ko-KR" altLang="en-US" dirty="0"/>
+              <a:t>에 의해 처리 가능합니다</a:t>
+            </a:r>
+            <a:r>
+              <a:rPr lang="en-US" altLang="ko-KR" dirty="0"/>
+              <a:t>.</a:t>
+            </a:r>
           </a:p>
           <a:p>
             <a:pPr marL="0" marR="0" lvl="0" indent="0" algn="l" defTabSz="685800" rtl="0" eaLnBrk="1" fontAlgn="auto" latinLnBrk="1" hangingPunct="1">
@@ -2843,23 +3005,15 @@
             </a:pPr>
             <a:r>
               <a:rPr lang="ko-KR" altLang="en-US" dirty="0"/>
-              <a:t>외부 호출은 반드시 </a:t>
-            </a:r>
-            <a:r>
-              <a:rPr lang="en-US" altLang="ko-KR" dirty="0"/>
-              <a:t>Non Block IO </a:t>
-            </a:r>
-            <a:r>
-              <a:rPr lang="ko-KR" altLang="en-US" dirty="0"/>
-              <a:t>처리가 </a:t>
-            </a:r>
-            <a:r>
-              <a:rPr lang="ko-KR" altLang="en-US" dirty="0" err="1"/>
-              <a:t>지원되어야만</a:t>
-            </a:r>
-            <a:r>
-              <a:rPr lang="ko-KR" altLang="en-US" dirty="0"/>
-              <a:t> 합니다</a:t>
+              <a:t>이 세가지 요소가 모두 원활하게 작동해 마치 스트리밍 되듯 동작할 때</a:t>
+            </a:r>
+            <a:r>
+              <a:rPr lang="en-US" altLang="ko-KR" dirty="0"/>
+              <a:t>, </a:t>
+            </a:r>
+            <a:r>
+              <a:rPr lang="ko-KR" altLang="en-US" dirty="0"/>
+              <a:t>비로서 엄청난 퍼포먼스가 발현됩니다</a:t>
             </a:r>
             <a:r>
               <a:rPr lang="en-US" altLang="ko-KR" dirty="0"/>
@@ -2906,15 +3060,31 @@
             </a:pPr>
             <a:r>
               <a:rPr lang="ko-KR" altLang="en-US" dirty="0"/>
-              <a:t>이 세가지 요소가 모두 원활하게 처리될 때</a:t>
+              <a:t>이 중 어느 하나라도 제 역할을 하지 못한다면</a:t>
             </a:r>
             <a:r>
               <a:rPr lang="en-US" altLang="ko-KR" dirty="0"/>
               <a:t>, </a:t>
             </a:r>
             <a:r>
-              <a:rPr lang="ko-KR" altLang="en-US" dirty="0"/>
-              <a:t>비로서 엄청난 퍼포먼스가 발현됩니다</a:t>
+              <a:rPr lang="en-US" altLang="ko-KR" dirty="0" err="1"/>
+              <a:t>Webflux</a:t>
+            </a:r>
+            <a:r>
+              <a:rPr lang="en-US" altLang="ko-KR" dirty="0"/>
+              <a:t> </a:t>
+            </a:r>
+            <a:r>
+              <a:rPr lang="ko-KR" altLang="en-US" dirty="0"/>
+              <a:t>퍼포먼스는 </a:t>
+            </a:r>
+            <a:r>
+              <a:rPr lang="en-US" altLang="ko-KR" dirty="0"/>
+              <a:t>MVC </a:t>
+            </a:r>
+            <a:r>
+              <a:rPr lang="ko-KR" altLang="en-US" dirty="0"/>
+              <a:t>와 비슷한 수준으로 떨어집니다</a:t>
             </a:r>
             <a:r>
               <a:rPr lang="en-US" altLang="ko-KR" dirty="0"/>
@@ -2961,77 +3131,6 @@
             </a:pPr>
             <a:r>
               <a:rPr lang="ko-KR" altLang="en-US" dirty="0"/>
-              <a:t>이 중 어느 하나라도 제 역할을 하지 못하는 경우</a:t>
-            </a:r>
-            <a:r>
-              <a:rPr lang="en-US" altLang="ko-KR" dirty="0"/>
-              <a:t>, </a:t>
-            </a:r>
-            <a:r>
-              <a:rPr lang="en-US" altLang="ko-KR" dirty="0" err="1"/>
-              <a:t>Webflux</a:t>
-            </a:r>
-            <a:r>
-              <a:rPr lang="en-US" altLang="ko-KR" dirty="0"/>
-              <a:t> </a:t>
-            </a:r>
-            <a:r>
-              <a:rPr lang="ko-KR" altLang="en-US" dirty="0"/>
-              <a:t>퍼포먼스는 </a:t>
-            </a:r>
-            <a:r>
-              <a:rPr lang="en-US" altLang="ko-KR" dirty="0"/>
-              <a:t>MVC </a:t>
-            </a:r>
-            <a:r>
-              <a:rPr lang="ko-KR" altLang="en-US" dirty="0"/>
-              <a:t>와 비슷한 수준으로 떨어집니다</a:t>
-            </a:r>
-            <a:r>
-              <a:rPr lang="en-US" altLang="ko-KR" dirty="0"/>
-              <a:t>.</a:t>
-            </a:r>
-          </a:p>
-          <a:p>
-            <a:pPr marL="0" marR="0" lvl="0" indent="0" algn="l" defTabSz="685800" rtl="0" eaLnBrk="1" fontAlgn="auto" latinLnBrk="1" hangingPunct="1">
-              <a:lnSpc>
-                <a:spcPct val="100000"/>
-              </a:lnSpc>
-              <a:spcBef>
-                <a:spcPts val="0"/>
-              </a:spcBef>
-              <a:spcAft>
-                <a:spcPts val="0"/>
-              </a:spcAft>
-              <a:buClrTx/>
-              <a:buSzTx/>
-              <a:buFontTx/>
-              <a:buNone/>
-              <a:tabLst/>
-              <a:defRPr/>
-            </a:pPr>
-            <a:endParaRPr lang="en-US" altLang="ko-KR" dirty="0"/>
-          </a:p>
-          <a:p>
-            <a:pPr marL="0" marR="0" lvl="0" indent="0" algn="l" defTabSz="685800" rtl="0" eaLnBrk="1" fontAlgn="auto" latinLnBrk="1" hangingPunct="1">
-              <a:lnSpc>
-                <a:spcPct val="100000"/>
-              </a:lnSpc>
-              <a:spcBef>
-                <a:spcPts val="0"/>
-              </a:spcBef>
-              <a:spcAft>
-                <a:spcPts val="0"/>
-              </a:spcAft>
-              <a:buClrTx/>
-              <a:buSzTx/>
-              <a:buFontTx/>
-              <a:buNone/>
-              <a:tabLst/>
-              <a:defRPr/>
-            </a:pPr>
-            <a:r>
-              <a:rPr lang="ko-KR" altLang="en-US" dirty="0"/>
               <a:t>이상으로 이번 챕터 마무리 하겠습니다</a:t>
             </a:r>
             <a:r>
@@ -3043,7 +3142,7 @@
               <a:t>들어주셔서</a:t>
             </a:r>
             <a:r>
-              <a:rPr lang="ko-KR" altLang="en-US"/>
+              <a:rPr lang="ko-KR" altLang="en-US" dirty="0"/>
               <a:t> 감사합니다</a:t>
             </a:r>
             <a:r>
@@ -3583,6 +3682,35 @@
           <a:p>
             <a:r>
               <a:rPr lang="ko-KR" altLang="en-US" dirty="0"/>
+              <a:t>참조 갱신을 위해 </a:t>
+            </a:r>
+            <a:r>
+              <a:rPr lang="en-US" altLang="ko-KR" dirty="0"/>
+              <a:t>CPU </a:t>
+            </a:r>
+            <a:r>
+              <a:rPr lang="ko-KR" altLang="en-US" dirty="0"/>
+              <a:t>사이클을 사용하는 단점이 있긴 하지만</a:t>
+            </a:r>
+            <a:r>
+              <a:rPr lang="en-US" altLang="ko-KR" dirty="0"/>
+              <a:t>, </a:t>
+            </a:r>
+            <a:r>
+              <a:rPr lang="ko-KR" altLang="en-US" dirty="0"/>
+              <a:t>메모리가 불필요해지는 즉시 정리가 되는 장점이 있습니다</a:t>
+            </a:r>
+            <a:r>
+              <a:rPr lang="en-US" altLang="ko-KR" dirty="0"/>
+              <a:t>.</a:t>
+            </a:r>
+          </a:p>
+          <a:p>
+            <a:endParaRPr lang="en-US" altLang="ko-KR" dirty="0"/>
+          </a:p>
+          <a:p>
+            <a:r>
+              <a:rPr lang="ko-KR" altLang="en-US" dirty="0"/>
               <a:t>그런데</a:t>
             </a:r>
             <a:r>
@@ -3611,11 +3739,120 @@
             </a:r>
             <a:r>
               <a:rPr lang="en-US" altLang="ko-KR" dirty="0"/>
-              <a:t>. </a:t>
-            </a:r>
-            <a:r>
-              <a:rPr lang="ko-KR" altLang="en-US" dirty="0"/>
-              <a:t>이러면 안 그래도 느린 </a:t>
+              <a:t>. &lt;&lt; </a:t>
+            </a:r>
+            <a:r>
+              <a:rPr lang="ko-KR" altLang="en-US" dirty="0"/>
+              <a:t>그려가며 설명 </a:t>
+            </a:r>
+            <a:r>
+              <a:rPr lang="en-US" altLang="ko-KR" dirty="0"/>
+              <a:t>&gt;&gt;</a:t>
+            </a:r>
+          </a:p>
+          <a:p>
+            <a:r>
+              <a:rPr lang="ko-KR" altLang="en-US" dirty="0"/>
+              <a:t>만약 </a:t>
+            </a:r>
+            <a:r>
+              <a:rPr lang="en-US" altLang="ko-KR" dirty="0"/>
+              <a:t>lock</a:t>
+            </a:r>
+            <a:r>
+              <a:rPr lang="ko-KR" altLang="en-US" dirty="0"/>
+              <a:t>을 안건다면</a:t>
+            </a:r>
+            <a:r>
+              <a:rPr lang="en-US" altLang="ko-KR" dirty="0"/>
+              <a:t>, </a:t>
+            </a:r>
+            <a:r>
+              <a:rPr lang="ko-KR" altLang="en-US" dirty="0" err="1"/>
+              <a:t>카운팅이</a:t>
+            </a:r>
+            <a:r>
+              <a:rPr lang="ko-KR" altLang="en-US" dirty="0"/>
+              <a:t> 동시에 일어나는 경우</a:t>
+            </a:r>
+            <a:r>
+              <a:rPr lang="en-US" altLang="ko-KR" dirty="0"/>
+              <a:t>, </a:t>
+            </a:r>
+            <a:r>
+              <a:rPr lang="ko-KR" altLang="en-US" dirty="0"/>
+              <a:t>그래서 메모리가 더 이상 사용되지 않는 상황임에도 불구하고</a:t>
+            </a:r>
+            <a:r>
+              <a:rPr lang="en-US" altLang="ko-KR" dirty="0"/>
+              <a:t>, </a:t>
+            </a:r>
+            <a:r>
+              <a:rPr lang="ko-KR" altLang="en-US" dirty="0"/>
+              <a:t>참조가 </a:t>
+            </a:r>
+            <a:r>
+              <a:rPr lang="en-US" altLang="ko-KR" dirty="0"/>
+              <a:t>0 </a:t>
+            </a:r>
+            <a:r>
+              <a:rPr lang="ko-KR" altLang="en-US" dirty="0"/>
+              <a:t>이 </a:t>
+            </a:r>
+            <a:r>
+              <a:rPr lang="ko-KR" altLang="en-US" dirty="0" err="1"/>
+              <a:t>아니라서</a:t>
+            </a:r>
+            <a:r>
+              <a:rPr lang="ko-KR" altLang="en-US" dirty="0"/>
+              <a:t> 메모리가 정리되지 않거나</a:t>
+            </a:r>
+            <a:r>
+              <a:rPr lang="en-US" altLang="ko-KR" dirty="0"/>
+              <a:t>,</a:t>
+            </a:r>
+          </a:p>
+          <a:p>
+            <a:r>
+              <a:rPr lang="ko-KR" altLang="en-US" dirty="0"/>
+              <a:t>혹은 사용중임에도 불구하고 참조가 </a:t>
+            </a:r>
+            <a:r>
+              <a:rPr lang="en-US" altLang="ko-KR" dirty="0"/>
+              <a:t>0</a:t>
+            </a:r>
+            <a:r>
+              <a:rPr lang="ko-KR" altLang="en-US" dirty="0"/>
+              <a:t>이라서 메모리가 정리되는 등의 불상사가 발생할 수 있습니다</a:t>
+            </a:r>
+            <a:r>
+              <a:rPr lang="en-US" altLang="ko-KR" dirty="0"/>
+              <a:t>.</a:t>
+            </a:r>
+          </a:p>
+          <a:p>
+            <a:endParaRPr lang="en-US" altLang="ko-KR" dirty="0"/>
+          </a:p>
+          <a:p>
+            <a:r>
+              <a:rPr lang="ko-KR" altLang="en-US" dirty="0"/>
+              <a:t>이렇게 참조 갱신에 </a:t>
+            </a:r>
+            <a:r>
+              <a:rPr lang="en-US" altLang="ko-KR" dirty="0"/>
+              <a:t>lock </a:t>
+            </a:r>
+            <a:r>
+              <a:rPr lang="ko-KR" altLang="en-US" dirty="0"/>
+              <a:t>을 걸어버리면</a:t>
+            </a:r>
+            <a:r>
+              <a:rPr lang="en-US" altLang="ko-KR" dirty="0"/>
+              <a:t>, </a:t>
+            </a:r>
+            <a:r>
+              <a:rPr lang="ko-KR" altLang="en-US" dirty="0"/>
+              <a:t>안 그래도 느린 </a:t>
             </a:r>
             <a:r>
               <a:rPr lang="en-US" altLang="ko-KR" dirty="0"/>
@@ -3623,11 +3860,7 @@
             </a:r>
             <a:r>
               <a:rPr lang="ko-KR" altLang="en-US" dirty="0"/>
-              <a:t>이 더 느려지게 </a:t>
-            </a:r>
-            <a:r>
-              <a:rPr lang="ko-KR" altLang="en-US" dirty="0" err="1"/>
-              <a:t>돼서요</a:t>
+              <a:t>이 더 느려지게 됩니다</a:t>
             </a:r>
             <a:r>
               <a:rPr lang="en-US" altLang="ko-KR" dirty="0"/>
@@ -3757,7 +3990,15 @@
             </a:r>
             <a:r>
               <a:rPr lang="ko-KR" altLang="en-US" dirty="0" err="1"/>
-              <a:t>부하테스터라</a:t>
+              <a:t>부하테스터입니다</a:t>
+            </a:r>
+            <a:r>
+              <a:rPr lang="en-US" altLang="ko-KR" dirty="0"/>
+              <a:t>. </a:t>
+            </a:r>
+            <a:r>
+              <a:rPr lang="ko-KR" altLang="en-US" dirty="0"/>
+              <a:t>그래서</a:t>
             </a:r>
             <a:r>
               <a:rPr lang="en-US" altLang="ko-KR" dirty="0"/>
@@ -10355,8 +10596,8 @@
         </p:nvSpPr>
         <p:spPr>
           <a:xfrm>
-            <a:off x="3544711" y="1701977"/>
-            <a:ext cx="2054578" cy="587022"/>
+            <a:off x="3544711" y="1701976"/>
+            <a:ext cx="2054578" cy="837771"/>
           </a:xfrm>
           <a:prstGeom prst="roundRect">
             <a:avLst/>
@@ -10392,8 +10633,8 @@
           <a:p>
             <a:pPr algn="ctr"/>
             <a:r>
-              <a:rPr lang="en-US" altLang="ko-KR" sz="2400" dirty="0" err="1"/>
-              <a:t>Netty</a:t>
+              <a:rPr lang="en-US" altLang="ko-KR" sz="2400" dirty="0"/>
+              <a:t>Event Loop</a:t>
             </a:r>
             <a:endParaRPr lang="ko-KR" altLang="en-US" sz="2400" dirty="0"/>
           </a:p>
@@ -10413,8 +10654,8 @@
         </p:nvSpPr>
         <p:spPr>
           <a:xfrm>
-            <a:off x="1711569" y="3242910"/>
-            <a:ext cx="2245185" cy="587022"/>
+            <a:off x="1711569" y="3242909"/>
+            <a:ext cx="2245185" cy="837771"/>
           </a:xfrm>
           <a:prstGeom prst="roundRect">
             <a:avLst/>
@@ -10451,9 +10692,15 @@
             <a:pPr algn="ctr"/>
             <a:r>
               <a:rPr lang="en-US" altLang="ko-KR" sz="2400" dirty="0"/>
-              <a:t>Asynchronous</a:t>
-            </a:r>
-            <a:endParaRPr lang="ko-KR" altLang="en-US" sz="2400" dirty="0"/>
+              <a:t>Event</a:t>
+            </a:r>
+          </a:p>
+          <a:p>
+            <a:pPr algn="ctr"/>
+            <a:r>
+              <a:rPr lang="en-US" altLang="ko-KR" dirty="0"/>
+              <a:t>for Asynchronous</a:t>
+            </a:r>
           </a:p>
         </p:txBody>
       </p:sp>
@@ -10471,8 +10718,8 @@
         </p:nvSpPr>
         <p:spPr>
           <a:xfrm>
-            <a:off x="5187247" y="3242910"/>
-            <a:ext cx="2397584" cy="587022"/>
+            <a:off x="5187247" y="3242909"/>
+            <a:ext cx="2397584" cy="837771"/>
           </a:xfrm>
           <a:prstGeom prst="roundRect">
             <a:avLst/>
@@ -10682,6 +10929,149 @@
           </a:p>
         </p:txBody>
       </p:sp>
+      <p:sp>
+        <p:nvSpPr>
+          <p:cNvPr id="5" name="TextBox 4">
+            <a:extLst>
+              <a:ext uri="{FF2B5EF4-FFF2-40B4-BE49-F238E27FC236}">
+                <a16:creationId xmlns:a16="http://schemas.microsoft.com/office/drawing/2014/main" id="{1E7B53F3-8B52-1EAC-BEF2-EC913009FFC3}"/>
+              </a:ext>
+            </a:extLst>
+          </p:cNvPr>
+          <p:cNvSpPr txBox="1"/>
+          <p:nvPr/>
+        </p:nvSpPr>
+        <p:spPr>
+          <a:xfrm>
+            <a:off x="1568646" y="4193138"/>
+            <a:ext cx="2573077" cy="461665"/>
+          </a:xfrm>
+          <a:prstGeom prst="rect">
+            <a:avLst/>
+          </a:prstGeom>
+          <a:noFill/>
+        </p:spPr>
+        <p:txBody>
+          <a:bodyPr wrap="none" rtlCol="0">
+            <a:spAutoFit/>
+          </a:bodyPr>
+          <a:lstStyle/>
+          <a:p>
+            <a:pPr algn="ctr"/>
+            <a:r>
+              <a:rPr lang="en-US" altLang="ko-KR" sz="2400" b="1" dirty="0">
+                <a:solidFill>
+                  <a:srgbClr val="0070C0"/>
+                </a:solidFill>
+              </a:rPr>
+              <a:t>Reactor, Coroutine</a:t>
+            </a:r>
+            <a:endParaRPr lang="ko-KR" altLang="en-US" sz="2400" b="1" dirty="0">
+              <a:solidFill>
+                <a:srgbClr val="0070C0"/>
+              </a:solidFill>
+            </a:endParaRPr>
+          </a:p>
+        </p:txBody>
+      </p:sp>
+      <p:sp>
+        <p:nvSpPr>
+          <p:cNvPr id="6" name="TextBox 5">
+            <a:extLst>
+              <a:ext uri="{FF2B5EF4-FFF2-40B4-BE49-F238E27FC236}">
+                <a16:creationId xmlns:a16="http://schemas.microsoft.com/office/drawing/2014/main" id="{F4BFD658-A2DB-5377-CA24-48BC1DFE2CF0}"/>
+              </a:ext>
+            </a:extLst>
+          </p:cNvPr>
+          <p:cNvSpPr txBox="1"/>
+          <p:nvPr/>
+        </p:nvSpPr>
+        <p:spPr>
+          <a:xfrm>
+            <a:off x="5126146" y="4193137"/>
+            <a:ext cx="2519792" cy="461665"/>
+          </a:xfrm>
+          <a:prstGeom prst="rect">
+            <a:avLst/>
+          </a:prstGeom>
+          <a:noFill/>
+        </p:spPr>
+        <p:txBody>
+          <a:bodyPr wrap="none" rtlCol="0">
+            <a:spAutoFit/>
+          </a:bodyPr>
+          <a:lstStyle/>
+          <a:p>
+            <a:pPr algn="ctr"/>
+            <a:r>
+              <a:rPr lang="en-US" altLang="ko-KR" sz="2400" b="1" dirty="0">
+                <a:solidFill>
+                  <a:srgbClr val="0070C0"/>
+                </a:solidFill>
+              </a:rPr>
+              <a:t>R2DBC, </a:t>
+            </a:r>
+            <a:r>
+              <a:rPr lang="en-US" altLang="ko-KR" sz="2400" b="1" dirty="0" err="1">
+                <a:solidFill>
+                  <a:srgbClr val="0070C0"/>
+                </a:solidFill>
+              </a:rPr>
+              <a:t>WebClient</a:t>
+            </a:r>
+            <a:endParaRPr lang="ko-KR" altLang="en-US" sz="2400" b="1" dirty="0">
+              <a:solidFill>
+                <a:srgbClr val="0070C0"/>
+              </a:solidFill>
+            </a:endParaRPr>
+          </a:p>
+        </p:txBody>
+      </p:sp>
+      <p:sp>
+        <p:nvSpPr>
+          <p:cNvPr id="7" name="TextBox 6">
+            <a:extLst>
+              <a:ext uri="{FF2B5EF4-FFF2-40B4-BE49-F238E27FC236}">
+                <a16:creationId xmlns:a16="http://schemas.microsoft.com/office/drawing/2014/main" id="{C41759F4-2D18-0D1F-82E5-8C9FBE8BC9E1}"/>
+              </a:ext>
+            </a:extLst>
+          </p:cNvPr>
+          <p:cNvSpPr txBox="1"/>
+          <p:nvPr/>
+        </p:nvSpPr>
+        <p:spPr>
+          <a:xfrm>
+            <a:off x="4123448" y="2576526"/>
+            <a:ext cx="897105" cy="461665"/>
+          </a:xfrm>
+          <a:prstGeom prst="rect">
+            <a:avLst/>
+          </a:prstGeom>
+          <a:noFill/>
+        </p:spPr>
+        <p:txBody>
+          <a:bodyPr wrap="none" rtlCol="0">
+            <a:spAutoFit/>
+          </a:bodyPr>
+          <a:lstStyle/>
+          <a:p>
+            <a:pPr algn="ctr"/>
+            <a:r>
+              <a:rPr lang="en-US" altLang="ko-KR" sz="2400" b="1" dirty="0" err="1">
+                <a:solidFill>
+                  <a:srgbClr val="0070C0"/>
+                </a:solidFill>
+              </a:rPr>
+              <a:t>Netty</a:t>
+            </a:r>
+            <a:endParaRPr lang="ko-KR" altLang="en-US" sz="2400" b="1" dirty="0">
+              <a:solidFill>
+                <a:srgbClr val="0070C0"/>
+              </a:solidFill>
+            </a:endParaRPr>
+          </a:p>
+        </p:txBody>
+      </p:sp>
     </p:spTree>
     <p:extLst>
       <p:ext uri="{BB962C8B-B14F-4D97-AF65-F5344CB8AC3E}">
@@ -10692,6 +11082,176 @@
   <p:clrMapOvr>
     <a:masterClrMapping/>
   </p:clrMapOvr>
+  <p:timing>
+    <p:tnLst>
+      <p:par>
+        <p:cTn id="1" dur="indefinite" restart="never" nodeType="tmRoot">
+          <p:childTnLst>
+            <p:seq concurrent="1" nextAc="seek">
+              <p:cTn id="2" dur="indefinite" nodeType="mainSeq">
+                <p:childTnLst>
+                  <p:par>
+                    <p:cTn id="3" fill="hold">
+                      <p:stCondLst>
+                        <p:cond delay="indefinite"/>
+                      </p:stCondLst>
+                      <p:childTnLst>
+                        <p:par>
+                          <p:cTn id="4" fill="hold">
+                            <p:stCondLst>
+                              <p:cond delay="0"/>
+                            </p:stCondLst>
+                            <p:childTnLst>
+                              <p:par>
+                                <p:cTn id="5" presetID="1" presetClass="entr" presetSubtype="0" fill="hold" grpId="0" nodeType="clickEffect">
+                                  <p:stCondLst>
+                                    <p:cond delay="0"/>
+                                  </p:stCondLst>
+                                  <p:childTnLst>
+                                    <p:set>
+                                      <p:cBhvr>
+                                        <p:cTn id="6" dur="1" fill="hold">
+                                          <p:stCondLst>
+                                            <p:cond delay="0"/>
+                                          </p:stCondLst>
+                                        </p:cTn>
+                                        <p:tgtEl>
+                                          <p:spTgt spid="5"/>
+                                        </p:tgtEl>
+                                        <p:attrNameLst>
+                                          <p:attrName>style.visibility</p:attrName>
+                                        </p:attrNameLst>
+                                      </p:cBhvr>
+                                      <p:to>
+                                        <p:strVal val="visible"/>
+                                      </p:to>
+                                    </p:set>
+                                  </p:childTnLst>
+                                </p:cTn>
+                              </p:par>
+                            </p:childTnLst>
+                          </p:cTn>
+                        </p:par>
+                      </p:childTnLst>
+                    </p:cTn>
+                  </p:par>
+                  <p:par>
+                    <p:cTn id="7" fill="hold">
+                      <p:stCondLst>
+                        <p:cond delay="indefinite"/>
+                      </p:stCondLst>
+                      <p:childTnLst>
+                        <p:par>
+                          <p:cTn id="8" fill="hold">
+                            <p:stCondLst>
+                              <p:cond delay="0"/>
+                            </p:stCondLst>
+                            <p:childTnLst>
+                              <p:par>
+                                <p:cTn id="9" presetID="1" presetClass="entr" presetSubtype="0" fill="hold" grpId="0" nodeType="clickEffect">
+                                  <p:stCondLst>
+                                    <p:cond delay="0"/>
+                                  </p:stCondLst>
+                                  <p:childTnLst>
+                                    <p:set>
+                                      <p:cBhvr>
+                                        <p:cTn id="10" dur="1" fill="hold">
+                                          <p:stCondLst>
+                                            <p:cond delay="0"/>
+                                          </p:stCondLst>
+                                        </p:cTn>
+                                        <p:tgtEl>
+                                          <p:spTgt spid="6"/>
+                                        </p:tgtEl>
+                                        <p:attrNameLst>
+                                          <p:attrName>style.visibility</p:attrName>
+                                        </p:attrNameLst>
+                                      </p:cBhvr>
+                                      <p:to>
+                                        <p:strVal val="visible"/>
+                                      </p:to>
+                                    </p:set>
+                                  </p:childTnLst>
+                                </p:cTn>
+                              </p:par>
+                            </p:childTnLst>
+                          </p:cTn>
+                        </p:par>
+                      </p:childTnLst>
+                    </p:cTn>
+                  </p:par>
+                  <p:par>
+                    <p:cTn id="11" fill="hold">
+                      <p:stCondLst>
+                        <p:cond delay="indefinite"/>
+                      </p:stCondLst>
+                      <p:childTnLst>
+                        <p:par>
+                          <p:cTn id="12" fill="hold">
+                            <p:stCondLst>
+                              <p:cond delay="0"/>
+                            </p:stCondLst>
+                            <p:childTnLst>
+                              <p:par>
+                                <p:cTn id="13" presetID="1" presetClass="entr" presetSubtype="0" fill="hold" grpId="0" nodeType="clickEffect">
+                                  <p:stCondLst>
+                                    <p:cond delay="0"/>
+                                  </p:stCondLst>
+                                  <p:childTnLst>
+                                    <p:set>
+                                      <p:cBhvr>
+                                        <p:cTn id="14" dur="1" fill="hold">
+                                          <p:stCondLst>
+                                            <p:cond delay="0"/>
+                                          </p:stCondLst>
+                                        </p:cTn>
+                                        <p:tgtEl>
+                                          <p:spTgt spid="7"/>
+                                        </p:tgtEl>
+                                        <p:attrNameLst>
+                                          <p:attrName>style.visibility</p:attrName>
+                                        </p:attrNameLst>
+                                      </p:cBhvr>
+                                      <p:to>
+                                        <p:strVal val="visible"/>
+                                      </p:to>
+                                    </p:set>
+                                  </p:childTnLst>
+                                </p:cTn>
+                              </p:par>
+                            </p:childTnLst>
+                          </p:cTn>
+                        </p:par>
+                      </p:childTnLst>
+                    </p:cTn>
+                  </p:par>
+                </p:childTnLst>
+              </p:cTn>
+              <p:prevCondLst>
+                <p:cond evt="onPrev" delay="0">
+                  <p:tgtEl>
+                    <p:sldTgt/>
+                  </p:tgtEl>
+                </p:cond>
+              </p:prevCondLst>
+              <p:nextCondLst>
+                <p:cond evt="onNext" delay="0">
+                  <p:tgtEl>
+                    <p:sldTgt/>
+                  </p:tgtEl>
+                </p:cond>
+              </p:nextCondLst>
+            </p:seq>
+          </p:childTnLst>
+        </p:cTn>
+      </p:par>
+    </p:tnLst>
+    <p:bldLst>
+      <p:bldP spid="5" grpId="0"/>
+      <p:bldP spid="6" grpId="0"/>
+      <p:bldP spid="7" grpId="0"/>
+    </p:bldLst>
+  </p:timing>
 </p:sld>
 </file>
 

--- a/99.ppt/[Ch4-5. 비동기 서비스 부하 테스트.pptx
+++ b/99.ppt/[Ch4-5. 비동기 서비스 부하 테스트.pptx
@@ -229,7 +229,7 @@
           <a:p>
             <a:fld id="{9B770909-2C76-4DF9-BB76-4EE283593418}" type="datetimeFigureOut">
               <a:rPr lang="ko-KR" altLang="en-US" smtClean="0"/>
-              <a:t>2023-09-06</a:t>
+              <a:t>2023-09-08</a:t>
             </a:fld>
             <a:endParaRPr lang="ko-KR" altLang="en-US"/>
           </a:p>
@@ -2868,11 +2868,15 @@
             </a:r>
             <a:r>
               <a:rPr lang="ko-KR" altLang="en-US" dirty="0"/>
-              <a:t>로 호출하면 </a:t>
+              <a:t>로 </a:t>
             </a:r>
             <a:r>
               <a:rPr lang="ko-KR" altLang="en-US" dirty="0" err="1"/>
-              <a:t>되겠고요</a:t>
+              <a:t>호출하는게</a:t>
+            </a:r>
+            <a:r>
+              <a:rPr lang="ko-KR" altLang="en-US" dirty="0"/>
+              <a:t> 그 예가 되겠습니다</a:t>
             </a:r>
             <a:r>
               <a:rPr lang="en-US" altLang="ko-KR" dirty="0"/>
@@ -3005,7 +3009,7 @@
             </a:pPr>
             <a:r>
               <a:rPr lang="ko-KR" altLang="en-US" dirty="0"/>
-              <a:t>이 세가지 요소가 모두 원활하게 작동해 마치 스트리밍 되듯 동작할 때</a:t>
+              <a:t>이 세가지 요소가 모두 원활하게 작동할 때</a:t>
             </a:r>
             <a:r>
               <a:rPr lang="en-US" altLang="ko-KR" dirty="0"/>
@@ -3013,7 +3017,19 @@
             </a:r>
             <a:r>
               <a:rPr lang="ko-KR" altLang="en-US" dirty="0"/>
-              <a:t>비로서 엄청난 퍼포먼스가 발현됩니다</a:t>
+              <a:t>마치 스트리밍 되듯</a:t>
+            </a:r>
+            <a:r>
+              <a:rPr lang="en-US" altLang="ko-KR"/>
+              <a:t>, </a:t>
+            </a:r>
+            <a:r>
+              <a:rPr lang="ko-KR" altLang="en-US"/>
+              <a:t>비로서 </a:t>
+            </a:r>
+            <a:r>
+              <a:rPr lang="ko-KR" altLang="en-US" dirty="0"/>
+              <a:t>엄청난 퍼포먼스가 발현됩니다</a:t>
             </a:r>
             <a:r>
               <a:rPr lang="en-US" altLang="ko-KR" dirty="0"/>

--- a/99.ppt/[Ch4-5. 비동기 서비스 부하 테스트.pptx
+++ b/99.ppt/[Ch4-5. 비동기 서비스 부하 테스트.pptx
@@ -2635,32 +2635,16 @@
               <a:defRPr/>
             </a:pPr>
             <a:r>
-              <a:rPr lang="en-US" altLang="ko-KR" dirty="0" err="1"/>
-              <a:t>Webflux</a:t>
-            </a:r>
-            <a:r>
-              <a:rPr lang="en-US" altLang="ko-KR" dirty="0"/>
-              <a:t> </a:t>
-            </a:r>
-            <a:r>
-              <a:rPr lang="ko-KR" altLang="en-US" dirty="0"/>
-              <a:t>는 적은 리소스로 많은 트래픽을 감당하는 개념이며</a:t>
-            </a:r>
-            <a:r>
-              <a:rPr lang="en-US" altLang="ko-KR" dirty="0"/>
-              <a:t>, </a:t>
-            </a:r>
-            <a:r>
-              <a:rPr lang="ko-KR" altLang="en-US" dirty="0"/>
-              <a:t>무조건 </a:t>
-            </a:r>
-            <a:r>
-              <a:rPr lang="en-US" altLang="ko-KR" dirty="0"/>
-              <a:t>MVC </a:t>
-            </a:r>
-            <a:r>
-              <a:rPr lang="ko-KR" altLang="en-US" dirty="0"/>
-              <a:t>보다 빠르게 동작하는 것은 아닙니다</a:t>
+              <a:rPr lang="ko-KR" altLang="en-US" dirty="0"/>
+              <a:t>왼쪽 </a:t>
+            </a:r>
+            <a:r>
+              <a:rPr lang="ko-KR" altLang="en-US" dirty="0" err="1"/>
+              <a:t>단건</a:t>
+            </a:r>
+            <a:r>
+              <a:rPr lang="ko-KR" altLang="en-US" dirty="0"/>
+              <a:t> 조회입니다</a:t>
             </a:r>
             <a:r>
               <a:rPr lang="en-US" altLang="ko-KR" dirty="0"/>
@@ -2706,47 +2690,28 @@
               <a:defRPr/>
             </a:pPr>
             <a:r>
-              <a:rPr lang="ko-KR" altLang="en-US" dirty="0"/>
-              <a:t>우선 프로그램 덩어리는 비동기 호출이 가능한 작은 이벤트들로 분해되어야 합니다</a:t>
-            </a:r>
-            <a:r>
-              <a:rPr lang="en-US" altLang="ko-KR" dirty="0"/>
-              <a:t>.</a:t>
-            </a:r>
-          </a:p>
-          <a:p>
-            <a:pPr marL="0" marR="0" lvl="0" indent="0" algn="l" defTabSz="685800" rtl="0" eaLnBrk="1" fontAlgn="auto" latinLnBrk="1" hangingPunct="1">
-              <a:lnSpc>
-                <a:spcPct val="100000"/>
-              </a:lnSpc>
-              <a:spcBef>
-                <a:spcPts val="0"/>
-              </a:spcBef>
-              <a:spcAft>
-                <a:spcPts val="0"/>
-              </a:spcAft>
-              <a:buClrTx/>
-              <a:buSzTx/>
-              <a:buFontTx/>
-              <a:buNone/>
-              <a:tabLst/>
-              <a:defRPr/>
-            </a:pPr>
-            <a:r>
-              <a:rPr lang="en-US" altLang="ko-KR" dirty="0"/>
-              <a:t>Reactor </a:t>
-            </a:r>
-            <a:r>
-              <a:rPr lang="ko-KR" altLang="en-US" dirty="0"/>
-              <a:t>또는 </a:t>
-            </a:r>
-            <a:r>
-              <a:rPr lang="en-US" altLang="ko-KR" dirty="0"/>
-              <a:t>Coroutine </a:t>
-            </a:r>
-            <a:r>
-              <a:rPr lang="ko-KR" altLang="en-US" dirty="0"/>
-              <a:t>에 의해 구현 가능하고요</a:t>
+              <a:rPr lang="en-US" altLang="ko-KR" dirty="0"/>
+              <a:t>MVC </a:t>
+            </a:r>
+            <a:r>
+              <a:rPr lang="ko-KR" altLang="en-US" dirty="0"/>
+              <a:t>에서도 충분히 빠르게 움직이는 쿼리 호출이었고</a:t>
+            </a:r>
+            <a:r>
+              <a:rPr lang="en-US" altLang="ko-KR" dirty="0"/>
+              <a:t>, </a:t>
+            </a:r>
+            <a:r>
+              <a:rPr lang="ko-KR" altLang="en-US" dirty="0"/>
+              <a:t>더 빠르게 움직일 수 있는 여력은 서버</a:t>
+            </a:r>
+            <a:r>
+              <a:rPr lang="en-US" altLang="ko-KR" dirty="0"/>
+              <a:t>, DB, </a:t>
+            </a:r>
+            <a:r>
+              <a:rPr lang="ko-KR" altLang="en-US" dirty="0"/>
+              <a:t>모두 갖추고 있던 상황이었습니다</a:t>
             </a:r>
             <a:r>
               <a:rPr lang="en-US" altLang="ko-KR" dirty="0"/>
@@ -2793,62 +2758,31 @@
             </a:pPr>
             <a:r>
               <a:rPr lang="ko-KR" altLang="en-US" dirty="0"/>
-              <a:t>피호출 서비스는 </a:t>
-            </a:r>
-            <a:r>
-              <a:rPr lang="en-US" altLang="ko-KR" dirty="0"/>
-              <a:t>Non-Block IO </a:t>
-            </a:r>
-            <a:r>
-              <a:rPr lang="ko-KR" altLang="en-US" dirty="0"/>
-              <a:t>방식으로 호출되어야 합니다</a:t>
-            </a:r>
-            <a:r>
-              <a:rPr lang="en-US" altLang="ko-KR" dirty="0"/>
-              <a:t>. </a:t>
-            </a:r>
-            <a:r>
-              <a:rPr lang="ko-KR" altLang="en-US" dirty="0"/>
-              <a:t>그래야 기다리는 시간에 다른 이벤트를 실행시킬 수 있습니다</a:t>
-            </a:r>
-            <a:r>
-              <a:rPr lang="en-US" altLang="ko-KR" dirty="0"/>
-              <a:t>.</a:t>
-            </a:r>
-          </a:p>
-          <a:p>
-            <a:pPr marL="0" marR="0" lvl="0" indent="0" algn="l" defTabSz="685800" rtl="0" eaLnBrk="1" fontAlgn="auto" latinLnBrk="1" hangingPunct="1">
-              <a:lnSpc>
-                <a:spcPct val="100000"/>
-              </a:lnSpc>
-              <a:spcBef>
-                <a:spcPts val="0"/>
-              </a:spcBef>
-              <a:spcAft>
-                <a:spcPts val="0"/>
-              </a:spcAft>
-              <a:buClrTx/>
-              <a:buSzTx/>
-              <a:buFontTx/>
-              <a:buNone/>
-              <a:tabLst/>
-              <a:defRPr/>
-            </a:pPr>
-            <a:r>
-              <a:rPr lang="en-US" altLang="ko-KR" dirty="0"/>
-              <a:t>JDBC </a:t>
-            </a:r>
-            <a:r>
-              <a:rPr lang="ko-KR" altLang="en-US" dirty="0"/>
-              <a:t>대신 </a:t>
-            </a:r>
-            <a:r>
-              <a:rPr lang="en-US" altLang="ko-KR" dirty="0"/>
-              <a:t>R2DBC, </a:t>
+              <a:t>여기서는 </a:t>
+            </a:r>
+            <a:r>
+              <a:rPr lang="en-US" altLang="ko-KR" dirty="0"/>
+              <a:t>bottleneck </a:t>
+            </a:r>
+            <a:r>
+              <a:rPr lang="ko-KR" altLang="en-US" dirty="0"/>
+              <a:t>이 </a:t>
+            </a:r>
+            <a:r>
+              <a:rPr lang="en-US" altLang="ko-KR" dirty="0"/>
+              <a:t>IO blocking </a:t>
+            </a:r>
+            <a:r>
+              <a:rPr lang="ko-KR" altLang="en-US" dirty="0"/>
+              <a:t>이였기 때문에</a:t>
+            </a:r>
+            <a:r>
+              <a:rPr lang="en-US" altLang="ko-KR" dirty="0"/>
+              <a:t>, </a:t>
             </a:r>
             <a:r>
               <a:rPr lang="en-US" altLang="ko-KR" dirty="0" err="1"/>
-              <a:t>RestTemplate</a:t>
+              <a:t>webflux</a:t>
             </a:r>
             <a:r>
               <a:rPr lang="en-US" altLang="ko-KR" dirty="0"/>
@@ -2856,27 +2790,23 @@
             </a:r>
             <a:r>
               <a:rPr lang="ko-KR" altLang="en-US" dirty="0"/>
-              <a:t>대신 </a:t>
-            </a:r>
-            <a:r>
-              <a:rPr lang="en-US" altLang="ko-KR" dirty="0" err="1"/>
-              <a:t>WebClient</a:t>
-            </a:r>
-            <a:r>
-              <a:rPr lang="en-US" altLang="ko-KR" dirty="0"/>
-              <a:t> </a:t>
-            </a:r>
-            <a:r>
-              <a:rPr lang="ko-KR" altLang="en-US" dirty="0"/>
-              <a:t>로 </a:t>
-            </a:r>
-            <a:r>
-              <a:rPr lang="ko-KR" altLang="en-US" dirty="0" err="1"/>
-              <a:t>호출하는게</a:t>
-            </a:r>
-            <a:r>
-              <a:rPr lang="ko-KR" altLang="en-US" dirty="0"/>
-              <a:t> 그 예가 되겠습니다</a:t>
+              <a:t>도입으로 </a:t>
+            </a:r>
+            <a:r>
+              <a:rPr lang="en-US" altLang="ko-KR" dirty="0"/>
+              <a:t>IO blocking</a:t>
+            </a:r>
+            <a:r>
+              <a:rPr lang="ko-KR" altLang="en-US" dirty="0"/>
+              <a:t>을 해소시켜주자</a:t>
+            </a:r>
+            <a:r>
+              <a:rPr lang="en-US" altLang="ko-KR" dirty="0"/>
+              <a:t>, </a:t>
+            </a:r>
+            <a:r>
+              <a:rPr lang="ko-KR" altLang="en-US" dirty="0"/>
+              <a:t>처리성능이 극적으로 향상되었습니다</a:t>
             </a:r>
             <a:r>
               <a:rPr lang="en-US" altLang="ko-KR" dirty="0"/>
@@ -2923,50 +2853,35 @@
             </a:pPr>
             <a:r>
               <a:rPr lang="ko-KR" altLang="en-US" dirty="0"/>
-              <a:t>마지막으로 이벤트들은 이벤트 루프에 의해 빠르게 소비되어야 합니다</a:t>
-            </a:r>
-            <a:r>
-              <a:rPr lang="en-US" altLang="ko-KR" dirty="0"/>
-              <a:t>.</a:t>
-            </a:r>
-          </a:p>
-          <a:p>
-            <a:pPr marL="0" marR="0" lvl="0" indent="0" algn="l" defTabSz="685800" rtl="0" eaLnBrk="1" fontAlgn="auto" latinLnBrk="1" hangingPunct="1">
-              <a:lnSpc>
-                <a:spcPct val="100000"/>
-              </a:lnSpc>
-              <a:spcBef>
-                <a:spcPts val="0"/>
-              </a:spcBef>
-              <a:spcAft>
-                <a:spcPts val="0"/>
-              </a:spcAft>
-              <a:buClrTx/>
-              <a:buSzTx/>
-              <a:buFontTx/>
-              <a:buNone/>
-              <a:tabLst/>
-              <a:defRPr/>
-            </a:pPr>
-            <a:r>
-              <a:rPr lang="en-US" altLang="ko-KR" dirty="0"/>
-              <a:t>I/O Multiplexing </a:t>
-            </a:r>
-            <a:r>
-              <a:rPr lang="ko-KR" altLang="en-US" dirty="0"/>
-              <a:t>기반의 </a:t>
-            </a:r>
-            <a:r>
-              <a:rPr lang="en-US" altLang="ko-KR" dirty="0" err="1"/>
-              <a:t>Netty</a:t>
-            </a:r>
-            <a:r>
-              <a:rPr lang="ko-KR" altLang="en-US" dirty="0"/>
-              <a:t>에 의해 처리 가능합니다</a:t>
-            </a:r>
-            <a:r>
-              <a:rPr lang="en-US" altLang="ko-KR" dirty="0"/>
-              <a:t>.</a:t>
+              <a:t>만약 </a:t>
+            </a:r>
+            <a:r>
+              <a:rPr lang="en-US" altLang="ko-KR" dirty="0"/>
+              <a:t>Redis </a:t>
+            </a:r>
+            <a:r>
+              <a:rPr lang="ko-KR" altLang="en-US" dirty="0"/>
+              <a:t>처럼</a:t>
+            </a:r>
+            <a:r>
+              <a:rPr lang="en-US" altLang="ko-KR" dirty="0"/>
+              <a:t>, DB</a:t>
+            </a:r>
+            <a:r>
+              <a:rPr lang="ko-KR" altLang="en-US" dirty="0"/>
+              <a:t> 단건조회보다 더 빠르게 작동하는 </a:t>
+            </a:r>
+            <a:r>
+              <a:rPr lang="ko-KR" altLang="en-US" dirty="0" err="1"/>
+              <a:t>레파지토리를</a:t>
+            </a:r>
+            <a:r>
+              <a:rPr lang="ko-KR" altLang="en-US" dirty="0"/>
+              <a:t> 호출한다면 어떻게 될까요 </a:t>
+            </a:r>
+            <a:r>
+              <a:rPr lang="en-US" altLang="ko-KR" dirty="0"/>
+              <a:t>?</a:t>
             </a:r>
           </a:p>
           <a:p>
@@ -3009,7 +2924,7 @@
             </a:pPr>
             <a:r>
               <a:rPr lang="ko-KR" altLang="en-US" dirty="0"/>
-              <a:t>이 세가지 요소가 모두 원활하게 작동할 때</a:t>
+              <a:t>지금보다 빠르게 동작할 수 있는 여력이 더 높아지기 때문에</a:t>
             </a:r>
             <a:r>
               <a:rPr lang="en-US" altLang="ko-KR" dirty="0"/>
@@ -3017,19 +2932,35 @@
             </a:r>
             <a:r>
               <a:rPr lang="ko-KR" altLang="en-US" dirty="0"/>
-              <a:t>마치 스트리밍 되듯</a:t>
-            </a:r>
-            <a:r>
-              <a:rPr lang="en-US" altLang="ko-KR"/>
-              <a:t>, </a:t>
-            </a:r>
-            <a:r>
-              <a:rPr lang="ko-KR" altLang="en-US"/>
-              <a:t>비로서 </a:t>
-            </a:r>
-            <a:r>
-              <a:rPr lang="ko-KR" altLang="en-US" dirty="0"/>
-              <a:t>엄청난 퍼포먼스가 발현됩니다</a:t>
+              <a:t>더 놀라운 </a:t>
+            </a:r>
+            <a:r>
+              <a:rPr lang="en-US" altLang="ko-KR" dirty="0"/>
+              <a:t>throughput</a:t>
+            </a:r>
+            <a:r>
+              <a:rPr lang="ko-KR" altLang="en-US" dirty="0"/>
+              <a:t>을 보여줄 겁니다</a:t>
+            </a:r>
+            <a:r>
+              <a:rPr lang="en-US" altLang="ko-KR" dirty="0"/>
+              <a:t>. </a:t>
+            </a:r>
+            <a:r>
+              <a:rPr lang="ko-KR" altLang="en-US" dirty="0"/>
+              <a:t>싱글 인스턴스에서 사만이 훌쩍 넘는 </a:t>
+            </a:r>
+            <a:r>
+              <a:rPr lang="en-US" altLang="ko-KR" dirty="0"/>
+              <a:t>RPS </a:t>
+            </a:r>
+            <a:r>
+              <a:rPr lang="ko-KR" altLang="en-US" dirty="0"/>
+              <a:t>가 나올 </a:t>
+            </a:r>
+            <a:r>
+              <a:rPr lang="ko-KR" altLang="en-US" dirty="0" err="1"/>
+              <a:t>거에요</a:t>
             </a:r>
             <a:r>
               <a:rPr lang="en-US" altLang="ko-KR" dirty="0"/>
@@ -3074,9 +3005,29 @@
               <a:tabLst/>
               <a:defRPr/>
             </a:pPr>
-            <a:r>
-              <a:rPr lang="ko-KR" altLang="en-US" dirty="0"/>
-              <a:t>이 중 어느 하나라도 제 역할을 하지 못한다면</a:t>
+            <a:endParaRPr lang="en-US" altLang="ko-KR" dirty="0"/>
+          </a:p>
+          <a:p>
+            <a:pPr marL="0" marR="0" lvl="0" indent="0" algn="l" defTabSz="685800" rtl="0" eaLnBrk="1" fontAlgn="auto" latinLnBrk="1" hangingPunct="1">
+              <a:lnSpc>
+                <a:spcPct val="100000"/>
+              </a:lnSpc>
+              <a:spcBef>
+                <a:spcPts val="0"/>
+              </a:spcBef>
+              <a:spcAft>
+                <a:spcPts val="0"/>
+              </a:spcAft>
+              <a:buClrTx/>
+              <a:buSzTx/>
+              <a:buFontTx/>
+              <a:buNone/>
+              <a:tabLst/>
+              <a:defRPr/>
+            </a:pPr>
+            <a:r>
+              <a:rPr lang="ko-KR" altLang="en-US" dirty="0"/>
+              <a:t>하지만</a:t>
             </a:r>
             <a:r>
               <a:rPr lang="en-US" altLang="ko-KR" dirty="0"/>
@@ -3092,7 +3043,7 @@
             </a:r>
             <a:r>
               <a:rPr lang="ko-KR" altLang="en-US" dirty="0"/>
-              <a:t>퍼포먼스는 </a:t>
+              <a:t>가 무조건 </a:t>
             </a:r>
             <a:r>
               <a:rPr lang="en-US" altLang="ko-KR" dirty="0"/>
@@ -3100,7 +3051,7 @@
             </a:r>
             <a:r>
               <a:rPr lang="ko-KR" altLang="en-US" dirty="0"/>
-              <a:t>와 비슷한 수준으로 떨어집니다</a:t>
+              <a:t>보다 빠르게 동작하는 것은 아닙니다</a:t>
             </a:r>
             <a:r>
               <a:rPr lang="en-US" altLang="ko-KR" dirty="0"/>
@@ -3147,24 +3098,337 @@
             </a:pPr>
             <a:r>
               <a:rPr lang="ko-KR" altLang="en-US" dirty="0"/>
-              <a:t>이상으로 이번 챕터 마무리 하겠습니다</a:t>
+              <a:t>오른쪽 다건조회를 보시면</a:t>
+            </a:r>
+            <a:r>
+              <a:rPr lang="en-US" altLang="ko-KR" dirty="0"/>
+              <a:t>,</a:t>
+            </a:r>
+          </a:p>
+          <a:p>
+            <a:pPr marL="0" marR="0" lvl="0" indent="0" algn="l" defTabSz="685800" rtl="0" eaLnBrk="1" fontAlgn="auto" latinLnBrk="1" hangingPunct="1">
+              <a:lnSpc>
+                <a:spcPct val="100000"/>
+              </a:lnSpc>
+              <a:spcBef>
+                <a:spcPts val="0"/>
+              </a:spcBef>
+              <a:spcAft>
+                <a:spcPts val="0"/>
+              </a:spcAft>
+              <a:buClrTx/>
+              <a:buSzTx/>
+              <a:buFontTx/>
+              <a:buNone/>
+              <a:tabLst/>
+              <a:defRPr/>
+            </a:pPr>
+            <a:endParaRPr lang="en-US" altLang="ko-KR" dirty="0"/>
+          </a:p>
+          <a:p>
+            <a:pPr marL="0" marR="0" lvl="0" indent="0" algn="l" defTabSz="685800" rtl="0" eaLnBrk="1" fontAlgn="auto" latinLnBrk="1" hangingPunct="1">
+              <a:lnSpc>
+                <a:spcPct val="100000"/>
+              </a:lnSpc>
+              <a:spcBef>
+                <a:spcPts val="0"/>
+              </a:spcBef>
+              <a:spcAft>
+                <a:spcPts val="0"/>
+              </a:spcAft>
+              <a:buClrTx/>
+              <a:buSzTx/>
+              <a:buFontTx/>
+              <a:buNone/>
+              <a:tabLst/>
+              <a:defRPr/>
+            </a:pPr>
+            <a:r>
+              <a:rPr lang="ko-KR" altLang="en-US" dirty="0"/>
+              <a:t>여기서 </a:t>
+            </a:r>
+            <a:r>
+              <a:rPr lang="en-US" altLang="ko-KR" dirty="0"/>
+              <a:t>bottleneck </a:t>
+            </a:r>
+            <a:r>
+              <a:rPr lang="ko-KR" altLang="en-US" dirty="0"/>
+              <a:t>은 </a:t>
+            </a:r>
+            <a:r>
+              <a:rPr lang="en-US" altLang="ko-KR" dirty="0"/>
+              <a:t>DB </a:t>
+            </a:r>
+            <a:r>
+              <a:rPr lang="ko-KR" altLang="en-US" dirty="0"/>
+              <a:t>의 처리 지연입니다</a:t>
             </a:r>
             <a:r>
               <a:rPr lang="en-US" altLang="ko-KR" dirty="0"/>
               <a:t>. </a:t>
             </a:r>
             <a:r>
-              <a:rPr lang="ko-KR" altLang="en-US" dirty="0" err="1"/>
-              <a:t>들어주셔서</a:t>
-            </a:r>
-            <a:r>
-              <a:rPr lang="ko-KR" altLang="en-US" dirty="0"/>
-              <a:t> 감사합니다</a:t>
+              <a:rPr lang="en-US" altLang="ko-KR" dirty="0" err="1"/>
+              <a:t>webflux</a:t>
+            </a:r>
+            <a:r>
+              <a:rPr lang="ko-KR" altLang="en-US" dirty="0"/>
+              <a:t>를 쓴다 해서 결코 </a:t>
+            </a:r>
+            <a:r>
+              <a:rPr lang="en-US" altLang="ko-KR" dirty="0"/>
+              <a:t>DB</a:t>
+            </a:r>
+            <a:r>
+              <a:rPr lang="ko-KR" altLang="en-US" dirty="0"/>
+              <a:t>의 처리 지연이 해결될 순 없습니다</a:t>
             </a:r>
             <a:r>
               <a:rPr lang="en-US" altLang="ko-KR" dirty="0"/>
               <a:t>.</a:t>
             </a:r>
+          </a:p>
+          <a:p>
+            <a:pPr marL="0" marR="0" lvl="0" indent="0" algn="l" defTabSz="685800" rtl="0" eaLnBrk="1" fontAlgn="auto" latinLnBrk="1" hangingPunct="1">
+              <a:lnSpc>
+                <a:spcPct val="100000"/>
+              </a:lnSpc>
+              <a:spcBef>
+                <a:spcPts val="0"/>
+              </a:spcBef>
+              <a:spcAft>
+                <a:spcPts val="0"/>
+              </a:spcAft>
+              <a:buClrTx/>
+              <a:buSzTx/>
+              <a:buFontTx/>
+              <a:buNone/>
+              <a:tabLst/>
+              <a:defRPr/>
+            </a:pPr>
+            <a:endParaRPr lang="en-US" altLang="ko-KR" dirty="0"/>
+          </a:p>
+          <a:p>
+            <a:pPr marL="0" marR="0" lvl="0" indent="0" algn="l" defTabSz="685800" rtl="0" eaLnBrk="1" fontAlgn="auto" latinLnBrk="1" hangingPunct="1">
+              <a:lnSpc>
+                <a:spcPct val="100000"/>
+              </a:lnSpc>
+              <a:spcBef>
+                <a:spcPts val="0"/>
+              </a:spcBef>
+              <a:spcAft>
+                <a:spcPts val="0"/>
+              </a:spcAft>
+              <a:buClrTx/>
+              <a:buSzTx/>
+              <a:buFontTx/>
+              <a:buNone/>
+              <a:tabLst/>
+              <a:defRPr/>
+            </a:pPr>
+            <a:r>
+              <a:rPr lang="ko-KR" altLang="en-US" dirty="0"/>
+              <a:t>전체 처리속도는</a:t>
+            </a:r>
+            <a:r>
+              <a:rPr lang="en-US" altLang="ko-KR" dirty="0"/>
+              <a:t>,</a:t>
+            </a:r>
+            <a:r>
+              <a:rPr lang="ko-KR" altLang="en-US" dirty="0"/>
+              <a:t> 영향을 미치는 요인 중 가장 느린 속도에 수렴하기 때문에</a:t>
+            </a:r>
+            <a:r>
+              <a:rPr lang="en-US" altLang="ko-KR" dirty="0"/>
+              <a:t>, </a:t>
+            </a:r>
+            <a:r>
+              <a:rPr lang="ko-KR" altLang="en-US" dirty="0"/>
+              <a:t>결국 </a:t>
+            </a:r>
+            <a:r>
+              <a:rPr lang="en-US" altLang="ko-KR" dirty="0" err="1"/>
+              <a:t>webflux</a:t>
+            </a:r>
+            <a:r>
+              <a:rPr lang="en-US" altLang="ko-KR" dirty="0"/>
+              <a:t> </a:t>
+            </a:r>
+            <a:r>
+              <a:rPr lang="ko-KR" altLang="en-US" dirty="0"/>
+              <a:t>를 도입해도 속도는 빨라지지 않았습니다</a:t>
+            </a:r>
+            <a:r>
+              <a:rPr lang="en-US" altLang="ko-KR" dirty="0"/>
+              <a:t>.</a:t>
+            </a:r>
+          </a:p>
+          <a:p>
+            <a:pPr marL="0" marR="0" lvl="0" indent="0" algn="l" defTabSz="685800" rtl="0" eaLnBrk="1" fontAlgn="auto" latinLnBrk="1" hangingPunct="1">
+              <a:lnSpc>
+                <a:spcPct val="100000"/>
+              </a:lnSpc>
+              <a:spcBef>
+                <a:spcPts val="0"/>
+              </a:spcBef>
+              <a:spcAft>
+                <a:spcPts val="0"/>
+              </a:spcAft>
+              <a:buClrTx/>
+              <a:buSzTx/>
+              <a:buFontTx/>
+              <a:buNone/>
+              <a:tabLst/>
+              <a:defRPr/>
+            </a:pPr>
+            <a:endParaRPr lang="en-US" altLang="ko-KR" dirty="0"/>
+          </a:p>
+          <a:p>
+            <a:pPr marL="0" marR="0" lvl="0" indent="0" algn="l" defTabSz="685800" rtl="0" eaLnBrk="1" fontAlgn="auto" latinLnBrk="1" hangingPunct="1">
+              <a:lnSpc>
+                <a:spcPct val="100000"/>
+              </a:lnSpc>
+              <a:spcBef>
+                <a:spcPts val="0"/>
+              </a:spcBef>
+              <a:spcAft>
+                <a:spcPts val="0"/>
+              </a:spcAft>
+              <a:buClrTx/>
+              <a:buSzTx/>
+              <a:buFontTx/>
+              <a:buNone/>
+              <a:tabLst/>
+              <a:defRPr/>
+            </a:pPr>
+            <a:endParaRPr lang="en-US" altLang="ko-KR" dirty="0"/>
+          </a:p>
+          <a:p>
+            <a:pPr marL="0" marR="0" lvl="0" indent="0" algn="l" defTabSz="685800" rtl="0" eaLnBrk="1" fontAlgn="auto" latinLnBrk="1" hangingPunct="1">
+              <a:lnSpc>
+                <a:spcPct val="100000"/>
+              </a:lnSpc>
+              <a:spcBef>
+                <a:spcPts val="0"/>
+              </a:spcBef>
+              <a:spcAft>
+                <a:spcPts val="0"/>
+              </a:spcAft>
+              <a:buClrTx/>
+              <a:buSzTx/>
+              <a:buFontTx/>
+              <a:buNone/>
+              <a:tabLst/>
+              <a:defRPr/>
+            </a:pPr>
+            <a:r>
+              <a:rPr lang="ko-KR" altLang="en-US" dirty="0"/>
+              <a:t>그런데</a:t>
+            </a:r>
+            <a:r>
+              <a:rPr lang="en-US" altLang="ko-KR" dirty="0"/>
+              <a:t>… </a:t>
+            </a:r>
+            <a:r>
+              <a:rPr lang="ko-KR" altLang="en-US" dirty="0"/>
+              <a:t>저희가 운영하는 서버는</a:t>
+            </a:r>
+            <a:r>
+              <a:rPr lang="en-US" altLang="ko-KR" dirty="0"/>
+              <a:t>, </a:t>
+            </a:r>
+            <a:r>
+              <a:rPr lang="ko-KR" altLang="en-US" dirty="0"/>
+              <a:t>당연히 빠른 처리도 있고</a:t>
+            </a:r>
+            <a:r>
+              <a:rPr lang="en-US" altLang="ko-KR" dirty="0"/>
+              <a:t>, </a:t>
+            </a:r>
+            <a:r>
+              <a:rPr lang="ko-KR" altLang="en-US" dirty="0"/>
+              <a:t>느린 처리도 있습니다</a:t>
+            </a:r>
+            <a:r>
+              <a:rPr lang="en-US" altLang="ko-KR" dirty="0"/>
+              <a:t>.</a:t>
+            </a:r>
+          </a:p>
+          <a:p>
+            <a:pPr marL="0" marR="0" lvl="0" indent="0" algn="l" defTabSz="685800" rtl="0" eaLnBrk="1" fontAlgn="auto" latinLnBrk="1" hangingPunct="1">
+              <a:lnSpc>
+                <a:spcPct val="100000"/>
+              </a:lnSpc>
+              <a:spcBef>
+                <a:spcPts val="0"/>
+              </a:spcBef>
+              <a:spcAft>
+                <a:spcPts val="0"/>
+              </a:spcAft>
+              <a:buClrTx/>
+              <a:buSzTx/>
+              <a:buFontTx/>
+              <a:buNone/>
+              <a:tabLst/>
+              <a:defRPr/>
+            </a:pPr>
+            <a:endParaRPr lang="en-US" altLang="ko-KR" dirty="0"/>
+          </a:p>
+          <a:p>
+            <a:pPr marL="0" marR="0" lvl="0" indent="0" algn="l" defTabSz="685800" rtl="0" eaLnBrk="1" fontAlgn="auto" latinLnBrk="1" hangingPunct="1">
+              <a:lnSpc>
+                <a:spcPct val="100000"/>
+              </a:lnSpc>
+              <a:spcBef>
+                <a:spcPts val="0"/>
+              </a:spcBef>
+              <a:spcAft>
+                <a:spcPts val="0"/>
+              </a:spcAft>
+              <a:buClrTx/>
+              <a:buSzTx/>
+              <a:buFontTx/>
+              <a:buNone/>
+              <a:tabLst/>
+              <a:defRPr/>
+            </a:pPr>
+            <a:r>
+              <a:rPr lang="ko-KR" altLang="en-US" dirty="0"/>
+              <a:t>실 사용을 가정해</a:t>
+            </a:r>
+            <a:r>
+              <a:rPr lang="en-US" altLang="ko-KR" dirty="0"/>
+              <a:t>, </a:t>
+            </a:r>
+            <a:r>
+              <a:rPr lang="ko-KR" altLang="en-US" dirty="0"/>
+              <a:t>빠른 처리와 느린 처리가 동시에 일어나는 경우</a:t>
+            </a:r>
+            <a:r>
+              <a:rPr lang="en-US" altLang="ko-KR" dirty="0"/>
+              <a:t>, MVC</a:t>
+            </a:r>
+            <a:r>
+              <a:rPr lang="ko-KR" altLang="en-US" dirty="0"/>
+              <a:t>와 </a:t>
+            </a:r>
+            <a:r>
+              <a:rPr lang="en-US" altLang="ko-KR" dirty="0" err="1"/>
+              <a:t>Webflux</a:t>
+            </a:r>
+            <a:r>
+              <a:rPr lang="en-US" altLang="ko-KR" dirty="0"/>
+              <a:t> </a:t>
+            </a:r>
+            <a:r>
+              <a:rPr lang="ko-KR" altLang="en-US" dirty="0"/>
+              <a:t>의 성능차이는 어떻게 나타날까요 </a:t>
+            </a:r>
+            <a:r>
+              <a:rPr lang="en-US" altLang="ko-KR"/>
+              <a:t>?</a:t>
+            </a:r>
+            <a:endParaRPr lang="en-US" altLang="ko-KR" dirty="0"/>
           </a:p>
         </p:txBody>
       </p:sp>
@@ -10600,186 +10864,6 @@
       </p:sp>
       <p:sp>
         <p:nvSpPr>
-          <p:cNvPr id="9" name="사각형: 둥근 모서리 8">
-            <a:extLst>
-              <a:ext uri="{FF2B5EF4-FFF2-40B4-BE49-F238E27FC236}">
-                <a16:creationId xmlns:a16="http://schemas.microsoft.com/office/drawing/2014/main" id="{F583772E-2DC6-9DFB-0325-47744922343E}"/>
-              </a:ext>
-            </a:extLst>
-          </p:cNvPr>
-          <p:cNvSpPr/>
-          <p:nvPr/>
-        </p:nvSpPr>
-        <p:spPr>
-          <a:xfrm>
-            <a:off x="3544711" y="1701976"/>
-            <a:ext cx="2054578" cy="837771"/>
-          </a:xfrm>
-          <a:prstGeom prst="roundRect">
-            <a:avLst/>
-          </a:prstGeom>
-          <a:solidFill>
-            <a:schemeClr val="accent1"/>
-          </a:solidFill>
-          <a:ln w="28575">
-            <a:solidFill>
-              <a:schemeClr val="accent1">
-                <a:lumMod val="75000"/>
-              </a:schemeClr>
-            </a:solidFill>
-          </a:ln>
-        </p:spPr>
-        <p:style>
-          <a:lnRef idx="0">
-            <a:scrgbClr r="0" g="0" b="0"/>
-          </a:lnRef>
-          <a:fillRef idx="0">
-            <a:scrgbClr r="0" g="0" b="0"/>
-          </a:fillRef>
-          <a:effectRef idx="0">
-            <a:scrgbClr r="0" g="0" b="0"/>
-          </a:effectRef>
-          <a:fontRef idx="minor">
-            <a:schemeClr val="lt1"/>
-          </a:fontRef>
-        </p:style>
-        <p:txBody>
-          <a:bodyPr rtlCol="0" anchor="ctr"/>
-          <a:lstStyle/>
-          <a:p>
-            <a:pPr algn="ctr"/>
-            <a:r>
-              <a:rPr lang="en-US" altLang="ko-KR" sz="2400" dirty="0"/>
-              <a:t>Event Loop</a:t>
-            </a:r>
-            <a:endParaRPr lang="ko-KR" altLang="en-US" sz="2400" dirty="0"/>
-          </a:p>
-        </p:txBody>
-      </p:sp>
-      <p:sp>
-        <p:nvSpPr>
-          <p:cNvPr id="10" name="사각형: 둥근 모서리 9">
-            <a:extLst>
-              <a:ext uri="{FF2B5EF4-FFF2-40B4-BE49-F238E27FC236}">
-                <a16:creationId xmlns:a16="http://schemas.microsoft.com/office/drawing/2014/main" id="{BB6DCA31-6644-5B20-8CFD-71583BFDDBA6}"/>
-              </a:ext>
-            </a:extLst>
-          </p:cNvPr>
-          <p:cNvSpPr/>
-          <p:nvPr/>
-        </p:nvSpPr>
-        <p:spPr>
-          <a:xfrm>
-            <a:off x="1711569" y="3242909"/>
-            <a:ext cx="2245185" cy="837771"/>
-          </a:xfrm>
-          <a:prstGeom prst="roundRect">
-            <a:avLst/>
-          </a:prstGeom>
-          <a:solidFill>
-            <a:schemeClr val="accent1"/>
-          </a:solidFill>
-          <a:ln w="28575">
-            <a:solidFill>
-              <a:schemeClr val="accent1">
-                <a:lumMod val="75000"/>
-              </a:schemeClr>
-            </a:solidFill>
-          </a:ln>
-        </p:spPr>
-        <p:style>
-          <a:lnRef idx="0">
-            <a:scrgbClr r="0" g="0" b="0"/>
-          </a:lnRef>
-          <a:fillRef idx="0">
-            <a:scrgbClr r="0" g="0" b="0"/>
-          </a:fillRef>
-          <a:effectRef idx="0">
-            <a:scrgbClr r="0" g="0" b="0"/>
-          </a:effectRef>
-          <a:fontRef idx="minor">
-            <a:schemeClr val="lt1"/>
-          </a:fontRef>
-        </p:style>
-        <p:txBody>
-          <a:bodyPr rtlCol="0" anchor="ctr"/>
-          <a:lstStyle/>
-          <a:p>
-            <a:pPr algn="ctr"/>
-            <a:r>
-              <a:rPr lang="en-US" altLang="ko-KR" sz="2400" dirty="0"/>
-              <a:t>Event</a:t>
-            </a:r>
-          </a:p>
-          <a:p>
-            <a:pPr algn="ctr"/>
-            <a:r>
-              <a:rPr lang="en-US" altLang="ko-KR" dirty="0"/>
-              <a:t>for Asynchronous</a:t>
-            </a:r>
-          </a:p>
-        </p:txBody>
-      </p:sp>
-      <p:sp>
-        <p:nvSpPr>
-          <p:cNvPr id="11" name="사각형: 둥근 모서리 10">
-            <a:extLst>
-              <a:ext uri="{FF2B5EF4-FFF2-40B4-BE49-F238E27FC236}">
-                <a16:creationId xmlns:a16="http://schemas.microsoft.com/office/drawing/2014/main" id="{0BCBA08B-1A25-2D1C-680E-232E32CBEA6C}"/>
-              </a:ext>
-            </a:extLst>
-          </p:cNvPr>
-          <p:cNvSpPr/>
-          <p:nvPr/>
-        </p:nvSpPr>
-        <p:spPr>
-          <a:xfrm>
-            <a:off x="5187247" y="3242909"/>
-            <a:ext cx="2397584" cy="837771"/>
-          </a:xfrm>
-          <a:prstGeom prst="roundRect">
-            <a:avLst/>
-          </a:prstGeom>
-          <a:solidFill>
-            <a:schemeClr val="accent1"/>
-          </a:solidFill>
-          <a:ln w="28575">
-            <a:solidFill>
-              <a:schemeClr val="accent1">
-                <a:lumMod val="75000"/>
-              </a:schemeClr>
-            </a:solidFill>
-          </a:ln>
-        </p:spPr>
-        <p:style>
-          <a:lnRef idx="0">
-            <a:scrgbClr r="0" g="0" b="0"/>
-          </a:lnRef>
-          <a:fillRef idx="0">
-            <a:scrgbClr r="0" g="0" b="0"/>
-          </a:fillRef>
-          <a:effectRef idx="0">
-            <a:scrgbClr r="0" g="0" b="0"/>
-          </a:effectRef>
-          <a:fontRef idx="minor">
-            <a:schemeClr val="lt1"/>
-          </a:fontRef>
-        </p:style>
-        <p:txBody>
-          <a:bodyPr rtlCol="0" anchor="ctr"/>
-          <a:lstStyle/>
-          <a:p>
-            <a:pPr algn="ctr"/>
-            <a:r>
-              <a:rPr lang="en-US" altLang="ko-KR" sz="2400" dirty="0"/>
-              <a:t>Non-Blocking IO</a:t>
-            </a:r>
-            <a:endParaRPr lang="ko-KR" altLang="en-US" sz="2400" dirty="0"/>
-          </a:p>
-        </p:txBody>
-      </p:sp>
-      <p:sp>
-        <p:nvSpPr>
           <p:cNvPr id="3" name="Google Shape;209;p30">
             <a:extLst>
               <a:ext uri="{FF2B5EF4-FFF2-40B4-BE49-F238E27FC236}">
@@ -10945,12 +11029,70 @@
           </a:p>
         </p:txBody>
       </p:sp>
-      <p:sp>
-        <p:nvSpPr>
-          <p:cNvPr id="5" name="TextBox 4">
+      <p:pic>
+        <p:nvPicPr>
+          <p:cNvPr id="8" name="그림 7">
             <a:extLst>
               <a:ext uri="{FF2B5EF4-FFF2-40B4-BE49-F238E27FC236}">
-                <a16:creationId xmlns:a16="http://schemas.microsoft.com/office/drawing/2014/main" id="{1E7B53F3-8B52-1EAC-BEF2-EC913009FFC3}"/>
+                <a16:creationId xmlns:a16="http://schemas.microsoft.com/office/drawing/2014/main" id="{DB1B1DC9-52DC-E3B0-9C2E-657F36F64068}"/>
+              </a:ext>
+            </a:extLst>
+          </p:cNvPr>
+          <p:cNvPicPr>
+            <a:picLocks noChangeAspect="1"/>
+          </p:cNvPicPr>
+          <p:nvPr/>
+        </p:nvPicPr>
+        <p:blipFill rotWithShape="1">
+          <a:blip r:embed="rId3"/>
+          <a:srcRect r="33469" b="33494"/>
+          <a:stretch/>
+        </p:blipFill>
+        <p:spPr>
+          <a:xfrm>
+            <a:off x="628651" y="1755645"/>
+            <a:ext cx="3871700" cy="2676915"/>
+          </a:xfrm>
+          <a:prstGeom prst="rect">
+            <a:avLst/>
+          </a:prstGeom>
+        </p:spPr>
+      </p:pic>
+      <p:pic>
+        <p:nvPicPr>
+          <p:cNvPr id="12" name="그림 11">
+            <a:extLst>
+              <a:ext uri="{FF2B5EF4-FFF2-40B4-BE49-F238E27FC236}">
+                <a16:creationId xmlns:a16="http://schemas.microsoft.com/office/drawing/2014/main" id="{3D3CE8AA-069C-F181-E3FC-272D02E78B28}"/>
+              </a:ext>
+            </a:extLst>
+          </p:cNvPr>
+          <p:cNvPicPr>
+            <a:picLocks noChangeAspect="1"/>
+          </p:cNvPicPr>
+          <p:nvPr/>
+        </p:nvPicPr>
+        <p:blipFill rotWithShape="1">
+          <a:blip r:embed="rId4"/>
+          <a:srcRect l="-1" r="32373" b="33494"/>
+          <a:stretch/>
+        </p:blipFill>
+        <p:spPr>
+          <a:xfrm>
+            <a:off x="4662343" y="1755645"/>
+            <a:ext cx="3935557" cy="2676916"/>
+          </a:xfrm>
+          <a:prstGeom prst="rect">
+            <a:avLst/>
+          </a:prstGeom>
+        </p:spPr>
+      </p:pic>
+      <p:sp>
+        <p:nvSpPr>
+          <p:cNvPr id="14" name="TextBox 13">
+            <a:extLst>
+              <a:ext uri="{FF2B5EF4-FFF2-40B4-BE49-F238E27FC236}">
+                <a16:creationId xmlns:a16="http://schemas.microsoft.com/office/drawing/2014/main" id="{4517D341-043B-F87D-F346-6F69E93C9E60}"/>
               </a:ext>
             </a:extLst>
           </p:cNvPr>
@@ -10959,8 +11101,8 @@
         </p:nvSpPr>
         <p:spPr>
           <a:xfrm>
-            <a:off x="1568646" y="4193138"/>
-            <a:ext cx="2573077" cy="461665"/>
+            <a:off x="628650" y="1320110"/>
+            <a:ext cx="845103" cy="307777"/>
           </a:xfrm>
           <a:prstGeom prst="rect">
             <a:avLst/>
@@ -10973,29 +11115,32 @@
           </a:bodyPr>
           <a:lstStyle/>
           <a:p>
-            <a:pPr algn="ctr"/>
-            <a:r>
-              <a:rPr lang="en-US" altLang="ko-KR" sz="2400" b="1" dirty="0">
-                <a:solidFill>
-                  <a:srgbClr val="0070C0"/>
-                </a:solidFill>
-              </a:rPr>
-              <a:t>Reactor, Coroutine</a:t>
-            </a:r>
-            <a:endParaRPr lang="ko-KR" altLang="en-US" sz="2400" b="1" dirty="0">
+            <a:r>
+              <a:rPr lang="ko-KR" altLang="en-US" sz="1400" dirty="0">
+                <a:latin typeface="Spoqa Han Sans Neo Medium" pitchFamily="2" charset="-127"/>
+                <a:ea typeface="Spoqa Han Sans Neo Medium" pitchFamily="2" charset="-127"/>
+              </a:rPr>
+              <a:t>단건조회</a:t>
+            </a:r>
+            <a:endParaRPr lang="ko-KR" altLang="en-US" sz="1100" dirty="0">
               <a:solidFill>
-                <a:srgbClr val="0070C0"/>
+                <a:schemeClr val="tx1">
+                  <a:lumMod val="50000"/>
+                  <a:lumOff val="50000"/>
+                </a:schemeClr>
               </a:solidFill>
+              <a:latin typeface="Spoqa Han Sans Neo Medium" pitchFamily="2" charset="-127"/>
+              <a:ea typeface="Spoqa Han Sans Neo Medium" pitchFamily="2" charset="-127"/>
             </a:endParaRPr>
           </a:p>
         </p:txBody>
       </p:sp>
       <p:sp>
         <p:nvSpPr>
-          <p:cNvPr id="6" name="TextBox 5">
+          <p:cNvPr id="15" name="TextBox 14">
             <a:extLst>
               <a:ext uri="{FF2B5EF4-FFF2-40B4-BE49-F238E27FC236}">
-                <a16:creationId xmlns:a16="http://schemas.microsoft.com/office/drawing/2014/main" id="{F4BFD658-A2DB-5377-CA24-48BC1DFE2CF0}"/>
+                <a16:creationId xmlns:a16="http://schemas.microsoft.com/office/drawing/2014/main" id="{701AB1F8-82DF-F0F7-8F73-9E38FC1E27B9}"/>
               </a:ext>
             </a:extLst>
           </p:cNvPr>
@@ -11004,8 +11149,8 @@
         </p:nvSpPr>
         <p:spPr>
           <a:xfrm>
-            <a:off x="5126146" y="4193137"/>
-            <a:ext cx="2519792" cy="461665"/>
+            <a:off x="4662343" y="1320110"/>
+            <a:ext cx="845103" cy="307777"/>
           </a:xfrm>
           <a:prstGeom prst="rect">
             <a:avLst/>
@@ -11018,72 +11163,22 @@
           </a:bodyPr>
           <a:lstStyle/>
           <a:p>
-            <a:pPr algn="ctr"/>
-            <a:r>
-              <a:rPr lang="en-US" altLang="ko-KR" sz="2400" b="1" dirty="0">
-                <a:solidFill>
-                  <a:srgbClr val="0070C0"/>
-                </a:solidFill>
-              </a:rPr>
-              <a:t>R2DBC, </a:t>
-            </a:r>
-            <a:r>
-              <a:rPr lang="en-US" altLang="ko-KR" sz="2400" b="1" dirty="0" err="1">
-                <a:solidFill>
-                  <a:srgbClr val="0070C0"/>
-                </a:solidFill>
-              </a:rPr>
-              <a:t>WebClient</a:t>
-            </a:r>
-            <a:endParaRPr lang="ko-KR" altLang="en-US" sz="2400" b="1" dirty="0">
+            <a:r>
+              <a:rPr lang="ko-KR" altLang="en-US" sz="1400" dirty="0">
+                <a:latin typeface="Spoqa Han Sans Neo Medium" pitchFamily="2" charset="-127"/>
+                <a:ea typeface="Spoqa Han Sans Neo Medium" pitchFamily="2" charset="-127"/>
+              </a:rPr>
+              <a:t>다건조회</a:t>
+            </a:r>
+            <a:endParaRPr lang="ko-KR" altLang="en-US" sz="1100" dirty="0">
               <a:solidFill>
-                <a:srgbClr val="0070C0"/>
+                <a:schemeClr val="tx1">
+                  <a:lumMod val="50000"/>
+                  <a:lumOff val="50000"/>
+                </a:schemeClr>
               </a:solidFill>
-            </a:endParaRPr>
-          </a:p>
-        </p:txBody>
-      </p:sp>
-      <p:sp>
-        <p:nvSpPr>
-          <p:cNvPr id="7" name="TextBox 6">
-            <a:extLst>
-              <a:ext uri="{FF2B5EF4-FFF2-40B4-BE49-F238E27FC236}">
-                <a16:creationId xmlns:a16="http://schemas.microsoft.com/office/drawing/2014/main" id="{C41759F4-2D18-0D1F-82E5-8C9FBE8BC9E1}"/>
-              </a:ext>
-            </a:extLst>
-          </p:cNvPr>
-          <p:cNvSpPr txBox="1"/>
-          <p:nvPr/>
-        </p:nvSpPr>
-        <p:spPr>
-          <a:xfrm>
-            <a:off x="4123448" y="2576526"/>
-            <a:ext cx="897105" cy="461665"/>
-          </a:xfrm>
-          <a:prstGeom prst="rect">
-            <a:avLst/>
-          </a:prstGeom>
-          <a:noFill/>
-        </p:spPr>
-        <p:txBody>
-          <a:bodyPr wrap="none" rtlCol="0">
-            <a:spAutoFit/>
-          </a:bodyPr>
-          <a:lstStyle/>
-          <a:p>
-            <a:pPr algn="ctr"/>
-            <a:r>
-              <a:rPr lang="en-US" altLang="ko-KR" sz="2400" b="1" dirty="0" err="1">
-                <a:solidFill>
-                  <a:srgbClr val="0070C0"/>
-                </a:solidFill>
-              </a:rPr>
-              <a:t>Netty</a:t>
-            </a:r>
-            <a:endParaRPr lang="ko-KR" altLang="en-US" sz="2400" b="1" dirty="0">
-              <a:solidFill>
-                <a:srgbClr val="0070C0"/>
-              </a:solidFill>
+              <a:latin typeface="Spoqa Han Sans Neo Medium" pitchFamily="2" charset="-127"/>
+              <a:ea typeface="Spoqa Han Sans Neo Medium" pitchFamily="2" charset="-127"/>
             </a:endParaRPr>
           </a:p>
         </p:txBody>
@@ -11098,176 +11193,6 @@
   <p:clrMapOvr>
     <a:masterClrMapping/>
   </p:clrMapOvr>
-  <p:timing>
-    <p:tnLst>
-      <p:par>
-        <p:cTn id="1" dur="indefinite" restart="never" nodeType="tmRoot">
-          <p:childTnLst>
-            <p:seq concurrent="1" nextAc="seek">
-              <p:cTn id="2" dur="indefinite" nodeType="mainSeq">
-                <p:childTnLst>
-                  <p:par>
-                    <p:cTn id="3" fill="hold">
-                      <p:stCondLst>
-                        <p:cond delay="indefinite"/>
-                      </p:stCondLst>
-                      <p:childTnLst>
-                        <p:par>
-                          <p:cTn id="4" fill="hold">
-                            <p:stCondLst>
-                              <p:cond delay="0"/>
-                            </p:stCondLst>
-                            <p:childTnLst>
-                              <p:par>
-                                <p:cTn id="5" presetID="1" presetClass="entr" presetSubtype="0" fill="hold" grpId="0" nodeType="clickEffect">
-                                  <p:stCondLst>
-                                    <p:cond delay="0"/>
-                                  </p:stCondLst>
-                                  <p:childTnLst>
-                                    <p:set>
-                                      <p:cBhvr>
-                                        <p:cTn id="6" dur="1" fill="hold">
-                                          <p:stCondLst>
-                                            <p:cond delay="0"/>
-                                          </p:stCondLst>
-                                        </p:cTn>
-                                        <p:tgtEl>
-                                          <p:spTgt spid="5"/>
-                                        </p:tgtEl>
-                                        <p:attrNameLst>
-                                          <p:attrName>style.visibility</p:attrName>
-                                        </p:attrNameLst>
-                                      </p:cBhvr>
-                                      <p:to>
-                                        <p:strVal val="visible"/>
-                                      </p:to>
-                                    </p:set>
-                                  </p:childTnLst>
-                                </p:cTn>
-                              </p:par>
-                            </p:childTnLst>
-                          </p:cTn>
-                        </p:par>
-                      </p:childTnLst>
-                    </p:cTn>
-                  </p:par>
-                  <p:par>
-                    <p:cTn id="7" fill="hold">
-                      <p:stCondLst>
-                        <p:cond delay="indefinite"/>
-                      </p:stCondLst>
-                      <p:childTnLst>
-                        <p:par>
-                          <p:cTn id="8" fill="hold">
-                            <p:stCondLst>
-                              <p:cond delay="0"/>
-                            </p:stCondLst>
-                            <p:childTnLst>
-                              <p:par>
-                                <p:cTn id="9" presetID="1" presetClass="entr" presetSubtype="0" fill="hold" grpId="0" nodeType="clickEffect">
-                                  <p:stCondLst>
-                                    <p:cond delay="0"/>
-                                  </p:stCondLst>
-                                  <p:childTnLst>
-                                    <p:set>
-                                      <p:cBhvr>
-                                        <p:cTn id="10" dur="1" fill="hold">
-                                          <p:stCondLst>
-                                            <p:cond delay="0"/>
-                                          </p:stCondLst>
-                                        </p:cTn>
-                                        <p:tgtEl>
-                                          <p:spTgt spid="6"/>
-                                        </p:tgtEl>
-                                        <p:attrNameLst>
-                                          <p:attrName>style.visibility</p:attrName>
-                                        </p:attrNameLst>
-                                      </p:cBhvr>
-                                      <p:to>
-                                        <p:strVal val="visible"/>
-                                      </p:to>
-                                    </p:set>
-                                  </p:childTnLst>
-                                </p:cTn>
-                              </p:par>
-                            </p:childTnLst>
-                          </p:cTn>
-                        </p:par>
-                      </p:childTnLst>
-                    </p:cTn>
-                  </p:par>
-                  <p:par>
-                    <p:cTn id="11" fill="hold">
-                      <p:stCondLst>
-                        <p:cond delay="indefinite"/>
-                      </p:stCondLst>
-                      <p:childTnLst>
-                        <p:par>
-                          <p:cTn id="12" fill="hold">
-                            <p:stCondLst>
-                              <p:cond delay="0"/>
-                            </p:stCondLst>
-                            <p:childTnLst>
-                              <p:par>
-                                <p:cTn id="13" presetID="1" presetClass="entr" presetSubtype="0" fill="hold" grpId="0" nodeType="clickEffect">
-                                  <p:stCondLst>
-                                    <p:cond delay="0"/>
-                                  </p:stCondLst>
-                                  <p:childTnLst>
-                                    <p:set>
-                                      <p:cBhvr>
-                                        <p:cTn id="14" dur="1" fill="hold">
-                                          <p:stCondLst>
-                                            <p:cond delay="0"/>
-                                          </p:stCondLst>
-                                        </p:cTn>
-                                        <p:tgtEl>
-                                          <p:spTgt spid="7"/>
-                                        </p:tgtEl>
-                                        <p:attrNameLst>
-                                          <p:attrName>style.visibility</p:attrName>
-                                        </p:attrNameLst>
-                                      </p:cBhvr>
-                                      <p:to>
-                                        <p:strVal val="visible"/>
-                                      </p:to>
-                                    </p:set>
-                                  </p:childTnLst>
-                                </p:cTn>
-                              </p:par>
-                            </p:childTnLst>
-                          </p:cTn>
-                        </p:par>
-                      </p:childTnLst>
-                    </p:cTn>
-                  </p:par>
-                </p:childTnLst>
-              </p:cTn>
-              <p:prevCondLst>
-                <p:cond evt="onPrev" delay="0">
-                  <p:tgtEl>
-                    <p:sldTgt/>
-                  </p:tgtEl>
-                </p:cond>
-              </p:prevCondLst>
-              <p:nextCondLst>
-                <p:cond evt="onNext" delay="0">
-                  <p:tgtEl>
-                    <p:sldTgt/>
-                  </p:tgtEl>
-                </p:cond>
-              </p:nextCondLst>
-            </p:seq>
-          </p:childTnLst>
-        </p:cTn>
-      </p:par>
-    </p:tnLst>
-    <p:bldLst>
-      <p:bldP spid="5" grpId="0"/>
-      <p:bldP spid="6" grpId="0"/>
-      <p:bldP spid="7" grpId="0"/>
-    </p:bldLst>
-  </p:timing>
 </p:sld>
 </file>
 
